--- a/Cancer_Champions_PPT.pptx
+++ b/Cancer_Champions_PPT.pptx
@@ -5,10 +5,10 @@
     <p:sldMasterId id="2147483669" r:id="rId4"/>
   </p:sldMasterIdLst>
   <p:notesMasterIdLst>
-    <p:notesMasterId r:id="rId22"/>
+    <p:notesMasterId r:id="rId23"/>
   </p:notesMasterIdLst>
   <p:handoutMasterIdLst>
-    <p:handoutMasterId r:id="rId23"/>
+    <p:handoutMasterId r:id="rId24"/>
   </p:handoutMasterIdLst>
   <p:sldIdLst>
     <p:sldId id="256" r:id="rId5"/>
@@ -24,10 +24,11 @@
     <p:sldId id="269" r:id="rId15"/>
     <p:sldId id="270" r:id="rId16"/>
     <p:sldId id="271" r:id="rId17"/>
-    <p:sldId id="261" r:id="rId18"/>
-    <p:sldId id="272" r:id="rId19"/>
-    <p:sldId id="263" r:id="rId20"/>
-    <p:sldId id="262" r:id="rId21"/>
+    <p:sldId id="273" r:id="rId18"/>
+    <p:sldId id="261" r:id="rId19"/>
+    <p:sldId id="272" r:id="rId20"/>
+    <p:sldId id="263" r:id="rId21"/>
+    <p:sldId id="262" r:id="rId22"/>
   </p:sldIdLst>
   <p:sldSz cx="12192000" cy="6858000"/>
   <p:notesSz cx="6858000" cy="9144000"/>
@@ -3463,7 +3464,7 @@
       <dgm:spPr/>
     </dgm:pt>
     <dgm:pt modelId="{17CA1487-CDD9-4364-92F6-A11DBDAFE16C}" type="pres">
-      <dgm:prSet presAssocID="{6857B86A-DEC1-407C-A1BB-5BF9ACCBCA6A}" presName="desTx" presStyleLbl="alignAccFollowNode1" presStyleIdx="0" presStyleCnt="3" custScaleX="95991" custScaleY="100000" custLinFactNeighborX="1302" custLinFactNeighborY="-6530">
+      <dgm:prSet presAssocID="{6857B86A-DEC1-407C-A1BB-5BF9ACCBCA6A}" presName="desTx" presStyleLbl="alignAccFollowNode1" presStyleIdx="0" presStyleCnt="3" custScaleX="95991" custScaleY="90365" custLinFactNeighborX="1302" custLinFactNeighborY="-6530">
         <dgm:presLayoutVars>
           <dgm:bulletEnabled val="1"/>
         </dgm:presLayoutVars>
@@ -3489,7 +3490,7 @@
       <dgm:spPr/>
     </dgm:pt>
     <dgm:pt modelId="{E4FD5043-5612-43C5-B6AE-CCD431549399}" type="pres">
-      <dgm:prSet presAssocID="{ABA77F75-8642-4931-8D7E-BE6C6DB9940D}" presName="desTx" presStyleLbl="alignAccFollowNode1" presStyleIdx="1" presStyleCnt="3" custScaleX="95961" custScaleY="99865" custLinFactNeighborX="-729" custLinFactNeighborY="-5592">
+      <dgm:prSet presAssocID="{ABA77F75-8642-4931-8D7E-BE6C6DB9940D}" presName="desTx" presStyleLbl="alignAccFollowNode1" presStyleIdx="1" presStyleCnt="3" custScaleX="95961" custScaleY="91425" custLinFactNeighborX="-729" custLinFactNeighborY="-5592">
         <dgm:presLayoutVars>
           <dgm:bulletEnabled val="1"/>
         </dgm:presLayoutVars>
@@ -3515,7 +3516,7 @@
       <dgm:spPr/>
     </dgm:pt>
     <dgm:pt modelId="{EA81ED6A-A7EA-4137-A3DC-D16E79F1B938}" type="pres">
-      <dgm:prSet presAssocID="{DA5DFAD8-E443-4F53-9341-A0903BBBD378}" presName="desTx" presStyleLbl="alignAccFollowNode1" presStyleIdx="2" presStyleCnt="3" custScaleY="99586" custLinFactNeighborX="160" custLinFactNeighborY="-5450">
+      <dgm:prSet presAssocID="{DA5DFAD8-E443-4F53-9341-A0903BBBD378}" presName="desTx" presStyleLbl="alignAccFollowNode1" presStyleIdx="2" presStyleCnt="3" custScaleY="90918" custLinFactNeighborX="160" custLinFactNeighborY="-5956">
         <dgm:presLayoutVars>
           <dgm:bulletEnabled val="1"/>
         </dgm:presLayoutVars>
@@ -4313,8 +4314,8 @@
       </dsp:nvSpPr>
       <dsp:spPr>
         <a:xfrm>
-          <a:off x="67114" y="0"/>
-          <a:ext cx="3549098" cy="571800"/>
+          <a:off x="67114" y="255275"/>
+          <a:ext cx="3549098" cy="543210"/>
         </a:xfrm>
         <a:prstGeom prst="rect">
           <a:avLst/>
@@ -4386,8 +4387,8 @@
         </a:p>
       </dsp:txBody>
       <dsp:txXfrm>
-        <a:off x="67114" y="0"/>
-        <a:ext cx="3549098" cy="571800"/>
+        <a:off x="67114" y="255275"/>
+        <a:ext cx="3549098" cy="543210"/>
       </dsp:txXfrm>
     </dsp:sp>
     <dsp:sp modelId="{17CA1487-CDD9-4364-92F6-A11DBDAFE16C}">
@@ -4397,8 +4398,8 @@
       </dsp:nvSpPr>
       <dsp:spPr>
         <a:xfrm>
-          <a:off x="67132" y="578266"/>
-          <a:ext cx="3526066" cy="3813624"/>
+          <a:off x="67132" y="992370"/>
+          <a:ext cx="3526066" cy="3166191"/>
         </a:xfrm>
         <a:prstGeom prst="rect">
           <a:avLst/>
@@ -4469,7 +4470,7 @@
           </a:r>
         </a:p>
         <a:p>
-          <a:pPr marL="171450" lvl="1" indent="-171450" algn="l" defTabSz="844550">
+          <a:pPr marL="171450" lvl="1" indent="-171450" algn="l" defTabSz="755650">
             <a:lnSpc>
               <a:spcPct val="90000"/>
             </a:lnSpc>
@@ -4483,7 +4484,7 @@
             <a:buChar char=""/>
           </a:pPr>
           <a:r>
-            <a:rPr lang="en-US" sz="1900" kern="1200" dirty="0">
+            <a:rPr lang="en-US" sz="1700" kern="1200" dirty="0">
               <a:latin typeface="Tahoma" panose="020B0604030504040204" pitchFamily="34" charset="0"/>
               <a:ea typeface="Tahoma" panose="020B0604030504040204" pitchFamily="34" charset="0"/>
               <a:cs typeface="Tahoma" panose="020B0604030504040204" pitchFamily="34" charset="0"/>
@@ -4492,7 +4493,7 @@
           </a:r>
         </a:p>
         <a:p>
-          <a:pPr marL="342900" lvl="2" indent="-171450" algn="l" defTabSz="844550">
+          <a:pPr marL="342900" lvl="2" indent="-171450" algn="l" defTabSz="755650">
             <a:lnSpc>
               <a:spcPct val="90000"/>
             </a:lnSpc>
@@ -4506,7 +4507,7 @@
             <a:buChar char=""/>
           </a:pPr>
           <a:r>
-            <a:rPr lang="en-US" sz="1900" kern="1200" dirty="0">
+            <a:rPr lang="en-US" sz="1700" kern="1200" dirty="0">
               <a:latin typeface="Tahoma" panose="020B0604030504040204" pitchFamily="34" charset="0"/>
               <a:ea typeface="Tahoma" panose="020B0604030504040204" pitchFamily="34" charset="0"/>
               <a:cs typeface="Tahoma" panose="020B0604030504040204" pitchFamily="34" charset="0"/>
@@ -4515,7 +4516,7 @@
           </a:r>
         </a:p>
         <a:p>
-          <a:pPr marL="342900" lvl="2" indent="-171450" algn="l" defTabSz="844550">
+          <a:pPr marL="342900" lvl="2" indent="-171450" algn="l" defTabSz="755650">
             <a:lnSpc>
               <a:spcPct val="90000"/>
             </a:lnSpc>
@@ -4529,7 +4530,7 @@
             <a:buChar char=""/>
           </a:pPr>
           <a:r>
-            <a:rPr lang="en-US" sz="1900" kern="1200" dirty="0">
+            <a:rPr lang="en-US" sz="1700" kern="1200" dirty="0">
               <a:latin typeface="Tahoma" panose="020B0604030504040204" pitchFamily="34" charset="0"/>
               <a:ea typeface="Tahoma" panose="020B0604030504040204" pitchFamily="34" charset="0"/>
               <a:cs typeface="Tahoma" panose="020B0604030504040204" pitchFamily="34" charset="0"/>
@@ -4537,7 +4538,7 @@
             <a:t>datasets/</a:t>
           </a:r>
           <a:r>
-            <a:rPr lang="en-US" sz="1900" kern="1200" dirty="0" err="1">
+            <a:rPr lang="en-US" sz="1700" kern="1200" dirty="0" err="1">
               <a:latin typeface="Tahoma" panose="020B0604030504040204" pitchFamily="34" charset="0"/>
               <a:ea typeface="Tahoma" panose="020B0604030504040204" pitchFamily="34" charset="0"/>
               <a:cs typeface="Tahoma" panose="020B0604030504040204" pitchFamily="34" charset="0"/>
@@ -4545,7 +4546,7 @@
             <a:t>andrewmvd</a:t>
           </a:r>
           <a:r>
-            <a:rPr lang="en-US" sz="1900" kern="1200" dirty="0">
+            <a:rPr lang="en-US" sz="1700" kern="1200" dirty="0">
               <a:latin typeface="Tahoma" panose="020B0604030504040204" pitchFamily="34" charset="0"/>
               <a:ea typeface="Tahoma" panose="020B0604030504040204" pitchFamily="34" charset="0"/>
               <a:cs typeface="Tahoma" panose="020B0604030504040204" pitchFamily="34" charset="0"/>
@@ -4554,7 +4555,7 @@
           </a:r>
         </a:p>
         <a:p>
-          <a:pPr marL="342900" lvl="2" indent="-171450" algn="l" defTabSz="844550">
+          <a:pPr marL="342900" lvl="2" indent="-171450" algn="l" defTabSz="755650">
             <a:lnSpc>
               <a:spcPct val="90000"/>
             </a:lnSpc>
@@ -4568,7 +4569,7 @@
             <a:buChar char=""/>
           </a:pPr>
           <a:r>
-            <a:rPr lang="en-US" sz="1900" kern="1200" dirty="0">
+            <a:rPr lang="en-US" sz="1700" kern="1200" dirty="0">
               <a:latin typeface="Tahoma" panose="020B0604030504040204" pitchFamily="34" charset="0"/>
               <a:ea typeface="Tahoma" panose="020B0604030504040204" pitchFamily="34" charset="0"/>
               <a:cs typeface="Tahoma" panose="020B0604030504040204" pitchFamily="34" charset="0"/>
@@ -4577,7 +4578,7 @@
           </a:r>
         </a:p>
         <a:p>
-          <a:pPr marL="514350" lvl="3" indent="-171450" algn="l" defTabSz="844550">
+          <a:pPr marL="514350" lvl="3" indent="-171450" algn="l" defTabSz="755650">
             <a:lnSpc>
               <a:spcPct val="90000"/>
             </a:lnSpc>
@@ -4591,21 +4592,21 @@
             <a:buChar char=""/>
           </a:pPr>
           <a:r>
-            <a:rPr lang="en-US" sz="1900" b="1" i="1" kern="1200" dirty="0">
+            <a:rPr lang="en-US" sz="1700" b="1" i="1" kern="1200" dirty="0">
               <a:latin typeface="Tahoma" panose="020B0604030504040204" pitchFamily="34" charset="0"/>
               <a:ea typeface="Tahoma" panose="020B0604030504040204" pitchFamily="34" charset="0"/>
               <a:cs typeface="Tahoma" panose="020B0604030504040204" pitchFamily="34" charset="0"/>
             </a:rPr>
             <a:t>Reduced Input Size</a:t>
           </a:r>
-          <a:endParaRPr lang="en-US" sz="1900" kern="1200" dirty="0">
+          <a:endParaRPr lang="en-US" sz="1700" kern="1200" dirty="0">
             <a:latin typeface="Tahoma" panose="020B0604030504040204" pitchFamily="34" charset="0"/>
             <a:ea typeface="Tahoma" panose="020B0604030504040204" pitchFamily="34" charset="0"/>
             <a:cs typeface="Tahoma" panose="020B0604030504040204" pitchFamily="34" charset="0"/>
           </a:endParaRPr>
         </a:p>
         <a:p>
-          <a:pPr marL="171450" lvl="1" indent="-171450" algn="l" defTabSz="844550">
+          <a:pPr marL="171450" lvl="1" indent="-171450" algn="l" defTabSz="755650">
             <a:lnSpc>
               <a:spcPct val="90000"/>
             </a:lnSpc>
@@ -4619,7 +4620,7 @@
             <a:buChar char=""/>
           </a:pPr>
           <a:r>
-            <a:rPr lang="en-US" sz="1900" kern="1200" dirty="0">
+            <a:rPr lang="en-US" sz="1700" kern="1200" dirty="0">
               <a:latin typeface="Tahoma" panose="020B0604030504040204" pitchFamily="34" charset="0"/>
               <a:ea typeface="Tahoma" panose="020B0604030504040204" pitchFamily="34" charset="0"/>
               <a:cs typeface="Tahoma" panose="020B0604030504040204" pitchFamily="34" charset="0"/>
@@ -4627,21 +4628,21 @@
             <a:t>Build from </a:t>
           </a:r>
           <a:r>
-            <a:rPr lang="en-US" sz="1900" kern="1200" dirty="0" err="1">
+            <a:rPr lang="en-US" sz="1700" kern="1200" dirty="0" err="1">
               <a:latin typeface="Tahoma" panose="020B0604030504040204" pitchFamily="34" charset="0"/>
               <a:ea typeface="Tahoma" panose="020B0604030504040204" pitchFamily="34" charset="0"/>
               <a:cs typeface="Tahoma" panose="020B0604030504040204" pitchFamily="34" charset="0"/>
             </a:rPr>
             <a:t>Scrach</a:t>
           </a:r>
-          <a:endParaRPr lang="en-US" sz="1900" kern="1200" dirty="0">
+          <a:endParaRPr lang="en-US" sz="1700" kern="1200" dirty="0">
             <a:latin typeface="Tahoma" panose="020B0604030504040204" pitchFamily="34" charset="0"/>
             <a:ea typeface="Tahoma" panose="020B0604030504040204" pitchFamily="34" charset="0"/>
             <a:cs typeface="Tahoma" panose="020B0604030504040204" pitchFamily="34" charset="0"/>
           </a:endParaRPr>
         </a:p>
         <a:p>
-          <a:pPr marL="171450" lvl="1" indent="-171450" algn="l" defTabSz="844550">
+          <a:pPr marL="171450" lvl="1" indent="-171450" algn="l" defTabSz="755650">
             <a:lnSpc>
               <a:spcPct val="90000"/>
             </a:lnSpc>
@@ -4655,19 +4656,19 @@
             <a:buChar char=""/>
           </a:pPr>
           <a:r>
-            <a:rPr lang="en-US" sz="1900" b="1" i="1" kern="1200" dirty="0">
+            <a:rPr lang="en-US" sz="1700" b="1" i="1" kern="1200" dirty="0">
               <a:latin typeface="Tahoma" panose="020B0604030504040204" pitchFamily="34" charset="0"/>
               <a:ea typeface="Tahoma" panose="020B0604030504040204" pitchFamily="34" charset="0"/>
               <a:cs typeface="Tahoma" panose="020B0604030504040204" pitchFamily="34" charset="0"/>
             </a:rPr>
             <a:t>Add on Interface</a:t>
           </a:r>
-          <a:endParaRPr lang="en-US" sz="1900" kern="1200" dirty="0"/>
+          <a:endParaRPr lang="en-US" sz="1700" kern="1200" dirty="0"/>
         </a:p>
       </dsp:txBody>
       <dsp:txXfrm>
-        <a:off x="67132" y="578266"/>
-        <a:ext cx="3526066" cy="3813624"/>
+        <a:off x="67132" y="992370"/>
+        <a:ext cx="3526066" cy="3166191"/>
       </dsp:txXfrm>
     </dsp:sp>
     <dsp:sp modelId="{055A5EAB-EAE0-4501-8649-31F112FF9AD5}">
@@ -4677,8 +4678,8 @@
       </dsp:nvSpPr>
       <dsp:spPr>
         <a:xfrm>
-          <a:off x="4054294" y="9435"/>
-          <a:ext cx="3522320" cy="576000"/>
+          <a:off x="4054294" y="264897"/>
+          <a:ext cx="3522320" cy="547200"/>
         </a:xfrm>
         <a:prstGeom prst="rect">
           <a:avLst/>
@@ -4750,8 +4751,8 @@
         </a:p>
       </dsp:txBody>
       <dsp:txXfrm>
-        <a:off x="4054294" y="9435"/>
-        <a:ext cx="3522320" cy="576000"/>
+        <a:off x="4054294" y="264897"/>
+        <a:ext cx="3522320" cy="547200"/>
       </dsp:txXfrm>
     </dsp:sp>
     <dsp:sp modelId="{E4FD5043-5612-43C5-B6AE-CCD431549399}">
@@ -4761,8 +4762,8 @@
       </dsp:nvSpPr>
       <dsp:spPr>
         <a:xfrm>
-          <a:off x="4044376" y="621049"/>
-          <a:ext cx="3524964" cy="3808475"/>
+          <a:off x="4044376" y="1000373"/>
+          <a:ext cx="3524964" cy="3203331"/>
         </a:xfrm>
         <a:prstGeom prst="rect">
           <a:avLst/>
@@ -4805,12 +4806,12 @@
         <a:fontRef idx="minor"/>
       </dsp:style>
       <dsp:txBody>
-        <a:bodyPr spcFirstLastPara="0" vert="horz" wrap="square" lIns="101346" tIns="101346" rIns="135128" bIns="152019" numCol="1" spcCol="1270" anchor="t" anchorCtr="0">
+        <a:bodyPr spcFirstLastPara="0" vert="horz" wrap="square" lIns="90678" tIns="90678" rIns="120904" bIns="136017" numCol="1" spcCol="1270" anchor="t" anchorCtr="0">
           <a:noAutofit/>
         </a:bodyPr>
         <a:lstStyle/>
         <a:p>
-          <a:pPr marL="171450" lvl="1" indent="-171450" algn="l" defTabSz="844550">
+          <a:pPr marL="171450" lvl="1" indent="-171450" algn="l" defTabSz="755650">
             <a:lnSpc>
               <a:spcPct val="90000"/>
             </a:lnSpc>
@@ -4824,7 +4825,7 @@
             <a:buChar char="§"/>
           </a:pPr>
           <a:r>
-            <a:rPr lang="en-US" sz="1900" kern="1200" dirty="0">
+            <a:rPr lang="en-US" sz="1700" kern="1200" dirty="0">
               <a:latin typeface="Tahoma" panose="020B0604030504040204" pitchFamily="34" charset="0"/>
               <a:ea typeface="Tahoma" panose="020B0604030504040204" pitchFamily="34" charset="0"/>
               <a:cs typeface="Tahoma" panose="020B0604030504040204" pitchFamily="34" charset="0"/>
@@ -4832,7 +4833,7 @@
             <a:t>Pre-trained U-Net Model/</a:t>
           </a:r>
           <a:r>
-            <a:rPr lang="en-US" sz="1900" kern="1200" dirty="0">
+            <a:rPr lang="en-US" sz="1700" kern="1200" dirty="0">
               <a:solidFill>
                 <a:srgbClr val="FF0000"/>
               </a:solidFill>
@@ -4842,14 +4843,14 @@
             </a:rPr>
             <a:t>FAILURE</a:t>
           </a:r>
-          <a:endParaRPr lang="en-US" sz="1900" kern="1200" dirty="0">
+          <a:endParaRPr lang="en-US" sz="1700" kern="1200" dirty="0">
             <a:latin typeface="Tahoma" panose="020B0604030504040204" pitchFamily="34" charset="0"/>
             <a:ea typeface="Tahoma" panose="020B0604030504040204" pitchFamily="34" charset="0"/>
             <a:cs typeface="Tahoma" panose="020B0604030504040204" pitchFamily="34" charset="0"/>
           </a:endParaRPr>
         </a:p>
         <a:p>
-          <a:pPr marL="171450" lvl="1" indent="-171450" algn="l" defTabSz="844550">
+          <a:pPr marL="171450" lvl="1" indent="-171450" algn="l" defTabSz="755650">
             <a:lnSpc>
               <a:spcPct val="90000"/>
             </a:lnSpc>
@@ -4862,14 +4863,14 @@
             <a:buFont typeface="Wingdings" panose="05000000000000000000" pitchFamily="2" charset="2"/>
             <a:buNone/>
           </a:pPr>
-          <a:endParaRPr lang="en-US" sz="1900" kern="1200" dirty="0">
+          <a:endParaRPr lang="en-US" sz="1700" kern="1200" dirty="0">
             <a:latin typeface="Tahoma" panose="020B0604030504040204" pitchFamily="34" charset="0"/>
             <a:ea typeface="Tahoma" panose="020B0604030504040204" pitchFamily="34" charset="0"/>
             <a:cs typeface="Tahoma" panose="020B0604030504040204" pitchFamily="34" charset="0"/>
           </a:endParaRPr>
         </a:p>
         <a:p>
-          <a:pPr marL="171450" lvl="1" indent="-171450" algn="l" defTabSz="844550">
+          <a:pPr marL="171450" lvl="1" indent="-171450" algn="l" defTabSz="755650">
             <a:lnSpc>
               <a:spcPct val="90000"/>
             </a:lnSpc>
@@ -4883,7 +4884,7 @@
             <a:buChar char=""/>
           </a:pPr>
           <a:r>
-            <a:rPr lang="en-US" sz="1900" kern="1200" dirty="0">
+            <a:rPr lang="en-US" sz="1700" kern="1200" dirty="0">
               <a:latin typeface="Tahoma" panose="020B0604030504040204" pitchFamily="34" charset="0"/>
               <a:ea typeface="Tahoma" panose="020B0604030504040204" pitchFamily="34" charset="0"/>
               <a:cs typeface="Tahoma" panose="020B0604030504040204" pitchFamily="34" charset="0"/>
@@ -4891,7 +4892,7 @@
             <a:t>U-Net Model from Scratch/</a:t>
           </a:r>
           <a:r>
-            <a:rPr lang="en-US" sz="1900" kern="1200" dirty="0">
+            <a:rPr lang="en-US" sz="1700" kern="1200" dirty="0">
               <a:solidFill>
                 <a:srgbClr val="FF0000"/>
               </a:solidFill>
@@ -4903,7 +4904,7 @@
           </a:r>
         </a:p>
         <a:p>
-          <a:pPr marL="171450" lvl="1" indent="-171450" algn="l" defTabSz="844550">
+          <a:pPr marL="171450" lvl="1" indent="-171450" algn="l" defTabSz="755650">
             <a:lnSpc>
               <a:spcPct val="90000"/>
             </a:lnSpc>
@@ -4917,7 +4918,7 @@
             <a:buChar char=""/>
           </a:pPr>
           <a:r>
-            <a:rPr lang="en-US" sz="1900" kern="1200" dirty="0">
+            <a:rPr lang="en-US" sz="1700" kern="1200" dirty="0">
               <a:latin typeface="Tahoma" panose="020B0604030504040204" pitchFamily="34" charset="0"/>
               <a:ea typeface="Tahoma" panose="020B0604030504040204" pitchFamily="34" charset="0"/>
               <a:cs typeface="Tahoma" panose="020B0604030504040204" pitchFamily="34" charset="0"/>
@@ -4926,7 +4927,7 @@
           </a:r>
         </a:p>
         <a:p>
-          <a:pPr marL="342900" lvl="2" indent="-171450" algn="l" defTabSz="844550">
+          <a:pPr marL="342900" lvl="2" indent="-171450" algn="l" defTabSz="755650">
             <a:lnSpc>
               <a:spcPct val="90000"/>
             </a:lnSpc>
@@ -4940,7 +4941,7 @@
             <a:buChar char=""/>
           </a:pPr>
           <a:r>
-            <a:rPr lang="en-US" sz="1900" kern="1200" dirty="0">
+            <a:rPr lang="en-US" sz="1700" kern="1200" dirty="0">
               <a:latin typeface="Tahoma" panose="020B0604030504040204" pitchFamily="34" charset="0"/>
               <a:ea typeface="Tahoma" panose="020B0604030504040204" pitchFamily="34" charset="0"/>
               <a:cs typeface="Tahoma" panose="020B0604030504040204" pitchFamily="34" charset="0"/>
@@ -4949,7 +4950,7 @@
           </a:r>
         </a:p>
         <a:p>
-          <a:pPr marL="342900" lvl="2" indent="-171450" algn="l" defTabSz="844550">
+          <a:pPr marL="342900" lvl="2" indent="-171450" algn="l" defTabSz="755650">
             <a:lnSpc>
               <a:spcPct val="90000"/>
             </a:lnSpc>
@@ -4963,7 +4964,7 @@
             <a:buChar char=""/>
           </a:pPr>
           <a:r>
-            <a:rPr lang="en-US" sz="1900" kern="1200" dirty="0">
+            <a:rPr lang="en-US" sz="1700" kern="1200" dirty="0">
               <a:latin typeface="Tahoma" panose="020B0604030504040204" pitchFamily="34" charset="0"/>
               <a:ea typeface="Tahoma" panose="020B0604030504040204" pitchFamily="34" charset="0"/>
               <a:cs typeface="Tahoma" panose="020B0604030504040204" pitchFamily="34" charset="0"/>
@@ -4972,7 +4973,7 @@
           </a:r>
         </a:p>
         <a:p>
-          <a:pPr marL="342900" lvl="2" indent="-171450" algn="l" defTabSz="844550">
+          <a:pPr marL="342900" lvl="2" indent="-171450" algn="l" defTabSz="755650">
             <a:lnSpc>
               <a:spcPct val="90000"/>
             </a:lnSpc>
@@ -4986,7 +4987,7 @@
             <a:buChar char=""/>
           </a:pPr>
           <a:r>
-            <a:rPr lang="en-US" sz="1900" kern="1200" dirty="0">
+            <a:rPr lang="en-US" sz="1700" kern="1200" dirty="0">
               <a:latin typeface="Tahoma" panose="020B0604030504040204" pitchFamily="34" charset="0"/>
               <a:ea typeface="Tahoma" panose="020B0604030504040204" pitchFamily="34" charset="0"/>
               <a:cs typeface="Tahoma" panose="020B0604030504040204" pitchFamily="34" charset="0"/>
@@ -4995,7 +4996,7 @@
           </a:r>
         </a:p>
         <a:p>
-          <a:pPr marL="342900" lvl="2" indent="-171450" algn="l" defTabSz="844550">
+          <a:pPr marL="342900" lvl="2" indent="-171450" algn="l" defTabSz="755650">
             <a:lnSpc>
               <a:spcPct val="90000"/>
             </a:lnSpc>
@@ -5009,7 +5010,7 @@
             <a:buChar char=""/>
           </a:pPr>
           <a:r>
-            <a:rPr lang="en-US" sz="1900" kern="1200" dirty="0">
+            <a:rPr lang="en-US" sz="1700" kern="1200" dirty="0">
               <a:latin typeface="Tahoma" panose="020B0604030504040204" pitchFamily="34" charset="0"/>
               <a:ea typeface="Tahoma" panose="020B0604030504040204" pitchFamily="34" charset="0"/>
               <a:cs typeface="Tahoma" panose="020B0604030504040204" pitchFamily="34" charset="0"/>
@@ -5018,7 +5019,7 @@
           </a:r>
         </a:p>
         <a:p>
-          <a:pPr marL="171450" lvl="1" indent="-171450" algn="l" defTabSz="844550">
+          <a:pPr marL="171450" lvl="1" indent="-171450" algn="l" defTabSz="755650">
             <a:lnSpc>
               <a:spcPct val="90000"/>
             </a:lnSpc>
@@ -5031,7 +5032,7 @@
             <a:buFont typeface="Wingdings" panose="05000000000000000000" pitchFamily="2" charset="2"/>
             <a:buChar char=""/>
           </a:pPr>
-          <a:endParaRPr lang="en-US" sz="1900" kern="1200" dirty="0">
+          <a:endParaRPr lang="en-US" sz="1700" kern="1200" dirty="0">
             <a:latin typeface="Tahoma" panose="020B0604030504040204" pitchFamily="34" charset="0"/>
             <a:ea typeface="Tahoma" panose="020B0604030504040204" pitchFamily="34" charset="0"/>
             <a:cs typeface="Tahoma" panose="020B0604030504040204" pitchFamily="34" charset="0"/>
@@ -5039,8 +5040,8 @@
         </a:p>
       </dsp:txBody>
       <dsp:txXfrm>
-        <a:off x="4044376" y="621049"/>
-        <a:ext cx="3524964" cy="3808475"/>
+        <a:off x="4044376" y="1000373"/>
+        <a:ext cx="3524964" cy="3203331"/>
       </dsp:txXfrm>
     </dsp:sp>
     <dsp:sp modelId="{23D06E36-F688-4B37-8BB8-73015E665B0E}">
@@ -5050,8 +5051,8 @@
       </dsp:nvSpPr>
       <dsp:spPr>
         <a:xfrm>
-          <a:off x="8116263" y="42064"/>
-          <a:ext cx="3673330" cy="576000"/>
+          <a:off x="8116263" y="297809"/>
+          <a:ext cx="3673330" cy="547200"/>
         </a:xfrm>
         <a:prstGeom prst="rect">
           <a:avLst/>
@@ -5123,8 +5124,8 @@
         </a:p>
       </dsp:txBody>
       <dsp:txXfrm>
-        <a:off x="8116263" y="42064"/>
-        <a:ext cx="3673330" cy="576000"/>
+        <a:off x="8116263" y="297809"/>
+        <a:ext cx="3673330" cy="547200"/>
       </dsp:txXfrm>
     </dsp:sp>
     <dsp:sp modelId="{EA81ED6A-A7EA-4137-A3DC-D16E79F1B938}">
@@ -5134,8 +5135,8 @@
       </dsp:nvSpPr>
       <dsp:spPr>
         <a:xfrm>
-          <a:off x="8116263" y="634444"/>
-          <a:ext cx="3673330" cy="3797835"/>
+          <a:off x="8116263" y="1000942"/>
+          <a:ext cx="3673330" cy="3185567"/>
         </a:xfrm>
         <a:prstGeom prst="rect">
           <a:avLst/>
@@ -5178,12 +5179,12 @@
         <a:fontRef idx="minor"/>
       </dsp:style>
       <dsp:txBody>
-        <a:bodyPr spcFirstLastPara="0" vert="horz" wrap="square" lIns="101346" tIns="101346" rIns="135128" bIns="152019" numCol="1" spcCol="1270" anchor="t" anchorCtr="0">
+        <a:bodyPr spcFirstLastPara="0" vert="horz" wrap="square" lIns="90678" tIns="90678" rIns="120904" bIns="136017" numCol="1" spcCol="1270" anchor="t" anchorCtr="0">
           <a:noAutofit/>
         </a:bodyPr>
         <a:lstStyle/>
         <a:p>
-          <a:pPr marL="171450" lvl="1" indent="-171450" algn="l" defTabSz="844550">
+          <a:pPr marL="171450" lvl="1" indent="-171450" algn="l" defTabSz="755650">
             <a:lnSpc>
               <a:spcPct val="90000"/>
             </a:lnSpc>
@@ -5197,7 +5198,7 @@
             <a:buChar char=""/>
           </a:pPr>
           <a:r>
-            <a:rPr lang="en-US" sz="1900" kern="1200" dirty="0" err="1">
+            <a:rPr lang="en-US" sz="1700" kern="1200" dirty="0" err="1">
               <a:latin typeface="Tahoma" panose="020B0604030504040204" pitchFamily="34" charset="0"/>
               <a:ea typeface="Tahoma" panose="020B0604030504040204" pitchFamily="34" charset="0"/>
               <a:cs typeface="Tahoma" panose="020B0604030504040204" pitchFamily="34" charset="0"/>
@@ -5205,7 +5206,7 @@
             <a:t>Pretrainded</a:t>
           </a:r>
           <a:r>
-            <a:rPr lang="en-US" sz="1900" kern="1200" dirty="0">
+            <a:rPr lang="en-US" sz="1700" kern="1200" dirty="0">
               <a:latin typeface="Tahoma" panose="020B0604030504040204" pitchFamily="34" charset="0"/>
               <a:ea typeface="Tahoma" panose="020B0604030504040204" pitchFamily="34" charset="0"/>
               <a:cs typeface="Tahoma" panose="020B0604030504040204" pitchFamily="34" charset="0"/>
@@ -5213,17 +5214,17 @@
             <a:t> </a:t>
           </a:r>
           <a:r>
-            <a:rPr lang="en-US" sz="1900" b="0" i="0" kern="1200" dirty="0"/>
+            <a:rPr lang="en-US" sz="1700" b="0" i="0" kern="1200" dirty="0"/>
             <a:t>Lung ResNet50 KD</a:t>
           </a:r>
-          <a:endParaRPr lang="en-US" sz="1900" kern="1200" dirty="0">
+          <a:endParaRPr lang="en-US" sz="1700" kern="1200" dirty="0">
             <a:latin typeface="Tahoma" panose="020B0604030504040204" pitchFamily="34" charset="0"/>
             <a:ea typeface="Tahoma" panose="020B0604030504040204" pitchFamily="34" charset="0"/>
             <a:cs typeface="Tahoma" panose="020B0604030504040204" pitchFamily="34" charset="0"/>
           </a:endParaRPr>
         </a:p>
         <a:p>
-          <a:pPr marL="171450" lvl="1" indent="-171450" algn="l" defTabSz="844550">
+          <a:pPr marL="171450" lvl="1" indent="-171450" algn="l" defTabSz="755650">
             <a:lnSpc>
               <a:spcPct val="90000"/>
             </a:lnSpc>
@@ -5237,7 +5238,7 @@
             <a:buChar char=""/>
           </a:pPr>
           <a:r>
-            <a:rPr lang="en-US" sz="1900" kern="1200" dirty="0">
+            <a:rPr lang="en-US" sz="1700" kern="1200" dirty="0">
               <a:latin typeface="Tahoma" panose="020B0604030504040204" pitchFamily="34" charset="0"/>
               <a:ea typeface="Tahoma" panose="020B0604030504040204" pitchFamily="34" charset="0"/>
               <a:cs typeface="Tahoma" panose="020B0604030504040204" pitchFamily="34" charset="0"/>
@@ -5246,7 +5247,7 @@
           </a:r>
         </a:p>
         <a:p>
-          <a:pPr marL="342900" lvl="2" indent="-171450" algn="l" defTabSz="844550">
+          <a:pPr marL="342900" lvl="2" indent="-171450" algn="l" defTabSz="755650">
             <a:lnSpc>
               <a:spcPct val="90000"/>
             </a:lnSpc>
@@ -5260,7 +5261,7 @@
             <a:buNone/>
           </a:pPr>
           <a:r>
-            <a:rPr lang="en-US" sz="1900" kern="1200" dirty="0">
+            <a:rPr lang="en-US" sz="1700" kern="1200" dirty="0">
               <a:latin typeface="Tahoma" panose="020B0604030504040204" pitchFamily="34" charset="0"/>
               <a:ea typeface="Tahoma" panose="020B0604030504040204" pitchFamily="34" charset="0"/>
               <a:cs typeface="Tahoma" panose="020B0604030504040204" pitchFamily="34" charset="0"/>
@@ -5269,7 +5270,7 @@
           </a:r>
         </a:p>
         <a:p>
-          <a:pPr marL="342900" lvl="2" indent="-171450" algn="l" defTabSz="844550">
+          <a:pPr marL="342900" lvl="2" indent="-171450" algn="l" defTabSz="755650">
             <a:lnSpc>
               <a:spcPct val="90000"/>
             </a:lnSpc>
@@ -5283,7 +5284,7 @@
             <a:buNone/>
           </a:pPr>
           <a:r>
-            <a:rPr lang="en-US" sz="1900" kern="1200" dirty="0">
+            <a:rPr lang="en-US" sz="1700" kern="1200" dirty="0">
               <a:latin typeface="Tahoma" panose="020B0604030504040204" pitchFamily="34" charset="0"/>
               <a:ea typeface="Tahoma" panose="020B0604030504040204" pitchFamily="34" charset="0"/>
               <a:cs typeface="Tahoma" panose="020B0604030504040204" pitchFamily="34" charset="0"/>
@@ -5291,7 +5292,7 @@
             <a:t>datasets/</a:t>
           </a:r>
           <a:r>
-            <a:rPr lang="en-US" sz="1900" kern="1200" dirty="0" err="1">
+            <a:rPr lang="en-US" sz="1700" kern="1200" dirty="0" err="1">
               <a:latin typeface="Tahoma" panose="020B0604030504040204" pitchFamily="34" charset="0"/>
               <a:ea typeface="Tahoma" panose="020B0604030504040204" pitchFamily="34" charset="0"/>
               <a:cs typeface="Tahoma" panose="020B0604030504040204" pitchFamily="34" charset="0"/>
@@ -5299,7 +5300,7 @@
             <a:t>andrewmvd</a:t>
           </a:r>
           <a:r>
-            <a:rPr lang="en-US" sz="1900" kern="1200" dirty="0">
+            <a:rPr lang="en-US" sz="1700" kern="1200" dirty="0">
               <a:latin typeface="Tahoma" panose="020B0604030504040204" pitchFamily="34" charset="0"/>
               <a:ea typeface="Tahoma" panose="020B0604030504040204" pitchFamily="34" charset="0"/>
               <a:cs typeface="Tahoma" panose="020B0604030504040204" pitchFamily="34" charset="0"/>
@@ -5308,7 +5309,7 @@
           </a:r>
         </a:p>
         <a:p>
-          <a:pPr marL="342900" lvl="2" indent="-171450" algn="l" defTabSz="844550">
+          <a:pPr marL="342900" lvl="2" indent="-171450" algn="l" defTabSz="755650">
             <a:lnSpc>
               <a:spcPct val="90000"/>
             </a:lnSpc>
@@ -5322,7 +5323,7 @@
             <a:buNone/>
           </a:pPr>
           <a:r>
-            <a:rPr lang="en-US" sz="1900" kern="1200" dirty="0">
+            <a:rPr lang="en-US" sz="1700" kern="1200" dirty="0">
               <a:latin typeface="Tahoma" panose="020B0604030504040204" pitchFamily="34" charset="0"/>
               <a:ea typeface="Tahoma" panose="020B0604030504040204" pitchFamily="34" charset="0"/>
               <a:cs typeface="Tahoma" panose="020B0604030504040204" pitchFamily="34" charset="0"/>
@@ -5331,7 +5332,7 @@
           </a:r>
         </a:p>
         <a:p>
-          <a:pPr marL="514350" lvl="3" indent="-171450" algn="l" defTabSz="844550">
+          <a:pPr marL="514350" lvl="3" indent="-171450" algn="l" defTabSz="755650">
             <a:lnSpc>
               <a:spcPct val="90000"/>
             </a:lnSpc>
@@ -5345,21 +5346,21 @@
             <a:buNone/>
           </a:pPr>
           <a:r>
-            <a:rPr lang="en-US" sz="1900" b="1" i="1" kern="1200" dirty="0">
+            <a:rPr lang="en-US" sz="1700" b="1" i="1" kern="1200" dirty="0">
               <a:latin typeface="Tahoma" panose="020B0604030504040204" pitchFamily="34" charset="0"/>
               <a:ea typeface="Tahoma" panose="020B0604030504040204" pitchFamily="34" charset="0"/>
               <a:cs typeface="Tahoma" panose="020B0604030504040204" pitchFamily="34" charset="0"/>
             </a:rPr>
             <a:t>Reduced Input Size</a:t>
           </a:r>
-          <a:endParaRPr lang="en-US" sz="1900" kern="1200" dirty="0">
+          <a:endParaRPr lang="en-US" sz="1700" kern="1200" dirty="0">
             <a:latin typeface="Tahoma" panose="020B0604030504040204" pitchFamily="34" charset="0"/>
             <a:ea typeface="Tahoma" panose="020B0604030504040204" pitchFamily="34" charset="0"/>
             <a:cs typeface="Tahoma" panose="020B0604030504040204" pitchFamily="34" charset="0"/>
           </a:endParaRPr>
         </a:p>
         <a:p>
-          <a:pPr marL="171450" lvl="1" indent="-171450" algn="l" defTabSz="844550">
+          <a:pPr marL="171450" lvl="1" indent="-171450" algn="l" defTabSz="755650">
             <a:lnSpc>
               <a:spcPct val="90000"/>
             </a:lnSpc>
@@ -5373,7 +5374,7 @@
             <a:buChar char=""/>
           </a:pPr>
           <a:r>
-            <a:rPr lang="en-US" sz="1900" kern="1200" dirty="0">
+            <a:rPr lang="en-US" sz="1700" kern="1200" dirty="0">
               <a:latin typeface="Tahoma" panose="020B0604030504040204" pitchFamily="34" charset="0"/>
               <a:ea typeface="Tahoma" panose="020B0604030504040204" pitchFamily="34" charset="0"/>
               <a:cs typeface="Tahoma" panose="020B0604030504040204" pitchFamily="34" charset="0"/>
@@ -5383,8 +5384,8 @@
         </a:p>
       </dsp:txBody>
       <dsp:txXfrm>
-        <a:off x="8116263" y="634444"/>
-        <a:ext cx="3673330" cy="3797835"/>
+        <a:off x="8116263" y="1000942"/>
+        <a:ext cx="3673330" cy="3185567"/>
       </dsp:txXfrm>
     </dsp:sp>
   </dsp:spTree>
@@ -8504,7 +8505,7 @@
           <a:noFill/>
           <a:extLst>
             <a:ext uri="{909E8E84-426E-40dd-AFC4-6F175D3DCCD1}">
-              <a14:hiddenFill xmlns:a14="http://schemas.microsoft.com/office/drawing/2010/main" xmlns="">
+              <a14:hiddenFill xmlns="" xmlns:a14="http://schemas.microsoft.com/office/drawing/2010/main">
                 <a:solidFill>
                   <a:srgbClr val="FFFFFF"/>
                 </a:solidFill>
@@ -8563,7 +8564,7 @@
             </a:ln>
             <a:extLst>
               <a:ext uri="{91240B29-F687-4f45-9708-019B960494DF}">
-                <a14:hiddenLine xmlns:a14="http://schemas.microsoft.com/office/drawing/2010/main" xmlns="" w="9525">
+                <a14:hiddenLine xmlns="" xmlns:a14="http://schemas.microsoft.com/office/drawing/2010/main" w="9525">
                   <a:solidFill>
                     <a:srgbClr val="000000"/>
                   </a:solidFill>
@@ -8653,7 +8654,7 @@
             </a:ln>
             <a:extLst>
               <a:ext uri="{91240B29-F687-4f45-9708-019B960494DF}">
-                <a14:hiddenLine xmlns:a14="http://schemas.microsoft.com/office/drawing/2010/main" xmlns="" w="9525">
+                <a14:hiddenLine xmlns="" xmlns:a14="http://schemas.microsoft.com/office/drawing/2010/main" w="9525">
                   <a:solidFill>
                     <a:srgbClr val="000000"/>
                   </a:solidFill>
@@ -8743,7 +8744,7 @@
             </a:ln>
             <a:extLst>
               <a:ext uri="{91240B29-F687-4f45-9708-019B960494DF}">
-                <a14:hiddenLine xmlns:a14="http://schemas.microsoft.com/office/drawing/2010/main" xmlns="" w="9525">
+                <a14:hiddenLine xmlns="" xmlns:a14="http://schemas.microsoft.com/office/drawing/2010/main" w="9525">
                   <a:solidFill>
                     <a:srgbClr val="000000"/>
                   </a:solidFill>
@@ -8777,7 +8778,7 @@
             </a:ln>
             <a:extLst>
               <a:ext uri="{91240B29-F687-4f45-9708-019B960494DF}">
-                <a14:hiddenLine xmlns:a14="http://schemas.microsoft.com/office/drawing/2010/main" xmlns="" w="9525">
+                <a14:hiddenLine xmlns="" xmlns:a14="http://schemas.microsoft.com/office/drawing/2010/main" w="9525">
                   <a:solidFill>
                     <a:srgbClr val="000000"/>
                   </a:solidFill>
@@ -8867,7 +8868,7 @@
             </a:ln>
             <a:extLst>
               <a:ext uri="{91240B29-F687-4f45-9708-019B960494DF}">
-                <a14:hiddenLine xmlns:a14="http://schemas.microsoft.com/office/drawing/2010/main" xmlns="" w="9525">
+                <a14:hiddenLine xmlns="" xmlns:a14="http://schemas.microsoft.com/office/drawing/2010/main" w="9525">
                   <a:solidFill>
                     <a:srgbClr val="000000"/>
                   </a:solidFill>
@@ -8929,7 +8930,7 @@
             </a:ln>
             <a:extLst>
               <a:ext uri="{91240B29-F687-4f45-9708-019B960494DF}">
-                <a14:hiddenLine xmlns:a14="http://schemas.microsoft.com/office/drawing/2010/main" xmlns="" w="9525">
+                <a14:hiddenLine xmlns="" xmlns:a14="http://schemas.microsoft.com/office/drawing/2010/main" w="9525">
                   <a:solidFill>
                     <a:srgbClr val="000000"/>
                   </a:solidFill>
@@ -8991,7 +8992,7 @@
             </a:ln>
             <a:extLst>
               <a:ext uri="{91240B29-F687-4f45-9708-019B960494DF}">
-                <a14:hiddenLine xmlns:a14="http://schemas.microsoft.com/office/drawing/2010/main" xmlns="" w="9525">
+                <a14:hiddenLine xmlns="" xmlns:a14="http://schemas.microsoft.com/office/drawing/2010/main" w="9525">
                   <a:solidFill>
                     <a:srgbClr val="000000"/>
                   </a:solidFill>
@@ -9081,7 +9082,7 @@
             </a:ln>
             <a:extLst>
               <a:ext uri="{91240B29-F687-4f45-9708-019B960494DF}">
-                <a14:hiddenLine xmlns:a14="http://schemas.microsoft.com/office/drawing/2010/main" xmlns="" w="9525">
+                <a14:hiddenLine xmlns="" xmlns:a14="http://schemas.microsoft.com/office/drawing/2010/main" w="9525">
                   <a:solidFill>
                     <a:srgbClr val="000000"/>
                   </a:solidFill>
@@ -9143,7 +9144,7 @@
             </a:ln>
             <a:extLst>
               <a:ext uri="{91240B29-F687-4f45-9708-019B960494DF}">
-                <a14:hiddenLine xmlns:a14="http://schemas.microsoft.com/office/drawing/2010/main" xmlns="" w="9525">
+                <a14:hiddenLine xmlns="" xmlns:a14="http://schemas.microsoft.com/office/drawing/2010/main" w="9525">
                   <a:solidFill>
                     <a:srgbClr val="000000"/>
                   </a:solidFill>
@@ -9205,7 +9206,7 @@
             </a:ln>
             <a:extLst>
               <a:ext uri="{91240B29-F687-4f45-9708-019B960494DF}">
-                <a14:hiddenLine xmlns:a14="http://schemas.microsoft.com/office/drawing/2010/main" xmlns="" w="9525">
+                <a14:hiddenLine xmlns="" xmlns:a14="http://schemas.microsoft.com/office/drawing/2010/main" w="9525">
                   <a:solidFill>
                     <a:srgbClr val="000000"/>
                   </a:solidFill>
@@ -9295,7 +9296,7 @@
             </a:ln>
             <a:extLst>
               <a:ext uri="{91240B29-F687-4f45-9708-019B960494DF}">
-                <a14:hiddenLine xmlns:a14="http://schemas.microsoft.com/office/drawing/2010/main" xmlns="" w="9525">
+                <a14:hiddenLine xmlns="" xmlns:a14="http://schemas.microsoft.com/office/drawing/2010/main" w="9525">
                   <a:solidFill>
                     <a:srgbClr val="000000"/>
                   </a:solidFill>
@@ -9385,7 +9386,7 @@
             </a:ln>
             <a:extLst>
               <a:ext uri="{91240B29-F687-4f45-9708-019B960494DF}">
-                <a14:hiddenLine xmlns:a14="http://schemas.microsoft.com/office/drawing/2010/main" xmlns="" w="9525">
+                <a14:hiddenLine xmlns="" xmlns:a14="http://schemas.microsoft.com/office/drawing/2010/main" w="9525">
                   <a:solidFill>
                     <a:srgbClr val="000000"/>
                   </a:solidFill>
@@ -9447,7 +9448,7 @@
             </a:ln>
             <a:extLst>
               <a:ext uri="{91240B29-F687-4f45-9708-019B960494DF}">
-                <a14:hiddenLine xmlns:a14="http://schemas.microsoft.com/office/drawing/2010/main" xmlns="" w="9525">
+                <a14:hiddenLine xmlns="" xmlns:a14="http://schemas.microsoft.com/office/drawing/2010/main" w="9525">
                   <a:solidFill>
                     <a:srgbClr val="000000"/>
                   </a:solidFill>
@@ -9557,7 +9558,7 @@
             </a:ln>
             <a:extLst>
               <a:ext uri="{91240B29-F687-4f45-9708-019B960494DF}">
-                <a14:hiddenLine xmlns:a14="http://schemas.microsoft.com/office/drawing/2010/main" xmlns="" w="9525">
+                <a14:hiddenLine xmlns="" xmlns:a14="http://schemas.microsoft.com/office/drawing/2010/main" w="9525">
                   <a:solidFill>
                     <a:srgbClr val="000000"/>
                   </a:solidFill>
@@ -9619,7 +9620,7 @@
             </a:ln>
             <a:extLst>
               <a:ext uri="{91240B29-F687-4f45-9708-019B960494DF}">
-                <a14:hiddenLine xmlns:a14="http://schemas.microsoft.com/office/drawing/2010/main" xmlns="" w="9525">
+                <a14:hiddenLine xmlns="" xmlns:a14="http://schemas.microsoft.com/office/drawing/2010/main" w="9525">
                   <a:solidFill>
                     <a:srgbClr val="000000"/>
                   </a:solidFill>
@@ -9709,7 +9710,7 @@
             </a:ln>
             <a:extLst>
               <a:ext uri="{91240B29-F687-4f45-9708-019B960494DF}">
-                <a14:hiddenLine xmlns:a14="http://schemas.microsoft.com/office/drawing/2010/main" xmlns="" w="9525">
+                <a14:hiddenLine xmlns="" xmlns:a14="http://schemas.microsoft.com/office/drawing/2010/main" w="9525">
                   <a:solidFill>
                     <a:srgbClr val="000000"/>
                   </a:solidFill>
@@ -9799,7 +9800,7 @@
             </a:ln>
             <a:extLst>
               <a:ext uri="{91240B29-F687-4f45-9708-019B960494DF}">
-                <a14:hiddenLine xmlns:a14="http://schemas.microsoft.com/office/drawing/2010/main" xmlns="" w="9525">
+                <a14:hiddenLine xmlns="" xmlns:a14="http://schemas.microsoft.com/office/drawing/2010/main" w="9525">
                   <a:solidFill>
                     <a:srgbClr val="000000"/>
                   </a:solidFill>
@@ -9861,7 +9862,7 @@
             </a:ln>
             <a:extLst>
               <a:ext uri="{91240B29-F687-4f45-9708-019B960494DF}">
-                <a14:hiddenLine xmlns:a14="http://schemas.microsoft.com/office/drawing/2010/main" xmlns="" w="9525">
+                <a14:hiddenLine xmlns="" xmlns:a14="http://schemas.microsoft.com/office/drawing/2010/main" w="9525">
                   <a:solidFill>
                     <a:srgbClr val="000000"/>
                   </a:solidFill>
@@ -9951,7 +9952,7 @@
             </a:ln>
             <a:extLst>
               <a:ext uri="{91240B29-F687-4f45-9708-019B960494DF}">
-                <a14:hiddenLine xmlns:a14="http://schemas.microsoft.com/office/drawing/2010/main" xmlns="" w="9525">
+                <a14:hiddenLine xmlns="" xmlns:a14="http://schemas.microsoft.com/office/drawing/2010/main" w="9525">
                   <a:solidFill>
                     <a:srgbClr val="000000"/>
                   </a:solidFill>
@@ -10041,7 +10042,7 @@
             </a:ln>
             <a:extLst>
               <a:ext uri="{91240B29-F687-4f45-9708-019B960494DF}">
-                <a14:hiddenLine xmlns:a14="http://schemas.microsoft.com/office/drawing/2010/main" xmlns="" w="9525">
+                <a14:hiddenLine xmlns="" xmlns:a14="http://schemas.microsoft.com/office/drawing/2010/main" w="9525">
                   <a:solidFill>
                     <a:srgbClr val="000000"/>
                   </a:solidFill>
@@ -10097,7 +10098,7 @@
             </a:ln>
             <a:extLst>
               <a:ext uri="{91240B29-F687-4f45-9708-019B960494DF}">
-                <a14:hiddenLine xmlns:a14="http://schemas.microsoft.com/office/drawing/2010/main" xmlns="" w="9525">
+                <a14:hiddenLine xmlns="" xmlns:a14="http://schemas.microsoft.com/office/drawing/2010/main" w="9525">
                   <a:solidFill>
                     <a:srgbClr val="000000"/>
                   </a:solidFill>
@@ -10187,7 +10188,7 @@
             </a:ln>
             <a:extLst>
               <a:ext uri="{91240B29-F687-4f45-9708-019B960494DF}">
-                <a14:hiddenLine xmlns:a14="http://schemas.microsoft.com/office/drawing/2010/main" xmlns="" w="9525">
+                <a14:hiddenLine xmlns="" xmlns:a14="http://schemas.microsoft.com/office/drawing/2010/main" w="9525">
                   <a:solidFill>
                     <a:srgbClr val="000000"/>
                   </a:solidFill>
@@ -10243,7 +10244,7 @@
             </a:ln>
             <a:extLst>
               <a:ext uri="{91240B29-F687-4f45-9708-019B960494DF}">
-                <a14:hiddenLine xmlns:a14="http://schemas.microsoft.com/office/drawing/2010/main" xmlns="" w="9525">
+                <a14:hiddenLine xmlns="" xmlns:a14="http://schemas.microsoft.com/office/drawing/2010/main" w="9525">
                   <a:solidFill>
                     <a:srgbClr val="000000"/>
                   </a:solidFill>
@@ -10333,7 +10334,7 @@
             </a:ln>
             <a:extLst>
               <a:ext uri="{91240B29-F687-4f45-9708-019B960494DF}">
-                <a14:hiddenLine xmlns:a14="http://schemas.microsoft.com/office/drawing/2010/main" xmlns="" w="9525">
+                <a14:hiddenLine xmlns="" xmlns:a14="http://schemas.microsoft.com/office/drawing/2010/main" w="9525">
                   <a:solidFill>
                     <a:srgbClr val="000000"/>
                   </a:solidFill>
@@ -10401,7 +10402,7 @@
             </a:ln>
             <a:extLst>
               <a:ext uri="{91240B29-F687-4f45-9708-019B960494DF}">
-                <a14:hiddenLine xmlns:a14="http://schemas.microsoft.com/office/drawing/2010/main" xmlns="" w="9525">
+                <a14:hiddenLine xmlns="" xmlns:a14="http://schemas.microsoft.com/office/drawing/2010/main" w="9525">
                   <a:solidFill>
                     <a:srgbClr val="000000"/>
                   </a:solidFill>
@@ -10491,7 +10492,7 @@
             </a:ln>
             <a:extLst>
               <a:ext uri="{91240B29-F687-4f45-9708-019B960494DF}">
-                <a14:hiddenLine xmlns:a14="http://schemas.microsoft.com/office/drawing/2010/main" xmlns="" w="9525">
+                <a14:hiddenLine xmlns="" xmlns:a14="http://schemas.microsoft.com/office/drawing/2010/main" w="9525">
                   <a:solidFill>
                     <a:srgbClr val="000000"/>
                   </a:solidFill>
@@ -10559,7 +10560,7 @@
             </a:ln>
             <a:extLst>
               <a:ext uri="{91240B29-F687-4f45-9708-019B960494DF}">
-                <a14:hiddenLine xmlns:a14="http://schemas.microsoft.com/office/drawing/2010/main" xmlns="" w="9525">
+                <a14:hiddenLine xmlns="" xmlns:a14="http://schemas.microsoft.com/office/drawing/2010/main" w="9525">
                   <a:solidFill>
                     <a:srgbClr val="000000"/>
                   </a:solidFill>
@@ -10649,7 +10650,7 @@
             </a:ln>
             <a:extLst>
               <a:ext uri="{91240B29-F687-4f45-9708-019B960494DF}">
-                <a14:hiddenLine xmlns:a14="http://schemas.microsoft.com/office/drawing/2010/main" xmlns="" w="9525">
+                <a14:hiddenLine xmlns="" xmlns:a14="http://schemas.microsoft.com/office/drawing/2010/main" w="9525">
                   <a:solidFill>
                     <a:srgbClr val="000000"/>
                   </a:solidFill>
@@ -10683,7 +10684,7 @@
             </a:ln>
             <a:extLst>
               <a:ext uri="{91240B29-F687-4f45-9708-019B960494DF}">
-                <a14:hiddenLine xmlns:a14="http://schemas.microsoft.com/office/drawing/2010/main" xmlns="" w="9525">
+                <a14:hiddenLine xmlns="" xmlns:a14="http://schemas.microsoft.com/office/drawing/2010/main" w="9525">
                   <a:solidFill>
                     <a:srgbClr val="000000"/>
                   </a:solidFill>
@@ -10773,7 +10774,7 @@
             </a:ln>
             <a:extLst>
               <a:ext uri="{91240B29-F687-4f45-9708-019B960494DF}">
-                <a14:hiddenLine xmlns:a14="http://schemas.microsoft.com/office/drawing/2010/main" xmlns="" w="9525">
+                <a14:hiddenLine xmlns="" xmlns:a14="http://schemas.microsoft.com/office/drawing/2010/main" w="9525">
                   <a:solidFill>
                     <a:srgbClr val="000000"/>
                   </a:solidFill>
@@ -10835,7 +10836,7 @@
             </a:ln>
             <a:extLst>
               <a:ext uri="{91240B29-F687-4f45-9708-019B960494DF}">
-                <a14:hiddenLine xmlns:a14="http://schemas.microsoft.com/office/drawing/2010/main" xmlns="" w="9525">
+                <a14:hiddenLine xmlns="" xmlns:a14="http://schemas.microsoft.com/office/drawing/2010/main" w="9525">
                   <a:solidFill>
                     <a:srgbClr val="000000"/>
                   </a:solidFill>
@@ -10897,7 +10898,7 @@
             </a:ln>
             <a:extLst>
               <a:ext uri="{91240B29-F687-4f45-9708-019B960494DF}">
-                <a14:hiddenLine xmlns:a14="http://schemas.microsoft.com/office/drawing/2010/main" xmlns="" w="9525">
+                <a14:hiddenLine xmlns="" xmlns:a14="http://schemas.microsoft.com/office/drawing/2010/main" w="9525">
                   <a:solidFill>
                     <a:srgbClr val="000000"/>
                   </a:solidFill>
@@ -10987,7 +10988,7 @@
             </a:ln>
             <a:extLst>
               <a:ext uri="{91240B29-F687-4f45-9708-019B960494DF}">
-                <a14:hiddenLine xmlns:a14="http://schemas.microsoft.com/office/drawing/2010/main" xmlns="" w="9525">
+                <a14:hiddenLine xmlns="" xmlns:a14="http://schemas.microsoft.com/office/drawing/2010/main" w="9525">
                   <a:solidFill>
                     <a:srgbClr val="000000"/>
                   </a:solidFill>
@@ -11055,7 +11056,7 @@
             </a:ln>
             <a:extLst>
               <a:ext uri="{91240B29-F687-4f45-9708-019B960494DF}">
-                <a14:hiddenLine xmlns:a14="http://schemas.microsoft.com/office/drawing/2010/main" xmlns="" w="9525">
+                <a14:hiddenLine xmlns="" xmlns:a14="http://schemas.microsoft.com/office/drawing/2010/main" w="9525">
                   <a:solidFill>
                     <a:srgbClr val="000000"/>
                   </a:solidFill>
@@ -11117,7 +11118,7 @@
             </a:ln>
             <a:extLst>
               <a:ext uri="{91240B29-F687-4f45-9708-019B960494DF}">
-                <a14:hiddenLine xmlns:a14="http://schemas.microsoft.com/office/drawing/2010/main" xmlns="" w="9525">
+                <a14:hiddenLine xmlns="" xmlns:a14="http://schemas.microsoft.com/office/drawing/2010/main" w="9525">
                   <a:solidFill>
                     <a:srgbClr val="000000"/>
                   </a:solidFill>
@@ -11207,7 +11208,7 @@
             </a:ln>
             <a:extLst>
               <a:ext uri="{91240B29-F687-4f45-9708-019B960494DF}">
-                <a14:hiddenLine xmlns:a14="http://schemas.microsoft.com/office/drawing/2010/main" xmlns="" w="9525">
+                <a14:hiddenLine xmlns="" xmlns:a14="http://schemas.microsoft.com/office/drawing/2010/main" w="9525">
                   <a:solidFill>
                     <a:srgbClr val="000000"/>
                   </a:solidFill>
@@ -11269,7 +11270,7 @@
             </a:ln>
             <a:extLst>
               <a:ext uri="{91240B29-F687-4f45-9708-019B960494DF}">
-                <a14:hiddenLine xmlns:a14="http://schemas.microsoft.com/office/drawing/2010/main" xmlns="" w="9525">
+                <a14:hiddenLine xmlns="" xmlns:a14="http://schemas.microsoft.com/office/drawing/2010/main" w="9525">
                   <a:solidFill>
                     <a:srgbClr val="000000"/>
                   </a:solidFill>
@@ -11359,7 +11360,7 @@
             </a:ln>
             <a:extLst>
               <a:ext uri="{91240B29-F687-4f45-9708-019B960494DF}">
-                <a14:hiddenLine xmlns:a14="http://schemas.microsoft.com/office/drawing/2010/main" xmlns="" w="9525">
+                <a14:hiddenLine xmlns="" xmlns:a14="http://schemas.microsoft.com/office/drawing/2010/main" w="9525">
                   <a:solidFill>
                     <a:srgbClr val="000000"/>
                   </a:solidFill>
@@ -11421,7 +11422,7 @@
             </a:ln>
             <a:extLst>
               <a:ext uri="{91240B29-F687-4f45-9708-019B960494DF}">
-                <a14:hiddenLine xmlns:a14="http://schemas.microsoft.com/office/drawing/2010/main" xmlns="" w="9525">
+                <a14:hiddenLine xmlns="" xmlns:a14="http://schemas.microsoft.com/office/drawing/2010/main" w="9525">
                   <a:solidFill>
                     <a:srgbClr val="000000"/>
                   </a:solidFill>
@@ -11511,7 +11512,7 @@
             </a:ln>
             <a:extLst>
               <a:ext uri="{91240B29-F687-4f45-9708-019B960494DF}">
-                <a14:hiddenLine xmlns:a14="http://schemas.microsoft.com/office/drawing/2010/main" xmlns="" w="9525">
+                <a14:hiddenLine xmlns="" xmlns:a14="http://schemas.microsoft.com/office/drawing/2010/main" w="9525">
                   <a:solidFill>
                     <a:srgbClr val="000000"/>
                   </a:solidFill>
@@ -11545,7 +11546,7 @@
             </a:ln>
             <a:extLst>
               <a:ext uri="{91240B29-F687-4f45-9708-019B960494DF}">
-                <a14:hiddenLine xmlns:a14="http://schemas.microsoft.com/office/drawing/2010/main" xmlns="" w="9525">
+                <a14:hiddenLine xmlns="" xmlns:a14="http://schemas.microsoft.com/office/drawing/2010/main" w="9525">
                   <a:solidFill>
                     <a:srgbClr val="000000"/>
                   </a:solidFill>
@@ -11610,7 +11611,7 @@
             </a:ln>
             <a:extLst>
               <a:ext uri="{91240B29-F687-4f45-9708-019B960494DF}">
-                <a14:hiddenLine xmlns:a14="http://schemas.microsoft.com/office/drawing/2010/main" xmlns="" w="9525">
+                <a14:hiddenLine xmlns="" xmlns:a14="http://schemas.microsoft.com/office/drawing/2010/main" w="9525">
                   <a:solidFill>
                     <a:srgbClr val="000000"/>
                   </a:solidFill>
@@ -11700,7 +11701,7 @@
             </a:ln>
             <a:extLst>
               <a:ext uri="{91240B29-F687-4f45-9708-019B960494DF}">
-                <a14:hiddenLine xmlns:a14="http://schemas.microsoft.com/office/drawing/2010/main" xmlns="" w="9525">
+                <a14:hiddenLine xmlns="" xmlns:a14="http://schemas.microsoft.com/office/drawing/2010/main" w="9525">
                   <a:solidFill>
                     <a:srgbClr val="000000"/>
                   </a:solidFill>
@@ -11762,7 +11763,7 @@
             </a:ln>
             <a:extLst>
               <a:ext uri="{91240B29-F687-4f45-9708-019B960494DF}">
-                <a14:hiddenLine xmlns:a14="http://schemas.microsoft.com/office/drawing/2010/main" xmlns="" w="9525">
+                <a14:hiddenLine xmlns="" xmlns:a14="http://schemas.microsoft.com/office/drawing/2010/main" w="9525">
                   <a:solidFill>
                     <a:srgbClr val="000000"/>
                   </a:solidFill>
@@ -11852,7 +11853,7 @@
             </a:ln>
             <a:extLst>
               <a:ext uri="{91240B29-F687-4f45-9708-019B960494DF}">
-                <a14:hiddenLine xmlns:a14="http://schemas.microsoft.com/office/drawing/2010/main" xmlns="" w="9525">
+                <a14:hiddenLine xmlns="" xmlns:a14="http://schemas.microsoft.com/office/drawing/2010/main" w="9525">
                   <a:solidFill>
                     <a:srgbClr val="000000"/>
                   </a:solidFill>
@@ -11942,7 +11943,7 @@
             </a:ln>
             <a:extLst>
               <a:ext uri="{91240B29-F687-4f45-9708-019B960494DF}">
-                <a14:hiddenLine xmlns:a14="http://schemas.microsoft.com/office/drawing/2010/main" xmlns="" w="9525">
+                <a14:hiddenLine xmlns="" xmlns:a14="http://schemas.microsoft.com/office/drawing/2010/main" w="9525">
                   <a:solidFill>
                     <a:srgbClr val="000000"/>
                   </a:solidFill>
@@ -12007,7 +12008,7 @@
             </a:ln>
             <a:extLst>
               <a:ext uri="{91240B29-F687-4f45-9708-019B960494DF}">
-                <a14:hiddenLine xmlns:a14="http://schemas.microsoft.com/office/drawing/2010/main" xmlns="" w="9525">
+                <a14:hiddenLine xmlns="" xmlns:a14="http://schemas.microsoft.com/office/drawing/2010/main" w="9525">
                   <a:solidFill>
                     <a:srgbClr val="000000"/>
                   </a:solidFill>
@@ -12069,7 +12070,7 @@
             </a:ln>
             <a:extLst>
               <a:ext uri="{91240B29-F687-4f45-9708-019B960494DF}">
-                <a14:hiddenLine xmlns:a14="http://schemas.microsoft.com/office/drawing/2010/main" xmlns="" w="9525">
+                <a14:hiddenLine xmlns="" xmlns:a14="http://schemas.microsoft.com/office/drawing/2010/main" w="9525">
                   <a:solidFill>
                     <a:srgbClr val="000000"/>
                   </a:solidFill>
@@ -12159,7 +12160,7 @@
             </a:ln>
             <a:extLst>
               <a:ext uri="{91240B29-F687-4f45-9708-019B960494DF}">
-                <a14:hiddenLine xmlns:a14="http://schemas.microsoft.com/office/drawing/2010/main" xmlns="" w="9525">
+                <a14:hiddenLine xmlns="" xmlns:a14="http://schemas.microsoft.com/office/drawing/2010/main" w="9525">
                   <a:solidFill>
                     <a:srgbClr val="000000"/>
                   </a:solidFill>
@@ -12249,7 +12250,7 @@
             </a:ln>
             <a:extLst>
               <a:ext uri="{91240B29-F687-4f45-9708-019B960494DF}">
-                <a14:hiddenLine xmlns:a14="http://schemas.microsoft.com/office/drawing/2010/main" xmlns="" w="9525">
+                <a14:hiddenLine xmlns="" xmlns:a14="http://schemas.microsoft.com/office/drawing/2010/main" w="9525">
                   <a:solidFill>
                     <a:srgbClr val="000000"/>
                   </a:solidFill>
@@ -12311,7 +12312,7 @@
             </a:ln>
             <a:extLst>
               <a:ext uri="{91240B29-F687-4f45-9708-019B960494DF}">
-                <a14:hiddenLine xmlns:a14="http://schemas.microsoft.com/office/drawing/2010/main" xmlns="" w="9525">
+                <a14:hiddenLine xmlns="" xmlns:a14="http://schemas.microsoft.com/office/drawing/2010/main" w="9525">
                   <a:solidFill>
                     <a:srgbClr val="000000"/>
                   </a:solidFill>
@@ -12431,7 +12432,7 @@
             </a:ln>
             <a:extLst>
               <a:ext uri="{91240B29-F687-4f45-9708-019B960494DF}">
-                <a14:hiddenLine xmlns:a14="http://schemas.microsoft.com/office/drawing/2010/main" xmlns="" w="9525">
+                <a14:hiddenLine xmlns="" xmlns:a14="http://schemas.microsoft.com/office/drawing/2010/main" w="9525">
                   <a:solidFill>
                     <a:srgbClr val="000000"/>
                   </a:solidFill>
@@ -12499,7 +12500,7 @@
             </a:ln>
             <a:extLst>
               <a:ext uri="{91240B29-F687-4f45-9708-019B960494DF}">
-                <a14:hiddenLine xmlns:a14="http://schemas.microsoft.com/office/drawing/2010/main" xmlns="" w="9525">
+                <a14:hiddenLine xmlns="" xmlns:a14="http://schemas.microsoft.com/office/drawing/2010/main" w="9525">
                   <a:solidFill>
                     <a:srgbClr val="000000"/>
                   </a:solidFill>
@@ -12589,7 +12590,7 @@
             </a:ln>
             <a:extLst>
               <a:ext uri="{91240B29-F687-4f45-9708-019B960494DF}">
-                <a14:hiddenLine xmlns:a14="http://schemas.microsoft.com/office/drawing/2010/main" xmlns="" w="9525">
+                <a14:hiddenLine xmlns="" xmlns:a14="http://schemas.microsoft.com/office/drawing/2010/main" w="9525">
                   <a:solidFill>
                     <a:srgbClr val="000000"/>
                   </a:solidFill>
@@ -17403,7 +17404,7 @@
           <a:noFill/>
           <a:extLst>
             <a:ext uri="{909E8E84-426E-40dd-AFC4-6F175D3DCCD1}">
-              <a14:hiddenFill xmlns:a14="http://schemas.microsoft.com/office/drawing/2010/main" xmlns="">
+              <a14:hiddenFill xmlns="" xmlns:a14="http://schemas.microsoft.com/office/drawing/2010/main">
                 <a:solidFill>
                   <a:srgbClr val="FFFFFF"/>
                 </a:solidFill>
@@ -17477,7 +17478,7 @@
               </a:ln>
               <a:extLst>
                 <a:ext uri="{91240B29-F687-4f45-9708-019B960494DF}">
-                  <a14:hiddenLine xmlns:a14="http://schemas.microsoft.com/office/drawing/2010/main" xmlns="" w="9525">
+                  <a14:hiddenLine xmlns="" xmlns:a14="http://schemas.microsoft.com/office/drawing/2010/main" w="9525">
                     <a:solidFill>
                       <a:srgbClr val="000000"/>
                     </a:solidFill>
@@ -17567,7 +17568,7 @@
               </a:ln>
               <a:extLst>
                 <a:ext uri="{91240B29-F687-4f45-9708-019B960494DF}">
-                  <a14:hiddenLine xmlns:a14="http://schemas.microsoft.com/office/drawing/2010/main" xmlns="" w="9525">
+                  <a14:hiddenLine xmlns="" xmlns:a14="http://schemas.microsoft.com/office/drawing/2010/main" w="9525">
                     <a:solidFill>
                       <a:srgbClr val="000000"/>
                     </a:solidFill>
@@ -17657,7 +17658,7 @@
               </a:ln>
               <a:extLst>
                 <a:ext uri="{91240B29-F687-4f45-9708-019B960494DF}">
-                  <a14:hiddenLine xmlns:a14="http://schemas.microsoft.com/office/drawing/2010/main" xmlns="" w="9525">
+                  <a14:hiddenLine xmlns="" xmlns:a14="http://schemas.microsoft.com/office/drawing/2010/main" w="9525">
                     <a:solidFill>
                       <a:srgbClr val="000000"/>
                     </a:solidFill>
@@ -17719,7 +17720,7 @@
               </a:ln>
               <a:extLst>
                 <a:ext uri="{91240B29-F687-4f45-9708-019B960494DF}">
-                  <a14:hiddenLine xmlns:a14="http://schemas.microsoft.com/office/drawing/2010/main" xmlns="" w="9525">
+                  <a14:hiddenLine xmlns="" xmlns:a14="http://schemas.microsoft.com/office/drawing/2010/main" w="9525">
                     <a:solidFill>
                       <a:srgbClr val="000000"/>
                     </a:solidFill>
@@ -17809,7 +17810,7 @@
               </a:ln>
               <a:extLst>
                 <a:ext uri="{91240B29-F687-4f45-9708-019B960494DF}">
-                  <a14:hiddenLine xmlns:a14="http://schemas.microsoft.com/office/drawing/2010/main" xmlns="" w="9525">
+                  <a14:hiddenLine xmlns="" xmlns:a14="http://schemas.microsoft.com/office/drawing/2010/main" w="9525">
                     <a:solidFill>
                       <a:srgbClr val="000000"/>
                     </a:solidFill>
@@ -17871,7 +17872,7 @@
               </a:ln>
               <a:extLst>
                 <a:ext uri="{91240B29-F687-4f45-9708-019B960494DF}">
-                  <a14:hiddenLine xmlns:a14="http://schemas.microsoft.com/office/drawing/2010/main" xmlns="" w="9525">
+                  <a14:hiddenLine xmlns="" xmlns:a14="http://schemas.microsoft.com/office/drawing/2010/main" w="9525">
                     <a:solidFill>
                       <a:srgbClr val="000000"/>
                     </a:solidFill>
@@ -17933,7 +17934,7 @@
               </a:ln>
               <a:extLst>
                 <a:ext uri="{91240B29-F687-4f45-9708-019B960494DF}">
-                  <a14:hiddenLine xmlns:a14="http://schemas.microsoft.com/office/drawing/2010/main" xmlns="" w="9525">
+                  <a14:hiddenLine xmlns="" xmlns:a14="http://schemas.microsoft.com/office/drawing/2010/main" w="9525">
                     <a:solidFill>
                       <a:srgbClr val="000000"/>
                     </a:solidFill>
@@ -18023,7 +18024,7 @@
               </a:ln>
               <a:extLst>
                 <a:ext uri="{91240B29-F687-4f45-9708-019B960494DF}">
-                  <a14:hiddenLine xmlns:a14="http://schemas.microsoft.com/office/drawing/2010/main" xmlns="" w="9525">
+                  <a14:hiddenLine xmlns="" xmlns:a14="http://schemas.microsoft.com/office/drawing/2010/main" w="9525">
                     <a:solidFill>
                       <a:srgbClr val="000000"/>
                     </a:solidFill>
@@ -18113,7 +18114,7 @@
               </a:ln>
               <a:extLst>
                 <a:ext uri="{91240B29-F687-4f45-9708-019B960494DF}">
-                  <a14:hiddenLine xmlns:a14="http://schemas.microsoft.com/office/drawing/2010/main" xmlns="" w="9525">
+                  <a14:hiddenLine xmlns="" xmlns:a14="http://schemas.microsoft.com/office/drawing/2010/main" w="9525">
                     <a:solidFill>
                       <a:srgbClr val="000000"/>
                     </a:solidFill>
@@ -18175,7 +18176,7 @@
               </a:ln>
               <a:extLst>
                 <a:ext uri="{91240B29-F687-4f45-9708-019B960494DF}">
-                  <a14:hiddenLine xmlns:a14="http://schemas.microsoft.com/office/drawing/2010/main" xmlns="" w="9525">
+                  <a14:hiddenLine xmlns="" xmlns:a14="http://schemas.microsoft.com/office/drawing/2010/main" w="9525">
                     <a:solidFill>
                       <a:srgbClr val="000000"/>
                     </a:solidFill>
@@ -18285,7 +18286,7 @@
               </a:ln>
               <a:extLst>
                 <a:ext uri="{91240B29-F687-4f45-9708-019B960494DF}">
-                  <a14:hiddenLine xmlns:a14="http://schemas.microsoft.com/office/drawing/2010/main" xmlns="" w="9525">
+                  <a14:hiddenLine xmlns="" xmlns:a14="http://schemas.microsoft.com/office/drawing/2010/main" w="9525">
                     <a:solidFill>
                       <a:srgbClr val="000000"/>
                     </a:solidFill>
@@ -18369,7 +18370,7 @@
               </a:ln>
               <a:extLst>
                 <a:ext uri="{91240B29-F687-4f45-9708-019B960494DF}">
-                  <a14:hiddenLine xmlns:a14="http://schemas.microsoft.com/office/drawing/2010/main" xmlns="" w="9525">
+                  <a14:hiddenLine xmlns="" xmlns:a14="http://schemas.microsoft.com/office/drawing/2010/main" w="9525">
                     <a:solidFill>
                       <a:srgbClr val="000000"/>
                     </a:solidFill>
@@ -18431,7 +18432,7 @@
               </a:ln>
               <a:extLst>
                 <a:ext uri="{91240B29-F687-4f45-9708-019B960494DF}">
-                  <a14:hiddenLine xmlns:a14="http://schemas.microsoft.com/office/drawing/2010/main" xmlns="" w="9525">
+                  <a14:hiddenLine xmlns="" xmlns:a14="http://schemas.microsoft.com/office/drawing/2010/main" w="9525">
                     <a:solidFill>
                       <a:srgbClr val="000000"/>
                     </a:solidFill>
@@ -18493,7 +18494,7 @@
               </a:ln>
               <a:extLst>
                 <a:ext uri="{91240B29-F687-4f45-9708-019B960494DF}">
-                  <a14:hiddenLine xmlns:a14="http://schemas.microsoft.com/office/drawing/2010/main" xmlns="" w="9525">
+                  <a14:hiddenLine xmlns="" xmlns:a14="http://schemas.microsoft.com/office/drawing/2010/main" w="9525">
                     <a:solidFill>
                       <a:srgbClr val="000000"/>
                     </a:solidFill>
@@ -18583,7 +18584,7 @@
               </a:ln>
               <a:extLst>
                 <a:ext uri="{91240B29-F687-4f45-9708-019B960494DF}">
-                  <a14:hiddenLine xmlns:a14="http://schemas.microsoft.com/office/drawing/2010/main" xmlns="" w="9525">
+                  <a14:hiddenLine xmlns="" xmlns:a14="http://schemas.microsoft.com/office/drawing/2010/main" w="9525">
                     <a:solidFill>
                       <a:srgbClr val="000000"/>
                     </a:solidFill>
@@ -18617,7 +18618,7 @@
               </a:ln>
               <a:extLst>
                 <a:ext uri="{91240B29-F687-4f45-9708-019B960494DF}">
-                  <a14:hiddenLine xmlns:a14="http://schemas.microsoft.com/office/drawing/2010/main" xmlns="" w="9525">
+                  <a14:hiddenLine xmlns="" xmlns:a14="http://schemas.microsoft.com/office/drawing/2010/main" w="9525">
                     <a:solidFill>
                       <a:srgbClr val="000000"/>
                     </a:solidFill>
@@ -18682,7 +18683,7 @@
               </a:ln>
               <a:extLst>
                 <a:ext uri="{91240B29-F687-4f45-9708-019B960494DF}">
-                  <a14:hiddenLine xmlns:a14="http://schemas.microsoft.com/office/drawing/2010/main" xmlns="" w="9525">
+                  <a14:hiddenLine xmlns="" xmlns:a14="http://schemas.microsoft.com/office/drawing/2010/main" w="9525">
                     <a:solidFill>
                       <a:srgbClr val="000000"/>
                     </a:solidFill>
@@ -18772,7 +18773,7 @@
               </a:ln>
               <a:extLst>
                 <a:ext uri="{91240B29-F687-4f45-9708-019B960494DF}">
-                  <a14:hiddenLine xmlns:a14="http://schemas.microsoft.com/office/drawing/2010/main" xmlns="" w="9525">
+                  <a14:hiddenLine xmlns="" xmlns:a14="http://schemas.microsoft.com/office/drawing/2010/main" w="9525">
                     <a:solidFill>
                       <a:srgbClr val="000000"/>
                     </a:solidFill>
@@ -18834,7 +18835,7 @@
               </a:ln>
               <a:extLst>
                 <a:ext uri="{91240B29-F687-4f45-9708-019B960494DF}">
-                  <a14:hiddenLine xmlns:a14="http://schemas.microsoft.com/office/drawing/2010/main" xmlns="" w="9525">
+                  <a14:hiddenLine xmlns="" xmlns:a14="http://schemas.microsoft.com/office/drawing/2010/main" w="9525">
                     <a:solidFill>
                       <a:srgbClr val="000000"/>
                     </a:solidFill>
@@ -18924,7 +18925,7 @@
               </a:ln>
               <a:extLst>
                 <a:ext uri="{91240B29-F687-4f45-9708-019B960494DF}">
-                  <a14:hiddenLine xmlns:a14="http://schemas.microsoft.com/office/drawing/2010/main" xmlns="" w="9525">
+                  <a14:hiddenLine xmlns="" xmlns:a14="http://schemas.microsoft.com/office/drawing/2010/main" w="9525">
                     <a:solidFill>
                       <a:srgbClr val="000000"/>
                     </a:solidFill>
@@ -18989,7 +18990,7 @@
               </a:ln>
               <a:extLst>
                 <a:ext uri="{91240B29-F687-4f45-9708-019B960494DF}">
-                  <a14:hiddenLine xmlns:a14="http://schemas.microsoft.com/office/drawing/2010/main" xmlns="" w="9525">
+                  <a14:hiddenLine xmlns="" xmlns:a14="http://schemas.microsoft.com/office/drawing/2010/main" w="9525">
                     <a:solidFill>
                       <a:srgbClr val="000000"/>
                     </a:solidFill>
@@ -19051,7 +19052,7 @@
               </a:ln>
               <a:extLst>
                 <a:ext uri="{91240B29-F687-4f45-9708-019B960494DF}">
-                  <a14:hiddenLine xmlns:a14="http://schemas.microsoft.com/office/drawing/2010/main" xmlns="" w="9525">
+                  <a14:hiddenLine xmlns="" xmlns:a14="http://schemas.microsoft.com/office/drawing/2010/main" w="9525">
                     <a:solidFill>
                       <a:srgbClr val="000000"/>
                     </a:solidFill>
@@ -19141,7 +19142,7 @@
               </a:ln>
               <a:extLst>
                 <a:ext uri="{91240B29-F687-4f45-9708-019B960494DF}">
-                  <a14:hiddenLine xmlns:a14="http://schemas.microsoft.com/office/drawing/2010/main" xmlns="" w="9525">
+                  <a14:hiddenLine xmlns="" xmlns:a14="http://schemas.microsoft.com/office/drawing/2010/main" w="9525">
                     <a:solidFill>
                       <a:srgbClr val="000000"/>
                     </a:solidFill>
@@ -19231,7 +19232,7 @@
               </a:ln>
               <a:extLst>
                 <a:ext uri="{91240B29-F687-4f45-9708-019B960494DF}">
-                  <a14:hiddenLine xmlns:a14="http://schemas.microsoft.com/office/drawing/2010/main" xmlns="" w="9525">
+                  <a14:hiddenLine xmlns="" xmlns:a14="http://schemas.microsoft.com/office/drawing/2010/main" w="9525">
                     <a:solidFill>
                       <a:srgbClr val="000000"/>
                     </a:solidFill>
@@ -19296,7 +19297,7 @@
               </a:ln>
               <a:extLst>
                 <a:ext uri="{91240B29-F687-4f45-9708-019B960494DF}">
-                  <a14:hiddenLine xmlns:a14="http://schemas.microsoft.com/office/drawing/2010/main" xmlns="" w="9525">
+                  <a14:hiddenLine xmlns="" xmlns:a14="http://schemas.microsoft.com/office/drawing/2010/main" w="9525">
                     <a:solidFill>
                       <a:srgbClr val="000000"/>
                     </a:solidFill>
@@ -19416,7 +19417,7 @@
               </a:ln>
               <a:extLst>
                 <a:ext uri="{91240B29-F687-4f45-9708-019B960494DF}">
-                  <a14:hiddenLine xmlns:a14="http://schemas.microsoft.com/office/drawing/2010/main" xmlns="" w="9525">
+                  <a14:hiddenLine xmlns="" xmlns:a14="http://schemas.microsoft.com/office/drawing/2010/main" w="9525">
                     <a:solidFill>
                       <a:srgbClr val="000000"/>
                     </a:solidFill>
@@ -19497,7 +19498,7 @@
               </a:ln>
               <a:extLst>
                 <a:ext uri="{91240B29-F687-4f45-9708-019B960494DF}">
-                  <a14:hiddenLine xmlns:a14="http://schemas.microsoft.com/office/drawing/2010/main" xmlns="" w="9525">
+                  <a14:hiddenLine xmlns="" xmlns:a14="http://schemas.microsoft.com/office/drawing/2010/main" w="9525">
                     <a:solidFill>
                       <a:srgbClr val="000000"/>
                     </a:solidFill>
@@ -19612,7 +19613,7 @@
               </a:ln>
               <a:extLst>
                 <a:ext uri="{91240B29-F687-4f45-9708-019B960494DF}">
-                  <a14:hiddenLine xmlns:a14="http://schemas.microsoft.com/office/drawing/2010/main" xmlns="" w="9525">
+                  <a14:hiddenLine xmlns="" xmlns:a14="http://schemas.microsoft.com/office/drawing/2010/main" w="9525">
                     <a:solidFill>
                       <a:srgbClr val="000000"/>
                     </a:solidFill>
@@ -19702,7 +19703,7 @@
               </a:ln>
               <a:extLst>
                 <a:ext uri="{91240B29-F687-4f45-9708-019B960494DF}">
-                  <a14:hiddenLine xmlns:a14="http://schemas.microsoft.com/office/drawing/2010/main" xmlns="" w="9525">
+                  <a14:hiddenLine xmlns="" xmlns:a14="http://schemas.microsoft.com/office/drawing/2010/main" w="9525">
                     <a:solidFill>
                       <a:srgbClr val="000000"/>
                     </a:solidFill>
@@ -19767,7 +19768,7 @@
               </a:ln>
               <a:extLst>
                 <a:ext uri="{91240B29-F687-4f45-9708-019B960494DF}">
-                  <a14:hiddenLine xmlns:a14="http://schemas.microsoft.com/office/drawing/2010/main" xmlns="" w="9525">
+                  <a14:hiddenLine xmlns="" xmlns:a14="http://schemas.microsoft.com/office/drawing/2010/main" w="9525">
                     <a:solidFill>
                       <a:srgbClr val="000000"/>
                     </a:solidFill>
@@ -19857,7 +19858,7 @@
               </a:ln>
               <a:extLst>
                 <a:ext uri="{91240B29-F687-4f45-9708-019B960494DF}">
-                  <a14:hiddenLine xmlns:a14="http://schemas.microsoft.com/office/drawing/2010/main" xmlns="" w="9525">
+                  <a14:hiddenLine xmlns="" xmlns:a14="http://schemas.microsoft.com/office/drawing/2010/main" w="9525">
                     <a:solidFill>
                       <a:srgbClr val="000000"/>
                     </a:solidFill>
@@ -19925,7 +19926,7 @@
               </a:ln>
               <a:extLst>
                 <a:ext uri="{91240B29-F687-4f45-9708-019B960494DF}">
-                  <a14:hiddenLine xmlns:a14="http://schemas.microsoft.com/office/drawing/2010/main" xmlns="" w="9525">
+                  <a14:hiddenLine xmlns="" xmlns:a14="http://schemas.microsoft.com/office/drawing/2010/main" w="9525">
                     <a:solidFill>
                       <a:srgbClr val="000000"/>
                     </a:solidFill>
@@ -20015,7 +20016,7 @@
               </a:ln>
               <a:extLst>
                 <a:ext uri="{91240B29-F687-4f45-9708-019B960494DF}">
-                  <a14:hiddenLine xmlns:a14="http://schemas.microsoft.com/office/drawing/2010/main" xmlns="" w="9525">
+                  <a14:hiddenLine xmlns="" xmlns:a14="http://schemas.microsoft.com/office/drawing/2010/main" w="9525">
                     <a:solidFill>
                       <a:srgbClr val="000000"/>
                     </a:solidFill>
@@ -20083,7 +20084,7 @@
               </a:ln>
               <a:extLst>
                 <a:ext uri="{91240B29-F687-4f45-9708-019B960494DF}">
-                  <a14:hiddenLine xmlns:a14="http://schemas.microsoft.com/office/drawing/2010/main" xmlns="" w="9525">
+                  <a14:hiddenLine xmlns="" xmlns:a14="http://schemas.microsoft.com/office/drawing/2010/main" w="9525">
                     <a:solidFill>
                       <a:srgbClr val="000000"/>
                     </a:solidFill>
@@ -20173,7 +20174,7 @@
               </a:ln>
               <a:extLst>
                 <a:ext uri="{91240B29-F687-4f45-9708-019B960494DF}">
-                  <a14:hiddenLine xmlns:a14="http://schemas.microsoft.com/office/drawing/2010/main" xmlns="" w="9525">
+                  <a14:hiddenLine xmlns="" xmlns:a14="http://schemas.microsoft.com/office/drawing/2010/main" w="9525">
                     <a:solidFill>
                       <a:srgbClr val="000000"/>
                     </a:solidFill>
@@ -20207,7 +20208,7 @@
               </a:ln>
               <a:extLst>
                 <a:ext uri="{91240B29-F687-4f45-9708-019B960494DF}">
-                  <a14:hiddenLine xmlns:a14="http://schemas.microsoft.com/office/drawing/2010/main" xmlns="" w="9525">
+                  <a14:hiddenLine xmlns="" xmlns:a14="http://schemas.microsoft.com/office/drawing/2010/main" w="9525">
                     <a:solidFill>
                       <a:srgbClr val="000000"/>
                     </a:solidFill>
@@ -22023,6 +22024,132 @@
         </p:nvSpPr>
         <p:spPr>
           <a:xfrm>
+            <a:off x="3485118" y="256022"/>
+            <a:ext cx="6164909" cy="756560"/>
+          </a:xfrm>
+        </p:spPr>
+        <p:txBody>
+          <a:bodyPr>
+            <a:normAutofit/>
+          </a:bodyPr>
+          <a:lstStyle/>
+          <a:p>
+            <a:r>
+              <a:rPr lang="en-US" sz="4400" dirty="0">
+                <a:latin typeface="Rockwell" panose="02060603020205020403" pitchFamily="18" charset="0"/>
+              </a:rPr>
+              <a:t>U-Net Model Result</a:t>
+            </a:r>
+          </a:p>
+        </p:txBody>
+      </p:sp>
+      <p:pic>
+        <p:nvPicPr>
+          <p:cNvPr id="4" name="Content Placeholder 3" descr="A picture containing text, device, meter&#10;&#10;Description automatically generated">
+            <a:extLst>
+              <a:ext uri="{FF2B5EF4-FFF2-40B4-BE49-F238E27FC236}">
+                <a16:creationId xmlns:a16="http://schemas.microsoft.com/office/drawing/2014/main" id="{7993AC62-F6CE-B176-D78E-FFBFB4BF9243}"/>
+              </a:ext>
+            </a:extLst>
+          </p:cNvPr>
+          <p:cNvPicPr>
+            <a:picLocks noGrp="1" noChangeAspect="1"/>
+          </p:cNvPicPr>
+          <p:nvPr>
+            <p:ph sz="half" idx="1"/>
+          </p:nvPr>
+        </p:nvPicPr>
+        <p:blipFill>
+          <a:blip r:embed="rId2"/>
+          <a:stretch>
+            <a:fillRect/>
+          </a:stretch>
+        </p:blipFill>
+        <p:spPr>
+          <a:xfrm>
+            <a:off x="1731146" y="1429305"/>
+            <a:ext cx="9339308" cy="4382224"/>
+          </a:xfrm>
+        </p:spPr>
+      </p:pic>
+      <p:pic>
+        <p:nvPicPr>
+          <p:cNvPr id="8" name="Picture 7">
+            <a:extLst>
+              <a:ext uri="{FF2B5EF4-FFF2-40B4-BE49-F238E27FC236}">
+                <a16:creationId xmlns:a16="http://schemas.microsoft.com/office/drawing/2014/main" id="{02DC82F4-9AFF-4838-8AEB-E4E0FE7361F3}"/>
+              </a:ext>
+            </a:extLst>
+          </p:cNvPr>
+          <p:cNvPicPr>
+            <a:picLocks noChangeAspect="1"/>
+          </p:cNvPicPr>
+          <p:nvPr/>
+        </p:nvPicPr>
+        <p:blipFill>
+          <a:blip r:embed="rId3"/>
+          <a:stretch>
+            <a:fillRect/>
+          </a:stretch>
+        </p:blipFill>
+        <p:spPr>
+          <a:xfrm>
+            <a:off x="10667999" y="256022"/>
+            <a:ext cx="1260713" cy="872978"/>
+          </a:xfrm>
+          <a:prstGeom prst="rect">
+            <a:avLst/>
+          </a:prstGeom>
+        </p:spPr>
+      </p:pic>
+    </p:spTree>
+    <p:extLst>
+      <p:ext uri="{BB962C8B-B14F-4D97-AF65-F5344CB8AC3E}">
+        <p14:creationId xmlns:p14="http://schemas.microsoft.com/office/powerpoint/2010/main" val="522109485"/>
+      </p:ext>
+    </p:extLst>
+  </p:cSld>
+  <p:clrMapOvr>
+    <a:masterClrMapping/>
+  </p:clrMapOvr>
+</p:sld>
+</file>
+
+<file path=ppt/slides/slide15.xml><?xml version="1.0" encoding="utf-8"?>
+<p:sld xmlns:a="http://schemas.openxmlformats.org/drawingml/2006/main" xmlns:r="http://schemas.openxmlformats.org/officeDocument/2006/relationships" xmlns:p="http://schemas.openxmlformats.org/presentationml/2006/main">
+  <p:cSld>
+    <p:spTree>
+      <p:nvGrpSpPr>
+        <p:cNvPr id="1" name=""/>
+        <p:cNvGrpSpPr/>
+        <p:nvPr/>
+      </p:nvGrpSpPr>
+      <p:grpSpPr>
+        <a:xfrm>
+          <a:off x="0" y="0"/>
+          <a:ext cx="0" cy="0"/>
+          <a:chOff x="0" y="0"/>
+          <a:chExt cx="0" cy="0"/>
+        </a:xfrm>
+      </p:grpSpPr>
+      <p:sp>
+        <p:nvSpPr>
+          <p:cNvPr id="2" name="Title 1">
+            <a:extLst>
+              <a:ext uri="{FF2B5EF4-FFF2-40B4-BE49-F238E27FC236}">
+                <a16:creationId xmlns:a16="http://schemas.microsoft.com/office/drawing/2014/main" id="{34DB6CE4-2B13-4715-B5B2-615A55922CA1}"/>
+              </a:ext>
+            </a:extLst>
+          </p:cNvPr>
+          <p:cNvSpPr>
+            <a:spLocks noGrp="1"/>
+          </p:cNvSpPr>
+          <p:nvPr>
+            <p:ph type="title"/>
+          </p:nvPr>
+        </p:nvSpPr>
+        <p:spPr>
+          <a:xfrm>
             <a:off x="4506050" y="403963"/>
             <a:ext cx="3510486" cy="725037"/>
           </a:xfrm>
@@ -22163,7 +22290,7 @@
 </p:sld>
 </file>
 
-<file path=ppt/slides/slide15.xml><?xml version="1.0" encoding="utf-8"?>
+<file path=ppt/slides/slide16.xml><?xml version="1.0" encoding="utf-8"?>
 <p:sld xmlns:a="http://schemas.openxmlformats.org/drawingml/2006/main" xmlns:r="http://schemas.openxmlformats.org/officeDocument/2006/relationships" xmlns:p="http://schemas.openxmlformats.org/presentationml/2006/main">
   <p:cSld>
     <p:spTree>
@@ -22302,7 +22429,7 @@
 </p:sld>
 </file>
 
-<file path=ppt/slides/slide16.xml><?xml version="1.0" encoding="utf-8"?>
+<file path=ppt/slides/slide17.xml><?xml version="1.0" encoding="utf-8"?>
 <p:sld xmlns:a="http://schemas.openxmlformats.org/drawingml/2006/main" xmlns:r="http://schemas.openxmlformats.org/officeDocument/2006/relationships" xmlns:p="http://schemas.openxmlformats.org/presentationml/2006/main">
   <p:cSld>
     <p:spTree>
@@ -22474,7 +22601,7 @@
 </p:sld>
 </file>
 
-<file path=ppt/slides/slide17.xml><?xml version="1.0" encoding="utf-8"?>
+<file path=ppt/slides/slide18.xml><?xml version="1.0" encoding="utf-8"?>
 <p:sld xmlns:a="http://schemas.openxmlformats.org/drawingml/2006/main" xmlns:r="http://schemas.openxmlformats.org/officeDocument/2006/relationships" xmlns:p="http://schemas.openxmlformats.org/presentationml/2006/main">
   <p:cSld>
     <p:spTree>
@@ -22699,7 +22826,7 @@
         </p:nvSpPr>
         <p:spPr>
           <a:xfrm>
-            <a:off x="2130641" y="1500327"/>
+            <a:off x="2130641" y="1509205"/>
             <a:ext cx="6338545" cy="4495061"/>
           </a:xfrm>
         </p:spPr>
@@ -23008,7 +23135,7 @@
             <p:ph idx="1"/>
             <p:extLst>
               <p:ext uri="{D42A27DB-BD31-4B8C-83A1-F6EECF244321}">
-                <p14:modId xmlns:p14="http://schemas.microsoft.com/office/powerpoint/2010/main" val="209556155"/>
+                <p14:modId xmlns:p14="http://schemas.microsoft.com/office/powerpoint/2010/main" val="1235439741"/>
               </p:ext>
             </p:extLst>
           </p:nvPr>
@@ -24795,6 +24922,23 @@
 </file>
 
 <file path=customXml/item1.xml><?xml version="1.0" encoding="utf-8"?>
+<p:properties xmlns:p="http://schemas.microsoft.com/office/2006/metadata/properties" xmlns:xsi="http://www.w3.org/2001/XMLSchema-instance" xmlns:pc="http://schemas.microsoft.com/office/infopath/2007/PartnerControls">
+  <documentManagement>
+    <MediaServiceKeyPoints xmlns="71af3243-3dd4-4a8d-8c0d-dd76da1f02a5" xsi:nil="true"/>
+  </documentManagement>
+</p:properties>
+</file>
+
+<file path=customXml/item2.xml><?xml version="1.0" encoding="utf-8"?>
+<?mso-contentType ?>
+<FormTemplates xmlns="http://schemas.microsoft.com/sharepoint/v3/contenttype/forms">
+  <Display>DocumentLibraryForm</Display>
+  <Edit>DocumentLibraryForm</Edit>
+  <New>DocumentLibraryForm</New>
+</FormTemplates>
+</file>
+
+<file path=customXml/item3.xml><?xml version="1.0" encoding="utf-8"?>
 <ct:contentTypeSchema xmlns:ct="http://schemas.microsoft.com/office/2006/metadata/contentType" xmlns:ma="http://schemas.microsoft.com/office/2006/metadata/properties/metaAttributes" ct:_="" ma:_="" ma:contentTypeName="Document" ma:contentTypeID="0x01010079F111ED35F8CC479449609E8A0923A6" ma:contentTypeVersion="11" ma:contentTypeDescription="Create a new document." ma:contentTypeScope="" ma:versionID="96291512c1ee715ab617f4c07df79fc1">
   <xsd:schema xmlns:xsd="http://www.w3.org/2001/XMLSchema" xmlns:xs="http://www.w3.org/2001/XMLSchema" xmlns:p="http://schemas.microsoft.com/office/2006/metadata/properties" xmlns:ns2="71af3243-3dd4-4a8d-8c0d-dd76da1f02a5" xmlns:ns3="16c05727-aa75-4e4a-9b5f-8a80a1165891" targetNamespace="http://schemas.microsoft.com/office/2006/metadata/properties" ma:root="true" ma:fieldsID="8256c27c40ca5c40ce1cf6c44f0205df" ns2:_="" ns3:_="">
     <xsd:import namespace="71af3243-3dd4-4a8d-8c0d-dd76da1f02a5"/>
@@ -25005,24 +25149,32 @@
 </ct:contentTypeSchema>
 </file>
 
-<file path=customXml/item2.xml><?xml version="1.0" encoding="utf-8"?>
-<?mso-contentType ?>
-<FormTemplates xmlns="http://schemas.microsoft.com/sharepoint/v3/contenttype/forms">
-  <Display>DocumentLibraryForm</Display>
-  <Edit>DocumentLibraryForm</Edit>
-  <New>DocumentLibraryForm</New>
-</FormTemplates>
+<file path=customXml/itemProps1.xml><?xml version="1.0" encoding="utf-8"?>
+<ds:datastoreItem xmlns:ds="http://schemas.openxmlformats.org/officeDocument/2006/customXml" ds:itemID="{E7866CFD-F94E-4AE5-ACEA-86FEC0F48A10}">
+  <ds:schemaRefs>
+    <ds:schemaRef ds:uri="http://purl.org/dc/elements/1.1/"/>
+    <ds:schemaRef ds:uri="http://schemas.microsoft.com/office/2006/documentManagement/types"/>
+    <ds:schemaRef ds:uri="16c05727-aa75-4e4a-9b5f-8a80a1165891"/>
+    <ds:schemaRef ds:uri="http://purl.org/dc/terms/"/>
+    <ds:schemaRef ds:uri="71af3243-3dd4-4a8d-8c0d-dd76da1f02a5"/>
+    <ds:schemaRef ds:uri="http://schemas.microsoft.com/office/infopath/2007/PartnerControls"/>
+    <ds:schemaRef ds:uri="http://www.w3.org/XML/1998/namespace"/>
+    <ds:schemaRef ds:uri="http://schemas.openxmlformats.org/package/2006/metadata/core-properties"/>
+    <ds:schemaRef ds:uri="http://schemas.microsoft.com/office/2006/metadata/properties"/>
+    <ds:schemaRef ds:uri="http://purl.org/dc/dcmitype/"/>
+  </ds:schemaRefs>
+</ds:datastoreItem>
 </file>
 
-<file path=customXml/item3.xml><?xml version="1.0" encoding="utf-8"?>
-<p:properties xmlns:p="http://schemas.microsoft.com/office/2006/metadata/properties" xmlns:xsi="http://www.w3.org/2001/XMLSchema-instance" xmlns:pc="http://schemas.microsoft.com/office/infopath/2007/PartnerControls">
-  <documentManagement>
-    <MediaServiceKeyPoints xmlns="71af3243-3dd4-4a8d-8c0d-dd76da1f02a5" xsi:nil="true"/>
-  </documentManagement>
-</p:properties>
+<file path=customXml/itemProps2.xml><?xml version="1.0" encoding="utf-8"?>
+<ds:datastoreItem xmlns:ds="http://schemas.openxmlformats.org/officeDocument/2006/customXml" ds:itemID="{B579702B-25C7-40D7-9E29-7686B11A9660}">
+  <ds:schemaRefs>
+    <ds:schemaRef ds:uri="http://schemas.microsoft.com/sharepoint/v3/contenttype/forms"/>
+  </ds:schemaRefs>
+</ds:datastoreItem>
 </file>
 
-<file path=customXml/itemProps1.xml><?xml version="1.0" encoding="utf-8"?>
+<file path=customXml/itemProps3.xml><?xml version="1.0" encoding="utf-8"?>
 <ds:datastoreItem xmlns:ds="http://schemas.openxmlformats.org/officeDocument/2006/customXml" ds:itemID="{A7C0B241-13E5-418D-8920-D23491E2D2C0}">
   <ds:schemaRefs>
     <ds:schemaRef ds:uri="http://schemas.microsoft.com/office/2006/metadata/contentType"/>
@@ -25039,29 +25191,4 @@
     <ds:schemaRef ds:uri="http://schemas.microsoft.com/internal/obd"/>
   </ds:schemaRefs>
 </ds:datastoreItem>
-</file>
-
-<file path=customXml/itemProps2.xml><?xml version="1.0" encoding="utf-8"?>
-<ds:datastoreItem xmlns:ds="http://schemas.openxmlformats.org/officeDocument/2006/customXml" ds:itemID="{B579702B-25C7-40D7-9E29-7686B11A9660}">
-  <ds:schemaRefs>
-    <ds:schemaRef ds:uri="http://schemas.microsoft.com/sharepoint/v3/contenttype/forms"/>
-  </ds:schemaRefs>
-</ds:datastoreItem>
-</file>
-
-<file path=customXml/itemProps3.xml><?xml version="1.0" encoding="utf-8"?>
-<ds:datastoreItem xmlns:ds="http://schemas.openxmlformats.org/officeDocument/2006/customXml" ds:itemID="{E7866CFD-F94E-4AE5-ACEA-86FEC0F48A10}">
-  <ds:schemaRefs>
-    <ds:schemaRef ds:uri="http://purl.org/dc/elements/1.1/"/>
-    <ds:schemaRef ds:uri="http://schemas.microsoft.com/office/2006/documentManagement/types"/>
-    <ds:schemaRef ds:uri="16c05727-aa75-4e4a-9b5f-8a80a1165891"/>
-    <ds:schemaRef ds:uri="http://purl.org/dc/terms/"/>
-    <ds:schemaRef ds:uri="71af3243-3dd4-4a8d-8c0d-dd76da1f02a5"/>
-    <ds:schemaRef ds:uri="http://schemas.microsoft.com/office/infopath/2007/PartnerControls"/>
-    <ds:schemaRef ds:uri="http://www.w3.org/XML/1998/namespace"/>
-    <ds:schemaRef ds:uri="http://schemas.openxmlformats.org/package/2006/metadata/core-properties"/>
-    <ds:schemaRef ds:uri="http://schemas.microsoft.com/office/2006/metadata/properties"/>
-    <ds:schemaRef ds:uri="http://purl.org/dc/dcmitype/"/>
-  </ds:schemaRefs>
-</ds:datastoreItem>
 </file>
--- a/Cancer_Champions_PPT.pptx
+++ b/Cancer_Champions_PPT.pptx
@@ -22502,7 +22502,7 @@
         <p:spPr>
           <a:xfrm>
             <a:off x="1141412" y="1761214"/>
-            <a:ext cx="9905999" cy="4257846"/>
+            <a:ext cx="9905999" cy="2642110"/>
           </a:xfrm>
         </p:spPr>
         <p:txBody>
@@ -22537,23 +22537,6 @@
                 <a:cs typeface="Tahoma" panose="020B0604030504040204" pitchFamily="34" charset="0"/>
               </a:rPr>
               <a:t>Team Challenges</a:t>
-            </a:r>
-          </a:p>
-          <a:p>
-            <a:endParaRPr lang="en-US" dirty="0">
-              <a:latin typeface="Tahoma" panose="020B0604030504040204" pitchFamily="34" charset="0"/>
-              <a:ea typeface="Tahoma" panose="020B0604030504040204" pitchFamily="34" charset="0"/>
-              <a:cs typeface="Tahoma" panose="020B0604030504040204" pitchFamily="34" charset="0"/>
-            </a:endParaRPr>
-          </a:p>
-          <a:p>
-            <a:r>
-              <a:rPr lang="en-US" sz="3500" dirty="0">
-                <a:latin typeface="Tahoma" panose="020B0604030504040204" pitchFamily="34" charset="0"/>
-                <a:ea typeface="Tahoma" panose="020B0604030504040204" pitchFamily="34" charset="0"/>
-                <a:cs typeface="Tahoma" panose="020B0604030504040204" pitchFamily="34" charset="0"/>
-              </a:rPr>
-              <a:t>The project will be used in future work</a:t>
             </a:r>
           </a:p>
         </p:txBody>

--- a/Cancer_Champions_PPT.pptx
+++ b/Cancer_Champions_PPT.pptx
@@ -8505,7 +8505,7 @@
           <a:noFill/>
           <a:extLst>
             <a:ext uri="{909E8E84-426E-40dd-AFC4-6F175D3DCCD1}">
-              <a14:hiddenFill xmlns="" xmlns:a14="http://schemas.microsoft.com/office/drawing/2010/main">
+              <a14:hiddenFill xmlns:a14="http://schemas.microsoft.com/office/drawing/2010/main" xmlns="">
                 <a:solidFill>
                   <a:srgbClr val="FFFFFF"/>
                 </a:solidFill>
@@ -8564,7 +8564,7 @@
             </a:ln>
             <a:extLst>
               <a:ext uri="{91240B29-F687-4f45-9708-019B960494DF}">
-                <a14:hiddenLine xmlns="" xmlns:a14="http://schemas.microsoft.com/office/drawing/2010/main" w="9525">
+                <a14:hiddenLine xmlns:a14="http://schemas.microsoft.com/office/drawing/2010/main" xmlns="" w="9525">
                   <a:solidFill>
                     <a:srgbClr val="000000"/>
                   </a:solidFill>
@@ -8654,7 +8654,7 @@
             </a:ln>
             <a:extLst>
               <a:ext uri="{91240B29-F687-4f45-9708-019B960494DF}">
-                <a14:hiddenLine xmlns="" xmlns:a14="http://schemas.microsoft.com/office/drawing/2010/main" w="9525">
+                <a14:hiddenLine xmlns:a14="http://schemas.microsoft.com/office/drawing/2010/main" xmlns="" w="9525">
                   <a:solidFill>
                     <a:srgbClr val="000000"/>
                   </a:solidFill>
@@ -8744,7 +8744,7 @@
             </a:ln>
             <a:extLst>
               <a:ext uri="{91240B29-F687-4f45-9708-019B960494DF}">
-                <a14:hiddenLine xmlns="" xmlns:a14="http://schemas.microsoft.com/office/drawing/2010/main" w="9525">
+                <a14:hiddenLine xmlns:a14="http://schemas.microsoft.com/office/drawing/2010/main" xmlns="" w="9525">
                   <a:solidFill>
                     <a:srgbClr val="000000"/>
                   </a:solidFill>
@@ -8778,7 +8778,7 @@
             </a:ln>
             <a:extLst>
               <a:ext uri="{91240B29-F687-4f45-9708-019B960494DF}">
-                <a14:hiddenLine xmlns="" xmlns:a14="http://schemas.microsoft.com/office/drawing/2010/main" w="9525">
+                <a14:hiddenLine xmlns:a14="http://schemas.microsoft.com/office/drawing/2010/main" xmlns="" w="9525">
                   <a:solidFill>
                     <a:srgbClr val="000000"/>
                   </a:solidFill>
@@ -8868,7 +8868,7 @@
             </a:ln>
             <a:extLst>
               <a:ext uri="{91240B29-F687-4f45-9708-019B960494DF}">
-                <a14:hiddenLine xmlns="" xmlns:a14="http://schemas.microsoft.com/office/drawing/2010/main" w="9525">
+                <a14:hiddenLine xmlns:a14="http://schemas.microsoft.com/office/drawing/2010/main" xmlns="" w="9525">
                   <a:solidFill>
                     <a:srgbClr val="000000"/>
                   </a:solidFill>
@@ -8930,7 +8930,7 @@
             </a:ln>
             <a:extLst>
               <a:ext uri="{91240B29-F687-4f45-9708-019B960494DF}">
-                <a14:hiddenLine xmlns="" xmlns:a14="http://schemas.microsoft.com/office/drawing/2010/main" w="9525">
+                <a14:hiddenLine xmlns:a14="http://schemas.microsoft.com/office/drawing/2010/main" xmlns="" w="9525">
                   <a:solidFill>
                     <a:srgbClr val="000000"/>
                   </a:solidFill>
@@ -8992,7 +8992,7 @@
             </a:ln>
             <a:extLst>
               <a:ext uri="{91240B29-F687-4f45-9708-019B960494DF}">
-                <a14:hiddenLine xmlns="" xmlns:a14="http://schemas.microsoft.com/office/drawing/2010/main" w="9525">
+                <a14:hiddenLine xmlns:a14="http://schemas.microsoft.com/office/drawing/2010/main" xmlns="" w="9525">
                   <a:solidFill>
                     <a:srgbClr val="000000"/>
                   </a:solidFill>
@@ -9082,7 +9082,7 @@
             </a:ln>
             <a:extLst>
               <a:ext uri="{91240B29-F687-4f45-9708-019B960494DF}">
-                <a14:hiddenLine xmlns="" xmlns:a14="http://schemas.microsoft.com/office/drawing/2010/main" w="9525">
+                <a14:hiddenLine xmlns:a14="http://schemas.microsoft.com/office/drawing/2010/main" xmlns="" w="9525">
                   <a:solidFill>
                     <a:srgbClr val="000000"/>
                   </a:solidFill>
@@ -9144,7 +9144,7 @@
             </a:ln>
             <a:extLst>
               <a:ext uri="{91240B29-F687-4f45-9708-019B960494DF}">
-                <a14:hiddenLine xmlns="" xmlns:a14="http://schemas.microsoft.com/office/drawing/2010/main" w="9525">
+                <a14:hiddenLine xmlns:a14="http://schemas.microsoft.com/office/drawing/2010/main" xmlns="" w="9525">
                   <a:solidFill>
                     <a:srgbClr val="000000"/>
                   </a:solidFill>
@@ -9206,7 +9206,7 @@
             </a:ln>
             <a:extLst>
               <a:ext uri="{91240B29-F687-4f45-9708-019B960494DF}">
-                <a14:hiddenLine xmlns="" xmlns:a14="http://schemas.microsoft.com/office/drawing/2010/main" w="9525">
+                <a14:hiddenLine xmlns:a14="http://schemas.microsoft.com/office/drawing/2010/main" xmlns="" w="9525">
                   <a:solidFill>
                     <a:srgbClr val="000000"/>
                   </a:solidFill>
@@ -9296,7 +9296,7 @@
             </a:ln>
             <a:extLst>
               <a:ext uri="{91240B29-F687-4f45-9708-019B960494DF}">
-                <a14:hiddenLine xmlns="" xmlns:a14="http://schemas.microsoft.com/office/drawing/2010/main" w="9525">
+                <a14:hiddenLine xmlns:a14="http://schemas.microsoft.com/office/drawing/2010/main" xmlns="" w="9525">
                   <a:solidFill>
                     <a:srgbClr val="000000"/>
                   </a:solidFill>
@@ -9386,7 +9386,7 @@
             </a:ln>
             <a:extLst>
               <a:ext uri="{91240B29-F687-4f45-9708-019B960494DF}">
-                <a14:hiddenLine xmlns="" xmlns:a14="http://schemas.microsoft.com/office/drawing/2010/main" w="9525">
+                <a14:hiddenLine xmlns:a14="http://schemas.microsoft.com/office/drawing/2010/main" xmlns="" w="9525">
                   <a:solidFill>
                     <a:srgbClr val="000000"/>
                   </a:solidFill>
@@ -9448,7 +9448,7 @@
             </a:ln>
             <a:extLst>
               <a:ext uri="{91240B29-F687-4f45-9708-019B960494DF}">
-                <a14:hiddenLine xmlns="" xmlns:a14="http://schemas.microsoft.com/office/drawing/2010/main" w="9525">
+                <a14:hiddenLine xmlns:a14="http://schemas.microsoft.com/office/drawing/2010/main" xmlns="" w="9525">
                   <a:solidFill>
                     <a:srgbClr val="000000"/>
                   </a:solidFill>
@@ -9558,7 +9558,7 @@
             </a:ln>
             <a:extLst>
               <a:ext uri="{91240B29-F687-4f45-9708-019B960494DF}">
-                <a14:hiddenLine xmlns="" xmlns:a14="http://schemas.microsoft.com/office/drawing/2010/main" w="9525">
+                <a14:hiddenLine xmlns:a14="http://schemas.microsoft.com/office/drawing/2010/main" xmlns="" w="9525">
                   <a:solidFill>
                     <a:srgbClr val="000000"/>
                   </a:solidFill>
@@ -9620,7 +9620,7 @@
             </a:ln>
             <a:extLst>
               <a:ext uri="{91240B29-F687-4f45-9708-019B960494DF}">
-                <a14:hiddenLine xmlns="" xmlns:a14="http://schemas.microsoft.com/office/drawing/2010/main" w="9525">
+                <a14:hiddenLine xmlns:a14="http://schemas.microsoft.com/office/drawing/2010/main" xmlns="" w="9525">
                   <a:solidFill>
                     <a:srgbClr val="000000"/>
                   </a:solidFill>
@@ -9710,7 +9710,7 @@
             </a:ln>
             <a:extLst>
               <a:ext uri="{91240B29-F687-4f45-9708-019B960494DF}">
-                <a14:hiddenLine xmlns="" xmlns:a14="http://schemas.microsoft.com/office/drawing/2010/main" w="9525">
+                <a14:hiddenLine xmlns:a14="http://schemas.microsoft.com/office/drawing/2010/main" xmlns="" w="9525">
                   <a:solidFill>
                     <a:srgbClr val="000000"/>
                   </a:solidFill>
@@ -9800,7 +9800,7 @@
             </a:ln>
             <a:extLst>
               <a:ext uri="{91240B29-F687-4f45-9708-019B960494DF}">
-                <a14:hiddenLine xmlns="" xmlns:a14="http://schemas.microsoft.com/office/drawing/2010/main" w="9525">
+                <a14:hiddenLine xmlns:a14="http://schemas.microsoft.com/office/drawing/2010/main" xmlns="" w="9525">
                   <a:solidFill>
                     <a:srgbClr val="000000"/>
                   </a:solidFill>
@@ -9862,7 +9862,7 @@
             </a:ln>
             <a:extLst>
               <a:ext uri="{91240B29-F687-4f45-9708-019B960494DF}">
-                <a14:hiddenLine xmlns="" xmlns:a14="http://schemas.microsoft.com/office/drawing/2010/main" w="9525">
+                <a14:hiddenLine xmlns:a14="http://schemas.microsoft.com/office/drawing/2010/main" xmlns="" w="9525">
                   <a:solidFill>
                     <a:srgbClr val="000000"/>
                   </a:solidFill>
@@ -9952,7 +9952,7 @@
             </a:ln>
             <a:extLst>
               <a:ext uri="{91240B29-F687-4f45-9708-019B960494DF}">
-                <a14:hiddenLine xmlns="" xmlns:a14="http://schemas.microsoft.com/office/drawing/2010/main" w="9525">
+                <a14:hiddenLine xmlns:a14="http://schemas.microsoft.com/office/drawing/2010/main" xmlns="" w="9525">
                   <a:solidFill>
                     <a:srgbClr val="000000"/>
                   </a:solidFill>
@@ -10042,7 +10042,7 @@
             </a:ln>
             <a:extLst>
               <a:ext uri="{91240B29-F687-4f45-9708-019B960494DF}">
-                <a14:hiddenLine xmlns="" xmlns:a14="http://schemas.microsoft.com/office/drawing/2010/main" w="9525">
+                <a14:hiddenLine xmlns:a14="http://schemas.microsoft.com/office/drawing/2010/main" xmlns="" w="9525">
                   <a:solidFill>
                     <a:srgbClr val="000000"/>
                   </a:solidFill>
@@ -10098,7 +10098,7 @@
             </a:ln>
             <a:extLst>
               <a:ext uri="{91240B29-F687-4f45-9708-019B960494DF}">
-                <a14:hiddenLine xmlns="" xmlns:a14="http://schemas.microsoft.com/office/drawing/2010/main" w="9525">
+                <a14:hiddenLine xmlns:a14="http://schemas.microsoft.com/office/drawing/2010/main" xmlns="" w="9525">
                   <a:solidFill>
                     <a:srgbClr val="000000"/>
                   </a:solidFill>
@@ -10188,7 +10188,7 @@
             </a:ln>
             <a:extLst>
               <a:ext uri="{91240B29-F687-4f45-9708-019B960494DF}">
-                <a14:hiddenLine xmlns="" xmlns:a14="http://schemas.microsoft.com/office/drawing/2010/main" w="9525">
+                <a14:hiddenLine xmlns:a14="http://schemas.microsoft.com/office/drawing/2010/main" xmlns="" w="9525">
                   <a:solidFill>
                     <a:srgbClr val="000000"/>
                   </a:solidFill>
@@ -10244,7 +10244,7 @@
             </a:ln>
             <a:extLst>
               <a:ext uri="{91240B29-F687-4f45-9708-019B960494DF}">
-                <a14:hiddenLine xmlns="" xmlns:a14="http://schemas.microsoft.com/office/drawing/2010/main" w="9525">
+                <a14:hiddenLine xmlns:a14="http://schemas.microsoft.com/office/drawing/2010/main" xmlns="" w="9525">
                   <a:solidFill>
                     <a:srgbClr val="000000"/>
                   </a:solidFill>
@@ -10334,7 +10334,7 @@
             </a:ln>
             <a:extLst>
               <a:ext uri="{91240B29-F687-4f45-9708-019B960494DF}">
-                <a14:hiddenLine xmlns="" xmlns:a14="http://schemas.microsoft.com/office/drawing/2010/main" w="9525">
+                <a14:hiddenLine xmlns:a14="http://schemas.microsoft.com/office/drawing/2010/main" xmlns="" w="9525">
                   <a:solidFill>
                     <a:srgbClr val="000000"/>
                   </a:solidFill>
@@ -10402,7 +10402,7 @@
             </a:ln>
             <a:extLst>
               <a:ext uri="{91240B29-F687-4f45-9708-019B960494DF}">
-                <a14:hiddenLine xmlns="" xmlns:a14="http://schemas.microsoft.com/office/drawing/2010/main" w="9525">
+                <a14:hiddenLine xmlns:a14="http://schemas.microsoft.com/office/drawing/2010/main" xmlns="" w="9525">
                   <a:solidFill>
                     <a:srgbClr val="000000"/>
                   </a:solidFill>
@@ -10492,7 +10492,7 @@
             </a:ln>
             <a:extLst>
               <a:ext uri="{91240B29-F687-4f45-9708-019B960494DF}">
-                <a14:hiddenLine xmlns="" xmlns:a14="http://schemas.microsoft.com/office/drawing/2010/main" w="9525">
+                <a14:hiddenLine xmlns:a14="http://schemas.microsoft.com/office/drawing/2010/main" xmlns="" w="9525">
                   <a:solidFill>
                     <a:srgbClr val="000000"/>
                   </a:solidFill>
@@ -10560,7 +10560,7 @@
             </a:ln>
             <a:extLst>
               <a:ext uri="{91240B29-F687-4f45-9708-019B960494DF}">
-                <a14:hiddenLine xmlns="" xmlns:a14="http://schemas.microsoft.com/office/drawing/2010/main" w="9525">
+                <a14:hiddenLine xmlns:a14="http://schemas.microsoft.com/office/drawing/2010/main" xmlns="" w="9525">
                   <a:solidFill>
                     <a:srgbClr val="000000"/>
                   </a:solidFill>
@@ -10650,7 +10650,7 @@
             </a:ln>
             <a:extLst>
               <a:ext uri="{91240B29-F687-4f45-9708-019B960494DF}">
-                <a14:hiddenLine xmlns="" xmlns:a14="http://schemas.microsoft.com/office/drawing/2010/main" w="9525">
+                <a14:hiddenLine xmlns:a14="http://schemas.microsoft.com/office/drawing/2010/main" xmlns="" w="9525">
                   <a:solidFill>
                     <a:srgbClr val="000000"/>
                   </a:solidFill>
@@ -10684,7 +10684,7 @@
             </a:ln>
             <a:extLst>
               <a:ext uri="{91240B29-F687-4f45-9708-019B960494DF}">
-                <a14:hiddenLine xmlns="" xmlns:a14="http://schemas.microsoft.com/office/drawing/2010/main" w="9525">
+                <a14:hiddenLine xmlns:a14="http://schemas.microsoft.com/office/drawing/2010/main" xmlns="" w="9525">
                   <a:solidFill>
                     <a:srgbClr val="000000"/>
                   </a:solidFill>
@@ -10774,7 +10774,7 @@
             </a:ln>
             <a:extLst>
               <a:ext uri="{91240B29-F687-4f45-9708-019B960494DF}">
-                <a14:hiddenLine xmlns="" xmlns:a14="http://schemas.microsoft.com/office/drawing/2010/main" w="9525">
+                <a14:hiddenLine xmlns:a14="http://schemas.microsoft.com/office/drawing/2010/main" xmlns="" w="9525">
                   <a:solidFill>
                     <a:srgbClr val="000000"/>
                   </a:solidFill>
@@ -10836,7 +10836,7 @@
             </a:ln>
             <a:extLst>
               <a:ext uri="{91240B29-F687-4f45-9708-019B960494DF}">
-                <a14:hiddenLine xmlns="" xmlns:a14="http://schemas.microsoft.com/office/drawing/2010/main" w="9525">
+                <a14:hiddenLine xmlns:a14="http://schemas.microsoft.com/office/drawing/2010/main" xmlns="" w="9525">
                   <a:solidFill>
                     <a:srgbClr val="000000"/>
                   </a:solidFill>
@@ -10898,7 +10898,7 @@
             </a:ln>
             <a:extLst>
               <a:ext uri="{91240B29-F687-4f45-9708-019B960494DF}">
-                <a14:hiddenLine xmlns="" xmlns:a14="http://schemas.microsoft.com/office/drawing/2010/main" w="9525">
+                <a14:hiddenLine xmlns:a14="http://schemas.microsoft.com/office/drawing/2010/main" xmlns="" w="9525">
                   <a:solidFill>
                     <a:srgbClr val="000000"/>
                   </a:solidFill>
@@ -10988,7 +10988,7 @@
             </a:ln>
             <a:extLst>
               <a:ext uri="{91240B29-F687-4f45-9708-019B960494DF}">
-                <a14:hiddenLine xmlns="" xmlns:a14="http://schemas.microsoft.com/office/drawing/2010/main" w="9525">
+                <a14:hiddenLine xmlns:a14="http://schemas.microsoft.com/office/drawing/2010/main" xmlns="" w="9525">
                   <a:solidFill>
                     <a:srgbClr val="000000"/>
                   </a:solidFill>
@@ -11056,7 +11056,7 @@
             </a:ln>
             <a:extLst>
               <a:ext uri="{91240B29-F687-4f45-9708-019B960494DF}">
-                <a14:hiddenLine xmlns="" xmlns:a14="http://schemas.microsoft.com/office/drawing/2010/main" w="9525">
+                <a14:hiddenLine xmlns:a14="http://schemas.microsoft.com/office/drawing/2010/main" xmlns="" w="9525">
                   <a:solidFill>
                     <a:srgbClr val="000000"/>
                   </a:solidFill>
@@ -11118,7 +11118,7 @@
             </a:ln>
             <a:extLst>
               <a:ext uri="{91240B29-F687-4f45-9708-019B960494DF}">
-                <a14:hiddenLine xmlns="" xmlns:a14="http://schemas.microsoft.com/office/drawing/2010/main" w="9525">
+                <a14:hiddenLine xmlns:a14="http://schemas.microsoft.com/office/drawing/2010/main" xmlns="" w="9525">
                   <a:solidFill>
                     <a:srgbClr val="000000"/>
                   </a:solidFill>
@@ -11208,7 +11208,7 @@
             </a:ln>
             <a:extLst>
               <a:ext uri="{91240B29-F687-4f45-9708-019B960494DF}">
-                <a14:hiddenLine xmlns="" xmlns:a14="http://schemas.microsoft.com/office/drawing/2010/main" w="9525">
+                <a14:hiddenLine xmlns:a14="http://schemas.microsoft.com/office/drawing/2010/main" xmlns="" w="9525">
                   <a:solidFill>
                     <a:srgbClr val="000000"/>
                   </a:solidFill>
@@ -11270,7 +11270,7 @@
             </a:ln>
             <a:extLst>
               <a:ext uri="{91240B29-F687-4f45-9708-019B960494DF}">
-                <a14:hiddenLine xmlns="" xmlns:a14="http://schemas.microsoft.com/office/drawing/2010/main" w="9525">
+                <a14:hiddenLine xmlns:a14="http://schemas.microsoft.com/office/drawing/2010/main" xmlns="" w="9525">
                   <a:solidFill>
                     <a:srgbClr val="000000"/>
                   </a:solidFill>
@@ -11360,7 +11360,7 @@
             </a:ln>
             <a:extLst>
               <a:ext uri="{91240B29-F687-4f45-9708-019B960494DF}">
-                <a14:hiddenLine xmlns="" xmlns:a14="http://schemas.microsoft.com/office/drawing/2010/main" w="9525">
+                <a14:hiddenLine xmlns:a14="http://schemas.microsoft.com/office/drawing/2010/main" xmlns="" w="9525">
                   <a:solidFill>
                     <a:srgbClr val="000000"/>
                   </a:solidFill>
@@ -11422,7 +11422,7 @@
             </a:ln>
             <a:extLst>
               <a:ext uri="{91240B29-F687-4f45-9708-019B960494DF}">
-                <a14:hiddenLine xmlns="" xmlns:a14="http://schemas.microsoft.com/office/drawing/2010/main" w="9525">
+                <a14:hiddenLine xmlns:a14="http://schemas.microsoft.com/office/drawing/2010/main" xmlns="" w="9525">
                   <a:solidFill>
                     <a:srgbClr val="000000"/>
                   </a:solidFill>
@@ -11512,7 +11512,7 @@
             </a:ln>
             <a:extLst>
               <a:ext uri="{91240B29-F687-4f45-9708-019B960494DF}">
-                <a14:hiddenLine xmlns="" xmlns:a14="http://schemas.microsoft.com/office/drawing/2010/main" w="9525">
+                <a14:hiddenLine xmlns:a14="http://schemas.microsoft.com/office/drawing/2010/main" xmlns="" w="9525">
                   <a:solidFill>
                     <a:srgbClr val="000000"/>
                   </a:solidFill>
@@ -11546,7 +11546,7 @@
             </a:ln>
             <a:extLst>
               <a:ext uri="{91240B29-F687-4f45-9708-019B960494DF}">
-                <a14:hiddenLine xmlns="" xmlns:a14="http://schemas.microsoft.com/office/drawing/2010/main" w="9525">
+                <a14:hiddenLine xmlns:a14="http://schemas.microsoft.com/office/drawing/2010/main" xmlns="" w="9525">
                   <a:solidFill>
                     <a:srgbClr val="000000"/>
                   </a:solidFill>
@@ -11611,7 +11611,7 @@
             </a:ln>
             <a:extLst>
               <a:ext uri="{91240B29-F687-4f45-9708-019B960494DF}">
-                <a14:hiddenLine xmlns="" xmlns:a14="http://schemas.microsoft.com/office/drawing/2010/main" w="9525">
+                <a14:hiddenLine xmlns:a14="http://schemas.microsoft.com/office/drawing/2010/main" xmlns="" w="9525">
                   <a:solidFill>
                     <a:srgbClr val="000000"/>
                   </a:solidFill>
@@ -11701,7 +11701,7 @@
             </a:ln>
             <a:extLst>
               <a:ext uri="{91240B29-F687-4f45-9708-019B960494DF}">
-                <a14:hiddenLine xmlns="" xmlns:a14="http://schemas.microsoft.com/office/drawing/2010/main" w="9525">
+                <a14:hiddenLine xmlns:a14="http://schemas.microsoft.com/office/drawing/2010/main" xmlns="" w="9525">
                   <a:solidFill>
                     <a:srgbClr val="000000"/>
                   </a:solidFill>
@@ -11763,7 +11763,7 @@
             </a:ln>
             <a:extLst>
               <a:ext uri="{91240B29-F687-4f45-9708-019B960494DF}">
-                <a14:hiddenLine xmlns="" xmlns:a14="http://schemas.microsoft.com/office/drawing/2010/main" w="9525">
+                <a14:hiddenLine xmlns:a14="http://schemas.microsoft.com/office/drawing/2010/main" xmlns="" w="9525">
                   <a:solidFill>
                     <a:srgbClr val="000000"/>
                   </a:solidFill>
@@ -11853,7 +11853,7 @@
             </a:ln>
             <a:extLst>
               <a:ext uri="{91240B29-F687-4f45-9708-019B960494DF}">
-                <a14:hiddenLine xmlns="" xmlns:a14="http://schemas.microsoft.com/office/drawing/2010/main" w="9525">
+                <a14:hiddenLine xmlns:a14="http://schemas.microsoft.com/office/drawing/2010/main" xmlns="" w="9525">
                   <a:solidFill>
                     <a:srgbClr val="000000"/>
                   </a:solidFill>
@@ -11943,7 +11943,7 @@
             </a:ln>
             <a:extLst>
               <a:ext uri="{91240B29-F687-4f45-9708-019B960494DF}">
-                <a14:hiddenLine xmlns="" xmlns:a14="http://schemas.microsoft.com/office/drawing/2010/main" w="9525">
+                <a14:hiddenLine xmlns:a14="http://schemas.microsoft.com/office/drawing/2010/main" xmlns="" w="9525">
                   <a:solidFill>
                     <a:srgbClr val="000000"/>
                   </a:solidFill>
@@ -12008,7 +12008,7 @@
             </a:ln>
             <a:extLst>
               <a:ext uri="{91240B29-F687-4f45-9708-019B960494DF}">
-                <a14:hiddenLine xmlns="" xmlns:a14="http://schemas.microsoft.com/office/drawing/2010/main" w="9525">
+                <a14:hiddenLine xmlns:a14="http://schemas.microsoft.com/office/drawing/2010/main" xmlns="" w="9525">
                   <a:solidFill>
                     <a:srgbClr val="000000"/>
                   </a:solidFill>
@@ -12070,7 +12070,7 @@
             </a:ln>
             <a:extLst>
               <a:ext uri="{91240B29-F687-4f45-9708-019B960494DF}">
-                <a14:hiddenLine xmlns="" xmlns:a14="http://schemas.microsoft.com/office/drawing/2010/main" w="9525">
+                <a14:hiddenLine xmlns:a14="http://schemas.microsoft.com/office/drawing/2010/main" xmlns="" w="9525">
                   <a:solidFill>
                     <a:srgbClr val="000000"/>
                   </a:solidFill>
@@ -12160,7 +12160,7 @@
             </a:ln>
             <a:extLst>
               <a:ext uri="{91240B29-F687-4f45-9708-019B960494DF}">
-                <a14:hiddenLine xmlns="" xmlns:a14="http://schemas.microsoft.com/office/drawing/2010/main" w="9525">
+                <a14:hiddenLine xmlns:a14="http://schemas.microsoft.com/office/drawing/2010/main" xmlns="" w="9525">
                   <a:solidFill>
                     <a:srgbClr val="000000"/>
                   </a:solidFill>
@@ -12250,7 +12250,7 @@
             </a:ln>
             <a:extLst>
               <a:ext uri="{91240B29-F687-4f45-9708-019B960494DF}">
-                <a14:hiddenLine xmlns="" xmlns:a14="http://schemas.microsoft.com/office/drawing/2010/main" w="9525">
+                <a14:hiddenLine xmlns:a14="http://schemas.microsoft.com/office/drawing/2010/main" xmlns="" w="9525">
                   <a:solidFill>
                     <a:srgbClr val="000000"/>
                   </a:solidFill>
@@ -12312,7 +12312,7 @@
             </a:ln>
             <a:extLst>
               <a:ext uri="{91240B29-F687-4f45-9708-019B960494DF}">
-                <a14:hiddenLine xmlns="" xmlns:a14="http://schemas.microsoft.com/office/drawing/2010/main" w="9525">
+                <a14:hiddenLine xmlns:a14="http://schemas.microsoft.com/office/drawing/2010/main" xmlns="" w="9525">
                   <a:solidFill>
                     <a:srgbClr val="000000"/>
                   </a:solidFill>
@@ -12432,7 +12432,7 @@
             </a:ln>
             <a:extLst>
               <a:ext uri="{91240B29-F687-4f45-9708-019B960494DF}">
-                <a14:hiddenLine xmlns="" xmlns:a14="http://schemas.microsoft.com/office/drawing/2010/main" w="9525">
+                <a14:hiddenLine xmlns:a14="http://schemas.microsoft.com/office/drawing/2010/main" xmlns="" w="9525">
                   <a:solidFill>
                     <a:srgbClr val="000000"/>
                   </a:solidFill>
@@ -12500,7 +12500,7 @@
             </a:ln>
             <a:extLst>
               <a:ext uri="{91240B29-F687-4f45-9708-019B960494DF}">
-                <a14:hiddenLine xmlns="" xmlns:a14="http://schemas.microsoft.com/office/drawing/2010/main" w="9525">
+                <a14:hiddenLine xmlns:a14="http://schemas.microsoft.com/office/drawing/2010/main" xmlns="" w="9525">
                   <a:solidFill>
                     <a:srgbClr val="000000"/>
                   </a:solidFill>
@@ -12590,7 +12590,7 @@
             </a:ln>
             <a:extLst>
               <a:ext uri="{91240B29-F687-4f45-9708-019B960494DF}">
-                <a14:hiddenLine xmlns="" xmlns:a14="http://schemas.microsoft.com/office/drawing/2010/main" w="9525">
+                <a14:hiddenLine xmlns:a14="http://schemas.microsoft.com/office/drawing/2010/main" xmlns="" w="9525">
                   <a:solidFill>
                     <a:srgbClr val="000000"/>
                   </a:solidFill>
@@ -17404,7 +17404,7 @@
           <a:noFill/>
           <a:extLst>
             <a:ext uri="{909E8E84-426E-40dd-AFC4-6F175D3DCCD1}">
-              <a14:hiddenFill xmlns="" xmlns:a14="http://schemas.microsoft.com/office/drawing/2010/main">
+              <a14:hiddenFill xmlns:a14="http://schemas.microsoft.com/office/drawing/2010/main" xmlns="">
                 <a:solidFill>
                   <a:srgbClr val="FFFFFF"/>
                 </a:solidFill>
@@ -17478,7 +17478,7 @@
               </a:ln>
               <a:extLst>
                 <a:ext uri="{91240B29-F687-4f45-9708-019B960494DF}">
-                  <a14:hiddenLine xmlns="" xmlns:a14="http://schemas.microsoft.com/office/drawing/2010/main" w="9525">
+                  <a14:hiddenLine xmlns:a14="http://schemas.microsoft.com/office/drawing/2010/main" xmlns="" w="9525">
                     <a:solidFill>
                       <a:srgbClr val="000000"/>
                     </a:solidFill>
@@ -17568,7 +17568,7 @@
               </a:ln>
               <a:extLst>
                 <a:ext uri="{91240B29-F687-4f45-9708-019B960494DF}">
-                  <a14:hiddenLine xmlns="" xmlns:a14="http://schemas.microsoft.com/office/drawing/2010/main" w="9525">
+                  <a14:hiddenLine xmlns:a14="http://schemas.microsoft.com/office/drawing/2010/main" xmlns="" w="9525">
                     <a:solidFill>
                       <a:srgbClr val="000000"/>
                     </a:solidFill>
@@ -17658,7 +17658,7 @@
               </a:ln>
               <a:extLst>
                 <a:ext uri="{91240B29-F687-4f45-9708-019B960494DF}">
-                  <a14:hiddenLine xmlns="" xmlns:a14="http://schemas.microsoft.com/office/drawing/2010/main" w="9525">
+                  <a14:hiddenLine xmlns:a14="http://schemas.microsoft.com/office/drawing/2010/main" xmlns="" w="9525">
                     <a:solidFill>
                       <a:srgbClr val="000000"/>
                     </a:solidFill>
@@ -17720,7 +17720,7 @@
               </a:ln>
               <a:extLst>
                 <a:ext uri="{91240B29-F687-4f45-9708-019B960494DF}">
-                  <a14:hiddenLine xmlns="" xmlns:a14="http://schemas.microsoft.com/office/drawing/2010/main" w="9525">
+                  <a14:hiddenLine xmlns:a14="http://schemas.microsoft.com/office/drawing/2010/main" xmlns="" w="9525">
                     <a:solidFill>
                       <a:srgbClr val="000000"/>
                     </a:solidFill>
@@ -17810,7 +17810,7 @@
               </a:ln>
               <a:extLst>
                 <a:ext uri="{91240B29-F687-4f45-9708-019B960494DF}">
-                  <a14:hiddenLine xmlns="" xmlns:a14="http://schemas.microsoft.com/office/drawing/2010/main" w="9525">
+                  <a14:hiddenLine xmlns:a14="http://schemas.microsoft.com/office/drawing/2010/main" xmlns="" w="9525">
                     <a:solidFill>
                       <a:srgbClr val="000000"/>
                     </a:solidFill>
@@ -17872,7 +17872,7 @@
               </a:ln>
               <a:extLst>
                 <a:ext uri="{91240B29-F687-4f45-9708-019B960494DF}">
-                  <a14:hiddenLine xmlns="" xmlns:a14="http://schemas.microsoft.com/office/drawing/2010/main" w="9525">
+                  <a14:hiddenLine xmlns:a14="http://schemas.microsoft.com/office/drawing/2010/main" xmlns="" w="9525">
                     <a:solidFill>
                       <a:srgbClr val="000000"/>
                     </a:solidFill>
@@ -17934,7 +17934,7 @@
               </a:ln>
               <a:extLst>
                 <a:ext uri="{91240B29-F687-4f45-9708-019B960494DF}">
-                  <a14:hiddenLine xmlns="" xmlns:a14="http://schemas.microsoft.com/office/drawing/2010/main" w="9525">
+                  <a14:hiddenLine xmlns:a14="http://schemas.microsoft.com/office/drawing/2010/main" xmlns="" w="9525">
                     <a:solidFill>
                       <a:srgbClr val="000000"/>
                     </a:solidFill>
@@ -18024,7 +18024,7 @@
               </a:ln>
               <a:extLst>
                 <a:ext uri="{91240B29-F687-4f45-9708-019B960494DF}">
-                  <a14:hiddenLine xmlns="" xmlns:a14="http://schemas.microsoft.com/office/drawing/2010/main" w="9525">
+                  <a14:hiddenLine xmlns:a14="http://schemas.microsoft.com/office/drawing/2010/main" xmlns="" w="9525">
                     <a:solidFill>
                       <a:srgbClr val="000000"/>
                     </a:solidFill>
@@ -18114,7 +18114,7 @@
               </a:ln>
               <a:extLst>
                 <a:ext uri="{91240B29-F687-4f45-9708-019B960494DF}">
-                  <a14:hiddenLine xmlns="" xmlns:a14="http://schemas.microsoft.com/office/drawing/2010/main" w="9525">
+                  <a14:hiddenLine xmlns:a14="http://schemas.microsoft.com/office/drawing/2010/main" xmlns="" w="9525">
                     <a:solidFill>
                       <a:srgbClr val="000000"/>
                     </a:solidFill>
@@ -18176,7 +18176,7 @@
               </a:ln>
               <a:extLst>
                 <a:ext uri="{91240B29-F687-4f45-9708-019B960494DF}">
-                  <a14:hiddenLine xmlns="" xmlns:a14="http://schemas.microsoft.com/office/drawing/2010/main" w="9525">
+                  <a14:hiddenLine xmlns:a14="http://schemas.microsoft.com/office/drawing/2010/main" xmlns="" w="9525">
                     <a:solidFill>
                       <a:srgbClr val="000000"/>
                     </a:solidFill>
@@ -18286,7 +18286,7 @@
               </a:ln>
               <a:extLst>
                 <a:ext uri="{91240B29-F687-4f45-9708-019B960494DF}">
-                  <a14:hiddenLine xmlns="" xmlns:a14="http://schemas.microsoft.com/office/drawing/2010/main" w="9525">
+                  <a14:hiddenLine xmlns:a14="http://schemas.microsoft.com/office/drawing/2010/main" xmlns="" w="9525">
                     <a:solidFill>
                       <a:srgbClr val="000000"/>
                     </a:solidFill>
@@ -18370,7 +18370,7 @@
               </a:ln>
               <a:extLst>
                 <a:ext uri="{91240B29-F687-4f45-9708-019B960494DF}">
-                  <a14:hiddenLine xmlns="" xmlns:a14="http://schemas.microsoft.com/office/drawing/2010/main" w="9525">
+                  <a14:hiddenLine xmlns:a14="http://schemas.microsoft.com/office/drawing/2010/main" xmlns="" w="9525">
                     <a:solidFill>
                       <a:srgbClr val="000000"/>
                     </a:solidFill>
@@ -18432,7 +18432,7 @@
               </a:ln>
               <a:extLst>
                 <a:ext uri="{91240B29-F687-4f45-9708-019B960494DF}">
-                  <a14:hiddenLine xmlns="" xmlns:a14="http://schemas.microsoft.com/office/drawing/2010/main" w="9525">
+                  <a14:hiddenLine xmlns:a14="http://schemas.microsoft.com/office/drawing/2010/main" xmlns="" w="9525">
                     <a:solidFill>
                       <a:srgbClr val="000000"/>
                     </a:solidFill>
@@ -18494,7 +18494,7 @@
               </a:ln>
               <a:extLst>
                 <a:ext uri="{91240B29-F687-4f45-9708-019B960494DF}">
-                  <a14:hiddenLine xmlns="" xmlns:a14="http://schemas.microsoft.com/office/drawing/2010/main" w="9525">
+                  <a14:hiddenLine xmlns:a14="http://schemas.microsoft.com/office/drawing/2010/main" xmlns="" w="9525">
                     <a:solidFill>
                       <a:srgbClr val="000000"/>
                     </a:solidFill>
@@ -18584,7 +18584,7 @@
               </a:ln>
               <a:extLst>
                 <a:ext uri="{91240B29-F687-4f45-9708-019B960494DF}">
-                  <a14:hiddenLine xmlns="" xmlns:a14="http://schemas.microsoft.com/office/drawing/2010/main" w="9525">
+                  <a14:hiddenLine xmlns:a14="http://schemas.microsoft.com/office/drawing/2010/main" xmlns="" w="9525">
                     <a:solidFill>
                       <a:srgbClr val="000000"/>
                     </a:solidFill>
@@ -18618,7 +18618,7 @@
               </a:ln>
               <a:extLst>
                 <a:ext uri="{91240B29-F687-4f45-9708-019B960494DF}">
-                  <a14:hiddenLine xmlns="" xmlns:a14="http://schemas.microsoft.com/office/drawing/2010/main" w="9525">
+                  <a14:hiddenLine xmlns:a14="http://schemas.microsoft.com/office/drawing/2010/main" xmlns="" w="9525">
                     <a:solidFill>
                       <a:srgbClr val="000000"/>
                     </a:solidFill>
@@ -18683,7 +18683,7 @@
               </a:ln>
               <a:extLst>
                 <a:ext uri="{91240B29-F687-4f45-9708-019B960494DF}">
-                  <a14:hiddenLine xmlns="" xmlns:a14="http://schemas.microsoft.com/office/drawing/2010/main" w="9525">
+                  <a14:hiddenLine xmlns:a14="http://schemas.microsoft.com/office/drawing/2010/main" xmlns="" w="9525">
                     <a:solidFill>
                       <a:srgbClr val="000000"/>
                     </a:solidFill>
@@ -18773,7 +18773,7 @@
               </a:ln>
               <a:extLst>
                 <a:ext uri="{91240B29-F687-4f45-9708-019B960494DF}">
-                  <a14:hiddenLine xmlns="" xmlns:a14="http://schemas.microsoft.com/office/drawing/2010/main" w="9525">
+                  <a14:hiddenLine xmlns:a14="http://schemas.microsoft.com/office/drawing/2010/main" xmlns="" w="9525">
                     <a:solidFill>
                       <a:srgbClr val="000000"/>
                     </a:solidFill>
@@ -18835,7 +18835,7 @@
               </a:ln>
               <a:extLst>
                 <a:ext uri="{91240B29-F687-4f45-9708-019B960494DF}">
-                  <a14:hiddenLine xmlns="" xmlns:a14="http://schemas.microsoft.com/office/drawing/2010/main" w="9525">
+                  <a14:hiddenLine xmlns:a14="http://schemas.microsoft.com/office/drawing/2010/main" xmlns="" w="9525">
                     <a:solidFill>
                       <a:srgbClr val="000000"/>
                     </a:solidFill>
@@ -18925,7 +18925,7 @@
               </a:ln>
               <a:extLst>
                 <a:ext uri="{91240B29-F687-4f45-9708-019B960494DF}">
-                  <a14:hiddenLine xmlns="" xmlns:a14="http://schemas.microsoft.com/office/drawing/2010/main" w="9525">
+                  <a14:hiddenLine xmlns:a14="http://schemas.microsoft.com/office/drawing/2010/main" xmlns="" w="9525">
                     <a:solidFill>
                       <a:srgbClr val="000000"/>
                     </a:solidFill>
@@ -18990,7 +18990,7 @@
               </a:ln>
               <a:extLst>
                 <a:ext uri="{91240B29-F687-4f45-9708-019B960494DF}">
-                  <a14:hiddenLine xmlns="" xmlns:a14="http://schemas.microsoft.com/office/drawing/2010/main" w="9525">
+                  <a14:hiddenLine xmlns:a14="http://schemas.microsoft.com/office/drawing/2010/main" xmlns="" w="9525">
                     <a:solidFill>
                       <a:srgbClr val="000000"/>
                     </a:solidFill>
@@ -19052,7 +19052,7 @@
               </a:ln>
               <a:extLst>
                 <a:ext uri="{91240B29-F687-4f45-9708-019B960494DF}">
-                  <a14:hiddenLine xmlns="" xmlns:a14="http://schemas.microsoft.com/office/drawing/2010/main" w="9525">
+                  <a14:hiddenLine xmlns:a14="http://schemas.microsoft.com/office/drawing/2010/main" xmlns="" w="9525">
                     <a:solidFill>
                       <a:srgbClr val="000000"/>
                     </a:solidFill>
@@ -19142,7 +19142,7 @@
               </a:ln>
               <a:extLst>
                 <a:ext uri="{91240B29-F687-4f45-9708-019B960494DF}">
-                  <a14:hiddenLine xmlns="" xmlns:a14="http://schemas.microsoft.com/office/drawing/2010/main" w="9525">
+                  <a14:hiddenLine xmlns:a14="http://schemas.microsoft.com/office/drawing/2010/main" xmlns="" w="9525">
                     <a:solidFill>
                       <a:srgbClr val="000000"/>
                     </a:solidFill>
@@ -19232,7 +19232,7 @@
               </a:ln>
               <a:extLst>
                 <a:ext uri="{91240B29-F687-4f45-9708-019B960494DF}">
-                  <a14:hiddenLine xmlns="" xmlns:a14="http://schemas.microsoft.com/office/drawing/2010/main" w="9525">
+                  <a14:hiddenLine xmlns:a14="http://schemas.microsoft.com/office/drawing/2010/main" xmlns="" w="9525">
                     <a:solidFill>
                       <a:srgbClr val="000000"/>
                     </a:solidFill>
@@ -19297,7 +19297,7 @@
               </a:ln>
               <a:extLst>
                 <a:ext uri="{91240B29-F687-4f45-9708-019B960494DF}">
-                  <a14:hiddenLine xmlns="" xmlns:a14="http://schemas.microsoft.com/office/drawing/2010/main" w="9525">
+                  <a14:hiddenLine xmlns:a14="http://schemas.microsoft.com/office/drawing/2010/main" xmlns="" w="9525">
                     <a:solidFill>
                       <a:srgbClr val="000000"/>
                     </a:solidFill>
@@ -19417,7 +19417,7 @@
               </a:ln>
               <a:extLst>
                 <a:ext uri="{91240B29-F687-4f45-9708-019B960494DF}">
-                  <a14:hiddenLine xmlns="" xmlns:a14="http://schemas.microsoft.com/office/drawing/2010/main" w="9525">
+                  <a14:hiddenLine xmlns:a14="http://schemas.microsoft.com/office/drawing/2010/main" xmlns="" w="9525">
                     <a:solidFill>
                       <a:srgbClr val="000000"/>
                     </a:solidFill>
@@ -19498,7 +19498,7 @@
               </a:ln>
               <a:extLst>
                 <a:ext uri="{91240B29-F687-4f45-9708-019B960494DF}">
-                  <a14:hiddenLine xmlns="" xmlns:a14="http://schemas.microsoft.com/office/drawing/2010/main" w="9525">
+                  <a14:hiddenLine xmlns:a14="http://schemas.microsoft.com/office/drawing/2010/main" xmlns="" w="9525">
                     <a:solidFill>
                       <a:srgbClr val="000000"/>
                     </a:solidFill>
@@ -19613,7 +19613,7 @@
               </a:ln>
               <a:extLst>
                 <a:ext uri="{91240B29-F687-4f45-9708-019B960494DF}">
-                  <a14:hiddenLine xmlns="" xmlns:a14="http://schemas.microsoft.com/office/drawing/2010/main" w="9525">
+                  <a14:hiddenLine xmlns:a14="http://schemas.microsoft.com/office/drawing/2010/main" xmlns="" w="9525">
                     <a:solidFill>
                       <a:srgbClr val="000000"/>
                     </a:solidFill>
@@ -19703,7 +19703,7 @@
               </a:ln>
               <a:extLst>
                 <a:ext uri="{91240B29-F687-4f45-9708-019B960494DF}">
-                  <a14:hiddenLine xmlns="" xmlns:a14="http://schemas.microsoft.com/office/drawing/2010/main" w="9525">
+                  <a14:hiddenLine xmlns:a14="http://schemas.microsoft.com/office/drawing/2010/main" xmlns="" w="9525">
                     <a:solidFill>
                       <a:srgbClr val="000000"/>
                     </a:solidFill>
@@ -19768,7 +19768,7 @@
               </a:ln>
               <a:extLst>
                 <a:ext uri="{91240B29-F687-4f45-9708-019B960494DF}">
-                  <a14:hiddenLine xmlns="" xmlns:a14="http://schemas.microsoft.com/office/drawing/2010/main" w="9525">
+                  <a14:hiddenLine xmlns:a14="http://schemas.microsoft.com/office/drawing/2010/main" xmlns="" w="9525">
                     <a:solidFill>
                       <a:srgbClr val="000000"/>
                     </a:solidFill>
@@ -19858,7 +19858,7 @@
               </a:ln>
               <a:extLst>
                 <a:ext uri="{91240B29-F687-4f45-9708-019B960494DF}">
-                  <a14:hiddenLine xmlns="" xmlns:a14="http://schemas.microsoft.com/office/drawing/2010/main" w="9525">
+                  <a14:hiddenLine xmlns:a14="http://schemas.microsoft.com/office/drawing/2010/main" xmlns="" w="9525">
                     <a:solidFill>
                       <a:srgbClr val="000000"/>
                     </a:solidFill>
@@ -19926,7 +19926,7 @@
               </a:ln>
               <a:extLst>
                 <a:ext uri="{91240B29-F687-4f45-9708-019B960494DF}">
-                  <a14:hiddenLine xmlns="" xmlns:a14="http://schemas.microsoft.com/office/drawing/2010/main" w="9525">
+                  <a14:hiddenLine xmlns:a14="http://schemas.microsoft.com/office/drawing/2010/main" xmlns="" w="9525">
                     <a:solidFill>
                       <a:srgbClr val="000000"/>
                     </a:solidFill>
@@ -20016,7 +20016,7 @@
               </a:ln>
               <a:extLst>
                 <a:ext uri="{91240B29-F687-4f45-9708-019B960494DF}">
-                  <a14:hiddenLine xmlns="" xmlns:a14="http://schemas.microsoft.com/office/drawing/2010/main" w="9525">
+                  <a14:hiddenLine xmlns:a14="http://schemas.microsoft.com/office/drawing/2010/main" xmlns="" w="9525">
                     <a:solidFill>
                       <a:srgbClr val="000000"/>
                     </a:solidFill>
@@ -20084,7 +20084,7 @@
               </a:ln>
               <a:extLst>
                 <a:ext uri="{91240B29-F687-4f45-9708-019B960494DF}">
-                  <a14:hiddenLine xmlns="" xmlns:a14="http://schemas.microsoft.com/office/drawing/2010/main" w="9525">
+                  <a14:hiddenLine xmlns:a14="http://schemas.microsoft.com/office/drawing/2010/main" xmlns="" w="9525">
                     <a:solidFill>
                       <a:srgbClr val="000000"/>
                     </a:solidFill>
@@ -20174,7 +20174,7 @@
               </a:ln>
               <a:extLst>
                 <a:ext uri="{91240B29-F687-4f45-9708-019B960494DF}">
-                  <a14:hiddenLine xmlns="" xmlns:a14="http://schemas.microsoft.com/office/drawing/2010/main" w="9525">
+                  <a14:hiddenLine xmlns:a14="http://schemas.microsoft.com/office/drawing/2010/main" xmlns="" w="9525">
                     <a:solidFill>
                       <a:srgbClr val="000000"/>
                     </a:solidFill>
@@ -20208,7 +20208,7 @@
               </a:ln>
               <a:extLst>
                 <a:ext uri="{91240B29-F687-4f45-9708-019B960494DF}">
-                  <a14:hiddenLine xmlns="" xmlns:a14="http://schemas.microsoft.com/office/drawing/2010/main" w="9525">
+                  <a14:hiddenLine xmlns:a14="http://schemas.microsoft.com/office/drawing/2010/main" xmlns="" w="9525">
                     <a:solidFill>
                       <a:srgbClr val="000000"/>
                     </a:solidFill>
@@ -23231,62 +23231,12 @@
           </a:p>
         </p:txBody>
       </p:sp>
-      <p:sp>
-        <p:nvSpPr>
-          <p:cNvPr id="5" name="Content Placeholder 4">
+      <p:pic>
+        <p:nvPicPr>
+          <p:cNvPr id="10" name="Picture 9">
             <a:extLst>
               <a:ext uri="{FF2B5EF4-FFF2-40B4-BE49-F238E27FC236}">
-                <a16:creationId xmlns:a16="http://schemas.microsoft.com/office/drawing/2014/main" id="{09198237-3D97-4C8C-A848-18F7BEE3B21B}"/>
-              </a:ext>
-            </a:extLst>
-          </p:cNvPr>
-          <p:cNvSpPr>
-            <a:spLocks noGrp="1"/>
-          </p:cNvSpPr>
-          <p:nvPr>
-            <p:ph sz="half" idx="1"/>
-          </p:nvPr>
-        </p:nvSpPr>
-        <p:spPr/>
-        <p:txBody>
-          <a:bodyPr/>
-          <a:lstStyle/>
-          <a:p>
-            <a:endParaRPr lang="en-US"/>
-          </a:p>
-        </p:txBody>
-      </p:sp>
-      <p:sp>
-        <p:nvSpPr>
-          <p:cNvPr id="7" name="Content Placeholder 6">
-            <a:extLst>
-              <a:ext uri="{FF2B5EF4-FFF2-40B4-BE49-F238E27FC236}">
-                <a16:creationId xmlns:a16="http://schemas.microsoft.com/office/drawing/2014/main" id="{A33720BD-0F2B-43E2-A442-868FFF19794D}"/>
-              </a:ext>
-            </a:extLst>
-          </p:cNvPr>
-          <p:cNvSpPr>
-            <a:spLocks noGrp="1"/>
-          </p:cNvSpPr>
-          <p:nvPr>
-            <p:ph sz="half" idx="2"/>
-          </p:nvPr>
-        </p:nvSpPr>
-        <p:spPr/>
-        <p:txBody>
-          <a:bodyPr/>
-          <a:lstStyle/>
-          <a:p>
-            <a:endParaRPr lang="en-US" dirty="0"/>
-          </a:p>
-        </p:txBody>
-      </p:sp>
-      <p:pic>
-        <p:nvPicPr>
-          <p:cNvPr id="9" name="Content Placeholder 6">
-            <a:extLst>
-              <a:ext uri="{FF2B5EF4-FFF2-40B4-BE49-F238E27FC236}">
-                <a16:creationId xmlns:a16="http://schemas.microsoft.com/office/drawing/2014/main" id="{C3E8A4F9-EC3F-4DCF-B202-33A8BF792D23}"/>
+                <a16:creationId xmlns:a16="http://schemas.microsoft.com/office/drawing/2014/main" id="{A5A0CBB1-6450-41EC-A78A-A2FC5EC4222D}"/>
               </a:ext>
             </a:extLst>
           </p:cNvPr>
@@ -23303,36 +23253,6 @@
         </p:blipFill>
         <p:spPr>
           <a:xfrm>
-            <a:off x="1141410" y="1266518"/>
-            <a:ext cx="9982778" cy="5335460"/>
-          </a:xfrm>
-          <a:prstGeom prst="rect">
-            <a:avLst/>
-          </a:prstGeom>
-        </p:spPr>
-      </p:pic>
-      <p:pic>
-        <p:nvPicPr>
-          <p:cNvPr id="10" name="Picture 9">
-            <a:extLst>
-              <a:ext uri="{FF2B5EF4-FFF2-40B4-BE49-F238E27FC236}">
-                <a16:creationId xmlns:a16="http://schemas.microsoft.com/office/drawing/2014/main" id="{A5A0CBB1-6450-41EC-A78A-A2FC5EC4222D}"/>
-              </a:ext>
-            </a:extLst>
-          </p:cNvPr>
-          <p:cNvPicPr>
-            <a:picLocks noChangeAspect="1"/>
-          </p:cNvPicPr>
-          <p:nvPr/>
-        </p:nvPicPr>
-        <p:blipFill>
-          <a:blip r:embed="rId3"/>
-          <a:stretch>
-            <a:fillRect/>
-          </a:stretch>
-        </p:blipFill>
-        <p:spPr>
-          <a:xfrm>
             <a:off x="10667999" y="256022"/>
             <a:ext cx="1260713" cy="872978"/>
           </a:xfrm>
@@ -23341,6 +23261,330 @@
           </a:prstGeom>
         </p:spPr>
       </p:pic>
+      <p:sp>
+        <p:nvSpPr>
+          <p:cNvPr id="21" name="Rectangle 2">
+            <a:extLst>
+              <a:ext uri="{FF2B5EF4-FFF2-40B4-BE49-F238E27FC236}">
+                <a16:creationId xmlns:a16="http://schemas.microsoft.com/office/drawing/2014/main" id="{89E28970-2357-ED38-9833-2D5FBF8674F6}"/>
+              </a:ext>
+            </a:extLst>
+          </p:cNvPr>
+          <p:cNvSpPr>
+            <a:spLocks noChangeArrowheads="1"/>
+          </p:cNvSpPr>
+          <p:nvPr/>
+        </p:nvSpPr>
+        <p:spPr bwMode="auto">
+          <a:xfrm>
+            <a:off x="1908699" y="609600"/>
+            <a:ext cx="12192000" cy="457200"/>
+          </a:xfrm>
+          <a:prstGeom prst="rect">
+            <a:avLst/>
+          </a:prstGeom>
+          <a:noFill/>
+          <a:ln>
+            <a:noFill/>
+          </a:ln>
+          <a:effectLst/>
+          <a:extLst>
+            <a:ext uri="{909E8E84-426E-40DD-AFC4-6F175D3DCCD1}">
+              <a14:hiddenFill xmlns:a14="http://schemas.microsoft.com/office/drawing/2010/main">
+                <a:solidFill>
+                  <a:schemeClr val="accent1"/>
+                </a:solidFill>
+              </a14:hiddenFill>
+            </a:ext>
+            <a:ext uri="{91240B29-F687-4F45-9708-019B960494DF}">
+              <a14:hiddenLine xmlns:a14="http://schemas.microsoft.com/office/drawing/2010/main" w="9525">
+                <a:solidFill>
+                  <a:schemeClr val="tx1"/>
+                </a:solidFill>
+                <a:miter lim="800000"/>
+                <a:headEnd/>
+                <a:tailEnd/>
+              </a14:hiddenLine>
+            </a:ext>
+            <a:ext uri="{AF507438-7753-43E0-B8FC-AC1667EBCBE1}">
+              <a14:hiddenEffects xmlns:a14="http://schemas.microsoft.com/office/drawing/2010/main">
+                <a:effectLst>
+                  <a:outerShdw dist="35921" dir="2700000" algn="ctr" rotWithShape="0">
+                    <a:schemeClr val="bg2"/>
+                  </a:outerShdw>
+                </a:effectLst>
+              </a14:hiddenEffects>
+            </a:ext>
+          </a:extLst>
+        </p:spPr>
+        <p:txBody>
+          <a:bodyPr vert="horz" wrap="none" lIns="91440" tIns="45720" rIns="91440" bIns="45720" numCol="1" anchor="ctr" anchorCtr="0" compatLnSpc="1">
+            <a:prstTxWarp prst="textNoShape">
+              <a:avLst/>
+            </a:prstTxWarp>
+            <a:spAutoFit/>
+          </a:bodyPr>
+          <a:lstStyle/>
+          <a:p>
+            <a:endParaRPr lang="en-US"/>
+          </a:p>
+        </p:txBody>
+      </p:sp>
+      <p:sp>
+        <p:nvSpPr>
+          <p:cNvPr id="23" name="Rectangle 5">
+            <a:extLst>
+              <a:ext uri="{FF2B5EF4-FFF2-40B4-BE49-F238E27FC236}">
+                <a16:creationId xmlns:a16="http://schemas.microsoft.com/office/drawing/2014/main" id="{DF42A5DD-2BEF-79B6-8ACA-8009FCA8D314}"/>
+              </a:ext>
+            </a:extLst>
+          </p:cNvPr>
+          <p:cNvSpPr>
+            <a:spLocks noChangeArrowheads="1"/>
+          </p:cNvSpPr>
+          <p:nvPr/>
+        </p:nvSpPr>
+        <p:spPr bwMode="auto">
+          <a:xfrm>
+            <a:off x="0" y="0"/>
+            <a:ext cx="12192000" cy="457200"/>
+          </a:xfrm>
+          <a:prstGeom prst="rect">
+            <a:avLst/>
+          </a:prstGeom>
+          <a:noFill/>
+          <a:ln>
+            <a:noFill/>
+          </a:ln>
+          <a:effectLst/>
+          <a:extLst>
+            <a:ext uri="{909E8E84-426E-40DD-AFC4-6F175D3DCCD1}">
+              <a14:hiddenFill xmlns:a14="http://schemas.microsoft.com/office/drawing/2010/main">
+                <a:solidFill>
+                  <a:schemeClr val="accent1"/>
+                </a:solidFill>
+              </a14:hiddenFill>
+            </a:ext>
+            <a:ext uri="{91240B29-F687-4F45-9708-019B960494DF}">
+              <a14:hiddenLine xmlns:a14="http://schemas.microsoft.com/office/drawing/2010/main" w="9525">
+                <a:solidFill>
+                  <a:schemeClr val="tx1"/>
+                </a:solidFill>
+                <a:miter lim="800000"/>
+                <a:headEnd/>
+                <a:tailEnd/>
+              </a14:hiddenLine>
+            </a:ext>
+            <a:ext uri="{AF507438-7753-43E0-B8FC-AC1667EBCBE1}">
+              <a14:hiddenEffects xmlns:a14="http://schemas.microsoft.com/office/drawing/2010/main">
+                <a:effectLst>
+                  <a:outerShdw dist="35921" dir="2700000" algn="ctr" rotWithShape="0">
+                    <a:schemeClr val="bg2"/>
+                  </a:outerShdw>
+                </a:effectLst>
+              </a14:hiddenEffects>
+            </a:ext>
+          </a:extLst>
+        </p:spPr>
+        <p:txBody>
+          <a:bodyPr vert="horz" wrap="none" lIns="91440" tIns="45720" rIns="91440" bIns="45720" numCol="1" anchor="ctr" anchorCtr="0" compatLnSpc="1">
+            <a:prstTxWarp prst="textNoShape">
+              <a:avLst/>
+            </a:prstTxWarp>
+            <a:spAutoFit/>
+          </a:bodyPr>
+          <a:lstStyle/>
+          <a:p>
+            <a:endParaRPr lang="en-US"/>
+          </a:p>
+        </p:txBody>
+      </p:sp>
+      <p:pic>
+        <p:nvPicPr>
+          <p:cNvPr id="1028" name="Picture 4" descr="Graphical user interface&#10;&#10;Description automatically generated">
+            <a:extLst>
+              <a:ext uri="{FF2B5EF4-FFF2-40B4-BE49-F238E27FC236}">
+                <a16:creationId xmlns:a16="http://schemas.microsoft.com/office/drawing/2014/main" id="{356F25F2-FE7A-AE1F-51EB-A96783B168A9}"/>
+              </a:ext>
+            </a:extLst>
+          </p:cNvPr>
+          <p:cNvPicPr>
+            <a:picLocks noChangeAspect="1" noChangeArrowheads="1"/>
+          </p:cNvPicPr>
+          <p:nvPr/>
+        </p:nvPicPr>
+        <p:blipFill>
+          <a:blip r:embed="rId3">
+            <a:extLst>
+              <a:ext uri="{28A0092B-C50C-407E-A947-70E740481C1C}">
+                <a14:useLocalDpi xmlns:a14="http://schemas.microsoft.com/office/drawing/2010/main" val="0"/>
+              </a:ext>
+            </a:extLst>
+          </a:blip>
+          <a:srcRect/>
+          <a:stretch>
+            <a:fillRect/>
+          </a:stretch>
+        </p:blipFill>
+        <p:spPr bwMode="auto">
+          <a:xfrm>
+            <a:off x="484909" y="1224422"/>
+            <a:ext cx="11222182" cy="5157594"/>
+          </a:xfrm>
+          <a:prstGeom prst="rect">
+            <a:avLst/>
+          </a:prstGeom>
+          <a:noFill/>
+          <a:extLst>
+            <a:ext uri="{909E8E84-426E-40DD-AFC4-6F175D3DCCD1}">
+              <a14:hiddenFill xmlns:a14="http://schemas.microsoft.com/office/drawing/2010/main">
+                <a:solidFill>
+                  <a:srgbClr val="FFFFFF"/>
+                </a:solidFill>
+              </a14:hiddenFill>
+            </a:ext>
+          </a:extLst>
+        </p:spPr>
+      </p:pic>
+      <p:sp>
+        <p:nvSpPr>
+          <p:cNvPr id="24" name="Rectangle 6">
+            <a:extLst>
+              <a:ext uri="{FF2B5EF4-FFF2-40B4-BE49-F238E27FC236}">
+                <a16:creationId xmlns:a16="http://schemas.microsoft.com/office/drawing/2014/main" id="{2CC08ED7-5E89-1213-3008-077833F5A405}"/>
+              </a:ext>
+            </a:extLst>
+          </p:cNvPr>
+          <p:cNvSpPr>
+            <a:spLocks noChangeArrowheads="1"/>
+          </p:cNvSpPr>
+          <p:nvPr/>
+        </p:nvSpPr>
+        <p:spPr bwMode="auto">
+          <a:xfrm>
+            <a:off x="2796310" y="6354972"/>
+            <a:ext cx="5611088" cy="369332"/>
+          </a:xfrm>
+          <a:prstGeom prst="rect">
+            <a:avLst/>
+          </a:prstGeom>
+          <a:noFill/>
+          <a:ln>
+            <a:noFill/>
+          </a:ln>
+          <a:effectLst/>
+          <a:extLst>
+            <a:ext uri="{909E8E84-426E-40DD-AFC4-6F175D3DCCD1}">
+              <a14:hiddenFill xmlns:a14="http://schemas.microsoft.com/office/drawing/2010/main">
+                <a:solidFill>
+                  <a:schemeClr val="accent1"/>
+                </a:solidFill>
+              </a14:hiddenFill>
+            </a:ext>
+            <a:ext uri="{91240B29-F687-4F45-9708-019B960494DF}">
+              <a14:hiddenLine xmlns:a14="http://schemas.microsoft.com/office/drawing/2010/main" w="9525">
+                <a:solidFill>
+                  <a:schemeClr val="tx1"/>
+                </a:solidFill>
+                <a:miter lim="800000"/>
+                <a:headEnd/>
+                <a:tailEnd/>
+              </a14:hiddenLine>
+            </a:ext>
+            <a:ext uri="{AF507438-7753-43E0-B8FC-AC1667EBCBE1}">
+              <a14:hiddenEffects xmlns:a14="http://schemas.microsoft.com/office/drawing/2010/main">
+                <a:effectLst>
+                  <a:outerShdw dist="35921" dir="2700000" algn="ctr" rotWithShape="0">
+                    <a:schemeClr val="bg2"/>
+                  </a:outerShdw>
+                </a:effectLst>
+              </a14:hiddenEffects>
+            </a:ext>
+          </a:extLst>
+        </p:spPr>
+        <p:txBody>
+          <a:bodyPr vert="horz" wrap="none" lIns="91440" tIns="45720" rIns="91440" bIns="45720" numCol="1" anchor="ctr" anchorCtr="0" compatLnSpc="1">
+            <a:prstTxWarp prst="textNoShape">
+              <a:avLst/>
+            </a:prstTxWarp>
+            <a:spAutoFit/>
+          </a:bodyPr>
+          <a:lstStyle/>
+          <a:p>
+            <a:pPr marL="0" marR="0" lvl="0" indent="0" algn="ctr" defTabSz="914400" rtl="0" eaLnBrk="0" fontAlgn="base" latinLnBrk="0" hangingPunct="0">
+              <a:lnSpc>
+                <a:spcPct val="100000"/>
+              </a:lnSpc>
+              <a:spcBef>
+                <a:spcPct val="0"/>
+              </a:spcBef>
+              <a:spcAft>
+                <a:spcPct val="0"/>
+              </a:spcAft>
+              <a:buClrTx/>
+              <a:buSzTx/>
+              <a:buFontTx/>
+              <a:buNone/>
+              <a:tabLst/>
+            </a:pPr>
+            <a:r>
+              <a:rPr kumimoji="0" lang="en-US" altLang="en-US" b="0" i="1" u="none" strike="noStrike" cap="none" normalizeH="0" baseline="0" dirty="0">
+                <a:ln>
+                  <a:noFill/>
+                </a:ln>
+                <a:solidFill>
+                  <a:schemeClr val="tx2"/>
+                </a:solidFill>
+                <a:effectLst/>
+                <a:latin typeface="Aptos" panose="020B0004020202020204" pitchFamily="34" charset="0"/>
+                <a:ea typeface="Aptos" panose="020B0004020202020204" pitchFamily="34" charset="0"/>
+                <a:cs typeface="Times New Roman" panose="02020603050405020304" pitchFamily="18" charset="0"/>
+              </a:rPr>
+              <a:t>Figure 3: </a:t>
+            </a:r>
+            <a:r>
+              <a:rPr kumimoji="0" lang="en-US" altLang="en-US" b="0" i="1" u="none" strike="noStrike" cap="none" normalizeH="0" baseline="0" dirty="0" err="1">
+                <a:ln>
+                  <a:noFill/>
+                </a:ln>
+                <a:solidFill>
+                  <a:schemeClr val="tx2"/>
+                </a:solidFill>
+                <a:effectLst/>
+                <a:latin typeface="Aptos" panose="020B0004020202020204" pitchFamily="34" charset="0"/>
+                <a:ea typeface="Aptos" panose="020B0004020202020204" pitchFamily="34" charset="0"/>
+                <a:cs typeface="Times New Roman" panose="02020603050405020304" pitchFamily="18" charset="0"/>
+              </a:rPr>
+              <a:t>Softmax</a:t>
+            </a:r>
+            <a:r>
+              <a:rPr kumimoji="0" lang="en-US" altLang="en-US" b="0" i="1" u="none" strike="noStrike" cap="none" normalizeH="0" baseline="0" dirty="0">
+                <a:ln>
+                  <a:noFill/>
+                </a:ln>
+                <a:solidFill>
+                  <a:schemeClr val="tx2"/>
+                </a:solidFill>
+                <a:effectLst/>
+                <a:latin typeface="Aptos" panose="020B0004020202020204" pitchFamily="34" charset="0"/>
+                <a:ea typeface="Aptos" panose="020B0004020202020204" pitchFamily="34" charset="0"/>
+                <a:cs typeface="Times New Roman" panose="02020603050405020304" pitchFamily="18" charset="0"/>
+              </a:rPr>
+              <a:t> Metrics Plot for 10 Images and Masks</a:t>
+            </a:r>
+            <a:endParaRPr kumimoji="0" lang="en-US" altLang="en-US" b="0" i="0" u="none" strike="noStrike" cap="none" normalizeH="0" baseline="0" dirty="0">
+              <a:ln>
+                <a:noFill/>
+              </a:ln>
+              <a:solidFill>
+                <a:schemeClr val="tx2"/>
+              </a:solidFill>
+              <a:effectLst/>
+              <a:latin typeface="Arial" panose="020B0604020202020204" pitchFamily="34" charset="0"/>
+            </a:endParaRPr>
+          </a:p>
+        </p:txBody>
+      </p:sp>
     </p:spTree>
     <p:extLst>
       <p:ext uri="{BB962C8B-B14F-4D97-AF65-F5344CB8AC3E}">
@@ -24905,23 +25149,6 @@
 </file>
 
 <file path=customXml/item1.xml><?xml version="1.0" encoding="utf-8"?>
-<p:properties xmlns:p="http://schemas.microsoft.com/office/2006/metadata/properties" xmlns:xsi="http://www.w3.org/2001/XMLSchema-instance" xmlns:pc="http://schemas.microsoft.com/office/infopath/2007/PartnerControls">
-  <documentManagement>
-    <MediaServiceKeyPoints xmlns="71af3243-3dd4-4a8d-8c0d-dd76da1f02a5" xsi:nil="true"/>
-  </documentManagement>
-</p:properties>
-</file>
-
-<file path=customXml/item2.xml><?xml version="1.0" encoding="utf-8"?>
-<?mso-contentType ?>
-<FormTemplates xmlns="http://schemas.microsoft.com/sharepoint/v3/contenttype/forms">
-  <Display>DocumentLibraryForm</Display>
-  <Edit>DocumentLibraryForm</Edit>
-  <New>DocumentLibraryForm</New>
-</FormTemplates>
-</file>
-
-<file path=customXml/item3.xml><?xml version="1.0" encoding="utf-8"?>
 <ct:contentTypeSchema xmlns:ct="http://schemas.microsoft.com/office/2006/metadata/contentType" xmlns:ma="http://schemas.microsoft.com/office/2006/metadata/properties/metaAttributes" ct:_="" ma:_="" ma:contentTypeName="Document" ma:contentTypeID="0x01010079F111ED35F8CC479449609E8A0923A6" ma:contentTypeVersion="11" ma:contentTypeDescription="Create a new document." ma:contentTypeScope="" ma:versionID="96291512c1ee715ab617f4c07df79fc1">
   <xsd:schema xmlns:xsd="http://www.w3.org/2001/XMLSchema" xmlns:xs="http://www.w3.org/2001/XMLSchema" xmlns:p="http://schemas.microsoft.com/office/2006/metadata/properties" xmlns:ns2="71af3243-3dd4-4a8d-8c0d-dd76da1f02a5" xmlns:ns3="16c05727-aa75-4e4a-9b5f-8a80a1165891" targetNamespace="http://schemas.microsoft.com/office/2006/metadata/properties" ma:root="true" ma:fieldsID="8256c27c40ca5c40ce1cf6c44f0205df" ns2:_="" ns3:_="">
     <xsd:import namespace="71af3243-3dd4-4a8d-8c0d-dd76da1f02a5"/>
@@ -25132,32 +25359,24 @@
 </ct:contentTypeSchema>
 </file>
 
-<file path=customXml/itemProps1.xml><?xml version="1.0" encoding="utf-8"?>
-<ds:datastoreItem xmlns:ds="http://schemas.openxmlformats.org/officeDocument/2006/customXml" ds:itemID="{E7866CFD-F94E-4AE5-ACEA-86FEC0F48A10}">
-  <ds:schemaRefs>
-    <ds:schemaRef ds:uri="http://purl.org/dc/elements/1.1/"/>
-    <ds:schemaRef ds:uri="http://schemas.microsoft.com/office/2006/documentManagement/types"/>
-    <ds:schemaRef ds:uri="16c05727-aa75-4e4a-9b5f-8a80a1165891"/>
-    <ds:schemaRef ds:uri="http://purl.org/dc/terms/"/>
-    <ds:schemaRef ds:uri="71af3243-3dd4-4a8d-8c0d-dd76da1f02a5"/>
-    <ds:schemaRef ds:uri="http://schemas.microsoft.com/office/infopath/2007/PartnerControls"/>
-    <ds:schemaRef ds:uri="http://www.w3.org/XML/1998/namespace"/>
-    <ds:schemaRef ds:uri="http://schemas.openxmlformats.org/package/2006/metadata/core-properties"/>
-    <ds:schemaRef ds:uri="http://schemas.microsoft.com/office/2006/metadata/properties"/>
-    <ds:schemaRef ds:uri="http://purl.org/dc/dcmitype/"/>
-  </ds:schemaRefs>
-</ds:datastoreItem>
+<file path=customXml/item2.xml><?xml version="1.0" encoding="utf-8"?>
+<?mso-contentType ?>
+<FormTemplates xmlns="http://schemas.microsoft.com/sharepoint/v3/contenttype/forms">
+  <Display>DocumentLibraryForm</Display>
+  <Edit>DocumentLibraryForm</Edit>
+  <New>DocumentLibraryForm</New>
+</FormTemplates>
 </file>
 
-<file path=customXml/itemProps2.xml><?xml version="1.0" encoding="utf-8"?>
-<ds:datastoreItem xmlns:ds="http://schemas.openxmlformats.org/officeDocument/2006/customXml" ds:itemID="{B579702B-25C7-40D7-9E29-7686B11A9660}">
-  <ds:schemaRefs>
-    <ds:schemaRef ds:uri="http://schemas.microsoft.com/sharepoint/v3/contenttype/forms"/>
-  </ds:schemaRefs>
-</ds:datastoreItem>
+<file path=customXml/item3.xml><?xml version="1.0" encoding="utf-8"?>
+<p:properties xmlns:p="http://schemas.microsoft.com/office/2006/metadata/properties" xmlns:xsi="http://www.w3.org/2001/XMLSchema-instance" xmlns:pc="http://schemas.microsoft.com/office/infopath/2007/PartnerControls">
+  <documentManagement>
+    <MediaServiceKeyPoints xmlns="71af3243-3dd4-4a8d-8c0d-dd76da1f02a5" xsi:nil="true"/>
+  </documentManagement>
+</p:properties>
 </file>
 
-<file path=customXml/itemProps3.xml><?xml version="1.0" encoding="utf-8"?>
+<file path=customXml/itemProps1.xml><?xml version="1.0" encoding="utf-8"?>
 <ds:datastoreItem xmlns:ds="http://schemas.openxmlformats.org/officeDocument/2006/customXml" ds:itemID="{A7C0B241-13E5-418D-8920-D23491E2D2C0}">
   <ds:schemaRefs>
     <ds:schemaRef ds:uri="http://schemas.microsoft.com/office/2006/metadata/contentType"/>
@@ -25174,4 +25393,29 @@
     <ds:schemaRef ds:uri="http://schemas.microsoft.com/internal/obd"/>
   </ds:schemaRefs>
 </ds:datastoreItem>
+</file>
+
+<file path=customXml/itemProps2.xml><?xml version="1.0" encoding="utf-8"?>
+<ds:datastoreItem xmlns:ds="http://schemas.openxmlformats.org/officeDocument/2006/customXml" ds:itemID="{B579702B-25C7-40D7-9E29-7686B11A9660}">
+  <ds:schemaRefs>
+    <ds:schemaRef ds:uri="http://schemas.microsoft.com/sharepoint/v3/contenttype/forms"/>
+  </ds:schemaRefs>
+</ds:datastoreItem>
+</file>
+
+<file path=customXml/itemProps3.xml><?xml version="1.0" encoding="utf-8"?>
+<ds:datastoreItem xmlns:ds="http://schemas.openxmlformats.org/officeDocument/2006/customXml" ds:itemID="{E7866CFD-F94E-4AE5-ACEA-86FEC0F48A10}">
+  <ds:schemaRefs>
+    <ds:schemaRef ds:uri="http://purl.org/dc/elements/1.1/"/>
+    <ds:schemaRef ds:uri="http://schemas.microsoft.com/office/2006/documentManagement/types"/>
+    <ds:schemaRef ds:uri="16c05727-aa75-4e4a-9b5f-8a80a1165891"/>
+    <ds:schemaRef ds:uri="http://purl.org/dc/terms/"/>
+    <ds:schemaRef ds:uri="71af3243-3dd4-4a8d-8c0d-dd76da1f02a5"/>
+    <ds:schemaRef ds:uri="http://schemas.microsoft.com/office/infopath/2007/PartnerControls"/>
+    <ds:schemaRef ds:uri="http://www.w3.org/XML/1998/namespace"/>
+    <ds:schemaRef ds:uri="http://schemas.openxmlformats.org/package/2006/metadata/core-properties"/>
+    <ds:schemaRef ds:uri="http://schemas.microsoft.com/office/2006/metadata/properties"/>
+    <ds:schemaRef ds:uri="http://purl.org/dc/dcmitype/"/>
+  </ds:schemaRefs>
+</ds:datastoreItem>
 </file>
--- a/Cancer_Champions_PPT.pptx
+++ b/Cancer_Champions_PPT.pptx
@@ -2690,20 +2690,12 @@
             <a:buChar char=""/>
           </a:pPr>
           <a:r>
-            <a:rPr lang="en-US" dirty="0" err="1">
+            <a:rPr lang="en-US">
               <a:latin typeface="Tahoma" panose="020B0604030504040204" pitchFamily="34" charset="0"/>
               <a:ea typeface="Tahoma" panose="020B0604030504040204" pitchFamily="34" charset="0"/>
               <a:cs typeface="Tahoma" panose="020B0604030504040204" pitchFamily="34" charset="0"/>
             </a:rPr>
-            <a:t>Pretrainded</a:t>
-          </a:r>
-          <a:r>
-            <a:rPr lang="en-US" dirty="0">
-              <a:latin typeface="Tahoma" panose="020B0604030504040204" pitchFamily="34" charset="0"/>
-              <a:ea typeface="Tahoma" panose="020B0604030504040204" pitchFamily="34" charset="0"/>
-              <a:cs typeface="Tahoma" panose="020B0604030504040204" pitchFamily="34" charset="0"/>
-            </a:rPr>
-            <a:t> </a:t>
+            <a:t>Pre-trained </a:t>
           </a:r>
           <a:r>
             <a:rPr lang="en-US" b="0" i="0" dirty="0"/>
@@ -5198,20 +5190,12 @@
             <a:buChar char=""/>
           </a:pPr>
           <a:r>
-            <a:rPr lang="en-US" sz="1700" kern="1200" dirty="0" err="1">
+            <a:rPr lang="en-US" sz="1700" kern="1200">
               <a:latin typeface="Tahoma" panose="020B0604030504040204" pitchFamily="34" charset="0"/>
               <a:ea typeface="Tahoma" panose="020B0604030504040204" pitchFamily="34" charset="0"/>
               <a:cs typeface="Tahoma" panose="020B0604030504040204" pitchFamily="34" charset="0"/>
             </a:rPr>
-            <a:t>Pretrainded</a:t>
-          </a:r>
-          <a:r>
-            <a:rPr lang="en-US" sz="1700" kern="1200" dirty="0">
-              <a:latin typeface="Tahoma" panose="020B0604030504040204" pitchFamily="34" charset="0"/>
-              <a:ea typeface="Tahoma" panose="020B0604030504040204" pitchFamily="34" charset="0"/>
-              <a:cs typeface="Tahoma" panose="020B0604030504040204" pitchFamily="34" charset="0"/>
-            </a:rPr>
-            <a:t> </a:t>
+            <a:t>Pre-trained </a:t>
           </a:r>
           <a:r>
             <a:rPr lang="en-US" sz="1700" b="0" i="0" kern="1200" dirty="0"/>
@@ -8505,7 +8489,7 @@
           <a:noFill/>
           <a:extLst>
             <a:ext uri="{909E8E84-426E-40dd-AFC4-6F175D3DCCD1}">
-              <a14:hiddenFill xmlns:a14="http://schemas.microsoft.com/office/drawing/2010/main" xmlns="">
+              <a14:hiddenFill xmlns="" xmlns:a14="http://schemas.microsoft.com/office/drawing/2010/main">
                 <a:solidFill>
                   <a:srgbClr val="FFFFFF"/>
                 </a:solidFill>
@@ -8564,7 +8548,7 @@
             </a:ln>
             <a:extLst>
               <a:ext uri="{91240B29-F687-4f45-9708-019B960494DF}">
-                <a14:hiddenLine xmlns:a14="http://schemas.microsoft.com/office/drawing/2010/main" xmlns="" w="9525">
+                <a14:hiddenLine xmlns="" xmlns:a14="http://schemas.microsoft.com/office/drawing/2010/main" w="9525">
                   <a:solidFill>
                     <a:srgbClr val="000000"/>
                   </a:solidFill>
@@ -8654,7 +8638,7 @@
             </a:ln>
             <a:extLst>
               <a:ext uri="{91240B29-F687-4f45-9708-019B960494DF}">
-                <a14:hiddenLine xmlns:a14="http://schemas.microsoft.com/office/drawing/2010/main" xmlns="" w="9525">
+                <a14:hiddenLine xmlns="" xmlns:a14="http://schemas.microsoft.com/office/drawing/2010/main" w="9525">
                   <a:solidFill>
                     <a:srgbClr val="000000"/>
                   </a:solidFill>
@@ -8744,7 +8728,7 @@
             </a:ln>
             <a:extLst>
               <a:ext uri="{91240B29-F687-4f45-9708-019B960494DF}">
-                <a14:hiddenLine xmlns:a14="http://schemas.microsoft.com/office/drawing/2010/main" xmlns="" w="9525">
+                <a14:hiddenLine xmlns="" xmlns:a14="http://schemas.microsoft.com/office/drawing/2010/main" w="9525">
                   <a:solidFill>
                     <a:srgbClr val="000000"/>
                   </a:solidFill>
@@ -8778,7 +8762,7 @@
             </a:ln>
             <a:extLst>
               <a:ext uri="{91240B29-F687-4f45-9708-019B960494DF}">
-                <a14:hiddenLine xmlns:a14="http://schemas.microsoft.com/office/drawing/2010/main" xmlns="" w="9525">
+                <a14:hiddenLine xmlns="" xmlns:a14="http://schemas.microsoft.com/office/drawing/2010/main" w="9525">
                   <a:solidFill>
                     <a:srgbClr val="000000"/>
                   </a:solidFill>
@@ -8868,7 +8852,7 @@
             </a:ln>
             <a:extLst>
               <a:ext uri="{91240B29-F687-4f45-9708-019B960494DF}">
-                <a14:hiddenLine xmlns:a14="http://schemas.microsoft.com/office/drawing/2010/main" xmlns="" w="9525">
+                <a14:hiddenLine xmlns="" xmlns:a14="http://schemas.microsoft.com/office/drawing/2010/main" w="9525">
                   <a:solidFill>
                     <a:srgbClr val="000000"/>
                   </a:solidFill>
@@ -8930,7 +8914,7 @@
             </a:ln>
             <a:extLst>
               <a:ext uri="{91240B29-F687-4f45-9708-019B960494DF}">
-                <a14:hiddenLine xmlns:a14="http://schemas.microsoft.com/office/drawing/2010/main" xmlns="" w="9525">
+                <a14:hiddenLine xmlns="" xmlns:a14="http://schemas.microsoft.com/office/drawing/2010/main" w="9525">
                   <a:solidFill>
                     <a:srgbClr val="000000"/>
                   </a:solidFill>
@@ -8992,7 +8976,7 @@
             </a:ln>
             <a:extLst>
               <a:ext uri="{91240B29-F687-4f45-9708-019B960494DF}">
-                <a14:hiddenLine xmlns:a14="http://schemas.microsoft.com/office/drawing/2010/main" xmlns="" w="9525">
+                <a14:hiddenLine xmlns="" xmlns:a14="http://schemas.microsoft.com/office/drawing/2010/main" w="9525">
                   <a:solidFill>
                     <a:srgbClr val="000000"/>
                   </a:solidFill>
@@ -9082,7 +9066,7 @@
             </a:ln>
             <a:extLst>
               <a:ext uri="{91240B29-F687-4f45-9708-019B960494DF}">
-                <a14:hiddenLine xmlns:a14="http://schemas.microsoft.com/office/drawing/2010/main" xmlns="" w="9525">
+                <a14:hiddenLine xmlns="" xmlns:a14="http://schemas.microsoft.com/office/drawing/2010/main" w="9525">
                   <a:solidFill>
                     <a:srgbClr val="000000"/>
                   </a:solidFill>
@@ -9144,7 +9128,7 @@
             </a:ln>
             <a:extLst>
               <a:ext uri="{91240B29-F687-4f45-9708-019B960494DF}">
-                <a14:hiddenLine xmlns:a14="http://schemas.microsoft.com/office/drawing/2010/main" xmlns="" w="9525">
+                <a14:hiddenLine xmlns="" xmlns:a14="http://schemas.microsoft.com/office/drawing/2010/main" w="9525">
                   <a:solidFill>
                     <a:srgbClr val="000000"/>
                   </a:solidFill>
@@ -9206,7 +9190,7 @@
             </a:ln>
             <a:extLst>
               <a:ext uri="{91240B29-F687-4f45-9708-019B960494DF}">
-                <a14:hiddenLine xmlns:a14="http://schemas.microsoft.com/office/drawing/2010/main" xmlns="" w="9525">
+                <a14:hiddenLine xmlns="" xmlns:a14="http://schemas.microsoft.com/office/drawing/2010/main" w="9525">
                   <a:solidFill>
                     <a:srgbClr val="000000"/>
                   </a:solidFill>
@@ -9296,7 +9280,7 @@
             </a:ln>
             <a:extLst>
               <a:ext uri="{91240B29-F687-4f45-9708-019B960494DF}">
-                <a14:hiddenLine xmlns:a14="http://schemas.microsoft.com/office/drawing/2010/main" xmlns="" w="9525">
+                <a14:hiddenLine xmlns="" xmlns:a14="http://schemas.microsoft.com/office/drawing/2010/main" w="9525">
                   <a:solidFill>
                     <a:srgbClr val="000000"/>
                   </a:solidFill>
@@ -9386,7 +9370,7 @@
             </a:ln>
             <a:extLst>
               <a:ext uri="{91240B29-F687-4f45-9708-019B960494DF}">
-                <a14:hiddenLine xmlns:a14="http://schemas.microsoft.com/office/drawing/2010/main" xmlns="" w="9525">
+                <a14:hiddenLine xmlns="" xmlns:a14="http://schemas.microsoft.com/office/drawing/2010/main" w="9525">
                   <a:solidFill>
                     <a:srgbClr val="000000"/>
                   </a:solidFill>
@@ -9448,7 +9432,7 @@
             </a:ln>
             <a:extLst>
               <a:ext uri="{91240B29-F687-4f45-9708-019B960494DF}">
-                <a14:hiddenLine xmlns:a14="http://schemas.microsoft.com/office/drawing/2010/main" xmlns="" w="9525">
+                <a14:hiddenLine xmlns="" xmlns:a14="http://schemas.microsoft.com/office/drawing/2010/main" w="9525">
                   <a:solidFill>
                     <a:srgbClr val="000000"/>
                   </a:solidFill>
@@ -9558,7 +9542,7 @@
             </a:ln>
             <a:extLst>
               <a:ext uri="{91240B29-F687-4f45-9708-019B960494DF}">
-                <a14:hiddenLine xmlns:a14="http://schemas.microsoft.com/office/drawing/2010/main" xmlns="" w="9525">
+                <a14:hiddenLine xmlns="" xmlns:a14="http://schemas.microsoft.com/office/drawing/2010/main" w="9525">
                   <a:solidFill>
                     <a:srgbClr val="000000"/>
                   </a:solidFill>
@@ -9620,7 +9604,7 @@
             </a:ln>
             <a:extLst>
               <a:ext uri="{91240B29-F687-4f45-9708-019B960494DF}">
-                <a14:hiddenLine xmlns:a14="http://schemas.microsoft.com/office/drawing/2010/main" xmlns="" w="9525">
+                <a14:hiddenLine xmlns="" xmlns:a14="http://schemas.microsoft.com/office/drawing/2010/main" w="9525">
                   <a:solidFill>
                     <a:srgbClr val="000000"/>
                   </a:solidFill>
@@ -9710,7 +9694,7 @@
             </a:ln>
             <a:extLst>
               <a:ext uri="{91240B29-F687-4f45-9708-019B960494DF}">
-                <a14:hiddenLine xmlns:a14="http://schemas.microsoft.com/office/drawing/2010/main" xmlns="" w="9525">
+                <a14:hiddenLine xmlns="" xmlns:a14="http://schemas.microsoft.com/office/drawing/2010/main" w="9525">
                   <a:solidFill>
                     <a:srgbClr val="000000"/>
                   </a:solidFill>
@@ -9800,7 +9784,7 @@
             </a:ln>
             <a:extLst>
               <a:ext uri="{91240B29-F687-4f45-9708-019B960494DF}">
-                <a14:hiddenLine xmlns:a14="http://schemas.microsoft.com/office/drawing/2010/main" xmlns="" w="9525">
+                <a14:hiddenLine xmlns="" xmlns:a14="http://schemas.microsoft.com/office/drawing/2010/main" w="9525">
                   <a:solidFill>
                     <a:srgbClr val="000000"/>
                   </a:solidFill>
@@ -9862,7 +9846,7 @@
             </a:ln>
             <a:extLst>
               <a:ext uri="{91240B29-F687-4f45-9708-019B960494DF}">
-                <a14:hiddenLine xmlns:a14="http://schemas.microsoft.com/office/drawing/2010/main" xmlns="" w="9525">
+                <a14:hiddenLine xmlns="" xmlns:a14="http://schemas.microsoft.com/office/drawing/2010/main" w="9525">
                   <a:solidFill>
                     <a:srgbClr val="000000"/>
                   </a:solidFill>
@@ -9952,7 +9936,7 @@
             </a:ln>
             <a:extLst>
               <a:ext uri="{91240B29-F687-4f45-9708-019B960494DF}">
-                <a14:hiddenLine xmlns:a14="http://schemas.microsoft.com/office/drawing/2010/main" xmlns="" w="9525">
+                <a14:hiddenLine xmlns="" xmlns:a14="http://schemas.microsoft.com/office/drawing/2010/main" w="9525">
                   <a:solidFill>
                     <a:srgbClr val="000000"/>
                   </a:solidFill>
@@ -10042,7 +10026,7 @@
             </a:ln>
             <a:extLst>
               <a:ext uri="{91240B29-F687-4f45-9708-019B960494DF}">
-                <a14:hiddenLine xmlns:a14="http://schemas.microsoft.com/office/drawing/2010/main" xmlns="" w="9525">
+                <a14:hiddenLine xmlns="" xmlns:a14="http://schemas.microsoft.com/office/drawing/2010/main" w="9525">
                   <a:solidFill>
                     <a:srgbClr val="000000"/>
                   </a:solidFill>
@@ -10098,7 +10082,7 @@
             </a:ln>
             <a:extLst>
               <a:ext uri="{91240B29-F687-4f45-9708-019B960494DF}">
-                <a14:hiddenLine xmlns:a14="http://schemas.microsoft.com/office/drawing/2010/main" xmlns="" w="9525">
+                <a14:hiddenLine xmlns="" xmlns:a14="http://schemas.microsoft.com/office/drawing/2010/main" w="9525">
                   <a:solidFill>
                     <a:srgbClr val="000000"/>
                   </a:solidFill>
@@ -10188,7 +10172,7 @@
             </a:ln>
             <a:extLst>
               <a:ext uri="{91240B29-F687-4f45-9708-019B960494DF}">
-                <a14:hiddenLine xmlns:a14="http://schemas.microsoft.com/office/drawing/2010/main" xmlns="" w="9525">
+                <a14:hiddenLine xmlns="" xmlns:a14="http://schemas.microsoft.com/office/drawing/2010/main" w="9525">
                   <a:solidFill>
                     <a:srgbClr val="000000"/>
                   </a:solidFill>
@@ -10244,7 +10228,7 @@
             </a:ln>
             <a:extLst>
               <a:ext uri="{91240B29-F687-4f45-9708-019B960494DF}">
-                <a14:hiddenLine xmlns:a14="http://schemas.microsoft.com/office/drawing/2010/main" xmlns="" w="9525">
+                <a14:hiddenLine xmlns="" xmlns:a14="http://schemas.microsoft.com/office/drawing/2010/main" w="9525">
                   <a:solidFill>
                     <a:srgbClr val="000000"/>
                   </a:solidFill>
@@ -10334,7 +10318,7 @@
             </a:ln>
             <a:extLst>
               <a:ext uri="{91240B29-F687-4f45-9708-019B960494DF}">
-                <a14:hiddenLine xmlns:a14="http://schemas.microsoft.com/office/drawing/2010/main" xmlns="" w="9525">
+                <a14:hiddenLine xmlns="" xmlns:a14="http://schemas.microsoft.com/office/drawing/2010/main" w="9525">
                   <a:solidFill>
                     <a:srgbClr val="000000"/>
                   </a:solidFill>
@@ -10402,7 +10386,7 @@
             </a:ln>
             <a:extLst>
               <a:ext uri="{91240B29-F687-4f45-9708-019B960494DF}">
-                <a14:hiddenLine xmlns:a14="http://schemas.microsoft.com/office/drawing/2010/main" xmlns="" w="9525">
+                <a14:hiddenLine xmlns="" xmlns:a14="http://schemas.microsoft.com/office/drawing/2010/main" w="9525">
                   <a:solidFill>
                     <a:srgbClr val="000000"/>
                   </a:solidFill>
@@ -10492,7 +10476,7 @@
             </a:ln>
             <a:extLst>
               <a:ext uri="{91240B29-F687-4f45-9708-019B960494DF}">
-                <a14:hiddenLine xmlns:a14="http://schemas.microsoft.com/office/drawing/2010/main" xmlns="" w="9525">
+                <a14:hiddenLine xmlns="" xmlns:a14="http://schemas.microsoft.com/office/drawing/2010/main" w="9525">
                   <a:solidFill>
                     <a:srgbClr val="000000"/>
                   </a:solidFill>
@@ -10560,7 +10544,7 @@
             </a:ln>
             <a:extLst>
               <a:ext uri="{91240B29-F687-4f45-9708-019B960494DF}">
-                <a14:hiddenLine xmlns:a14="http://schemas.microsoft.com/office/drawing/2010/main" xmlns="" w="9525">
+                <a14:hiddenLine xmlns="" xmlns:a14="http://schemas.microsoft.com/office/drawing/2010/main" w="9525">
                   <a:solidFill>
                     <a:srgbClr val="000000"/>
                   </a:solidFill>
@@ -10650,7 +10634,7 @@
             </a:ln>
             <a:extLst>
               <a:ext uri="{91240B29-F687-4f45-9708-019B960494DF}">
-                <a14:hiddenLine xmlns:a14="http://schemas.microsoft.com/office/drawing/2010/main" xmlns="" w="9525">
+                <a14:hiddenLine xmlns="" xmlns:a14="http://schemas.microsoft.com/office/drawing/2010/main" w="9525">
                   <a:solidFill>
                     <a:srgbClr val="000000"/>
                   </a:solidFill>
@@ -10684,7 +10668,7 @@
             </a:ln>
             <a:extLst>
               <a:ext uri="{91240B29-F687-4f45-9708-019B960494DF}">
-                <a14:hiddenLine xmlns:a14="http://schemas.microsoft.com/office/drawing/2010/main" xmlns="" w="9525">
+                <a14:hiddenLine xmlns="" xmlns:a14="http://schemas.microsoft.com/office/drawing/2010/main" w="9525">
                   <a:solidFill>
                     <a:srgbClr val="000000"/>
                   </a:solidFill>
@@ -10774,7 +10758,7 @@
             </a:ln>
             <a:extLst>
               <a:ext uri="{91240B29-F687-4f45-9708-019B960494DF}">
-                <a14:hiddenLine xmlns:a14="http://schemas.microsoft.com/office/drawing/2010/main" xmlns="" w="9525">
+                <a14:hiddenLine xmlns="" xmlns:a14="http://schemas.microsoft.com/office/drawing/2010/main" w="9525">
                   <a:solidFill>
                     <a:srgbClr val="000000"/>
                   </a:solidFill>
@@ -10836,7 +10820,7 @@
             </a:ln>
             <a:extLst>
               <a:ext uri="{91240B29-F687-4f45-9708-019B960494DF}">
-                <a14:hiddenLine xmlns:a14="http://schemas.microsoft.com/office/drawing/2010/main" xmlns="" w="9525">
+                <a14:hiddenLine xmlns="" xmlns:a14="http://schemas.microsoft.com/office/drawing/2010/main" w="9525">
                   <a:solidFill>
                     <a:srgbClr val="000000"/>
                   </a:solidFill>
@@ -10898,7 +10882,7 @@
             </a:ln>
             <a:extLst>
               <a:ext uri="{91240B29-F687-4f45-9708-019B960494DF}">
-                <a14:hiddenLine xmlns:a14="http://schemas.microsoft.com/office/drawing/2010/main" xmlns="" w="9525">
+                <a14:hiddenLine xmlns="" xmlns:a14="http://schemas.microsoft.com/office/drawing/2010/main" w="9525">
                   <a:solidFill>
                     <a:srgbClr val="000000"/>
                   </a:solidFill>
@@ -10988,7 +10972,7 @@
             </a:ln>
             <a:extLst>
               <a:ext uri="{91240B29-F687-4f45-9708-019B960494DF}">
-                <a14:hiddenLine xmlns:a14="http://schemas.microsoft.com/office/drawing/2010/main" xmlns="" w="9525">
+                <a14:hiddenLine xmlns="" xmlns:a14="http://schemas.microsoft.com/office/drawing/2010/main" w="9525">
                   <a:solidFill>
                     <a:srgbClr val="000000"/>
                   </a:solidFill>
@@ -11056,7 +11040,7 @@
             </a:ln>
             <a:extLst>
               <a:ext uri="{91240B29-F687-4f45-9708-019B960494DF}">
-                <a14:hiddenLine xmlns:a14="http://schemas.microsoft.com/office/drawing/2010/main" xmlns="" w="9525">
+                <a14:hiddenLine xmlns="" xmlns:a14="http://schemas.microsoft.com/office/drawing/2010/main" w="9525">
                   <a:solidFill>
                     <a:srgbClr val="000000"/>
                   </a:solidFill>
@@ -11118,7 +11102,7 @@
             </a:ln>
             <a:extLst>
               <a:ext uri="{91240B29-F687-4f45-9708-019B960494DF}">
-                <a14:hiddenLine xmlns:a14="http://schemas.microsoft.com/office/drawing/2010/main" xmlns="" w="9525">
+                <a14:hiddenLine xmlns="" xmlns:a14="http://schemas.microsoft.com/office/drawing/2010/main" w="9525">
                   <a:solidFill>
                     <a:srgbClr val="000000"/>
                   </a:solidFill>
@@ -11208,7 +11192,7 @@
             </a:ln>
             <a:extLst>
               <a:ext uri="{91240B29-F687-4f45-9708-019B960494DF}">
-                <a14:hiddenLine xmlns:a14="http://schemas.microsoft.com/office/drawing/2010/main" xmlns="" w="9525">
+                <a14:hiddenLine xmlns="" xmlns:a14="http://schemas.microsoft.com/office/drawing/2010/main" w="9525">
                   <a:solidFill>
                     <a:srgbClr val="000000"/>
                   </a:solidFill>
@@ -11270,7 +11254,7 @@
             </a:ln>
             <a:extLst>
               <a:ext uri="{91240B29-F687-4f45-9708-019B960494DF}">
-                <a14:hiddenLine xmlns:a14="http://schemas.microsoft.com/office/drawing/2010/main" xmlns="" w="9525">
+                <a14:hiddenLine xmlns="" xmlns:a14="http://schemas.microsoft.com/office/drawing/2010/main" w="9525">
                   <a:solidFill>
                     <a:srgbClr val="000000"/>
                   </a:solidFill>
@@ -11360,7 +11344,7 @@
             </a:ln>
             <a:extLst>
               <a:ext uri="{91240B29-F687-4f45-9708-019B960494DF}">
-                <a14:hiddenLine xmlns:a14="http://schemas.microsoft.com/office/drawing/2010/main" xmlns="" w="9525">
+                <a14:hiddenLine xmlns="" xmlns:a14="http://schemas.microsoft.com/office/drawing/2010/main" w="9525">
                   <a:solidFill>
                     <a:srgbClr val="000000"/>
                   </a:solidFill>
@@ -11422,7 +11406,7 @@
             </a:ln>
             <a:extLst>
               <a:ext uri="{91240B29-F687-4f45-9708-019B960494DF}">
-                <a14:hiddenLine xmlns:a14="http://schemas.microsoft.com/office/drawing/2010/main" xmlns="" w="9525">
+                <a14:hiddenLine xmlns="" xmlns:a14="http://schemas.microsoft.com/office/drawing/2010/main" w="9525">
                   <a:solidFill>
                     <a:srgbClr val="000000"/>
                   </a:solidFill>
@@ -11512,7 +11496,7 @@
             </a:ln>
             <a:extLst>
               <a:ext uri="{91240B29-F687-4f45-9708-019B960494DF}">
-                <a14:hiddenLine xmlns:a14="http://schemas.microsoft.com/office/drawing/2010/main" xmlns="" w="9525">
+                <a14:hiddenLine xmlns="" xmlns:a14="http://schemas.microsoft.com/office/drawing/2010/main" w="9525">
                   <a:solidFill>
                     <a:srgbClr val="000000"/>
                   </a:solidFill>
@@ -11546,7 +11530,7 @@
             </a:ln>
             <a:extLst>
               <a:ext uri="{91240B29-F687-4f45-9708-019B960494DF}">
-                <a14:hiddenLine xmlns:a14="http://schemas.microsoft.com/office/drawing/2010/main" xmlns="" w="9525">
+                <a14:hiddenLine xmlns="" xmlns:a14="http://schemas.microsoft.com/office/drawing/2010/main" w="9525">
                   <a:solidFill>
                     <a:srgbClr val="000000"/>
                   </a:solidFill>
@@ -11611,7 +11595,7 @@
             </a:ln>
             <a:extLst>
               <a:ext uri="{91240B29-F687-4f45-9708-019B960494DF}">
-                <a14:hiddenLine xmlns:a14="http://schemas.microsoft.com/office/drawing/2010/main" xmlns="" w="9525">
+                <a14:hiddenLine xmlns="" xmlns:a14="http://schemas.microsoft.com/office/drawing/2010/main" w="9525">
                   <a:solidFill>
                     <a:srgbClr val="000000"/>
                   </a:solidFill>
@@ -11701,7 +11685,7 @@
             </a:ln>
             <a:extLst>
               <a:ext uri="{91240B29-F687-4f45-9708-019B960494DF}">
-                <a14:hiddenLine xmlns:a14="http://schemas.microsoft.com/office/drawing/2010/main" xmlns="" w="9525">
+                <a14:hiddenLine xmlns="" xmlns:a14="http://schemas.microsoft.com/office/drawing/2010/main" w="9525">
                   <a:solidFill>
                     <a:srgbClr val="000000"/>
                   </a:solidFill>
@@ -11763,7 +11747,7 @@
             </a:ln>
             <a:extLst>
               <a:ext uri="{91240B29-F687-4f45-9708-019B960494DF}">
-                <a14:hiddenLine xmlns:a14="http://schemas.microsoft.com/office/drawing/2010/main" xmlns="" w="9525">
+                <a14:hiddenLine xmlns="" xmlns:a14="http://schemas.microsoft.com/office/drawing/2010/main" w="9525">
                   <a:solidFill>
                     <a:srgbClr val="000000"/>
                   </a:solidFill>
@@ -11853,7 +11837,7 @@
             </a:ln>
             <a:extLst>
               <a:ext uri="{91240B29-F687-4f45-9708-019B960494DF}">
-                <a14:hiddenLine xmlns:a14="http://schemas.microsoft.com/office/drawing/2010/main" xmlns="" w="9525">
+                <a14:hiddenLine xmlns="" xmlns:a14="http://schemas.microsoft.com/office/drawing/2010/main" w="9525">
                   <a:solidFill>
                     <a:srgbClr val="000000"/>
                   </a:solidFill>
@@ -11943,7 +11927,7 @@
             </a:ln>
             <a:extLst>
               <a:ext uri="{91240B29-F687-4f45-9708-019B960494DF}">
-                <a14:hiddenLine xmlns:a14="http://schemas.microsoft.com/office/drawing/2010/main" xmlns="" w="9525">
+                <a14:hiddenLine xmlns="" xmlns:a14="http://schemas.microsoft.com/office/drawing/2010/main" w="9525">
                   <a:solidFill>
                     <a:srgbClr val="000000"/>
                   </a:solidFill>
@@ -12008,7 +11992,7 @@
             </a:ln>
             <a:extLst>
               <a:ext uri="{91240B29-F687-4f45-9708-019B960494DF}">
-                <a14:hiddenLine xmlns:a14="http://schemas.microsoft.com/office/drawing/2010/main" xmlns="" w="9525">
+                <a14:hiddenLine xmlns="" xmlns:a14="http://schemas.microsoft.com/office/drawing/2010/main" w="9525">
                   <a:solidFill>
                     <a:srgbClr val="000000"/>
                   </a:solidFill>
@@ -12070,7 +12054,7 @@
             </a:ln>
             <a:extLst>
               <a:ext uri="{91240B29-F687-4f45-9708-019B960494DF}">
-                <a14:hiddenLine xmlns:a14="http://schemas.microsoft.com/office/drawing/2010/main" xmlns="" w="9525">
+                <a14:hiddenLine xmlns="" xmlns:a14="http://schemas.microsoft.com/office/drawing/2010/main" w="9525">
                   <a:solidFill>
                     <a:srgbClr val="000000"/>
                   </a:solidFill>
@@ -12160,7 +12144,7 @@
             </a:ln>
             <a:extLst>
               <a:ext uri="{91240B29-F687-4f45-9708-019B960494DF}">
-                <a14:hiddenLine xmlns:a14="http://schemas.microsoft.com/office/drawing/2010/main" xmlns="" w="9525">
+                <a14:hiddenLine xmlns="" xmlns:a14="http://schemas.microsoft.com/office/drawing/2010/main" w="9525">
                   <a:solidFill>
                     <a:srgbClr val="000000"/>
                   </a:solidFill>
@@ -12250,7 +12234,7 @@
             </a:ln>
             <a:extLst>
               <a:ext uri="{91240B29-F687-4f45-9708-019B960494DF}">
-                <a14:hiddenLine xmlns:a14="http://schemas.microsoft.com/office/drawing/2010/main" xmlns="" w="9525">
+                <a14:hiddenLine xmlns="" xmlns:a14="http://schemas.microsoft.com/office/drawing/2010/main" w="9525">
                   <a:solidFill>
                     <a:srgbClr val="000000"/>
                   </a:solidFill>
@@ -12312,7 +12296,7 @@
             </a:ln>
             <a:extLst>
               <a:ext uri="{91240B29-F687-4f45-9708-019B960494DF}">
-                <a14:hiddenLine xmlns:a14="http://schemas.microsoft.com/office/drawing/2010/main" xmlns="" w="9525">
+                <a14:hiddenLine xmlns="" xmlns:a14="http://schemas.microsoft.com/office/drawing/2010/main" w="9525">
                   <a:solidFill>
                     <a:srgbClr val="000000"/>
                   </a:solidFill>
@@ -12432,7 +12416,7 @@
             </a:ln>
             <a:extLst>
               <a:ext uri="{91240B29-F687-4f45-9708-019B960494DF}">
-                <a14:hiddenLine xmlns:a14="http://schemas.microsoft.com/office/drawing/2010/main" xmlns="" w="9525">
+                <a14:hiddenLine xmlns="" xmlns:a14="http://schemas.microsoft.com/office/drawing/2010/main" w="9525">
                   <a:solidFill>
                     <a:srgbClr val="000000"/>
                   </a:solidFill>
@@ -12500,7 +12484,7 @@
             </a:ln>
             <a:extLst>
               <a:ext uri="{91240B29-F687-4f45-9708-019B960494DF}">
-                <a14:hiddenLine xmlns:a14="http://schemas.microsoft.com/office/drawing/2010/main" xmlns="" w="9525">
+                <a14:hiddenLine xmlns="" xmlns:a14="http://schemas.microsoft.com/office/drawing/2010/main" w="9525">
                   <a:solidFill>
                     <a:srgbClr val="000000"/>
                   </a:solidFill>
@@ -12590,7 +12574,7 @@
             </a:ln>
             <a:extLst>
               <a:ext uri="{91240B29-F687-4f45-9708-019B960494DF}">
-                <a14:hiddenLine xmlns:a14="http://schemas.microsoft.com/office/drawing/2010/main" xmlns="" w="9525">
+                <a14:hiddenLine xmlns="" xmlns:a14="http://schemas.microsoft.com/office/drawing/2010/main" w="9525">
                   <a:solidFill>
                     <a:srgbClr val="000000"/>
                   </a:solidFill>
@@ -17404,7 +17388,7 @@
           <a:noFill/>
           <a:extLst>
             <a:ext uri="{909E8E84-426E-40dd-AFC4-6F175D3DCCD1}">
-              <a14:hiddenFill xmlns:a14="http://schemas.microsoft.com/office/drawing/2010/main" xmlns="">
+              <a14:hiddenFill xmlns="" xmlns:a14="http://schemas.microsoft.com/office/drawing/2010/main">
                 <a:solidFill>
                   <a:srgbClr val="FFFFFF"/>
                 </a:solidFill>
@@ -17478,7 +17462,7 @@
               </a:ln>
               <a:extLst>
                 <a:ext uri="{91240B29-F687-4f45-9708-019B960494DF}">
-                  <a14:hiddenLine xmlns:a14="http://schemas.microsoft.com/office/drawing/2010/main" xmlns="" w="9525">
+                  <a14:hiddenLine xmlns="" xmlns:a14="http://schemas.microsoft.com/office/drawing/2010/main" w="9525">
                     <a:solidFill>
                       <a:srgbClr val="000000"/>
                     </a:solidFill>
@@ -17568,7 +17552,7 @@
               </a:ln>
               <a:extLst>
                 <a:ext uri="{91240B29-F687-4f45-9708-019B960494DF}">
-                  <a14:hiddenLine xmlns:a14="http://schemas.microsoft.com/office/drawing/2010/main" xmlns="" w="9525">
+                  <a14:hiddenLine xmlns="" xmlns:a14="http://schemas.microsoft.com/office/drawing/2010/main" w="9525">
                     <a:solidFill>
                       <a:srgbClr val="000000"/>
                     </a:solidFill>
@@ -17658,7 +17642,7 @@
               </a:ln>
               <a:extLst>
                 <a:ext uri="{91240B29-F687-4f45-9708-019B960494DF}">
-                  <a14:hiddenLine xmlns:a14="http://schemas.microsoft.com/office/drawing/2010/main" xmlns="" w="9525">
+                  <a14:hiddenLine xmlns="" xmlns:a14="http://schemas.microsoft.com/office/drawing/2010/main" w="9525">
                     <a:solidFill>
                       <a:srgbClr val="000000"/>
                     </a:solidFill>
@@ -17720,7 +17704,7 @@
               </a:ln>
               <a:extLst>
                 <a:ext uri="{91240B29-F687-4f45-9708-019B960494DF}">
-                  <a14:hiddenLine xmlns:a14="http://schemas.microsoft.com/office/drawing/2010/main" xmlns="" w="9525">
+                  <a14:hiddenLine xmlns="" xmlns:a14="http://schemas.microsoft.com/office/drawing/2010/main" w="9525">
                     <a:solidFill>
                       <a:srgbClr val="000000"/>
                     </a:solidFill>
@@ -17810,7 +17794,7 @@
               </a:ln>
               <a:extLst>
                 <a:ext uri="{91240B29-F687-4f45-9708-019B960494DF}">
-                  <a14:hiddenLine xmlns:a14="http://schemas.microsoft.com/office/drawing/2010/main" xmlns="" w="9525">
+                  <a14:hiddenLine xmlns="" xmlns:a14="http://schemas.microsoft.com/office/drawing/2010/main" w="9525">
                     <a:solidFill>
                       <a:srgbClr val="000000"/>
                     </a:solidFill>
@@ -17872,7 +17856,7 @@
               </a:ln>
               <a:extLst>
                 <a:ext uri="{91240B29-F687-4f45-9708-019B960494DF}">
-                  <a14:hiddenLine xmlns:a14="http://schemas.microsoft.com/office/drawing/2010/main" xmlns="" w="9525">
+                  <a14:hiddenLine xmlns="" xmlns:a14="http://schemas.microsoft.com/office/drawing/2010/main" w="9525">
                     <a:solidFill>
                       <a:srgbClr val="000000"/>
                     </a:solidFill>
@@ -17934,7 +17918,7 @@
               </a:ln>
               <a:extLst>
                 <a:ext uri="{91240B29-F687-4f45-9708-019B960494DF}">
-                  <a14:hiddenLine xmlns:a14="http://schemas.microsoft.com/office/drawing/2010/main" xmlns="" w="9525">
+                  <a14:hiddenLine xmlns="" xmlns:a14="http://schemas.microsoft.com/office/drawing/2010/main" w="9525">
                     <a:solidFill>
                       <a:srgbClr val="000000"/>
                     </a:solidFill>
@@ -18024,7 +18008,7 @@
               </a:ln>
               <a:extLst>
                 <a:ext uri="{91240B29-F687-4f45-9708-019B960494DF}">
-                  <a14:hiddenLine xmlns:a14="http://schemas.microsoft.com/office/drawing/2010/main" xmlns="" w="9525">
+                  <a14:hiddenLine xmlns="" xmlns:a14="http://schemas.microsoft.com/office/drawing/2010/main" w="9525">
                     <a:solidFill>
                       <a:srgbClr val="000000"/>
                     </a:solidFill>
@@ -18114,7 +18098,7 @@
               </a:ln>
               <a:extLst>
                 <a:ext uri="{91240B29-F687-4f45-9708-019B960494DF}">
-                  <a14:hiddenLine xmlns:a14="http://schemas.microsoft.com/office/drawing/2010/main" xmlns="" w="9525">
+                  <a14:hiddenLine xmlns="" xmlns:a14="http://schemas.microsoft.com/office/drawing/2010/main" w="9525">
                     <a:solidFill>
                       <a:srgbClr val="000000"/>
                     </a:solidFill>
@@ -18176,7 +18160,7 @@
               </a:ln>
               <a:extLst>
                 <a:ext uri="{91240B29-F687-4f45-9708-019B960494DF}">
-                  <a14:hiddenLine xmlns:a14="http://schemas.microsoft.com/office/drawing/2010/main" xmlns="" w="9525">
+                  <a14:hiddenLine xmlns="" xmlns:a14="http://schemas.microsoft.com/office/drawing/2010/main" w="9525">
                     <a:solidFill>
                       <a:srgbClr val="000000"/>
                     </a:solidFill>
@@ -18286,7 +18270,7 @@
               </a:ln>
               <a:extLst>
                 <a:ext uri="{91240B29-F687-4f45-9708-019B960494DF}">
-                  <a14:hiddenLine xmlns:a14="http://schemas.microsoft.com/office/drawing/2010/main" xmlns="" w="9525">
+                  <a14:hiddenLine xmlns="" xmlns:a14="http://schemas.microsoft.com/office/drawing/2010/main" w="9525">
                     <a:solidFill>
                       <a:srgbClr val="000000"/>
                     </a:solidFill>
@@ -18370,7 +18354,7 @@
               </a:ln>
               <a:extLst>
                 <a:ext uri="{91240B29-F687-4f45-9708-019B960494DF}">
-                  <a14:hiddenLine xmlns:a14="http://schemas.microsoft.com/office/drawing/2010/main" xmlns="" w="9525">
+                  <a14:hiddenLine xmlns="" xmlns:a14="http://schemas.microsoft.com/office/drawing/2010/main" w="9525">
                     <a:solidFill>
                       <a:srgbClr val="000000"/>
                     </a:solidFill>
@@ -18432,7 +18416,7 @@
               </a:ln>
               <a:extLst>
                 <a:ext uri="{91240B29-F687-4f45-9708-019B960494DF}">
-                  <a14:hiddenLine xmlns:a14="http://schemas.microsoft.com/office/drawing/2010/main" xmlns="" w="9525">
+                  <a14:hiddenLine xmlns="" xmlns:a14="http://schemas.microsoft.com/office/drawing/2010/main" w="9525">
                     <a:solidFill>
                       <a:srgbClr val="000000"/>
                     </a:solidFill>
@@ -18494,7 +18478,7 @@
               </a:ln>
               <a:extLst>
                 <a:ext uri="{91240B29-F687-4f45-9708-019B960494DF}">
-                  <a14:hiddenLine xmlns:a14="http://schemas.microsoft.com/office/drawing/2010/main" xmlns="" w="9525">
+                  <a14:hiddenLine xmlns="" xmlns:a14="http://schemas.microsoft.com/office/drawing/2010/main" w="9525">
                     <a:solidFill>
                       <a:srgbClr val="000000"/>
                     </a:solidFill>
@@ -18584,7 +18568,7 @@
               </a:ln>
               <a:extLst>
                 <a:ext uri="{91240B29-F687-4f45-9708-019B960494DF}">
-                  <a14:hiddenLine xmlns:a14="http://schemas.microsoft.com/office/drawing/2010/main" xmlns="" w="9525">
+                  <a14:hiddenLine xmlns="" xmlns:a14="http://schemas.microsoft.com/office/drawing/2010/main" w="9525">
                     <a:solidFill>
                       <a:srgbClr val="000000"/>
                     </a:solidFill>
@@ -18618,7 +18602,7 @@
               </a:ln>
               <a:extLst>
                 <a:ext uri="{91240B29-F687-4f45-9708-019B960494DF}">
-                  <a14:hiddenLine xmlns:a14="http://schemas.microsoft.com/office/drawing/2010/main" xmlns="" w="9525">
+                  <a14:hiddenLine xmlns="" xmlns:a14="http://schemas.microsoft.com/office/drawing/2010/main" w="9525">
                     <a:solidFill>
                       <a:srgbClr val="000000"/>
                     </a:solidFill>
@@ -18683,7 +18667,7 @@
               </a:ln>
               <a:extLst>
                 <a:ext uri="{91240B29-F687-4f45-9708-019B960494DF}">
-                  <a14:hiddenLine xmlns:a14="http://schemas.microsoft.com/office/drawing/2010/main" xmlns="" w="9525">
+                  <a14:hiddenLine xmlns="" xmlns:a14="http://schemas.microsoft.com/office/drawing/2010/main" w="9525">
                     <a:solidFill>
                       <a:srgbClr val="000000"/>
                     </a:solidFill>
@@ -18773,7 +18757,7 @@
               </a:ln>
               <a:extLst>
                 <a:ext uri="{91240B29-F687-4f45-9708-019B960494DF}">
-                  <a14:hiddenLine xmlns:a14="http://schemas.microsoft.com/office/drawing/2010/main" xmlns="" w="9525">
+                  <a14:hiddenLine xmlns="" xmlns:a14="http://schemas.microsoft.com/office/drawing/2010/main" w="9525">
                     <a:solidFill>
                       <a:srgbClr val="000000"/>
                     </a:solidFill>
@@ -18835,7 +18819,7 @@
               </a:ln>
               <a:extLst>
                 <a:ext uri="{91240B29-F687-4f45-9708-019B960494DF}">
-                  <a14:hiddenLine xmlns:a14="http://schemas.microsoft.com/office/drawing/2010/main" xmlns="" w="9525">
+                  <a14:hiddenLine xmlns="" xmlns:a14="http://schemas.microsoft.com/office/drawing/2010/main" w="9525">
                     <a:solidFill>
                       <a:srgbClr val="000000"/>
                     </a:solidFill>
@@ -18925,7 +18909,7 @@
               </a:ln>
               <a:extLst>
                 <a:ext uri="{91240B29-F687-4f45-9708-019B960494DF}">
-                  <a14:hiddenLine xmlns:a14="http://schemas.microsoft.com/office/drawing/2010/main" xmlns="" w="9525">
+                  <a14:hiddenLine xmlns="" xmlns:a14="http://schemas.microsoft.com/office/drawing/2010/main" w="9525">
                     <a:solidFill>
                       <a:srgbClr val="000000"/>
                     </a:solidFill>
@@ -18990,7 +18974,7 @@
               </a:ln>
               <a:extLst>
                 <a:ext uri="{91240B29-F687-4f45-9708-019B960494DF}">
-                  <a14:hiddenLine xmlns:a14="http://schemas.microsoft.com/office/drawing/2010/main" xmlns="" w="9525">
+                  <a14:hiddenLine xmlns="" xmlns:a14="http://schemas.microsoft.com/office/drawing/2010/main" w="9525">
                     <a:solidFill>
                       <a:srgbClr val="000000"/>
                     </a:solidFill>
@@ -19052,7 +19036,7 @@
               </a:ln>
               <a:extLst>
                 <a:ext uri="{91240B29-F687-4f45-9708-019B960494DF}">
-                  <a14:hiddenLine xmlns:a14="http://schemas.microsoft.com/office/drawing/2010/main" xmlns="" w="9525">
+                  <a14:hiddenLine xmlns="" xmlns:a14="http://schemas.microsoft.com/office/drawing/2010/main" w="9525">
                     <a:solidFill>
                       <a:srgbClr val="000000"/>
                     </a:solidFill>
@@ -19142,7 +19126,7 @@
               </a:ln>
               <a:extLst>
                 <a:ext uri="{91240B29-F687-4f45-9708-019B960494DF}">
-                  <a14:hiddenLine xmlns:a14="http://schemas.microsoft.com/office/drawing/2010/main" xmlns="" w="9525">
+                  <a14:hiddenLine xmlns="" xmlns:a14="http://schemas.microsoft.com/office/drawing/2010/main" w="9525">
                     <a:solidFill>
                       <a:srgbClr val="000000"/>
                     </a:solidFill>
@@ -19232,7 +19216,7 @@
               </a:ln>
               <a:extLst>
                 <a:ext uri="{91240B29-F687-4f45-9708-019B960494DF}">
-                  <a14:hiddenLine xmlns:a14="http://schemas.microsoft.com/office/drawing/2010/main" xmlns="" w="9525">
+                  <a14:hiddenLine xmlns="" xmlns:a14="http://schemas.microsoft.com/office/drawing/2010/main" w="9525">
                     <a:solidFill>
                       <a:srgbClr val="000000"/>
                     </a:solidFill>
@@ -19297,7 +19281,7 @@
               </a:ln>
               <a:extLst>
                 <a:ext uri="{91240B29-F687-4f45-9708-019B960494DF}">
-                  <a14:hiddenLine xmlns:a14="http://schemas.microsoft.com/office/drawing/2010/main" xmlns="" w="9525">
+                  <a14:hiddenLine xmlns="" xmlns:a14="http://schemas.microsoft.com/office/drawing/2010/main" w="9525">
                     <a:solidFill>
                       <a:srgbClr val="000000"/>
                     </a:solidFill>
@@ -19417,7 +19401,7 @@
               </a:ln>
               <a:extLst>
                 <a:ext uri="{91240B29-F687-4f45-9708-019B960494DF}">
-                  <a14:hiddenLine xmlns:a14="http://schemas.microsoft.com/office/drawing/2010/main" xmlns="" w="9525">
+                  <a14:hiddenLine xmlns="" xmlns:a14="http://schemas.microsoft.com/office/drawing/2010/main" w="9525">
                     <a:solidFill>
                       <a:srgbClr val="000000"/>
                     </a:solidFill>
@@ -19498,7 +19482,7 @@
               </a:ln>
               <a:extLst>
                 <a:ext uri="{91240B29-F687-4f45-9708-019B960494DF}">
-                  <a14:hiddenLine xmlns:a14="http://schemas.microsoft.com/office/drawing/2010/main" xmlns="" w="9525">
+                  <a14:hiddenLine xmlns="" xmlns:a14="http://schemas.microsoft.com/office/drawing/2010/main" w="9525">
                     <a:solidFill>
                       <a:srgbClr val="000000"/>
                     </a:solidFill>
@@ -19613,7 +19597,7 @@
               </a:ln>
               <a:extLst>
                 <a:ext uri="{91240B29-F687-4f45-9708-019B960494DF}">
-                  <a14:hiddenLine xmlns:a14="http://schemas.microsoft.com/office/drawing/2010/main" xmlns="" w="9525">
+                  <a14:hiddenLine xmlns="" xmlns:a14="http://schemas.microsoft.com/office/drawing/2010/main" w="9525">
                     <a:solidFill>
                       <a:srgbClr val="000000"/>
                     </a:solidFill>
@@ -19703,7 +19687,7 @@
               </a:ln>
               <a:extLst>
                 <a:ext uri="{91240B29-F687-4f45-9708-019B960494DF}">
-                  <a14:hiddenLine xmlns:a14="http://schemas.microsoft.com/office/drawing/2010/main" xmlns="" w="9525">
+                  <a14:hiddenLine xmlns="" xmlns:a14="http://schemas.microsoft.com/office/drawing/2010/main" w="9525">
                     <a:solidFill>
                       <a:srgbClr val="000000"/>
                     </a:solidFill>
@@ -19768,7 +19752,7 @@
               </a:ln>
               <a:extLst>
                 <a:ext uri="{91240B29-F687-4f45-9708-019B960494DF}">
-                  <a14:hiddenLine xmlns:a14="http://schemas.microsoft.com/office/drawing/2010/main" xmlns="" w="9525">
+                  <a14:hiddenLine xmlns="" xmlns:a14="http://schemas.microsoft.com/office/drawing/2010/main" w="9525">
                     <a:solidFill>
                       <a:srgbClr val="000000"/>
                     </a:solidFill>
@@ -19858,7 +19842,7 @@
               </a:ln>
               <a:extLst>
                 <a:ext uri="{91240B29-F687-4f45-9708-019B960494DF}">
-                  <a14:hiddenLine xmlns:a14="http://schemas.microsoft.com/office/drawing/2010/main" xmlns="" w="9525">
+                  <a14:hiddenLine xmlns="" xmlns:a14="http://schemas.microsoft.com/office/drawing/2010/main" w="9525">
                     <a:solidFill>
                       <a:srgbClr val="000000"/>
                     </a:solidFill>
@@ -19926,7 +19910,7 @@
               </a:ln>
               <a:extLst>
                 <a:ext uri="{91240B29-F687-4f45-9708-019B960494DF}">
-                  <a14:hiddenLine xmlns:a14="http://schemas.microsoft.com/office/drawing/2010/main" xmlns="" w="9525">
+                  <a14:hiddenLine xmlns="" xmlns:a14="http://schemas.microsoft.com/office/drawing/2010/main" w="9525">
                     <a:solidFill>
                       <a:srgbClr val="000000"/>
                     </a:solidFill>
@@ -20016,7 +20000,7 @@
               </a:ln>
               <a:extLst>
                 <a:ext uri="{91240B29-F687-4f45-9708-019B960494DF}">
-                  <a14:hiddenLine xmlns:a14="http://schemas.microsoft.com/office/drawing/2010/main" xmlns="" w="9525">
+                  <a14:hiddenLine xmlns="" xmlns:a14="http://schemas.microsoft.com/office/drawing/2010/main" w="9525">
                     <a:solidFill>
                       <a:srgbClr val="000000"/>
                     </a:solidFill>
@@ -20084,7 +20068,7 @@
               </a:ln>
               <a:extLst>
                 <a:ext uri="{91240B29-F687-4f45-9708-019B960494DF}">
-                  <a14:hiddenLine xmlns:a14="http://schemas.microsoft.com/office/drawing/2010/main" xmlns="" w="9525">
+                  <a14:hiddenLine xmlns="" xmlns:a14="http://schemas.microsoft.com/office/drawing/2010/main" w="9525">
                     <a:solidFill>
                       <a:srgbClr val="000000"/>
                     </a:solidFill>
@@ -20174,7 +20158,7 @@
               </a:ln>
               <a:extLst>
                 <a:ext uri="{91240B29-F687-4f45-9708-019B960494DF}">
-                  <a14:hiddenLine xmlns:a14="http://schemas.microsoft.com/office/drawing/2010/main" xmlns="" w="9525">
+                  <a14:hiddenLine xmlns="" xmlns:a14="http://schemas.microsoft.com/office/drawing/2010/main" w="9525">
                     <a:solidFill>
                       <a:srgbClr val="000000"/>
                     </a:solidFill>
@@ -20208,7 +20192,7 @@
               </a:ln>
               <a:extLst>
                 <a:ext uri="{91240B29-F687-4f45-9708-019B960494DF}">
-                  <a14:hiddenLine xmlns:a14="http://schemas.microsoft.com/office/drawing/2010/main" xmlns="" w="9525">
+                  <a14:hiddenLine xmlns="" xmlns:a14="http://schemas.microsoft.com/office/drawing/2010/main" w="9525">
                     <a:solidFill>
                       <a:srgbClr val="000000"/>
                     </a:solidFill>
@@ -23118,7 +23102,7 @@
             <p:ph idx="1"/>
             <p:extLst>
               <p:ext uri="{D42A27DB-BD31-4B8C-83A1-F6EECF244321}">
-                <p14:modId xmlns:p14="http://schemas.microsoft.com/office/powerpoint/2010/main" val="1235439741"/>
+                <p14:modId xmlns:p14="http://schemas.microsoft.com/office/powerpoint/2010/main" val="1950837075"/>
               </p:ext>
             </p:extLst>
           </p:nvPr>
@@ -25149,6 +25133,23 @@
 </file>
 
 <file path=customXml/item1.xml><?xml version="1.0" encoding="utf-8"?>
+<p:properties xmlns:p="http://schemas.microsoft.com/office/2006/metadata/properties" xmlns:xsi="http://www.w3.org/2001/XMLSchema-instance" xmlns:pc="http://schemas.microsoft.com/office/infopath/2007/PartnerControls">
+  <documentManagement>
+    <MediaServiceKeyPoints xmlns="71af3243-3dd4-4a8d-8c0d-dd76da1f02a5" xsi:nil="true"/>
+  </documentManagement>
+</p:properties>
+</file>
+
+<file path=customXml/item2.xml><?xml version="1.0" encoding="utf-8"?>
+<?mso-contentType ?>
+<FormTemplates xmlns="http://schemas.microsoft.com/sharepoint/v3/contenttype/forms">
+  <Display>DocumentLibraryForm</Display>
+  <Edit>DocumentLibraryForm</Edit>
+  <New>DocumentLibraryForm</New>
+</FormTemplates>
+</file>
+
+<file path=customXml/item3.xml><?xml version="1.0" encoding="utf-8"?>
 <ct:contentTypeSchema xmlns:ct="http://schemas.microsoft.com/office/2006/metadata/contentType" xmlns:ma="http://schemas.microsoft.com/office/2006/metadata/properties/metaAttributes" ct:_="" ma:_="" ma:contentTypeName="Document" ma:contentTypeID="0x01010079F111ED35F8CC479449609E8A0923A6" ma:contentTypeVersion="11" ma:contentTypeDescription="Create a new document." ma:contentTypeScope="" ma:versionID="96291512c1ee715ab617f4c07df79fc1">
   <xsd:schema xmlns:xsd="http://www.w3.org/2001/XMLSchema" xmlns:xs="http://www.w3.org/2001/XMLSchema" xmlns:p="http://schemas.microsoft.com/office/2006/metadata/properties" xmlns:ns2="71af3243-3dd4-4a8d-8c0d-dd76da1f02a5" xmlns:ns3="16c05727-aa75-4e4a-9b5f-8a80a1165891" targetNamespace="http://schemas.microsoft.com/office/2006/metadata/properties" ma:root="true" ma:fieldsID="8256c27c40ca5c40ce1cf6c44f0205df" ns2:_="" ns3:_="">
     <xsd:import namespace="71af3243-3dd4-4a8d-8c0d-dd76da1f02a5"/>
@@ -25359,24 +25360,32 @@
 </ct:contentTypeSchema>
 </file>
 
-<file path=customXml/item2.xml><?xml version="1.0" encoding="utf-8"?>
-<?mso-contentType ?>
-<FormTemplates xmlns="http://schemas.microsoft.com/sharepoint/v3/contenttype/forms">
-  <Display>DocumentLibraryForm</Display>
-  <Edit>DocumentLibraryForm</Edit>
-  <New>DocumentLibraryForm</New>
-</FormTemplates>
+<file path=customXml/itemProps1.xml><?xml version="1.0" encoding="utf-8"?>
+<ds:datastoreItem xmlns:ds="http://schemas.openxmlformats.org/officeDocument/2006/customXml" ds:itemID="{E7866CFD-F94E-4AE5-ACEA-86FEC0F48A10}">
+  <ds:schemaRefs>
+    <ds:schemaRef ds:uri="http://purl.org/dc/elements/1.1/"/>
+    <ds:schemaRef ds:uri="http://schemas.microsoft.com/office/2006/documentManagement/types"/>
+    <ds:schemaRef ds:uri="16c05727-aa75-4e4a-9b5f-8a80a1165891"/>
+    <ds:schemaRef ds:uri="http://purl.org/dc/terms/"/>
+    <ds:schemaRef ds:uri="71af3243-3dd4-4a8d-8c0d-dd76da1f02a5"/>
+    <ds:schemaRef ds:uri="http://schemas.microsoft.com/office/infopath/2007/PartnerControls"/>
+    <ds:schemaRef ds:uri="http://www.w3.org/XML/1998/namespace"/>
+    <ds:schemaRef ds:uri="http://schemas.openxmlformats.org/package/2006/metadata/core-properties"/>
+    <ds:schemaRef ds:uri="http://schemas.microsoft.com/office/2006/metadata/properties"/>
+    <ds:schemaRef ds:uri="http://purl.org/dc/dcmitype/"/>
+  </ds:schemaRefs>
+</ds:datastoreItem>
 </file>
 
-<file path=customXml/item3.xml><?xml version="1.0" encoding="utf-8"?>
-<p:properties xmlns:p="http://schemas.microsoft.com/office/2006/metadata/properties" xmlns:xsi="http://www.w3.org/2001/XMLSchema-instance" xmlns:pc="http://schemas.microsoft.com/office/infopath/2007/PartnerControls">
-  <documentManagement>
-    <MediaServiceKeyPoints xmlns="71af3243-3dd4-4a8d-8c0d-dd76da1f02a5" xsi:nil="true"/>
-  </documentManagement>
-</p:properties>
+<file path=customXml/itemProps2.xml><?xml version="1.0" encoding="utf-8"?>
+<ds:datastoreItem xmlns:ds="http://schemas.openxmlformats.org/officeDocument/2006/customXml" ds:itemID="{B579702B-25C7-40D7-9E29-7686B11A9660}">
+  <ds:schemaRefs>
+    <ds:schemaRef ds:uri="http://schemas.microsoft.com/sharepoint/v3/contenttype/forms"/>
+  </ds:schemaRefs>
+</ds:datastoreItem>
 </file>
 
-<file path=customXml/itemProps1.xml><?xml version="1.0" encoding="utf-8"?>
+<file path=customXml/itemProps3.xml><?xml version="1.0" encoding="utf-8"?>
 <ds:datastoreItem xmlns:ds="http://schemas.openxmlformats.org/officeDocument/2006/customXml" ds:itemID="{A7C0B241-13E5-418D-8920-D23491E2D2C0}">
   <ds:schemaRefs>
     <ds:schemaRef ds:uri="http://schemas.microsoft.com/office/2006/metadata/contentType"/>
@@ -25393,29 +25402,4 @@
     <ds:schemaRef ds:uri="http://schemas.microsoft.com/internal/obd"/>
   </ds:schemaRefs>
 </ds:datastoreItem>
-</file>
-
-<file path=customXml/itemProps2.xml><?xml version="1.0" encoding="utf-8"?>
-<ds:datastoreItem xmlns:ds="http://schemas.openxmlformats.org/officeDocument/2006/customXml" ds:itemID="{B579702B-25C7-40D7-9E29-7686B11A9660}">
-  <ds:schemaRefs>
-    <ds:schemaRef ds:uri="http://schemas.microsoft.com/sharepoint/v3/contenttype/forms"/>
-  </ds:schemaRefs>
-</ds:datastoreItem>
-</file>
-
-<file path=customXml/itemProps3.xml><?xml version="1.0" encoding="utf-8"?>
-<ds:datastoreItem xmlns:ds="http://schemas.openxmlformats.org/officeDocument/2006/customXml" ds:itemID="{E7866CFD-F94E-4AE5-ACEA-86FEC0F48A10}">
-  <ds:schemaRefs>
-    <ds:schemaRef ds:uri="http://purl.org/dc/elements/1.1/"/>
-    <ds:schemaRef ds:uri="http://schemas.microsoft.com/office/2006/documentManagement/types"/>
-    <ds:schemaRef ds:uri="16c05727-aa75-4e4a-9b5f-8a80a1165891"/>
-    <ds:schemaRef ds:uri="http://purl.org/dc/terms/"/>
-    <ds:schemaRef ds:uri="71af3243-3dd4-4a8d-8c0d-dd76da1f02a5"/>
-    <ds:schemaRef ds:uri="http://schemas.microsoft.com/office/infopath/2007/PartnerControls"/>
-    <ds:schemaRef ds:uri="http://www.w3.org/XML/1998/namespace"/>
-    <ds:schemaRef ds:uri="http://schemas.openxmlformats.org/package/2006/metadata/core-properties"/>
-    <ds:schemaRef ds:uri="http://schemas.microsoft.com/office/2006/metadata/properties"/>
-    <ds:schemaRef ds:uri="http://purl.org/dc/dcmitype/"/>
-  </ds:schemaRefs>
-</ds:datastoreItem>
 </file>
--- a/Cancer_Champions_PPT.pptx
+++ b/Cancer_Champions_PPT.pptx
@@ -5,10 +5,10 @@
     <p:sldMasterId id="2147483669" r:id="rId4"/>
   </p:sldMasterIdLst>
   <p:notesMasterIdLst>
-    <p:notesMasterId r:id="rId23"/>
+    <p:notesMasterId r:id="rId22"/>
   </p:notesMasterIdLst>
   <p:handoutMasterIdLst>
-    <p:handoutMasterId r:id="rId24"/>
+    <p:handoutMasterId r:id="rId23"/>
   </p:handoutMasterIdLst>
   <p:sldIdLst>
     <p:sldId id="256" r:id="rId5"/>
@@ -23,12 +23,11 @@
     <p:sldId id="268" r:id="rId14"/>
     <p:sldId id="269" r:id="rId15"/>
     <p:sldId id="270" r:id="rId16"/>
-    <p:sldId id="271" r:id="rId17"/>
-    <p:sldId id="273" r:id="rId18"/>
-    <p:sldId id="261" r:id="rId19"/>
-    <p:sldId id="272" r:id="rId20"/>
-    <p:sldId id="263" r:id="rId21"/>
-    <p:sldId id="262" r:id="rId22"/>
+    <p:sldId id="273" r:id="rId17"/>
+    <p:sldId id="261" r:id="rId18"/>
+    <p:sldId id="272" r:id="rId19"/>
+    <p:sldId id="263" r:id="rId20"/>
+    <p:sldId id="262" r:id="rId21"/>
   </p:sldIdLst>
   <p:sldSz cx="12192000" cy="6858000"/>
   <p:notesSz cx="6858000" cy="9144000"/>
@@ -1802,7 +1801,7 @@
               <a:ea typeface="Tahoma" panose="020B0604030504040204" pitchFamily="34" charset="0"/>
               <a:cs typeface="Tahoma" panose="020B0604030504040204" pitchFamily="34" charset="0"/>
             </a:rPr>
-            <a:t>Biomedical Imagery</a:t>
+            <a:t>Biomedical Imagery Professionals + Cancer Patients</a:t>
           </a:r>
         </a:p>
       </dgm:t>
@@ -1885,7 +1884,7 @@
               <a:ea typeface="Tahoma" panose="020B0604030504040204" pitchFamily="34" charset="0"/>
               <a:cs typeface="Tahoma" panose="020B0604030504040204" pitchFamily="34" charset="0"/>
             </a:rPr>
-            <a:t>Efficiency &amp; Cost</a:t>
+            <a:t>Efficiency, Cost, Resolution</a:t>
           </a:r>
         </a:p>
       </dgm:t>
@@ -1968,8 +1967,21 @@
               <a:ea typeface="Tahoma" panose="020B0604030504040204" pitchFamily="34" charset="0"/>
               <a:cs typeface="Tahoma" panose="020B0604030504040204" pitchFamily="34" charset="0"/>
             </a:rPr>
-            <a:t>Accuracy Analysis</a:t>
+            <a:t>Accuracy, Loss, Dice Coefficient, </a:t>
           </a:r>
+          <a:r>
+            <a:rPr lang="en-US" sz="2400" dirty="0" err="1">
+              <a:latin typeface="Tahoma" panose="020B0604030504040204" pitchFamily="34" charset="0"/>
+              <a:ea typeface="Tahoma" panose="020B0604030504040204" pitchFamily="34" charset="0"/>
+              <a:cs typeface="Tahoma" panose="020B0604030504040204" pitchFamily="34" charset="0"/>
+            </a:rPr>
+            <a:t>IoU</a:t>
+          </a:r>
+          <a:endParaRPr lang="en-US" sz="2400" dirty="0">
+            <a:latin typeface="Tahoma" panose="020B0604030504040204" pitchFamily="34" charset="0"/>
+            <a:ea typeface="Tahoma" panose="020B0604030504040204" pitchFamily="34" charset="0"/>
+            <a:cs typeface="Tahoma" panose="020B0604030504040204" pitchFamily="34" charset="0"/>
+          </a:endParaRPr>
         </a:p>
       </dgm:t>
     </dgm:pt>
@@ -3860,7 +3872,7 @@
               <a:ea typeface="Tahoma" panose="020B0604030504040204" pitchFamily="34" charset="0"/>
               <a:cs typeface="Tahoma" panose="020B0604030504040204" pitchFamily="34" charset="0"/>
             </a:rPr>
-            <a:t>Biomedical Imagery</a:t>
+            <a:t>Biomedical Imagery Professionals + Cancer Patients</a:t>
           </a:r>
         </a:p>
       </dsp:txBody>
@@ -4027,7 +4039,7 @@
               <a:ea typeface="Tahoma" panose="020B0604030504040204" pitchFamily="34" charset="0"/>
               <a:cs typeface="Tahoma" panose="020B0604030504040204" pitchFamily="34" charset="0"/>
             </a:rPr>
-            <a:t>Efficiency &amp; Cost</a:t>
+            <a:t>Efficiency, Cost, Resolution</a:t>
           </a:r>
         </a:p>
       </dsp:txBody>
@@ -4194,8 +4206,21 @@
               <a:ea typeface="Tahoma" panose="020B0604030504040204" pitchFamily="34" charset="0"/>
               <a:cs typeface="Tahoma" panose="020B0604030504040204" pitchFamily="34" charset="0"/>
             </a:rPr>
-            <a:t>Accuracy Analysis</a:t>
+            <a:t>Accuracy, Loss, Dice Coefficient, </a:t>
           </a:r>
+          <a:r>
+            <a:rPr lang="en-US" sz="2400" kern="1200" dirty="0" err="1">
+              <a:latin typeface="Tahoma" panose="020B0604030504040204" pitchFamily="34" charset="0"/>
+              <a:ea typeface="Tahoma" panose="020B0604030504040204" pitchFamily="34" charset="0"/>
+              <a:cs typeface="Tahoma" panose="020B0604030504040204" pitchFamily="34" charset="0"/>
+            </a:rPr>
+            <a:t>IoU</a:t>
+          </a:r>
+          <a:endParaRPr lang="en-US" sz="2400" kern="1200" dirty="0">
+            <a:latin typeface="Tahoma" panose="020B0604030504040204" pitchFamily="34" charset="0"/>
+            <a:ea typeface="Tahoma" panose="020B0604030504040204" pitchFamily="34" charset="0"/>
+            <a:cs typeface="Tahoma" panose="020B0604030504040204" pitchFamily="34" charset="0"/>
+          </a:endParaRPr>
         </a:p>
       </dsp:txBody>
       <dsp:txXfrm rot="-5400000">
@@ -7988,7 +8013,7 @@
           <a:p>
             <a:fld id="{2B85766F-5EC0-4797-B4D1-777FCB005B11}" type="datetimeFigureOut">
               <a:rPr lang="en-US" smtClean="0"/>
-              <a:t>8/26/2024</a:t>
+              <a:t>8/27/2024</a:t>
             </a:fld>
             <a:endParaRPr lang="en-US" dirty="0"/>
           </a:p>
@@ -8165,7 +8190,7 @@
           <a:p>
             <a:fld id="{B2B4B5EC-152C-4627-80C0-63B10D5574EF}" type="datetimeFigureOut">
               <a:rPr lang="en-US" smtClean="0"/>
-              <a:t>8/26/2024</a:t>
+              <a:t>8/27/2024</a:t>
             </a:fld>
             <a:endParaRPr lang="en-US" dirty="0"/>
           </a:p>
@@ -8489,7 +8514,7 @@
           <a:noFill/>
           <a:extLst>
             <a:ext uri="{909E8E84-426E-40dd-AFC4-6F175D3DCCD1}">
-              <a14:hiddenFill xmlns="" xmlns:a14="http://schemas.microsoft.com/office/drawing/2010/main">
+              <a14:hiddenFill xmlns:a14="http://schemas.microsoft.com/office/drawing/2010/main" xmlns="">
                 <a:solidFill>
                   <a:srgbClr val="FFFFFF"/>
                 </a:solidFill>
@@ -8548,7 +8573,7 @@
             </a:ln>
             <a:extLst>
               <a:ext uri="{91240B29-F687-4f45-9708-019B960494DF}">
-                <a14:hiddenLine xmlns="" xmlns:a14="http://schemas.microsoft.com/office/drawing/2010/main" w="9525">
+                <a14:hiddenLine xmlns:a14="http://schemas.microsoft.com/office/drawing/2010/main" xmlns="" w="9525">
                   <a:solidFill>
                     <a:srgbClr val="000000"/>
                   </a:solidFill>
@@ -8638,7 +8663,7 @@
             </a:ln>
             <a:extLst>
               <a:ext uri="{91240B29-F687-4f45-9708-019B960494DF}">
-                <a14:hiddenLine xmlns="" xmlns:a14="http://schemas.microsoft.com/office/drawing/2010/main" w="9525">
+                <a14:hiddenLine xmlns:a14="http://schemas.microsoft.com/office/drawing/2010/main" xmlns="" w="9525">
                   <a:solidFill>
                     <a:srgbClr val="000000"/>
                   </a:solidFill>
@@ -8728,7 +8753,7 @@
             </a:ln>
             <a:extLst>
               <a:ext uri="{91240B29-F687-4f45-9708-019B960494DF}">
-                <a14:hiddenLine xmlns="" xmlns:a14="http://schemas.microsoft.com/office/drawing/2010/main" w="9525">
+                <a14:hiddenLine xmlns:a14="http://schemas.microsoft.com/office/drawing/2010/main" xmlns="" w="9525">
                   <a:solidFill>
                     <a:srgbClr val="000000"/>
                   </a:solidFill>
@@ -8762,7 +8787,7 @@
             </a:ln>
             <a:extLst>
               <a:ext uri="{91240B29-F687-4f45-9708-019B960494DF}">
-                <a14:hiddenLine xmlns="" xmlns:a14="http://schemas.microsoft.com/office/drawing/2010/main" w="9525">
+                <a14:hiddenLine xmlns:a14="http://schemas.microsoft.com/office/drawing/2010/main" xmlns="" w="9525">
                   <a:solidFill>
                     <a:srgbClr val="000000"/>
                   </a:solidFill>
@@ -8852,7 +8877,7 @@
             </a:ln>
             <a:extLst>
               <a:ext uri="{91240B29-F687-4f45-9708-019B960494DF}">
-                <a14:hiddenLine xmlns="" xmlns:a14="http://schemas.microsoft.com/office/drawing/2010/main" w="9525">
+                <a14:hiddenLine xmlns:a14="http://schemas.microsoft.com/office/drawing/2010/main" xmlns="" w="9525">
                   <a:solidFill>
                     <a:srgbClr val="000000"/>
                   </a:solidFill>
@@ -8914,7 +8939,7 @@
             </a:ln>
             <a:extLst>
               <a:ext uri="{91240B29-F687-4f45-9708-019B960494DF}">
-                <a14:hiddenLine xmlns="" xmlns:a14="http://schemas.microsoft.com/office/drawing/2010/main" w="9525">
+                <a14:hiddenLine xmlns:a14="http://schemas.microsoft.com/office/drawing/2010/main" xmlns="" w="9525">
                   <a:solidFill>
                     <a:srgbClr val="000000"/>
                   </a:solidFill>
@@ -8976,7 +9001,7 @@
             </a:ln>
             <a:extLst>
               <a:ext uri="{91240B29-F687-4f45-9708-019B960494DF}">
-                <a14:hiddenLine xmlns="" xmlns:a14="http://schemas.microsoft.com/office/drawing/2010/main" w="9525">
+                <a14:hiddenLine xmlns:a14="http://schemas.microsoft.com/office/drawing/2010/main" xmlns="" w="9525">
                   <a:solidFill>
                     <a:srgbClr val="000000"/>
                   </a:solidFill>
@@ -9066,7 +9091,7 @@
             </a:ln>
             <a:extLst>
               <a:ext uri="{91240B29-F687-4f45-9708-019B960494DF}">
-                <a14:hiddenLine xmlns="" xmlns:a14="http://schemas.microsoft.com/office/drawing/2010/main" w="9525">
+                <a14:hiddenLine xmlns:a14="http://schemas.microsoft.com/office/drawing/2010/main" xmlns="" w="9525">
                   <a:solidFill>
                     <a:srgbClr val="000000"/>
                   </a:solidFill>
@@ -9128,7 +9153,7 @@
             </a:ln>
             <a:extLst>
               <a:ext uri="{91240B29-F687-4f45-9708-019B960494DF}">
-                <a14:hiddenLine xmlns="" xmlns:a14="http://schemas.microsoft.com/office/drawing/2010/main" w="9525">
+                <a14:hiddenLine xmlns:a14="http://schemas.microsoft.com/office/drawing/2010/main" xmlns="" w="9525">
                   <a:solidFill>
                     <a:srgbClr val="000000"/>
                   </a:solidFill>
@@ -9190,7 +9215,7 @@
             </a:ln>
             <a:extLst>
               <a:ext uri="{91240B29-F687-4f45-9708-019B960494DF}">
-                <a14:hiddenLine xmlns="" xmlns:a14="http://schemas.microsoft.com/office/drawing/2010/main" w="9525">
+                <a14:hiddenLine xmlns:a14="http://schemas.microsoft.com/office/drawing/2010/main" xmlns="" w="9525">
                   <a:solidFill>
                     <a:srgbClr val="000000"/>
                   </a:solidFill>
@@ -9280,7 +9305,7 @@
             </a:ln>
             <a:extLst>
               <a:ext uri="{91240B29-F687-4f45-9708-019B960494DF}">
-                <a14:hiddenLine xmlns="" xmlns:a14="http://schemas.microsoft.com/office/drawing/2010/main" w="9525">
+                <a14:hiddenLine xmlns:a14="http://schemas.microsoft.com/office/drawing/2010/main" xmlns="" w="9525">
                   <a:solidFill>
                     <a:srgbClr val="000000"/>
                   </a:solidFill>
@@ -9370,7 +9395,7 @@
             </a:ln>
             <a:extLst>
               <a:ext uri="{91240B29-F687-4f45-9708-019B960494DF}">
-                <a14:hiddenLine xmlns="" xmlns:a14="http://schemas.microsoft.com/office/drawing/2010/main" w="9525">
+                <a14:hiddenLine xmlns:a14="http://schemas.microsoft.com/office/drawing/2010/main" xmlns="" w="9525">
                   <a:solidFill>
                     <a:srgbClr val="000000"/>
                   </a:solidFill>
@@ -9432,7 +9457,7 @@
             </a:ln>
             <a:extLst>
               <a:ext uri="{91240B29-F687-4f45-9708-019B960494DF}">
-                <a14:hiddenLine xmlns="" xmlns:a14="http://schemas.microsoft.com/office/drawing/2010/main" w="9525">
+                <a14:hiddenLine xmlns:a14="http://schemas.microsoft.com/office/drawing/2010/main" xmlns="" w="9525">
                   <a:solidFill>
                     <a:srgbClr val="000000"/>
                   </a:solidFill>
@@ -9542,7 +9567,7 @@
             </a:ln>
             <a:extLst>
               <a:ext uri="{91240B29-F687-4f45-9708-019B960494DF}">
-                <a14:hiddenLine xmlns="" xmlns:a14="http://schemas.microsoft.com/office/drawing/2010/main" w="9525">
+                <a14:hiddenLine xmlns:a14="http://schemas.microsoft.com/office/drawing/2010/main" xmlns="" w="9525">
                   <a:solidFill>
                     <a:srgbClr val="000000"/>
                   </a:solidFill>
@@ -9604,7 +9629,7 @@
             </a:ln>
             <a:extLst>
               <a:ext uri="{91240B29-F687-4f45-9708-019B960494DF}">
-                <a14:hiddenLine xmlns="" xmlns:a14="http://schemas.microsoft.com/office/drawing/2010/main" w="9525">
+                <a14:hiddenLine xmlns:a14="http://schemas.microsoft.com/office/drawing/2010/main" xmlns="" w="9525">
                   <a:solidFill>
                     <a:srgbClr val="000000"/>
                   </a:solidFill>
@@ -9694,7 +9719,7 @@
             </a:ln>
             <a:extLst>
               <a:ext uri="{91240B29-F687-4f45-9708-019B960494DF}">
-                <a14:hiddenLine xmlns="" xmlns:a14="http://schemas.microsoft.com/office/drawing/2010/main" w="9525">
+                <a14:hiddenLine xmlns:a14="http://schemas.microsoft.com/office/drawing/2010/main" xmlns="" w="9525">
                   <a:solidFill>
                     <a:srgbClr val="000000"/>
                   </a:solidFill>
@@ -9784,7 +9809,7 @@
             </a:ln>
             <a:extLst>
               <a:ext uri="{91240B29-F687-4f45-9708-019B960494DF}">
-                <a14:hiddenLine xmlns="" xmlns:a14="http://schemas.microsoft.com/office/drawing/2010/main" w="9525">
+                <a14:hiddenLine xmlns:a14="http://schemas.microsoft.com/office/drawing/2010/main" xmlns="" w="9525">
                   <a:solidFill>
                     <a:srgbClr val="000000"/>
                   </a:solidFill>
@@ -9846,7 +9871,7 @@
             </a:ln>
             <a:extLst>
               <a:ext uri="{91240B29-F687-4f45-9708-019B960494DF}">
-                <a14:hiddenLine xmlns="" xmlns:a14="http://schemas.microsoft.com/office/drawing/2010/main" w="9525">
+                <a14:hiddenLine xmlns:a14="http://schemas.microsoft.com/office/drawing/2010/main" xmlns="" w="9525">
                   <a:solidFill>
                     <a:srgbClr val="000000"/>
                   </a:solidFill>
@@ -9936,7 +9961,7 @@
             </a:ln>
             <a:extLst>
               <a:ext uri="{91240B29-F687-4f45-9708-019B960494DF}">
-                <a14:hiddenLine xmlns="" xmlns:a14="http://schemas.microsoft.com/office/drawing/2010/main" w="9525">
+                <a14:hiddenLine xmlns:a14="http://schemas.microsoft.com/office/drawing/2010/main" xmlns="" w="9525">
                   <a:solidFill>
                     <a:srgbClr val="000000"/>
                   </a:solidFill>
@@ -10026,7 +10051,7 @@
             </a:ln>
             <a:extLst>
               <a:ext uri="{91240B29-F687-4f45-9708-019B960494DF}">
-                <a14:hiddenLine xmlns="" xmlns:a14="http://schemas.microsoft.com/office/drawing/2010/main" w="9525">
+                <a14:hiddenLine xmlns:a14="http://schemas.microsoft.com/office/drawing/2010/main" xmlns="" w="9525">
                   <a:solidFill>
                     <a:srgbClr val="000000"/>
                   </a:solidFill>
@@ -10082,7 +10107,7 @@
             </a:ln>
             <a:extLst>
               <a:ext uri="{91240B29-F687-4f45-9708-019B960494DF}">
-                <a14:hiddenLine xmlns="" xmlns:a14="http://schemas.microsoft.com/office/drawing/2010/main" w="9525">
+                <a14:hiddenLine xmlns:a14="http://schemas.microsoft.com/office/drawing/2010/main" xmlns="" w="9525">
                   <a:solidFill>
                     <a:srgbClr val="000000"/>
                   </a:solidFill>
@@ -10172,7 +10197,7 @@
             </a:ln>
             <a:extLst>
               <a:ext uri="{91240B29-F687-4f45-9708-019B960494DF}">
-                <a14:hiddenLine xmlns="" xmlns:a14="http://schemas.microsoft.com/office/drawing/2010/main" w="9525">
+                <a14:hiddenLine xmlns:a14="http://schemas.microsoft.com/office/drawing/2010/main" xmlns="" w="9525">
                   <a:solidFill>
                     <a:srgbClr val="000000"/>
                   </a:solidFill>
@@ -10228,7 +10253,7 @@
             </a:ln>
             <a:extLst>
               <a:ext uri="{91240B29-F687-4f45-9708-019B960494DF}">
-                <a14:hiddenLine xmlns="" xmlns:a14="http://schemas.microsoft.com/office/drawing/2010/main" w="9525">
+                <a14:hiddenLine xmlns:a14="http://schemas.microsoft.com/office/drawing/2010/main" xmlns="" w="9525">
                   <a:solidFill>
                     <a:srgbClr val="000000"/>
                   </a:solidFill>
@@ -10318,7 +10343,7 @@
             </a:ln>
             <a:extLst>
               <a:ext uri="{91240B29-F687-4f45-9708-019B960494DF}">
-                <a14:hiddenLine xmlns="" xmlns:a14="http://schemas.microsoft.com/office/drawing/2010/main" w="9525">
+                <a14:hiddenLine xmlns:a14="http://schemas.microsoft.com/office/drawing/2010/main" xmlns="" w="9525">
                   <a:solidFill>
                     <a:srgbClr val="000000"/>
                   </a:solidFill>
@@ -10386,7 +10411,7 @@
             </a:ln>
             <a:extLst>
               <a:ext uri="{91240B29-F687-4f45-9708-019B960494DF}">
-                <a14:hiddenLine xmlns="" xmlns:a14="http://schemas.microsoft.com/office/drawing/2010/main" w="9525">
+                <a14:hiddenLine xmlns:a14="http://schemas.microsoft.com/office/drawing/2010/main" xmlns="" w="9525">
                   <a:solidFill>
                     <a:srgbClr val="000000"/>
                   </a:solidFill>
@@ -10476,7 +10501,7 @@
             </a:ln>
             <a:extLst>
               <a:ext uri="{91240B29-F687-4f45-9708-019B960494DF}">
-                <a14:hiddenLine xmlns="" xmlns:a14="http://schemas.microsoft.com/office/drawing/2010/main" w="9525">
+                <a14:hiddenLine xmlns:a14="http://schemas.microsoft.com/office/drawing/2010/main" xmlns="" w="9525">
                   <a:solidFill>
                     <a:srgbClr val="000000"/>
                   </a:solidFill>
@@ -10544,7 +10569,7 @@
             </a:ln>
             <a:extLst>
               <a:ext uri="{91240B29-F687-4f45-9708-019B960494DF}">
-                <a14:hiddenLine xmlns="" xmlns:a14="http://schemas.microsoft.com/office/drawing/2010/main" w="9525">
+                <a14:hiddenLine xmlns:a14="http://schemas.microsoft.com/office/drawing/2010/main" xmlns="" w="9525">
                   <a:solidFill>
                     <a:srgbClr val="000000"/>
                   </a:solidFill>
@@ -10634,7 +10659,7 @@
             </a:ln>
             <a:extLst>
               <a:ext uri="{91240B29-F687-4f45-9708-019B960494DF}">
-                <a14:hiddenLine xmlns="" xmlns:a14="http://schemas.microsoft.com/office/drawing/2010/main" w="9525">
+                <a14:hiddenLine xmlns:a14="http://schemas.microsoft.com/office/drawing/2010/main" xmlns="" w="9525">
                   <a:solidFill>
                     <a:srgbClr val="000000"/>
                   </a:solidFill>
@@ -10668,7 +10693,7 @@
             </a:ln>
             <a:extLst>
               <a:ext uri="{91240B29-F687-4f45-9708-019B960494DF}">
-                <a14:hiddenLine xmlns="" xmlns:a14="http://schemas.microsoft.com/office/drawing/2010/main" w="9525">
+                <a14:hiddenLine xmlns:a14="http://schemas.microsoft.com/office/drawing/2010/main" xmlns="" w="9525">
                   <a:solidFill>
                     <a:srgbClr val="000000"/>
                   </a:solidFill>
@@ -10758,7 +10783,7 @@
             </a:ln>
             <a:extLst>
               <a:ext uri="{91240B29-F687-4f45-9708-019B960494DF}">
-                <a14:hiddenLine xmlns="" xmlns:a14="http://schemas.microsoft.com/office/drawing/2010/main" w="9525">
+                <a14:hiddenLine xmlns:a14="http://schemas.microsoft.com/office/drawing/2010/main" xmlns="" w="9525">
                   <a:solidFill>
                     <a:srgbClr val="000000"/>
                   </a:solidFill>
@@ -10820,7 +10845,7 @@
             </a:ln>
             <a:extLst>
               <a:ext uri="{91240B29-F687-4f45-9708-019B960494DF}">
-                <a14:hiddenLine xmlns="" xmlns:a14="http://schemas.microsoft.com/office/drawing/2010/main" w="9525">
+                <a14:hiddenLine xmlns:a14="http://schemas.microsoft.com/office/drawing/2010/main" xmlns="" w="9525">
                   <a:solidFill>
                     <a:srgbClr val="000000"/>
                   </a:solidFill>
@@ -10882,7 +10907,7 @@
             </a:ln>
             <a:extLst>
               <a:ext uri="{91240B29-F687-4f45-9708-019B960494DF}">
-                <a14:hiddenLine xmlns="" xmlns:a14="http://schemas.microsoft.com/office/drawing/2010/main" w="9525">
+                <a14:hiddenLine xmlns:a14="http://schemas.microsoft.com/office/drawing/2010/main" xmlns="" w="9525">
                   <a:solidFill>
                     <a:srgbClr val="000000"/>
                   </a:solidFill>
@@ -10972,7 +10997,7 @@
             </a:ln>
             <a:extLst>
               <a:ext uri="{91240B29-F687-4f45-9708-019B960494DF}">
-                <a14:hiddenLine xmlns="" xmlns:a14="http://schemas.microsoft.com/office/drawing/2010/main" w="9525">
+                <a14:hiddenLine xmlns:a14="http://schemas.microsoft.com/office/drawing/2010/main" xmlns="" w="9525">
                   <a:solidFill>
                     <a:srgbClr val="000000"/>
                   </a:solidFill>
@@ -11040,7 +11065,7 @@
             </a:ln>
             <a:extLst>
               <a:ext uri="{91240B29-F687-4f45-9708-019B960494DF}">
-                <a14:hiddenLine xmlns="" xmlns:a14="http://schemas.microsoft.com/office/drawing/2010/main" w="9525">
+                <a14:hiddenLine xmlns:a14="http://schemas.microsoft.com/office/drawing/2010/main" xmlns="" w="9525">
                   <a:solidFill>
                     <a:srgbClr val="000000"/>
                   </a:solidFill>
@@ -11102,7 +11127,7 @@
             </a:ln>
             <a:extLst>
               <a:ext uri="{91240B29-F687-4f45-9708-019B960494DF}">
-                <a14:hiddenLine xmlns="" xmlns:a14="http://schemas.microsoft.com/office/drawing/2010/main" w="9525">
+                <a14:hiddenLine xmlns:a14="http://schemas.microsoft.com/office/drawing/2010/main" xmlns="" w="9525">
                   <a:solidFill>
                     <a:srgbClr val="000000"/>
                   </a:solidFill>
@@ -11192,7 +11217,7 @@
             </a:ln>
             <a:extLst>
               <a:ext uri="{91240B29-F687-4f45-9708-019B960494DF}">
-                <a14:hiddenLine xmlns="" xmlns:a14="http://schemas.microsoft.com/office/drawing/2010/main" w="9525">
+                <a14:hiddenLine xmlns:a14="http://schemas.microsoft.com/office/drawing/2010/main" xmlns="" w="9525">
                   <a:solidFill>
                     <a:srgbClr val="000000"/>
                   </a:solidFill>
@@ -11254,7 +11279,7 @@
             </a:ln>
             <a:extLst>
               <a:ext uri="{91240B29-F687-4f45-9708-019B960494DF}">
-                <a14:hiddenLine xmlns="" xmlns:a14="http://schemas.microsoft.com/office/drawing/2010/main" w="9525">
+                <a14:hiddenLine xmlns:a14="http://schemas.microsoft.com/office/drawing/2010/main" xmlns="" w="9525">
                   <a:solidFill>
                     <a:srgbClr val="000000"/>
                   </a:solidFill>
@@ -11344,7 +11369,7 @@
             </a:ln>
             <a:extLst>
               <a:ext uri="{91240B29-F687-4f45-9708-019B960494DF}">
-                <a14:hiddenLine xmlns="" xmlns:a14="http://schemas.microsoft.com/office/drawing/2010/main" w="9525">
+                <a14:hiddenLine xmlns:a14="http://schemas.microsoft.com/office/drawing/2010/main" xmlns="" w="9525">
                   <a:solidFill>
                     <a:srgbClr val="000000"/>
                   </a:solidFill>
@@ -11406,7 +11431,7 @@
             </a:ln>
             <a:extLst>
               <a:ext uri="{91240B29-F687-4f45-9708-019B960494DF}">
-                <a14:hiddenLine xmlns="" xmlns:a14="http://schemas.microsoft.com/office/drawing/2010/main" w="9525">
+                <a14:hiddenLine xmlns:a14="http://schemas.microsoft.com/office/drawing/2010/main" xmlns="" w="9525">
                   <a:solidFill>
                     <a:srgbClr val="000000"/>
                   </a:solidFill>
@@ -11496,7 +11521,7 @@
             </a:ln>
             <a:extLst>
               <a:ext uri="{91240B29-F687-4f45-9708-019B960494DF}">
-                <a14:hiddenLine xmlns="" xmlns:a14="http://schemas.microsoft.com/office/drawing/2010/main" w="9525">
+                <a14:hiddenLine xmlns:a14="http://schemas.microsoft.com/office/drawing/2010/main" xmlns="" w="9525">
                   <a:solidFill>
                     <a:srgbClr val="000000"/>
                   </a:solidFill>
@@ -11530,7 +11555,7 @@
             </a:ln>
             <a:extLst>
               <a:ext uri="{91240B29-F687-4f45-9708-019B960494DF}">
-                <a14:hiddenLine xmlns="" xmlns:a14="http://schemas.microsoft.com/office/drawing/2010/main" w="9525">
+                <a14:hiddenLine xmlns:a14="http://schemas.microsoft.com/office/drawing/2010/main" xmlns="" w="9525">
                   <a:solidFill>
                     <a:srgbClr val="000000"/>
                   </a:solidFill>
@@ -11595,7 +11620,7 @@
             </a:ln>
             <a:extLst>
               <a:ext uri="{91240B29-F687-4f45-9708-019B960494DF}">
-                <a14:hiddenLine xmlns="" xmlns:a14="http://schemas.microsoft.com/office/drawing/2010/main" w="9525">
+                <a14:hiddenLine xmlns:a14="http://schemas.microsoft.com/office/drawing/2010/main" xmlns="" w="9525">
                   <a:solidFill>
                     <a:srgbClr val="000000"/>
                   </a:solidFill>
@@ -11685,7 +11710,7 @@
             </a:ln>
             <a:extLst>
               <a:ext uri="{91240B29-F687-4f45-9708-019B960494DF}">
-                <a14:hiddenLine xmlns="" xmlns:a14="http://schemas.microsoft.com/office/drawing/2010/main" w="9525">
+                <a14:hiddenLine xmlns:a14="http://schemas.microsoft.com/office/drawing/2010/main" xmlns="" w="9525">
                   <a:solidFill>
                     <a:srgbClr val="000000"/>
                   </a:solidFill>
@@ -11747,7 +11772,7 @@
             </a:ln>
             <a:extLst>
               <a:ext uri="{91240B29-F687-4f45-9708-019B960494DF}">
-                <a14:hiddenLine xmlns="" xmlns:a14="http://schemas.microsoft.com/office/drawing/2010/main" w="9525">
+                <a14:hiddenLine xmlns:a14="http://schemas.microsoft.com/office/drawing/2010/main" xmlns="" w="9525">
                   <a:solidFill>
                     <a:srgbClr val="000000"/>
                   </a:solidFill>
@@ -11837,7 +11862,7 @@
             </a:ln>
             <a:extLst>
               <a:ext uri="{91240B29-F687-4f45-9708-019B960494DF}">
-                <a14:hiddenLine xmlns="" xmlns:a14="http://schemas.microsoft.com/office/drawing/2010/main" w="9525">
+                <a14:hiddenLine xmlns:a14="http://schemas.microsoft.com/office/drawing/2010/main" xmlns="" w="9525">
                   <a:solidFill>
                     <a:srgbClr val="000000"/>
                   </a:solidFill>
@@ -11927,7 +11952,7 @@
             </a:ln>
             <a:extLst>
               <a:ext uri="{91240B29-F687-4f45-9708-019B960494DF}">
-                <a14:hiddenLine xmlns="" xmlns:a14="http://schemas.microsoft.com/office/drawing/2010/main" w="9525">
+                <a14:hiddenLine xmlns:a14="http://schemas.microsoft.com/office/drawing/2010/main" xmlns="" w="9525">
                   <a:solidFill>
                     <a:srgbClr val="000000"/>
                   </a:solidFill>
@@ -11992,7 +12017,7 @@
             </a:ln>
             <a:extLst>
               <a:ext uri="{91240B29-F687-4f45-9708-019B960494DF}">
-                <a14:hiddenLine xmlns="" xmlns:a14="http://schemas.microsoft.com/office/drawing/2010/main" w="9525">
+                <a14:hiddenLine xmlns:a14="http://schemas.microsoft.com/office/drawing/2010/main" xmlns="" w="9525">
                   <a:solidFill>
                     <a:srgbClr val="000000"/>
                   </a:solidFill>
@@ -12054,7 +12079,7 @@
             </a:ln>
             <a:extLst>
               <a:ext uri="{91240B29-F687-4f45-9708-019B960494DF}">
-                <a14:hiddenLine xmlns="" xmlns:a14="http://schemas.microsoft.com/office/drawing/2010/main" w="9525">
+                <a14:hiddenLine xmlns:a14="http://schemas.microsoft.com/office/drawing/2010/main" xmlns="" w="9525">
                   <a:solidFill>
                     <a:srgbClr val="000000"/>
                   </a:solidFill>
@@ -12144,7 +12169,7 @@
             </a:ln>
             <a:extLst>
               <a:ext uri="{91240B29-F687-4f45-9708-019B960494DF}">
-                <a14:hiddenLine xmlns="" xmlns:a14="http://schemas.microsoft.com/office/drawing/2010/main" w="9525">
+                <a14:hiddenLine xmlns:a14="http://schemas.microsoft.com/office/drawing/2010/main" xmlns="" w="9525">
                   <a:solidFill>
                     <a:srgbClr val="000000"/>
                   </a:solidFill>
@@ -12234,7 +12259,7 @@
             </a:ln>
             <a:extLst>
               <a:ext uri="{91240B29-F687-4f45-9708-019B960494DF}">
-                <a14:hiddenLine xmlns="" xmlns:a14="http://schemas.microsoft.com/office/drawing/2010/main" w="9525">
+                <a14:hiddenLine xmlns:a14="http://schemas.microsoft.com/office/drawing/2010/main" xmlns="" w="9525">
                   <a:solidFill>
                     <a:srgbClr val="000000"/>
                   </a:solidFill>
@@ -12296,7 +12321,7 @@
             </a:ln>
             <a:extLst>
               <a:ext uri="{91240B29-F687-4f45-9708-019B960494DF}">
-                <a14:hiddenLine xmlns="" xmlns:a14="http://schemas.microsoft.com/office/drawing/2010/main" w="9525">
+                <a14:hiddenLine xmlns:a14="http://schemas.microsoft.com/office/drawing/2010/main" xmlns="" w="9525">
                   <a:solidFill>
                     <a:srgbClr val="000000"/>
                   </a:solidFill>
@@ -12416,7 +12441,7 @@
             </a:ln>
             <a:extLst>
               <a:ext uri="{91240B29-F687-4f45-9708-019B960494DF}">
-                <a14:hiddenLine xmlns="" xmlns:a14="http://schemas.microsoft.com/office/drawing/2010/main" w="9525">
+                <a14:hiddenLine xmlns:a14="http://schemas.microsoft.com/office/drawing/2010/main" xmlns="" w="9525">
                   <a:solidFill>
                     <a:srgbClr val="000000"/>
                   </a:solidFill>
@@ -12484,7 +12509,7 @@
             </a:ln>
             <a:extLst>
               <a:ext uri="{91240B29-F687-4f45-9708-019B960494DF}">
-                <a14:hiddenLine xmlns="" xmlns:a14="http://schemas.microsoft.com/office/drawing/2010/main" w="9525">
+                <a14:hiddenLine xmlns:a14="http://schemas.microsoft.com/office/drawing/2010/main" xmlns="" w="9525">
                   <a:solidFill>
                     <a:srgbClr val="000000"/>
                   </a:solidFill>
@@ -12574,7 +12599,7 @@
             </a:ln>
             <a:extLst>
               <a:ext uri="{91240B29-F687-4f45-9708-019B960494DF}">
-                <a14:hiddenLine xmlns="" xmlns:a14="http://schemas.microsoft.com/office/drawing/2010/main" w="9525">
+                <a14:hiddenLine xmlns:a14="http://schemas.microsoft.com/office/drawing/2010/main" xmlns="" w="9525">
                   <a:solidFill>
                     <a:srgbClr val="000000"/>
                   </a:solidFill>
@@ -12714,7 +12739,7 @@
           <a:p>
             <a:fld id="{48A87A34-81AB-432B-8DAE-1953F412C126}" type="datetimeFigureOut">
               <a:rPr lang="en-US" smtClean="0"/>
-              <a:t>8/26/2024</a:t>
+              <a:t>8/27/2024</a:t>
             </a:fld>
             <a:endParaRPr lang="en-US" dirty="0"/>
           </a:p>
@@ -12981,7 +13006,7 @@
           <a:p>
             <a:fld id="{48A87A34-81AB-432B-8DAE-1953F412C126}" type="datetimeFigureOut">
               <a:rPr lang="en-US" smtClean="0"/>
-              <a:t>8/26/2024</a:t>
+              <a:t>8/27/2024</a:t>
             </a:fld>
             <a:endParaRPr lang="en-US" dirty="0"/>
           </a:p>
@@ -13177,7 +13202,7 @@
           <a:p>
             <a:fld id="{48A87A34-81AB-432B-8DAE-1953F412C126}" type="datetimeFigureOut">
               <a:rPr lang="en-US" smtClean="0"/>
-              <a:t>8/26/2024</a:t>
+              <a:t>8/27/2024</a:t>
             </a:fld>
             <a:endParaRPr lang="en-US" dirty="0"/>
           </a:p>
@@ -13440,7 +13465,7 @@
           <a:p>
             <a:fld id="{48A87A34-81AB-432B-8DAE-1953F412C126}" type="datetimeFigureOut">
               <a:rPr lang="en-US" smtClean="0"/>
-              <a:t>8/26/2024</a:t>
+              <a:t>8/27/2024</a:t>
             </a:fld>
             <a:endParaRPr lang="en-US" dirty="0"/>
           </a:p>
@@ -13874,7 +13899,7 @@
           <a:p>
             <a:fld id="{48A87A34-81AB-432B-8DAE-1953F412C126}" type="datetimeFigureOut">
               <a:rPr lang="en-US" smtClean="0"/>
-              <a:t>8/26/2024</a:t>
+              <a:t>8/27/2024</a:t>
             </a:fld>
             <a:endParaRPr lang="en-US" dirty="0"/>
           </a:p>
@@ -14420,7 +14445,7 @@
           <a:p>
             <a:fld id="{48A87A34-81AB-432B-8DAE-1953F412C126}" type="datetimeFigureOut">
               <a:rPr lang="en-US" smtClean="0"/>
-              <a:t>8/26/2024</a:t>
+              <a:t>8/27/2024</a:t>
             </a:fld>
             <a:endParaRPr lang="en-US" dirty="0"/>
           </a:p>
@@ -15140,7 +15165,7 @@
           <a:p>
             <a:fld id="{48A87A34-81AB-432B-8DAE-1953F412C126}" type="datetimeFigureOut">
               <a:rPr lang="en-US" smtClean="0"/>
-              <a:t>8/26/2024</a:t>
+              <a:t>8/27/2024</a:t>
             </a:fld>
             <a:endParaRPr lang="en-US" dirty="0"/>
           </a:p>
@@ -15310,7 +15335,7 @@
           <a:p>
             <a:fld id="{48A87A34-81AB-432B-8DAE-1953F412C126}" type="datetimeFigureOut">
               <a:rPr lang="en-US" smtClean="0"/>
-              <a:t>8/26/2024</a:t>
+              <a:t>8/27/2024</a:t>
             </a:fld>
             <a:endParaRPr lang="en-US" dirty="0"/>
           </a:p>
@@ -15490,7 +15515,7 @@
           <a:p>
             <a:fld id="{48A87A34-81AB-432B-8DAE-1953F412C126}" type="datetimeFigureOut">
               <a:rPr lang="en-US" smtClean="0"/>
-              <a:t>8/26/2024</a:t>
+              <a:t>8/27/2024</a:t>
             </a:fld>
             <a:endParaRPr lang="en-US" dirty="0"/>
           </a:p>
@@ -15660,7 +15685,7 @@
           <a:p>
             <a:fld id="{48A87A34-81AB-432B-8DAE-1953F412C126}" type="datetimeFigureOut">
               <a:rPr lang="en-US" smtClean="0"/>
-              <a:t>8/26/2024</a:t>
+              <a:t>8/27/2024</a:t>
             </a:fld>
             <a:endParaRPr lang="en-US" dirty="0"/>
           </a:p>
@@ -15910,7 +15935,7 @@
           <a:p>
             <a:fld id="{48A87A34-81AB-432B-8DAE-1953F412C126}" type="datetimeFigureOut">
               <a:rPr lang="en-US" smtClean="0"/>
-              <a:t>8/26/2024</a:t>
+              <a:t>8/27/2024</a:t>
             </a:fld>
             <a:endParaRPr lang="en-US" dirty="0"/>
           </a:p>
@@ -16142,7 +16167,7 @@
           <a:p>
             <a:fld id="{48A87A34-81AB-432B-8DAE-1953F412C126}" type="datetimeFigureOut">
               <a:rPr lang="en-US" smtClean="0"/>
-              <a:t>8/26/2024</a:t>
+              <a:t>8/27/2024</a:t>
             </a:fld>
             <a:endParaRPr lang="en-US" dirty="0"/>
           </a:p>
@@ -16523,7 +16548,7 @@
           <a:p>
             <a:fld id="{48A87A34-81AB-432B-8DAE-1953F412C126}" type="datetimeFigureOut">
               <a:rPr lang="en-US" smtClean="0"/>
-              <a:t>8/26/2024</a:t>
+              <a:t>8/27/2024</a:t>
             </a:fld>
             <a:endParaRPr lang="en-US" dirty="0"/>
           </a:p>
@@ -16641,7 +16666,7 @@
           <a:p>
             <a:fld id="{48A87A34-81AB-432B-8DAE-1953F412C126}" type="datetimeFigureOut">
               <a:rPr lang="en-US" smtClean="0"/>
-              <a:t>8/26/2024</a:t>
+              <a:t>8/27/2024</a:t>
             </a:fld>
             <a:endParaRPr lang="en-US" dirty="0"/>
           </a:p>
@@ -16736,7 +16761,7 @@
           <a:p>
             <a:fld id="{48A87A34-81AB-432B-8DAE-1953F412C126}" type="datetimeFigureOut">
               <a:rPr lang="en-US" smtClean="0"/>
-              <a:t>8/26/2024</a:t>
+              <a:t>8/27/2024</a:t>
             </a:fld>
             <a:endParaRPr lang="en-US" dirty="0"/>
           </a:p>
@@ -16985,7 +17010,7 @@
           <a:p>
             <a:fld id="{48A87A34-81AB-432B-8DAE-1953F412C126}" type="datetimeFigureOut">
               <a:rPr lang="en-US" smtClean="0"/>
-              <a:t>8/26/2024</a:t>
+              <a:t>8/27/2024</a:t>
             </a:fld>
             <a:endParaRPr lang="en-US" dirty="0"/>
           </a:p>
@@ -17265,7 +17290,7 @@
           <a:p>
             <a:fld id="{48A87A34-81AB-432B-8DAE-1953F412C126}" type="datetimeFigureOut">
               <a:rPr lang="en-US" smtClean="0"/>
-              <a:t>8/26/2024</a:t>
+              <a:t>8/27/2024</a:t>
             </a:fld>
             <a:endParaRPr lang="en-US" dirty="0"/>
           </a:p>
@@ -17388,7 +17413,7 @@
           <a:noFill/>
           <a:extLst>
             <a:ext uri="{909E8E84-426E-40dd-AFC4-6F175D3DCCD1}">
-              <a14:hiddenFill xmlns="" xmlns:a14="http://schemas.microsoft.com/office/drawing/2010/main">
+              <a14:hiddenFill xmlns:a14="http://schemas.microsoft.com/office/drawing/2010/main" xmlns="">
                 <a:solidFill>
                   <a:srgbClr val="FFFFFF"/>
                 </a:solidFill>
@@ -17462,7 +17487,7 @@
               </a:ln>
               <a:extLst>
                 <a:ext uri="{91240B29-F687-4f45-9708-019B960494DF}">
-                  <a14:hiddenLine xmlns="" xmlns:a14="http://schemas.microsoft.com/office/drawing/2010/main" w="9525">
+                  <a14:hiddenLine xmlns:a14="http://schemas.microsoft.com/office/drawing/2010/main" xmlns="" w="9525">
                     <a:solidFill>
                       <a:srgbClr val="000000"/>
                     </a:solidFill>
@@ -17552,7 +17577,7 @@
               </a:ln>
               <a:extLst>
                 <a:ext uri="{91240B29-F687-4f45-9708-019B960494DF}">
-                  <a14:hiddenLine xmlns="" xmlns:a14="http://schemas.microsoft.com/office/drawing/2010/main" w="9525">
+                  <a14:hiddenLine xmlns:a14="http://schemas.microsoft.com/office/drawing/2010/main" xmlns="" w="9525">
                     <a:solidFill>
                       <a:srgbClr val="000000"/>
                     </a:solidFill>
@@ -17642,7 +17667,7 @@
               </a:ln>
               <a:extLst>
                 <a:ext uri="{91240B29-F687-4f45-9708-019B960494DF}">
-                  <a14:hiddenLine xmlns="" xmlns:a14="http://schemas.microsoft.com/office/drawing/2010/main" w="9525">
+                  <a14:hiddenLine xmlns:a14="http://schemas.microsoft.com/office/drawing/2010/main" xmlns="" w="9525">
                     <a:solidFill>
                       <a:srgbClr val="000000"/>
                     </a:solidFill>
@@ -17704,7 +17729,7 @@
               </a:ln>
               <a:extLst>
                 <a:ext uri="{91240B29-F687-4f45-9708-019B960494DF}">
-                  <a14:hiddenLine xmlns="" xmlns:a14="http://schemas.microsoft.com/office/drawing/2010/main" w="9525">
+                  <a14:hiddenLine xmlns:a14="http://schemas.microsoft.com/office/drawing/2010/main" xmlns="" w="9525">
                     <a:solidFill>
                       <a:srgbClr val="000000"/>
                     </a:solidFill>
@@ -17794,7 +17819,7 @@
               </a:ln>
               <a:extLst>
                 <a:ext uri="{91240B29-F687-4f45-9708-019B960494DF}">
-                  <a14:hiddenLine xmlns="" xmlns:a14="http://schemas.microsoft.com/office/drawing/2010/main" w="9525">
+                  <a14:hiddenLine xmlns:a14="http://schemas.microsoft.com/office/drawing/2010/main" xmlns="" w="9525">
                     <a:solidFill>
                       <a:srgbClr val="000000"/>
                     </a:solidFill>
@@ -17856,7 +17881,7 @@
               </a:ln>
               <a:extLst>
                 <a:ext uri="{91240B29-F687-4f45-9708-019B960494DF}">
-                  <a14:hiddenLine xmlns="" xmlns:a14="http://schemas.microsoft.com/office/drawing/2010/main" w="9525">
+                  <a14:hiddenLine xmlns:a14="http://schemas.microsoft.com/office/drawing/2010/main" xmlns="" w="9525">
                     <a:solidFill>
                       <a:srgbClr val="000000"/>
                     </a:solidFill>
@@ -17918,7 +17943,7 @@
               </a:ln>
               <a:extLst>
                 <a:ext uri="{91240B29-F687-4f45-9708-019B960494DF}">
-                  <a14:hiddenLine xmlns="" xmlns:a14="http://schemas.microsoft.com/office/drawing/2010/main" w="9525">
+                  <a14:hiddenLine xmlns:a14="http://schemas.microsoft.com/office/drawing/2010/main" xmlns="" w="9525">
                     <a:solidFill>
                       <a:srgbClr val="000000"/>
                     </a:solidFill>
@@ -18008,7 +18033,7 @@
               </a:ln>
               <a:extLst>
                 <a:ext uri="{91240B29-F687-4f45-9708-019B960494DF}">
-                  <a14:hiddenLine xmlns="" xmlns:a14="http://schemas.microsoft.com/office/drawing/2010/main" w="9525">
+                  <a14:hiddenLine xmlns:a14="http://schemas.microsoft.com/office/drawing/2010/main" xmlns="" w="9525">
                     <a:solidFill>
                       <a:srgbClr val="000000"/>
                     </a:solidFill>
@@ -18098,7 +18123,7 @@
               </a:ln>
               <a:extLst>
                 <a:ext uri="{91240B29-F687-4f45-9708-019B960494DF}">
-                  <a14:hiddenLine xmlns="" xmlns:a14="http://schemas.microsoft.com/office/drawing/2010/main" w="9525">
+                  <a14:hiddenLine xmlns:a14="http://schemas.microsoft.com/office/drawing/2010/main" xmlns="" w="9525">
                     <a:solidFill>
                       <a:srgbClr val="000000"/>
                     </a:solidFill>
@@ -18160,7 +18185,7 @@
               </a:ln>
               <a:extLst>
                 <a:ext uri="{91240B29-F687-4f45-9708-019B960494DF}">
-                  <a14:hiddenLine xmlns="" xmlns:a14="http://schemas.microsoft.com/office/drawing/2010/main" w="9525">
+                  <a14:hiddenLine xmlns:a14="http://schemas.microsoft.com/office/drawing/2010/main" xmlns="" w="9525">
                     <a:solidFill>
                       <a:srgbClr val="000000"/>
                     </a:solidFill>
@@ -18270,7 +18295,7 @@
               </a:ln>
               <a:extLst>
                 <a:ext uri="{91240B29-F687-4f45-9708-019B960494DF}">
-                  <a14:hiddenLine xmlns="" xmlns:a14="http://schemas.microsoft.com/office/drawing/2010/main" w="9525">
+                  <a14:hiddenLine xmlns:a14="http://schemas.microsoft.com/office/drawing/2010/main" xmlns="" w="9525">
                     <a:solidFill>
                       <a:srgbClr val="000000"/>
                     </a:solidFill>
@@ -18354,7 +18379,7 @@
               </a:ln>
               <a:extLst>
                 <a:ext uri="{91240B29-F687-4f45-9708-019B960494DF}">
-                  <a14:hiddenLine xmlns="" xmlns:a14="http://schemas.microsoft.com/office/drawing/2010/main" w="9525">
+                  <a14:hiddenLine xmlns:a14="http://schemas.microsoft.com/office/drawing/2010/main" xmlns="" w="9525">
                     <a:solidFill>
                       <a:srgbClr val="000000"/>
                     </a:solidFill>
@@ -18416,7 +18441,7 @@
               </a:ln>
               <a:extLst>
                 <a:ext uri="{91240B29-F687-4f45-9708-019B960494DF}">
-                  <a14:hiddenLine xmlns="" xmlns:a14="http://schemas.microsoft.com/office/drawing/2010/main" w="9525">
+                  <a14:hiddenLine xmlns:a14="http://schemas.microsoft.com/office/drawing/2010/main" xmlns="" w="9525">
                     <a:solidFill>
                       <a:srgbClr val="000000"/>
                     </a:solidFill>
@@ -18478,7 +18503,7 @@
               </a:ln>
               <a:extLst>
                 <a:ext uri="{91240B29-F687-4f45-9708-019B960494DF}">
-                  <a14:hiddenLine xmlns="" xmlns:a14="http://schemas.microsoft.com/office/drawing/2010/main" w="9525">
+                  <a14:hiddenLine xmlns:a14="http://schemas.microsoft.com/office/drawing/2010/main" xmlns="" w="9525">
                     <a:solidFill>
                       <a:srgbClr val="000000"/>
                     </a:solidFill>
@@ -18568,7 +18593,7 @@
               </a:ln>
               <a:extLst>
                 <a:ext uri="{91240B29-F687-4f45-9708-019B960494DF}">
-                  <a14:hiddenLine xmlns="" xmlns:a14="http://schemas.microsoft.com/office/drawing/2010/main" w="9525">
+                  <a14:hiddenLine xmlns:a14="http://schemas.microsoft.com/office/drawing/2010/main" xmlns="" w="9525">
                     <a:solidFill>
                       <a:srgbClr val="000000"/>
                     </a:solidFill>
@@ -18602,7 +18627,7 @@
               </a:ln>
               <a:extLst>
                 <a:ext uri="{91240B29-F687-4f45-9708-019B960494DF}">
-                  <a14:hiddenLine xmlns="" xmlns:a14="http://schemas.microsoft.com/office/drawing/2010/main" w="9525">
+                  <a14:hiddenLine xmlns:a14="http://schemas.microsoft.com/office/drawing/2010/main" xmlns="" w="9525">
                     <a:solidFill>
                       <a:srgbClr val="000000"/>
                     </a:solidFill>
@@ -18667,7 +18692,7 @@
               </a:ln>
               <a:extLst>
                 <a:ext uri="{91240B29-F687-4f45-9708-019B960494DF}">
-                  <a14:hiddenLine xmlns="" xmlns:a14="http://schemas.microsoft.com/office/drawing/2010/main" w="9525">
+                  <a14:hiddenLine xmlns:a14="http://schemas.microsoft.com/office/drawing/2010/main" xmlns="" w="9525">
                     <a:solidFill>
                       <a:srgbClr val="000000"/>
                     </a:solidFill>
@@ -18757,7 +18782,7 @@
               </a:ln>
               <a:extLst>
                 <a:ext uri="{91240B29-F687-4f45-9708-019B960494DF}">
-                  <a14:hiddenLine xmlns="" xmlns:a14="http://schemas.microsoft.com/office/drawing/2010/main" w="9525">
+                  <a14:hiddenLine xmlns:a14="http://schemas.microsoft.com/office/drawing/2010/main" xmlns="" w="9525">
                     <a:solidFill>
                       <a:srgbClr val="000000"/>
                     </a:solidFill>
@@ -18819,7 +18844,7 @@
               </a:ln>
               <a:extLst>
                 <a:ext uri="{91240B29-F687-4f45-9708-019B960494DF}">
-                  <a14:hiddenLine xmlns="" xmlns:a14="http://schemas.microsoft.com/office/drawing/2010/main" w="9525">
+                  <a14:hiddenLine xmlns:a14="http://schemas.microsoft.com/office/drawing/2010/main" xmlns="" w="9525">
                     <a:solidFill>
                       <a:srgbClr val="000000"/>
                     </a:solidFill>
@@ -18909,7 +18934,7 @@
               </a:ln>
               <a:extLst>
                 <a:ext uri="{91240B29-F687-4f45-9708-019B960494DF}">
-                  <a14:hiddenLine xmlns="" xmlns:a14="http://schemas.microsoft.com/office/drawing/2010/main" w="9525">
+                  <a14:hiddenLine xmlns:a14="http://schemas.microsoft.com/office/drawing/2010/main" xmlns="" w="9525">
                     <a:solidFill>
                       <a:srgbClr val="000000"/>
                     </a:solidFill>
@@ -18974,7 +18999,7 @@
               </a:ln>
               <a:extLst>
                 <a:ext uri="{91240B29-F687-4f45-9708-019B960494DF}">
-                  <a14:hiddenLine xmlns="" xmlns:a14="http://schemas.microsoft.com/office/drawing/2010/main" w="9525">
+                  <a14:hiddenLine xmlns:a14="http://schemas.microsoft.com/office/drawing/2010/main" xmlns="" w="9525">
                     <a:solidFill>
                       <a:srgbClr val="000000"/>
                     </a:solidFill>
@@ -19036,7 +19061,7 @@
               </a:ln>
               <a:extLst>
                 <a:ext uri="{91240B29-F687-4f45-9708-019B960494DF}">
-                  <a14:hiddenLine xmlns="" xmlns:a14="http://schemas.microsoft.com/office/drawing/2010/main" w="9525">
+                  <a14:hiddenLine xmlns:a14="http://schemas.microsoft.com/office/drawing/2010/main" xmlns="" w="9525">
                     <a:solidFill>
                       <a:srgbClr val="000000"/>
                     </a:solidFill>
@@ -19126,7 +19151,7 @@
               </a:ln>
               <a:extLst>
                 <a:ext uri="{91240B29-F687-4f45-9708-019B960494DF}">
-                  <a14:hiddenLine xmlns="" xmlns:a14="http://schemas.microsoft.com/office/drawing/2010/main" w="9525">
+                  <a14:hiddenLine xmlns:a14="http://schemas.microsoft.com/office/drawing/2010/main" xmlns="" w="9525">
                     <a:solidFill>
                       <a:srgbClr val="000000"/>
                     </a:solidFill>
@@ -19216,7 +19241,7 @@
               </a:ln>
               <a:extLst>
                 <a:ext uri="{91240B29-F687-4f45-9708-019B960494DF}">
-                  <a14:hiddenLine xmlns="" xmlns:a14="http://schemas.microsoft.com/office/drawing/2010/main" w="9525">
+                  <a14:hiddenLine xmlns:a14="http://schemas.microsoft.com/office/drawing/2010/main" xmlns="" w="9525">
                     <a:solidFill>
                       <a:srgbClr val="000000"/>
                     </a:solidFill>
@@ -19281,7 +19306,7 @@
               </a:ln>
               <a:extLst>
                 <a:ext uri="{91240B29-F687-4f45-9708-019B960494DF}">
-                  <a14:hiddenLine xmlns="" xmlns:a14="http://schemas.microsoft.com/office/drawing/2010/main" w="9525">
+                  <a14:hiddenLine xmlns:a14="http://schemas.microsoft.com/office/drawing/2010/main" xmlns="" w="9525">
                     <a:solidFill>
                       <a:srgbClr val="000000"/>
                     </a:solidFill>
@@ -19401,7 +19426,7 @@
               </a:ln>
               <a:extLst>
                 <a:ext uri="{91240B29-F687-4f45-9708-019B960494DF}">
-                  <a14:hiddenLine xmlns="" xmlns:a14="http://schemas.microsoft.com/office/drawing/2010/main" w="9525">
+                  <a14:hiddenLine xmlns:a14="http://schemas.microsoft.com/office/drawing/2010/main" xmlns="" w="9525">
                     <a:solidFill>
                       <a:srgbClr val="000000"/>
                     </a:solidFill>
@@ -19482,7 +19507,7 @@
               </a:ln>
               <a:extLst>
                 <a:ext uri="{91240B29-F687-4f45-9708-019B960494DF}">
-                  <a14:hiddenLine xmlns="" xmlns:a14="http://schemas.microsoft.com/office/drawing/2010/main" w="9525">
+                  <a14:hiddenLine xmlns:a14="http://schemas.microsoft.com/office/drawing/2010/main" xmlns="" w="9525">
                     <a:solidFill>
                       <a:srgbClr val="000000"/>
                     </a:solidFill>
@@ -19597,7 +19622,7 @@
               </a:ln>
               <a:extLst>
                 <a:ext uri="{91240B29-F687-4f45-9708-019B960494DF}">
-                  <a14:hiddenLine xmlns="" xmlns:a14="http://schemas.microsoft.com/office/drawing/2010/main" w="9525">
+                  <a14:hiddenLine xmlns:a14="http://schemas.microsoft.com/office/drawing/2010/main" xmlns="" w="9525">
                     <a:solidFill>
                       <a:srgbClr val="000000"/>
                     </a:solidFill>
@@ -19687,7 +19712,7 @@
               </a:ln>
               <a:extLst>
                 <a:ext uri="{91240B29-F687-4f45-9708-019B960494DF}">
-                  <a14:hiddenLine xmlns="" xmlns:a14="http://schemas.microsoft.com/office/drawing/2010/main" w="9525">
+                  <a14:hiddenLine xmlns:a14="http://schemas.microsoft.com/office/drawing/2010/main" xmlns="" w="9525">
                     <a:solidFill>
                       <a:srgbClr val="000000"/>
                     </a:solidFill>
@@ -19752,7 +19777,7 @@
               </a:ln>
               <a:extLst>
                 <a:ext uri="{91240B29-F687-4f45-9708-019B960494DF}">
-                  <a14:hiddenLine xmlns="" xmlns:a14="http://schemas.microsoft.com/office/drawing/2010/main" w="9525">
+                  <a14:hiddenLine xmlns:a14="http://schemas.microsoft.com/office/drawing/2010/main" xmlns="" w="9525">
                     <a:solidFill>
                       <a:srgbClr val="000000"/>
                     </a:solidFill>
@@ -19842,7 +19867,7 @@
               </a:ln>
               <a:extLst>
                 <a:ext uri="{91240B29-F687-4f45-9708-019B960494DF}">
-                  <a14:hiddenLine xmlns="" xmlns:a14="http://schemas.microsoft.com/office/drawing/2010/main" w="9525">
+                  <a14:hiddenLine xmlns:a14="http://schemas.microsoft.com/office/drawing/2010/main" xmlns="" w="9525">
                     <a:solidFill>
                       <a:srgbClr val="000000"/>
                     </a:solidFill>
@@ -19910,7 +19935,7 @@
               </a:ln>
               <a:extLst>
                 <a:ext uri="{91240B29-F687-4f45-9708-019B960494DF}">
-                  <a14:hiddenLine xmlns="" xmlns:a14="http://schemas.microsoft.com/office/drawing/2010/main" w="9525">
+                  <a14:hiddenLine xmlns:a14="http://schemas.microsoft.com/office/drawing/2010/main" xmlns="" w="9525">
                     <a:solidFill>
                       <a:srgbClr val="000000"/>
                     </a:solidFill>
@@ -20000,7 +20025,7 @@
               </a:ln>
               <a:extLst>
                 <a:ext uri="{91240B29-F687-4f45-9708-019B960494DF}">
-                  <a14:hiddenLine xmlns="" xmlns:a14="http://schemas.microsoft.com/office/drawing/2010/main" w="9525">
+                  <a14:hiddenLine xmlns:a14="http://schemas.microsoft.com/office/drawing/2010/main" xmlns="" w="9525">
                     <a:solidFill>
                       <a:srgbClr val="000000"/>
                     </a:solidFill>
@@ -20068,7 +20093,7 @@
               </a:ln>
               <a:extLst>
                 <a:ext uri="{91240B29-F687-4f45-9708-019B960494DF}">
-                  <a14:hiddenLine xmlns="" xmlns:a14="http://schemas.microsoft.com/office/drawing/2010/main" w="9525">
+                  <a14:hiddenLine xmlns:a14="http://schemas.microsoft.com/office/drawing/2010/main" xmlns="" w="9525">
                     <a:solidFill>
                       <a:srgbClr val="000000"/>
                     </a:solidFill>
@@ -20158,7 +20183,7 @@
               </a:ln>
               <a:extLst>
                 <a:ext uri="{91240B29-F687-4f45-9708-019B960494DF}">
-                  <a14:hiddenLine xmlns="" xmlns:a14="http://schemas.microsoft.com/office/drawing/2010/main" w="9525">
+                  <a14:hiddenLine xmlns:a14="http://schemas.microsoft.com/office/drawing/2010/main" xmlns="" w="9525">
                     <a:solidFill>
                       <a:srgbClr val="000000"/>
                     </a:solidFill>
@@ -20192,7 +20217,7 @@
               </a:ln>
               <a:extLst>
                 <a:ext uri="{91240B29-F687-4f45-9708-019B960494DF}">
-                  <a14:hiddenLine xmlns="" xmlns:a14="http://schemas.microsoft.com/office/drawing/2010/main" w="9525">
+                  <a14:hiddenLine xmlns:a14="http://schemas.microsoft.com/office/drawing/2010/main" xmlns="" w="9525">
                     <a:solidFill>
                       <a:srgbClr val="000000"/>
                     </a:solidFill>
@@ -20333,7 +20358,7 @@
             <a:fld id="{48A87A34-81AB-432B-8DAE-1953F412C126}" type="datetimeFigureOut">
               <a:rPr lang="en-US" smtClean="0"/>
               <a:pPr/>
-              <a:t>8/26/2024</a:t>
+              <a:t>8/27/2024</a:t>
             </a:fld>
             <a:endParaRPr lang="en-US" dirty="0"/>
           </a:p>
@@ -21319,62 +21344,12 @@
           </a:p>
         </p:txBody>
       </p:sp>
-      <p:sp>
-        <p:nvSpPr>
-          <p:cNvPr id="5" name="Content Placeholder 4">
+      <p:pic>
+        <p:nvPicPr>
+          <p:cNvPr id="8" name="Picture 7">
             <a:extLst>
               <a:ext uri="{FF2B5EF4-FFF2-40B4-BE49-F238E27FC236}">
-                <a16:creationId xmlns:a16="http://schemas.microsoft.com/office/drawing/2014/main" id="{09198237-3D97-4C8C-A848-18F7BEE3B21B}"/>
-              </a:ext>
-            </a:extLst>
-          </p:cNvPr>
-          <p:cNvSpPr>
-            <a:spLocks noGrp="1"/>
-          </p:cNvSpPr>
-          <p:nvPr>
-            <p:ph sz="half" idx="1"/>
-          </p:nvPr>
-        </p:nvSpPr>
-        <p:spPr/>
-        <p:txBody>
-          <a:bodyPr/>
-          <a:lstStyle/>
-          <a:p>
-            <a:endParaRPr lang="en-US"/>
-          </a:p>
-        </p:txBody>
-      </p:sp>
-      <p:sp>
-        <p:nvSpPr>
-          <p:cNvPr id="7" name="Content Placeholder 6">
-            <a:extLst>
-              <a:ext uri="{FF2B5EF4-FFF2-40B4-BE49-F238E27FC236}">
-                <a16:creationId xmlns:a16="http://schemas.microsoft.com/office/drawing/2014/main" id="{A33720BD-0F2B-43E2-A442-868FFF19794D}"/>
-              </a:ext>
-            </a:extLst>
-          </p:cNvPr>
-          <p:cNvSpPr>
-            <a:spLocks noGrp="1"/>
-          </p:cNvSpPr>
-          <p:nvPr>
-            <p:ph sz="half" idx="2"/>
-          </p:nvPr>
-        </p:nvSpPr>
-        <p:spPr/>
-        <p:txBody>
-          <a:bodyPr/>
-          <a:lstStyle/>
-          <a:p>
-            <a:endParaRPr lang="en-US" dirty="0"/>
-          </a:p>
-        </p:txBody>
-      </p:sp>
-      <p:pic>
-        <p:nvPicPr>
-          <p:cNvPr id="6" name="Content Placeholder 9">
-            <a:extLst>
-              <a:ext uri="{FF2B5EF4-FFF2-40B4-BE49-F238E27FC236}">
-                <a16:creationId xmlns:a16="http://schemas.microsoft.com/office/drawing/2014/main" id="{96C8661F-21F7-41E2-A3F1-61A1AF32FC38}"/>
+                <a16:creationId xmlns:a16="http://schemas.microsoft.com/office/drawing/2014/main" id="{048B69D4-17DC-4C16-B9DE-555F1CD39352}"/>
               </a:ext>
             </a:extLst>
           </p:cNvPr>
@@ -21391,36 +21366,6 @@
         </p:blipFill>
         <p:spPr>
           <a:xfrm>
-            <a:off x="1141410" y="1174868"/>
-            <a:ext cx="9906001" cy="5209657"/>
-          </a:xfrm>
-          <a:prstGeom prst="rect">
-            <a:avLst/>
-          </a:prstGeom>
-        </p:spPr>
-      </p:pic>
-      <p:pic>
-        <p:nvPicPr>
-          <p:cNvPr id="8" name="Picture 7">
-            <a:extLst>
-              <a:ext uri="{FF2B5EF4-FFF2-40B4-BE49-F238E27FC236}">
-                <a16:creationId xmlns:a16="http://schemas.microsoft.com/office/drawing/2014/main" id="{048B69D4-17DC-4C16-B9DE-555F1CD39352}"/>
-              </a:ext>
-            </a:extLst>
-          </p:cNvPr>
-          <p:cNvPicPr>
-            <a:picLocks noChangeAspect="1"/>
-          </p:cNvPicPr>
-          <p:nvPr/>
-        </p:nvPicPr>
-        <p:blipFill>
-          <a:blip r:embed="rId3"/>
-          <a:stretch>
-            <a:fillRect/>
-          </a:stretch>
-        </p:blipFill>
-        <p:spPr>
-          <a:xfrm>
             <a:off x="10667999" y="256022"/>
             <a:ext cx="1260713" cy="872978"/>
           </a:xfrm>
@@ -21429,6 +21374,226 @@
           </a:prstGeom>
         </p:spPr>
       </p:pic>
+      <p:sp>
+        <p:nvSpPr>
+          <p:cNvPr id="3" name="Rectangle 2">
+            <a:extLst>
+              <a:ext uri="{FF2B5EF4-FFF2-40B4-BE49-F238E27FC236}">
+                <a16:creationId xmlns:a16="http://schemas.microsoft.com/office/drawing/2014/main" id="{FC138641-EC46-C401-842D-A80D9A09C277}"/>
+              </a:ext>
+            </a:extLst>
+          </p:cNvPr>
+          <p:cNvSpPr>
+            <a:spLocks noChangeArrowheads="1"/>
+          </p:cNvSpPr>
+          <p:nvPr/>
+        </p:nvSpPr>
+        <p:spPr bwMode="auto">
+          <a:xfrm>
+            <a:off x="0" y="0"/>
+            <a:ext cx="12192000" cy="457200"/>
+          </a:xfrm>
+          <a:prstGeom prst="rect">
+            <a:avLst/>
+          </a:prstGeom>
+          <a:noFill/>
+          <a:ln>
+            <a:noFill/>
+          </a:ln>
+          <a:effectLst/>
+          <a:extLst>
+            <a:ext uri="{909E8E84-426E-40DD-AFC4-6F175D3DCCD1}">
+              <a14:hiddenFill xmlns:a14="http://schemas.microsoft.com/office/drawing/2010/main">
+                <a:solidFill>
+                  <a:schemeClr val="accent1"/>
+                </a:solidFill>
+              </a14:hiddenFill>
+            </a:ext>
+            <a:ext uri="{91240B29-F687-4F45-9708-019B960494DF}">
+              <a14:hiddenLine xmlns:a14="http://schemas.microsoft.com/office/drawing/2010/main" w="9525">
+                <a:solidFill>
+                  <a:schemeClr val="tx1"/>
+                </a:solidFill>
+                <a:miter lim="800000"/>
+                <a:headEnd/>
+                <a:tailEnd/>
+              </a14:hiddenLine>
+            </a:ext>
+            <a:ext uri="{AF507438-7753-43E0-B8FC-AC1667EBCBE1}">
+              <a14:hiddenEffects xmlns:a14="http://schemas.microsoft.com/office/drawing/2010/main">
+                <a:effectLst>
+                  <a:outerShdw dist="35921" dir="2700000" algn="ctr" rotWithShape="0">
+                    <a:schemeClr val="bg2"/>
+                  </a:outerShdw>
+                </a:effectLst>
+              </a14:hiddenEffects>
+            </a:ext>
+          </a:extLst>
+        </p:spPr>
+        <p:txBody>
+          <a:bodyPr vert="horz" wrap="none" lIns="91440" tIns="45720" rIns="91440" bIns="45720" numCol="1" anchor="ctr" anchorCtr="0" compatLnSpc="1">
+            <a:prstTxWarp prst="textNoShape">
+              <a:avLst/>
+            </a:prstTxWarp>
+            <a:spAutoFit/>
+          </a:bodyPr>
+          <a:lstStyle/>
+          <a:p>
+            <a:endParaRPr lang="en-US"/>
+          </a:p>
+        </p:txBody>
+      </p:sp>
+      <p:pic>
+        <p:nvPicPr>
+          <p:cNvPr id="6145" name="Picture 8" descr="Chart, histogram&#10;&#10;Description automatically generated">
+            <a:extLst>
+              <a:ext uri="{FF2B5EF4-FFF2-40B4-BE49-F238E27FC236}">
+                <a16:creationId xmlns:a16="http://schemas.microsoft.com/office/drawing/2014/main" id="{2606B71F-65A0-6313-4559-F9B617A2EFD3}"/>
+              </a:ext>
+            </a:extLst>
+          </p:cNvPr>
+          <p:cNvPicPr>
+            <a:picLocks noChangeAspect="1" noChangeArrowheads="1"/>
+          </p:cNvPicPr>
+          <p:nvPr/>
+        </p:nvPicPr>
+        <p:blipFill>
+          <a:blip r:embed="rId3">
+            <a:extLst>
+              <a:ext uri="{28A0092B-C50C-407E-A947-70E740481C1C}">
+                <a14:useLocalDpi xmlns:a14="http://schemas.microsoft.com/office/drawing/2010/main" val="0"/>
+              </a:ext>
+            </a:extLst>
+          </a:blip>
+          <a:srcRect/>
+          <a:stretch>
+            <a:fillRect/>
+          </a:stretch>
+        </p:blipFill>
+        <p:spPr bwMode="auto">
+          <a:xfrm>
+            <a:off x="1262108" y="1249745"/>
+            <a:ext cx="9923755" cy="4863938"/>
+          </a:xfrm>
+          <a:prstGeom prst="rect">
+            <a:avLst/>
+          </a:prstGeom>
+          <a:noFill/>
+          <a:extLst>
+            <a:ext uri="{909E8E84-426E-40DD-AFC4-6F175D3DCCD1}">
+              <a14:hiddenFill xmlns:a14="http://schemas.microsoft.com/office/drawing/2010/main">
+                <a:solidFill>
+                  <a:srgbClr val="FFFFFF"/>
+                </a:solidFill>
+              </a14:hiddenFill>
+            </a:ext>
+          </a:extLst>
+        </p:spPr>
+      </p:pic>
+      <p:sp>
+        <p:nvSpPr>
+          <p:cNvPr id="4" name="Rectangle 3">
+            <a:extLst>
+              <a:ext uri="{FF2B5EF4-FFF2-40B4-BE49-F238E27FC236}">
+                <a16:creationId xmlns:a16="http://schemas.microsoft.com/office/drawing/2014/main" id="{EBC750CD-D7C0-8F5A-FC6C-07ADF2D8CB89}"/>
+              </a:ext>
+            </a:extLst>
+          </p:cNvPr>
+          <p:cNvSpPr>
+            <a:spLocks noChangeArrowheads="1"/>
+          </p:cNvSpPr>
+          <p:nvPr/>
+        </p:nvSpPr>
+        <p:spPr bwMode="auto">
+          <a:xfrm>
+            <a:off x="2171655" y="6172229"/>
+            <a:ext cx="7475829" cy="400110"/>
+          </a:xfrm>
+          <a:prstGeom prst="rect">
+            <a:avLst/>
+          </a:prstGeom>
+          <a:noFill/>
+          <a:ln>
+            <a:noFill/>
+          </a:ln>
+          <a:effectLst/>
+          <a:extLst>
+            <a:ext uri="{909E8E84-426E-40DD-AFC4-6F175D3DCCD1}">
+              <a14:hiddenFill xmlns:a14="http://schemas.microsoft.com/office/drawing/2010/main">
+                <a:solidFill>
+                  <a:schemeClr val="accent1"/>
+                </a:solidFill>
+              </a14:hiddenFill>
+            </a:ext>
+            <a:ext uri="{91240B29-F687-4F45-9708-019B960494DF}">
+              <a14:hiddenLine xmlns:a14="http://schemas.microsoft.com/office/drawing/2010/main" w="9525">
+                <a:solidFill>
+                  <a:schemeClr val="tx1"/>
+                </a:solidFill>
+                <a:miter lim="800000"/>
+                <a:headEnd/>
+                <a:tailEnd/>
+              </a14:hiddenLine>
+            </a:ext>
+            <a:ext uri="{AF507438-7753-43E0-B8FC-AC1667EBCBE1}">
+              <a14:hiddenEffects xmlns:a14="http://schemas.microsoft.com/office/drawing/2010/main">
+                <a:effectLst>
+                  <a:outerShdw dist="35921" dir="2700000" algn="ctr" rotWithShape="0">
+                    <a:schemeClr val="bg2"/>
+                  </a:outerShdw>
+                </a:effectLst>
+              </a14:hiddenEffects>
+            </a:ext>
+          </a:extLst>
+        </p:spPr>
+        <p:txBody>
+          <a:bodyPr vert="horz" wrap="none" lIns="91440" tIns="45720" rIns="91440" bIns="45720" numCol="1" anchor="ctr" anchorCtr="0" compatLnSpc="1">
+            <a:prstTxWarp prst="textNoShape">
+              <a:avLst/>
+            </a:prstTxWarp>
+            <a:spAutoFit/>
+          </a:bodyPr>
+          <a:lstStyle/>
+          <a:p>
+            <a:pPr marL="0" marR="0" lvl="0" indent="0" algn="ctr" defTabSz="914400" rtl="0" eaLnBrk="0" fontAlgn="base" latinLnBrk="0" hangingPunct="0">
+              <a:lnSpc>
+                <a:spcPct val="100000"/>
+              </a:lnSpc>
+              <a:spcBef>
+                <a:spcPct val="0"/>
+              </a:spcBef>
+              <a:spcAft>
+                <a:spcPct val="0"/>
+              </a:spcAft>
+              <a:buClrTx/>
+              <a:buSzTx/>
+              <a:buFontTx/>
+              <a:buNone/>
+              <a:tabLst/>
+            </a:pPr>
+            <a:r>
+              <a:rPr kumimoji="0" lang="en-US" altLang="en-US" sz="2000" b="0" i="1" u="none" strike="noStrike" cap="none" normalizeH="0" baseline="0" dirty="0">
+                <a:ln>
+                  <a:noFill/>
+                </a:ln>
+                <a:effectLst/>
+                <a:latin typeface="Times New Roman" panose="02020603050405020304" pitchFamily="18" charset="0"/>
+                <a:ea typeface="Aptos" panose="020B0004020202020204" pitchFamily="34" charset="0"/>
+                <a:cs typeface="Times New Roman" panose="02020603050405020304" pitchFamily="18" charset="0"/>
+              </a:rPr>
+              <a:t>Figure 6: Model’s Dice Coefficient Plot for 500 Images and 500 Masks</a:t>
+            </a:r>
+            <a:endParaRPr kumimoji="0" lang="en-US" altLang="en-US" sz="2000" b="0" i="0" u="none" strike="noStrike" cap="none" normalizeH="0" baseline="0" dirty="0">
+              <a:ln>
+                <a:noFill/>
+              </a:ln>
+              <a:effectLst/>
+              <a:latin typeface="Times New Roman" panose="02020603050405020304" pitchFamily="18" charset="0"/>
+              <a:cs typeface="Times New Roman" panose="02020603050405020304" pitchFamily="18" charset="0"/>
+            </a:endParaRPr>
+          </a:p>
+        </p:txBody>
+      </p:sp>
     </p:spTree>
     <p:extLst>
       <p:ext uri="{BB962C8B-B14F-4D97-AF65-F5344CB8AC3E}">
@@ -21496,62 +21661,12 @@
           </a:p>
         </p:txBody>
       </p:sp>
-      <p:sp>
-        <p:nvSpPr>
-          <p:cNvPr id="5" name="Content Placeholder 4">
+      <p:pic>
+        <p:nvPicPr>
+          <p:cNvPr id="8" name="Picture 7">
             <a:extLst>
               <a:ext uri="{FF2B5EF4-FFF2-40B4-BE49-F238E27FC236}">
-                <a16:creationId xmlns:a16="http://schemas.microsoft.com/office/drawing/2014/main" id="{09198237-3D97-4C8C-A848-18F7BEE3B21B}"/>
-              </a:ext>
-            </a:extLst>
-          </p:cNvPr>
-          <p:cNvSpPr>
-            <a:spLocks noGrp="1"/>
-          </p:cNvSpPr>
-          <p:nvPr>
-            <p:ph sz="half" idx="1"/>
-          </p:nvPr>
-        </p:nvSpPr>
-        <p:spPr/>
-        <p:txBody>
-          <a:bodyPr/>
-          <a:lstStyle/>
-          <a:p>
-            <a:endParaRPr lang="en-US"/>
-          </a:p>
-        </p:txBody>
-      </p:sp>
-      <p:sp>
-        <p:nvSpPr>
-          <p:cNvPr id="7" name="Content Placeholder 6">
-            <a:extLst>
-              <a:ext uri="{FF2B5EF4-FFF2-40B4-BE49-F238E27FC236}">
-                <a16:creationId xmlns:a16="http://schemas.microsoft.com/office/drawing/2014/main" id="{A33720BD-0F2B-43E2-A442-868FFF19794D}"/>
-              </a:ext>
-            </a:extLst>
-          </p:cNvPr>
-          <p:cNvSpPr>
-            <a:spLocks noGrp="1"/>
-          </p:cNvSpPr>
-          <p:nvPr>
-            <p:ph sz="half" idx="2"/>
-          </p:nvPr>
-        </p:nvSpPr>
-        <p:spPr/>
-        <p:txBody>
-          <a:bodyPr/>
-          <a:lstStyle/>
-          <a:p>
-            <a:endParaRPr lang="en-US" dirty="0"/>
-          </a:p>
-        </p:txBody>
-      </p:sp>
-      <p:pic>
-        <p:nvPicPr>
-          <p:cNvPr id="6" name="Content Placeholder 3">
-            <a:extLst>
-              <a:ext uri="{FF2B5EF4-FFF2-40B4-BE49-F238E27FC236}">
-                <a16:creationId xmlns:a16="http://schemas.microsoft.com/office/drawing/2014/main" id="{74123F4A-C327-492F-AE7B-1579FD8D3CCB}"/>
+                <a16:creationId xmlns:a16="http://schemas.microsoft.com/office/drawing/2014/main" id="{3A9F2B2E-4491-4483-A4D7-5E753D329AF4}"/>
               </a:ext>
             </a:extLst>
           </p:cNvPr>
@@ -21568,36 +21683,6 @@
         </p:blipFill>
         <p:spPr>
           <a:xfrm>
-            <a:off x="941033" y="1241365"/>
-            <a:ext cx="10106378" cy="5068763"/>
-          </a:xfrm>
-          <a:prstGeom prst="rect">
-            <a:avLst/>
-          </a:prstGeom>
-        </p:spPr>
-      </p:pic>
-      <p:pic>
-        <p:nvPicPr>
-          <p:cNvPr id="8" name="Picture 7">
-            <a:extLst>
-              <a:ext uri="{FF2B5EF4-FFF2-40B4-BE49-F238E27FC236}">
-                <a16:creationId xmlns:a16="http://schemas.microsoft.com/office/drawing/2014/main" id="{3A9F2B2E-4491-4483-A4D7-5E753D329AF4}"/>
-              </a:ext>
-            </a:extLst>
-          </p:cNvPr>
-          <p:cNvPicPr>
-            <a:picLocks noChangeAspect="1"/>
-          </p:cNvPicPr>
-          <p:nvPr/>
-        </p:nvPicPr>
-        <p:blipFill>
-          <a:blip r:embed="rId3"/>
-          <a:stretch>
-            <a:fillRect/>
-          </a:stretch>
-        </p:blipFill>
-        <p:spPr>
-          <a:xfrm>
             <a:off x="10667999" y="256022"/>
             <a:ext cx="1260713" cy="872978"/>
           </a:xfrm>
@@ -21606,6 +21691,226 @@
           </a:prstGeom>
         </p:spPr>
       </p:pic>
+      <p:sp>
+        <p:nvSpPr>
+          <p:cNvPr id="3" name="Rectangle 2">
+            <a:extLst>
+              <a:ext uri="{FF2B5EF4-FFF2-40B4-BE49-F238E27FC236}">
+                <a16:creationId xmlns:a16="http://schemas.microsoft.com/office/drawing/2014/main" id="{0A05F064-3B0F-31C7-C3E1-C1C4560507CC}"/>
+              </a:ext>
+            </a:extLst>
+          </p:cNvPr>
+          <p:cNvSpPr>
+            <a:spLocks noChangeArrowheads="1"/>
+          </p:cNvSpPr>
+          <p:nvPr/>
+        </p:nvSpPr>
+        <p:spPr bwMode="auto">
+          <a:xfrm>
+            <a:off x="0" y="0"/>
+            <a:ext cx="12192000" cy="457200"/>
+          </a:xfrm>
+          <a:prstGeom prst="rect">
+            <a:avLst/>
+          </a:prstGeom>
+          <a:noFill/>
+          <a:ln>
+            <a:noFill/>
+          </a:ln>
+          <a:effectLst/>
+          <a:extLst>
+            <a:ext uri="{909E8E84-426E-40DD-AFC4-6F175D3DCCD1}">
+              <a14:hiddenFill xmlns:a14="http://schemas.microsoft.com/office/drawing/2010/main">
+                <a:solidFill>
+                  <a:schemeClr val="accent1"/>
+                </a:solidFill>
+              </a14:hiddenFill>
+            </a:ext>
+            <a:ext uri="{91240B29-F687-4F45-9708-019B960494DF}">
+              <a14:hiddenLine xmlns:a14="http://schemas.microsoft.com/office/drawing/2010/main" w="9525">
+                <a:solidFill>
+                  <a:schemeClr val="tx1"/>
+                </a:solidFill>
+                <a:miter lim="800000"/>
+                <a:headEnd/>
+                <a:tailEnd/>
+              </a14:hiddenLine>
+            </a:ext>
+            <a:ext uri="{AF507438-7753-43E0-B8FC-AC1667EBCBE1}">
+              <a14:hiddenEffects xmlns:a14="http://schemas.microsoft.com/office/drawing/2010/main">
+                <a:effectLst>
+                  <a:outerShdw dist="35921" dir="2700000" algn="ctr" rotWithShape="0">
+                    <a:schemeClr val="bg2"/>
+                  </a:outerShdw>
+                </a:effectLst>
+              </a14:hiddenEffects>
+            </a:ext>
+          </a:extLst>
+        </p:spPr>
+        <p:txBody>
+          <a:bodyPr vert="horz" wrap="none" lIns="91440" tIns="45720" rIns="91440" bIns="45720" numCol="1" anchor="ctr" anchorCtr="0" compatLnSpc="1">
+            <a:prstTxWarp prst="textNoShape">
+              <a:avLst/>
+            </a:prstTxWarp>
+            <a:spAutoFit/>
+          </a:bodyPr>
+          <a:lstStyle/>
+          <a:p>
+            <a:endParaRPr lang="en-US"/>
+          </a:p>
+        </p:txBody>
+      </p:sp>
+      <p:pic>
+        <p:nvPicPr>
+          <p:cNvPr id="7169" name="Picture 11" descr="Chart&#10;&#10;Description automatically generated with medium confidence">
+            <a:extLst>
+              <a:ext uri="{FF2B5EF4-FFF2-40B4-BE49-F238E27FC236}">
+                <a16:creationId xmlns:a16="http://schemas.microsoft.com/office/drawing/2014/main" id="{260891D1-C21E-A327-D2EF-24606DB74F27}"/>
+              </a:ext>
+            </a:extLst>
+          </p:cNvPr>
+          <p:cNvPicPr>
+            <a:picLocks noChangeAspect="1" noChangeArrowheads="1"/>
+          </p:cNvPicPr>
+          <p:nvPr/>
+        </p:nvPicPr>
+        <p:blipFill>
+          <a:blip r:embed="rId3">
+            <a:extLst>
+              <a:ext uri="{28A0092B-C50C-407E-A947-70E740481C1C}">
+                <a14:useLocalDpi xmlns:a14="http://schemas.microsoft.com/office/drawing/2010/main" val="0"/>
+              </a:ext>
+            </a:extLst>
+          </a:blip>
+          <a:srcRect/>
+          <a:stretch>
+            <a:fillRect/>
+          </a:stretch>
+        </p:blipFill>
+        <p:spPr bwMode="auto">
+          <a:xfrm>
+            <a:off x="1040167" y="1249011"/>
+            <a:ext cx="10111666" cy="4859047"/>
+          </a:xfrm>
+          <a:prstGeom prst="rect">
+            <a:avLst/>
+          </a:prstGeom>
+          <a:noFill/>
+          <a:extLst>
+            <a:ext uri="{909E8E84-426E-40DD-AFC4-6F175D3DCCD1}">
+              <a14:hiddenFill xmlns:a14="http://schemas.microsoft.com/office/drawing/2010/main">
+                <a:solidFill>
+                  <a:srgbClr val="FFFFFF"/>
+                </a:solidFill>
+              </a14:hiddenFill>
+            </a:ext>
+          </a:extLst>
+        </p:spPr>
+      </p:pic>
+      <p:sp>
+        <p:nvSpPr>
+          <p:cNvPr id="4" name="Rectangle 3">
+            <a:extLst>
+              <a:ext uri="{FF2B5EF4-FFF2-40B4-BE49-F238E27FC236}">
+                <a16:creationId xmlns:a16="http://schemas.microsoft.com/office/drawing/2014/main" id="{5BAE35B2-5CF7-3F07-E5EA-5347768E52AB}"/>
+              </a:ext>
+            </a:extLst>
+          </p:cNvPr>
+          <p:cNvSpPr>
+            <a:spLocks noChangeArrowheads="1"/>
+          </p:cNvSpPr>
+          <p:nvPr/>
+        </p:nvSpPr>
+        <p:spPr bwMode="auto">
+          <a:xfrm>
+            <a:off x="2335659" y="6171506"/>
+            <a:ext cx="6277809" cy="400110"/>
+          </a:xfrm>
+          <a:prstGeom prst="rect">
+            <a:avLst/>
+          </a:prstGeom>
+          <a:noFill/>
+          <a:ln>
+            <a:noFill/>
+          </a:ln>
+          <a:effectLst/>
+          <a:extLst>
+            <a:ext uri="{909E8E84-426E-40DD-AFC4-6F175D3DCCD1}">
+              <a14:hiddenFill xmlns:a14="http://schemas.microsoft.com/office/drawing/2010/main">
+                <a:solidFill>
+                  <a:schemeClr val="accent1"/>
+                </a:solidFill>
+              </a14:hiddenFill>
+            </a:ext>
+            <a:ext uri="{91240B29-F687-4F45-9708-019B960494DF}">
+              <a14:hiddenLine xmlns:a14="http://schemas.microsoft.com/office/drawing/2010/main" w="9525">
+                <a:solidFill>
+                  <a:schemeClr val="tx1"/>
+                </a:solidFill>
+                <a:miter lim="800000"/>
+                <a:headEnd/>
+                <a:tailEnd/>
+              </a14:hiddenLine>
+            </a:ext>
+            <a:ext uri="{AF507438-7753-43E0-B8FC-AC1667EBCBE1}">
+              <a14:hiddenEffects xmlns:a14="http://schemas.microsoft.com/office/drawing/2010/main">
+                <a:effectLst>
+                  <a:outerShdw dist="35921" dir="2700000" algn="ctr" rotWithShape="0">
+                    <a:schemeClr val="bg2"/>
+                  </a:outerShdw>
+                </a:effectLst>
+              </a14:hiddenEffects>
+            </a:ext>
+          </a:extLst>
+        </p:spPr>
+        <p:txBody>
+          <a:bodyPr vert="horz" wrap="none" lIns="91440" tIns="45720" rIns="91440" bIns="45720" numCol="1" anchor="ctr" anchorCtr="0" compatLnSpc="1">
+            <a:prstTxWarp prst="textNoShape">
+              <a:avLst/>
+            </a:prstTxWarp>
+            <a:spAutoFit/>
+          </a:bodyPr>
+          <a:lstStyle/>
+          <a:p>
+            <a:pPr marL="0" marR="0" lvl="0" indent="0" algn="ctr" defTabSz="914400" rtl="0" eaLnBrk="0" fontAlgn="base" latinLnBrk="0" hangingPunct="0">
+              <a:lnSpc>
+                <a:spcPct val="100000"/>
+              </a:lnSpc>
+              <a:spcBef>
+                <a:spcPct val="0"/>
+              </a:spcBef>
+              <a:spcAft>
+                <a:spcPct val="0"/>
+              </a:spcAft>
+              <a:buClrTx/>
+              <a:buSzTx/>
+              <a:buFontTx/>
+              <a:buNone/>
+              <a:tabLst/>
+            </a:pPr>
+            <a:r>
+              <a:rPr kumimoji="0" lang="en-US" altLang="en-US" sz="2000" b="0" i="1" u="none" strike="noStrike" cap="none" normalizeH="0" baseline="0" dirty="0">
+                <a:ln>
+                  <a:noFill/>
+                </a:ln>
+                <a:effectLst/>
+                <a:latin typeface="Times New Roman" panose="02020603050405020304" pitchFamily="18" charset="0"/>
+                <a:ea typeface="Aptos" panose="020B0004020202020204" pitchFamily="34" charset="0"/>
+                <a:cs typeface="Times New Roman" panose="02020603050405020304" pitchFamily="18" charset="0"/>
+              </a:rPr>
+              <a:t>Figure 7: Model's Loss Plot for 500 Images and 500 Masks</a:t>
+            </a:r>
+            <a:endParaRPr kumimoji="0" lang="en-US" altLang="en-US" sz="2000" b="0" i="0" u="none" strike="noStrike" cap="none" normalizeH="0" baseline="0" dirty="0">
+              <a:ln>
+                <a:noFill/>
+              </a:ln>
+              <a:effectLst/>
+              <a:latin typeface="Times New Roman" panose="02020603050405020304" pitchFamily="18" charset="0"/>
+              <a:cs typeface="Times New Roman" panose="02020603050405020304" pitchFamily="18" charset="0"/>
+            </a:endParaRPr>
+          </a:p>
+        </p:txBody>
+      </p:sp>
     </p:spTree>
     <p:extLst>
       <p:ext uri="{BB962C8B-B14F-4D97-AF65-F5344CB8AC3E}">
@@ -21673,62 +21978,12 @@
           </a:p>
         </p:txBody>
       </p:sp>
-      <p:sp>
-        <p:nvSpPr>
-          <p:cNvPr id="5" name="Content Placeholder 4">
+      <p:pic>
+        <p:nvPicPr>
+          <p:cNvPr id="8" name="Picture 7">
             <a:extLst>
               <a:ext uri="{FF2B5EF4-FFF2-40B4-BE49-F238E27FC236}">
-                <a16:creationId xmlns:a16="http://schemas.microsoft.com/office/drawing/2014/main" id="{09198237-3D97-4C8C-A848-18F7BEE3B21B}"/>
-              </a:ext>
-            </a:extLst>
-          </p:cNvPr>
-          <p:cNvSpPr>
-            <a:spLocks noGrp="1"/>
-          </p:cNvSpPr>
-          <p:nvPr>
-            <p:ph sz="half" idx="1"/>
-          </p:nvPr>
-        </p:nvSpPr>
-        <p:spPr/>
-        <p:txBody>
-          <a:bodyPr/>
-          <a:lstStyle/>
-          <a:p>
-            <a:endParaRPr lang="en-US"/>
-          </a:p>
-        </p:txBody>
-      </p:sp>
-      <p:sp>
-        <p:nvSpPr>
-          <p:cNvPr id="7" name="Content Placeholder 6">
-            <a:extLst>
-              <a:ext uri="{FF2B5EF4-FFF2-40B4-BE49-F238E27FC236}">
-                <a16:creationId xmlns:a16="http://schemas.microsoft.com/office/drawing/2014/main" id="{A33720BD-0F2B-43E2-A442-868FFF19794D}"/>
-              </a:ext>
-            </a:extLst>
-          </p:cNvPr>
-          <p:cNvSpPr>
-            <a:spLocks noGrp="1"/>
-          </p:cNvSpPr>
-          <p:nvPr>
-            <p:ph sz="half" idx="2"/>
-          </p:nvPr>
-        </p:nvSpPr>
-        <p:spPr/>
-        <p:txBody>
-          <a:bodyPr/>
-          <a:lstStyle/>
-          <a:p>
-            <a:endParaRPr lang="en-US" dirty="0"/>
-          </a:p>
-        </p:txBody>
-      </p:sp>
-      <p:pic>
-        <p:nvPicPr>
-          <p:cNvPr id="6" name="Content Placeholder 3">
-            <a:extLst>
-              <a:ext uri="{FF2B5EF4-FFF2-40B4-BE49-F238E27FC236}">
-                <a16:creationId xmlns:a16="http://schemas.microsoft.com/office/drawing/2014/main" id="{40DE9DEE-6132-4993-A23F-B5C9E0C17C9E}"/>
+                <a16:creationId xmlns:a16="http://schemas.microsoft.com/office/drawing/2014/main" id="{5497B9E6-DA5D-4EC3-B722-A097D0767568}"/>
               </a:ext>
             </a:extLst>
           </p:cNvPr>
@@ -21745,36 +22000,6 @@
         </p:blipFill>
         <p:spPr>
           <a:xfrm>
-            <a:off x="875983" y="1230766"/>
-            <a:ext cx="10287631" cy="5123419"/>
-          </a:xfrm>
-          <a:prstGeom prst="rect">
-            <a:avLst/>
-          </a:prstGeom>
-        </p:spPr>
-      </p:pic>
-      <p:pic>
-        <p:nvPicPr>
-          <p:cNvPr id="8" name="Picture 7">
-            <a:extLst>
-              <a:ext uri="{FF2B5EF4-FFF2-40B4-BE49-F238E27FC236}">
-                <a16:creationId xmlns:a16="http://schemas.microsoft.com/office/drawing/2014/main" id="{5497B9E6-DA5D-4EC3-B722-A097D0767568}"/>
-              </a:ext>
-            </a:extLst>
-          </p:cNvPr>
-          <p:cNvPicPr>
-            <a:picLocks noChangeAspect="1"/>
-          </p:cNvPicPr>
-          <p:nvPr/>
-        </p:nvPicPr>
-        <p:blipFill>
-          <a:blip r:embed="rId3"/>
-          <a:stretch>
-            <a:fillRect/>
-          </a:stretch>
-        </p:blipFill>
-        <p:spPr>
-          <a:xfrm>
             <a:off x="10667999" y="256022"/>
             <a:ext cx="1260713" cy="872978"/>
           </a:xfrm>
@@ -21783,6 +22008,226 @@
           </a:prstGeom>
         </p:spPr>
       </p:pic>
+      <p:sp>
+        <p:nvSpPr>
+          <p:cNvPr id="3" name="Rectangle 2">
+            <a:extLst>
+              <a:ext uri="{FF2B5EF4-FFF2-40B4-BE49-F238E27FC236}">
+                <a16:creationId xmlns:a16="http://schemas.microsoft.com/office/drawing/2014/main" id="{FA07F29E-AF9D-2BB5-E768-17B90D164DE1}"/>
+              </a:ext>
+            </a:extLst>
+          </p:cNvPr>
+          <p:cNvSpPr>
+            <a:spLocks noChangeArrowheads="1"/>
+          </p:cNvSpPr>
+          <p:nvPr/>
+        </p:nvSpPr>
+        <p:spPr bwMode="auto">
+          <a:xfrm>
+            <a:off x="0" y="0"/>
+            <a:ext cx="12192000" cy="457200"/>
+          </a:xfrm>
+          <a:prstGeom prst="rect">
+            <a:avLst/>
+          </a:prstGeom>
+          <a:noFill/>
+          <a:ln>
+            <a:noFill/>
+          </a:ln>
+          <a:effectLst/>
+          <a:extLst>
+            <a:ext uri="{909E8E84-426E-40DD-AFC4-6F175D3DCCD1}">
+              <a14:hiddenFill xmlns:a14="http://schemas.microsoft.com/office/drawing/2010/main">
+                <a:solidFill>
+                  <a:schemeClr val="accent1"/>
+                </a:solidFill>
+              </a14:hiddenFill>
+            </a:ext>
+            <a:ext uri="{91240B29-F687-4F45-9708-019B960494DF}">
+              <a14:hiddenLine xmlns:a14="http://schemas.microsoft.com/office/drawing/2010/main" w="9525">
+                <a:solidFill>
+                  <a:schemeClr val="tx1"/>
+                </a:solidFill>
+                <a:miter lim="800000"/>
+                <a:headEnd/>
+                <a:tailEnd/>
+              </a14:hiddenLine>
+            </a:ext>
+            <a:ext uri="{AF507438-7753-43E0-B8FC-AC1667EBCBE1}">
+              <a14:hiddenEffects xmlns:a14="http://schemas.microsoft.com/office/drawing/2010/main">
+                <a:effectLst>
+                  <a:outerShdw dist="35921" dir="2700000" algn="ctr" rotWithShape="0">
+                    <a:schemeClr val="bg2"/>
+                  </a:outerShdw>
+                </a:effectLst>
+              </a14:hiddenEffects>
+            </a:ext>
+          </a:extLst>
+        </p:spPr>
+        <p:txBody>
+          <a:bodyPr vert="horz" wrap="none" lIns="91440" tIns="45720" rIns="91440" bIns="45720" numCol="1" anchor="ctr" anchorCtr="0" compatLnSpc="1">
+            <a:prstTxWarp prst="textNoShape">
+              <a:avLst/>
+            </a:prstTxWarp>
+            <a:spAutoFit/>
+          </a:bodyPr>
+          <a:lstStyle/>
+          <a:p>
+            <a:endParaRPr lang="en-US"/>
+          </a:p>
+        </p:txBody>
+      </p:sp>
+      <p:pic>
+        <p:nvPicPr>
+          <p:cNvPr id="8193" name="Picture 12" descr="Chart&#10;&#10;Description automatically generated">
+            <a:extLst>
+              <a:ext uri="{FF2B5EF4-FFF2-40B4-BE49-F238E27FC236}">
+                <a16:creationId xmlns:a16="http://schemas.microsoft.com/office/drawing/2014/main" id="{8F7F4329-15D5-49D9-0CED-908C715F22C4}"/>
+              </a:ext>
+            </a:extLst>
+          </p:cNvPr>
+          <p:cNvPicPr>
+            <a:picLocks noChangeAspect="1" noChangeArrowheads="1"/>
+          </p:cNvPicPr>
+          <p:nvPr/>
+        </p:nvPicPr>
+        <p:blipFill>
+          <a:blip r:embed="rId3">
+            <a:extLst>
+              <a:ext uri="{28A0092B-C50C-407E-A947-70E740481C1C}">
+                <a14:useLocalDpi xmlns:a14="http://schemas.microsoft.com/office/drawing/2010/main" val="0"/>
+              </a:ext>
+            </a:extLst>
+          </a:blip>
+          <a:srcRect/>
+          <a:stretch>
+            <a:fillRect/>
+          </a:stretch>
+        </p:blipFill>
+        <p:spPr bwMode="auto">
+          <a:xfrm>
+            <a:off x="1074197" y="1188985"/>
+            <a:ext cx="9898603" cy="4779390"/>
+          </a:xfrm>
+          <a:prstGeom prst="rect">
+            <a:avLst/>
+          </a:prstGeom>
+          <a:noFill/>
+          <a:extLst>
+            <a:ext uri="{909E8E84-426E-40DD-AFC4-6F175D3DCCD1}">
+              <a14:hiddenFill xmlns:a14="http://schemas.microsoft.com/office/drawing/2010/main">
+                <a:solidFill>
+                  <a:srgbClr val="FFFFFF"/>
+                </a:solidFill>
+              </a14:hiddenFill>
+            </a:ext>
+          </a:extLst>
+        </p:spPr>
+      </p:pic>
+      <p:sp>
+        <p:nvSpPr>
+          <p:cNvPr id="4" name="Rectangle 3">
+            <a:extLst>
+              <a:ext uri="{FF2B5EF4-FFF2-40B4-BE49-F238E27FC236}">
+                <a16:creationId xmlns:a16="http://schemas.microsoft.com/office/drawing/2014/main" id="{4DC0B1EC-1E25-5D78-EF6D-A4286A97E9B6}"/>
+              </a:ext>
+            </a:extLst>
+          </p:cNvPr>
+          <p:cNvSpPr>
+            <a:spLocks noChangeArrowheads="1"/>
+          </p:cNvSpPr>
+          <p:nvPr/>
+        </p:nvSpPr>
+        <p:spPr bwMode="auto">
+          <a:xfrm>
+            <a:off x="2575220" y="6173323"/>
+            <a:ext cx="6704208" cy="400110"/>
+          </a:xfrm>
+          <a:prstGeom prst="rect">
+            <a:avLst/>
+          </a:prstGeom>
+          <a:noFill/>
+          <a:ln>
+            <a:noFill/>
+          </a:ln>
+          <a:effectLst/>
+          <a:extLst>
+            <a:ext uri="{909E8E84-426E-40DD-AFC4-6F175D3DCCD1}">
+              <a14:hiddenFill xmlns:a14="http://schemas.microsoft.com/office/drawing/2010/main">
+                <a:solidFill>
+                  <a:schemeClr val="accent1"/>
+                </a:solidFill>
+              </a14:hiddenFill>
+            </a:ext>
+            <a:ext uri="{91240B29-F687-4F45-9708-019B960494DF}">
+              <a14:hiddenLine xmlns:a14="http://schemas.microsoft.com/office/drawing/2010/main" w="9525">
+                <a:solidFill>
+                  <a:schemeClr val="tx1"/>
+                </a:solidFill>
+                <a:miter lim="800000"/>
+                <a:headEnd/>
+                <a:tailEnd/>
+              </a14:hiddenLine>
+            </a:ext>
+            <a:ext uri="{AF507438-7753-43E0-B8FC-AC1667EBCBE1}">
+              <a14:hiddenEffects xmlns:a14="http://schemas.microsoft.com/office/drawing/2010/main">
+                <a:effectLst>
+                  <a:outerShdw dist="35921" dir="2700000" algn="ctr" rotWithShape="0">
+                    <a:schemeClr val="bg2"/>
+                  </a:outerShdw>
+                </a:effectLst>
+              </a14:hiddenEffects>
+            </a:ext>
+          </a:extLst>
+        </p:spPr>
+        <p:txBody>
+          <a:bodyPr vert="horz" wrap="none" lIns="91440" tIns="45720" rIns="91440" bIns="45720" numCol="1" anchor="ctr" anchorCtr="0" compatLnSpc="1">
+            <a:prstTxWarp prst="textNoShape">
+              <a:avLst/>
+            </a:prstTxWarp>
+            <a:spAutoFit/>
+          </a:bodyPr>
+          <a:lstStyle/>
+          <a:p>
+            <a:pPr marL="0" marR="0" lvl="0" indent="0" algn="ctr" defTabSz="914400" rtl="0" eaLnBrk="0" fontAlgn="base" latinLnBrk="0" hangingPunct="0">
+              <a:lnSpc>
+                <a:spcPct val="100000"/>
+              </a:lnSpc>
+              <a:spcBef>
+                <a:spcPct val="0"/>
+              </a:spcBef>
+              <a:spcAft>
+                <a:spcPct val="0"/>
+              </a:spcAft>
+              <a:buClrTx/>
+              <a:buSzTx/>
+              <a:buFontTx/>
+              <a:buNone/>
+              <a:tabLst/>
+            </a:pPr>
+            <a:r>
+              <a:rPr kumimoji="0" lang="en-US" altLang="en-US" sz="2000" b="0" i="1" u="none" strike="noStrike" cap="none" normalizeH="0" baseline="0" dirty="0">
+                <a:ln>
+                  <a:noFill/>
+                </a:ln>
+                <a:effectLst/>
+                <a:latin typeface="Times New Roman" panose="02020603050405020304" pitchFamily="18" charset="0"/>
+                <a:ea typeface="Aptos" panose="020B0004020202020204" pitchFamily="34" charset="0"/>
+                <a:cs typeface="Times New Roman" panose="02020603050405020304" pitchFamily="18" charset="0"/>
+              </a:rPr>
+              <a:t>Figure 8: Model Sensitivity Plot for 500 Images and 500 Masks</a:t>
+            </a:r>
+            <a:endParaRPr kumimoji="0" lang="en-US" altLang="en-US" sz="2000" b="0" i="0" u="none" strike="noStrike" cap="none" normalizeH="0" baseline="0" dirty="0">
+              <a:ln>
+                <a:noFill/>
+              </a:ln>
+              <a:effectLst/>
+              <a:latin typeface="Times New Roman" panose="02020603050405020304" pitchFamily="18" charset="0"/>
+              <a:cs typeface="Times New Roman" panose="02020603050405020304" pitchFamily="18" charset="0"/>
+            </a:endParaRPr>
+          </a:p>
+        </p:txBody>
+      </p:sp>
     </p:spTree>
     <p:extLst>
       <p:ext uri="{BB962C8B-B14F-4D97-AF65-F5344CB8AC3E}">
@@ -21797,183 +22242,6 @@
 </file>
 
 <file path=ppt/slides/slide13.xml><?xml version="1.0" encoding="utf-8"?>
-<p:sld xmlns:a="http://schemas.openxmlformats.org/drawingml/2006/main" xmlns:r="http://schemas.openxmlformats.org/officeDocument/2006/relationships" xmlns:p="http://schemas.openxmlformats.org/presentationml/2006/main">
-  <p:cSld>
-    <p:spTree>
-      <p:nvGrpSpPr>
-        <p:cNvPr id="1" name=""/>
-        <p:cNvGrpSpPr/>
-        <p:nvPr/>
-      </p:nvGrpSpPr>
-      <p:grpSpPr>
-        <a:xfrm>
-          <a:off x="0" y="0"/>
-          <a:ext cx="0" cy="0"/>
-          <a:chOff x="0" y="0"/>
-          <a:chExt cx="0" cy="0"/>
-        </a:xfrm>
-      </p:grpSpPr>
-      <p:sp>
-        <p:nvSpPr>
-          <p:cNvPr id="2" name="Title 1">
-            <a:extLst>
-              <a:ext uri="{FF2B5EF4-FFF2-40B4-BE49-F238E27FC236}">
-                <a16:creationId xmlns:a16="http://schemas.microsoft.com/office/drawing/2014/main" id="{34DB6CE4-2B13-4715-B5B2-615A55922CA1}"/>
-              </a:ext>
-            </a:extLst>
-          </p:cNvPr>
-          <p:cNvSpPr>
-            <a:spLocks noGrp="1"/>
-          </p:cNvSpPr>
-          <p:nvPr>
-            <p:ph type="title"/>
-          </p:nvPr>
-        </p:nvSpPr>
-        <p:spPr>
-          <a:xfrm>
-            <a:off x="3485118" y="256022"/>
-            <a:ext cx="6164909" cy="756560"/>
-          </a:xfrm>
-        </p:spPr>
-        <p:txBody>
-          <a:bodyPr>
-            <a:normAutofit/>
-          </a:bodyPr>
-          <a:lstStyle/>
-          <a:p>
-            <a:r>
-              <a:rPr lang="en-US" sz="4400" dirty="0">
-                <a:latin typeface="Rockwell" panose="02060603020205020403" pitchFamily="18" charset="0"/>
-              </a:rPr>
-              <a:t>U-Net Model Result</a:t>
-            </a:r>
-          </a:p>
-        </p:txBody>
-      </p:sp>
-      <p:sp>
-        <p:nvSpPr>
-          <p:cNvPr id="5" name="Content Placeholder 4">
-            <a:extLst>
-              <a:ext uri="{FF2B5EF4-FFF2-40B4-BE49-F238E27FC236}">
-                <a16:creationId xmlns:a16="http://schemas.microsoft.com/office/drawing/2014/main" id="{09198237-3D97-4C8C-A848-18F7BEE3B21B}"/>
-              </a:ext>
-            </a:extLst>
-          </p:cNvPr>
-          <p:cNvSpPr>
-            <a:spLocks noGrp="1"/>
-          </p:cNvSpPr>
-          <p:nvPr>
-            <p:ph sz="half" idx="1"/>
-          </p:nvPr>
-        </p:nvSpPr>
-        <p:spPr/>
-        <p:txBody>
-          <a:bodyPr/>
-          <a:lstStyle/>
-          <a:p>
-            <a:endParaRPr lang="en-US"/>
-          </a:p>
-        </p:txBody>
-      </p:sp>
-      <p:sp>
-        <p:nvSpPr>
-          <p:cNvPr id="7" name="Content Placeholder 6">
-            <a:extLst>
-              <a:ext uri="{FF2B5EF4-FFF2-40B4-BE49-F238E27FC236}">
-                <a16:creationId xmlns:a16="http://schemas.microsoft.com/office/drawing/2014/main" id="{A33720BD-0F2B-43E2-A442-868FFF19794D}"/>
-              </a:ext>
-            </a:extLst>
-          </p:cNvPr>
-          <p:cNvSpPr>
-            <a:spLocks noGrp="1"/>
-          </p:cNvSpPr>
-          <p:nvPr>
-            <p:ph sz="half" idx="2"/>
-          </p:nvPr>
-        </p:nvSpPr>
-        <p:spPr/>
-        <p:txBody>
-          <a:bodyPr/>
-          <a:lstStyle/>
-          <a:p>
-            <a:endParaRPr lang="en-US" dirty="0"/>
-          </a:p>
-        </p:txBody>
-      </p:sp>
-      <p:pic>
-        <p:nvPicPr>
-          <p:cNvPr id="6" name="Content Placeholder 6">
-            <a:extLst>
-              <a:ext uri="{FF2B5EF4-FFF2-40B4-BE49-F238E27FC236}">
-                <a16:creationId xmlns:a16="http://schemas.microsoft.com/office/drawing/2014/main" id="{8FACAC29-4E12-43F6-8A87-39AF825D040A}"/>
-              </a:ext>
-            </a:extLst>
-          </p:cNvPr>
-          <p:cNvPicPr>
-            <a:picLocks noChangeAspect="1"/>
-          </p:cNvPicPr>
-          <p:nvPr/>
-        </p:nvPicPr>
-        <p:blipFill>
-          <a:blip r:embed="rId2"/>
-          <a:stretch>
-            <a:fillRect/>
-          </a:stretch>
-        </p:blipFill>
-        <p:spPr>
-          <a:xfrm>
-            <a:off x="594804" y="1216240"/>
-            <a:ext cx="11008311" cy="5295469"/>
-          </a:xfrm>
-          <a:prstGeom prst="rect">
-            <a:avLst/>
-          </a:prstGeom>
-        </p:spPr>
-      </p:pic>
-      <p:pic>
-        <p:nvPicPr>
-          <p:cNvPr id="8" name="Picture 7">
-            <a:extLst>
-              <a:ext uri="{FF2B5EF4-FFF2-40B4-BE49-F238E27FC236}">
-                <a16:creationId xmlns:a16="http://schemas.microsoft.com/office/drawing/2014/main" id="{02DC82F4-9AFF-4838-8AEB-E4E0FE7361F3}"/>
-              </a:ext>
-            </a:extLst>
-          </p:cNvPr>
-          <p:cNvPicPr>
-            <a:picLocks noChangeAspect="1"/>
-          </p:cNvPicPr>
-          <p:nvPr/>
-        </p:nvPicPr>
-        <p:blipFill>
-          <a:blip r:embed="rId3"/>
-          <a:stretch>
-            <a:fillRect/>
-          </a:stretch>
-        </p:blipFill>
-        <p:spPr>
-          <a:xfrm>
-            <a:off x="10667999" y="256022"/>
-            <a:ext cx="1260713" cy="872978"/>
-          </a:xfrm>
-          <a:prstGeom prst="rect">
-            <a:avLst/>
-          </a:prstGeom>
-        </p:spPr>
-      </p:pic>
-    </p:spTree>
-    <p:extLst>
-      <p:ext uri="{BB962C8B-B14F-4D97-AF65-F5344CB8AC3E}">
-        <p14:creationId xmlns:p14="http://schemas.microsoft.com/office/powerpoint/2010/main" val="2255526437"/>
-      </p:ext>
-    </p:extLst>
-  </p:cSld>
-  <p:clrMapOvr>
-    <a:masterClrMapping/>
-  </p:clrMapOvr>
-</p:sld>
-</file>
-
-<file path=ppt/slides/slide14.xml><?xml version="1.0" encoding="utf-8"?>
 <p:sld xmlns:a="http://schemas.openxmlformats.org/drawingml/2006/main" xmlns:r="http://schemas.openxmlformats.org/officeDocument/2006/relationships" xmlns:p="http://schemas.openxmlformats.org/presentationml/2006/main">
   <p:cSld>
     <p:spTree>
@@ -22051,8 +22319,8 @@
         </p:blipFill>
         <p:spPr>
           <a:xfrm>
-            <a:off x="1731146" y="1429305"/>
-            <a:ext cx="9339308" cy="4382224"/>
+            <a:off x="933634" y="1291451"/>
+            <a:ext cx="10324731" cy="4603002"/>
           </a:xfrm>
         </p:spPr>
       </p:pic>
@@ -22086,6 +22354,130 @@
           </a:prstGeom>
         </p:spPr>
       </p:pic>
+      <p:sp>
+        <p:nvSpPr>
+          <p:cNvPr id="3" name="Rectangle 2">
+            <a:extLst>
+              <a:ext uri="{FF2B5EF4-FFF2-40B4-BE49-F238E27FC236}">
+                <a16:creationId xmlns:a16="http://schemas.microsoft.com/office/drawing/2014/main" id="{73EB0C38-1016-76C6-CB98-E21567E1E581}"/>
+              </a:ext>
+            </a:extLst>
+          </p:cNvPr>
+          <p:cNvSpPr>
+            <a:spLocks noChangeArrowheads="1"/>
+          </p:cNvSpPr>
+          <p:nvPr/>
+        </p:nvSpPr>
+        <p:spPr bwMode="auto">
+          <a:xfrm>
+            <a:off x="4102016" y="6173323"/>
+            <a:ext cx="3650615" cy="400110"/>
+          </a:xfrm>
+          <a:prstGeom prst="rect">
+            <a:avLst/>
+          </a:prstGeom>
+          <a:noFill/>
+          <a:ln>
+            <a:noFill/>
+          </a:ln>
+          <a:effectLst/>
+          <a:extLst>
+            <a:ext uri="{909E8E84-426E-40DD-AFC4-6F175D3DCCD1}">
+              <a14:hiddenFill xmlns:a14="http://schemas.microsoft.com/office/drawing/2010/main">
+                <a:solidFill>
+                  <a:schemeClr val="accent1"/>
+                </a:solidFill>
+              </a14:hiddenFill>
+            </a:ext>
+            <a:ext uri="{91240B29-F687-4F45-9708-019B960494DF}">
+              <a14:hiddenLine xmlns:a14="http://schemas.microsoft.com/office/drawing/2010/main" w="9525">
+                <a:solidFill>
+                  <a:schemeClr val="tx1"/>
+                </a:solidFill>
+                <a:miter lim="800000"/>
+                <a:headEnd/>
+                <a:tailEnd/>
+              </a14:hiddenLine>
+            </a:ext>
+            <a:ext uri="{AF507438-7753-43E0-B8FC-AC1667EBCBE1}">
+              <a14:hiddenEffects xmlns:a14="http://schemas.microsoft.com/office/drawing/2010/main">
+                <a:effectLst>
+                  <a:outerShdw dist="35921" dir="2700000" algn="ctr" rotWithShape="0">
+                    <a:schemeClr val="bg2"/>
+                  </a:outerShdw>
+                </a:effectLst>
+              </a14:hiddenEffects>
+            </a:ext>
+          </a:extLst>
+        </p:spPr>
+        <p:txBody>
+          <a:bodyPr vert="horz" wrap="none" lIns="91440" tIns="45720" rIns="91440" bIns="45720" numCol="1" anchor="ctr" anchorCtr="0" compatLnSpc="1">
+            <a:prstTxWarp prst="textNoShape">
+              <a:avLst/>
+            </a:prstTxWarp>
+            <a:spAutoFit/>
+          </a:bodyPr>
+          <a:lstStyle/>
+          <a:p>
+            <a:pPr marL="0" marR="0" lvl="0" indent="0" algn="ctr" defTabSz="914400" rtl="0" eaLnBrk="0" fontAlgn="base" latinLnBrk="0" hangingPunct="0">
+              <a:lnSpc>
+                <a:spcPct val="100000"/>
+              </a:lnSpc>
+              <a:spcBef>
+                <a:spcPct val="0"/>
+              </a:spcBef>
+              <a:spcAft>
+                <a:spcPct val="0"/>
+              </a:spcAft>
+              <a:buClrTx/>
+              <a:buSzTx/>
+              <a:buFontTx/>
+              <a:buNone/>
+              <a:tabLst/>
+            </a:pPr>
+            <a:r>
+              <a:rPr kumimoji="0" lang="en-US" altLang="en-US" sz="2000" b="0" i="1" u="none" strike="noStrike" cap="none" normalizeH="0" baseline="0" dirty="0">
+                <a:ln>
+                  <a:noFill/>
+                </a:ln>
+                <a:effectLst/>
+                <a:latin typeface="Times New Roman" panose="02020603050405020304" pitchFamily="18" charset="0"/>
+                <a:ea typeface="Aptos" panose="020B0004020202020204" pitchFamily="34" charset="0"/>
+                <a:cs typeface="Times New Roman" panose="02020603050405020304" pitchFamily="18" charset="0"/>
+              </a:rPr>
+              <a:t>Figure </a:t>
+            </a:r>
+            <a:r>
+              <a:rPr lang="en-US" altLang="en-US" sz="2000" i="1" dirty="0">
+                <a:latin typeface="Times New Roman" panose="02020603050405020304" pitchFamily="18" charset="0"/>
+                <a:ea typeface="Aptos" panose="020B0004020202020204" pitchFamily="34" charset="0"/>
+                <a:cs typeface="Times New Roman" panose="02020603050405020304" pitchFamily="18" charset="0"/>
+              </a:rPr>
+              <a:t>9</a:t>
+            </a:r>
+            <a:r>
+              <a:rPr kumimoji="0" lang="en-US" altLang="en-US" sz="2000" b="0" i="1" u="none" strike="noStrike" cap="none" normalizeH="0" baseline="0" dirty="0">
+                <a:ln>
+                  <a:noFill/>
+                </a:ln>
+                <a:effectLst/>
+                <a:latin typeface="Times New Roman" panose="02020603050405020304" pitchFamily="18" charset="0"/>
+                <a:ea typeface="Aptos" panose="020B0004020202020204" pitchFamily="34" charset="0"/>
+                <a:cs typeface="Times New Roman" panose="02020603050405020304" pitchFamily="18" charset="0"/>
+              </a:rPr>
+              <a:t>: Image-Mask-Prediction</a:t>
+            </a:r>
+            <a:endParaRPr kumimoji="0" lang="en-US" altLang="en-US" sz="2000" b="0" i="0" u="none" strike="noStrike" cap="none" normalizeH="0" baseline="0" dirty="0">
+              <a:ln>
+                <a:noFill/>
+              </a:ln>
+              <a:effectLst/>
+              <a:latin typeface="Times New Roman" panose="02020603050405020304" pitchFamily="18" charset="0"/>
+              <a:cs typeface="Times New Roman" panose="02020603050405020304" pitchFamily="18" charset="0"/>
+            </a:endParaRPr>
+          </a:p>
+        </p:txBody>
+      </p:sp>
     </p:spTree>
     <p:extLst>
       <p:ext uri="{BB962C8B-B14F-4D97-AF65-F5344CB8AC3E}">
@@ -22099,7 +22491,7 @@
 </p:sld>
 </file>
 
-<file path=ppt/slides/slide15.xml><?xml version="1.0" encoding="utf-8"?>
+<file path=ppt/slides/slide14.xml><?xml version="1.0" encoding="utf-8"?>
 <p:sld xmlns:a="http://schemas.openxmlformats.org/drawingml/2006/main" xmlns:r="http://schemas.openxmlformats.org/officeDocument/2006/relationships" xmlns:p="http://schemas.openxmlformats.org/presentationml/2006/main">
   <p:cSld>
     <p:spTree>
@@ -22274,7 +22666,7 @@
 </p:sld>
 </file>
 
-<file path=ppt/slides/slide16.xml><?xml version="1.0" encoding="utf-8"?>
+<file path=ppt/slides/slide15.xml><?xml version="1.0" encoding="utf-8"?>
 <p:sld xmlns:a="http://schemas.openxmlformats.org/drawingml/2006/main" xmlns:r="http://schemas.openxmlformats.org/officeDocument/2006/relationships" xmlns:p="http://schemas.openxmlformats.org/presentationml/2006/main">
   <p:cSld>
     <p:spTree>
@@ -22293,113 +22685,224 @@
       </p:grpSpPr>
       <p:sp>
         <p:nvSpPr>
-          <p:cNvPr id="2" name="Title 1">
+          <p:cNvPr id="3" name="Rectangle 2">
             <a:extLst>
               <a:ext uri="{FF2B5EF4-FFF2-40B4-BE49-F238E27FC236}">
-                <a16:creationId xmlns:a16="http://schemas.microsoft.com/office/drawing/2014/main" id="{34DB6CE4-2B13-4715-B5B2-615A55922CA1}"/>
+                <a16:creationId xmlns:a16="http://schemas.microsoft.com/office/drawing/2014/main" id="{F20CE6D6-A029-33C9-FC9E-6432DAD20A60}"/>
               </a:ext>
             </a:extLst>
           </p:cNvPr>
           <p:cNvSpPr>
-            <a:spLocks noGrp="1"/>
+            <a:spLocks noChangeArrowheads="1"/>
           </p:cNvSpPr>
-          <p:nvPr>
-            <p:ph type="title"/>
-          </p:nvPr>
+          <p:nvPr/>
         </p:nvSpPr>
-        <p:spPr/>
+        <p:spPr bwMode="auto">
+          <a:xfrm>
+            <a:off x="0" y="0"/>
+            <a:ext cx="12192000" cy="457200"/>
+          </a:xfrm>
+          <a:prstGeom prst="rect">
+            <a:avLst/>
+          </a:prstGeom>
+          <a:noFill/>
+          <a:ln>
+            <a:noFill/>
+          </a:ln>
+          <a:effectLst/>
+          <a:extLst>
+            <a:ext uri="{909E8E84-426E-40DD-AFC4-6F175D3DCCD1}">
+              <a14:hiddenFill xmlns:a14="http://schemas.microsoft.com/office/drawing/2010/main">
+                <a:solidFill>
+                  <a:schemeClr val="accent1"/>
+                </a:solidFill>
+              </a14:hiddenFill>
+            </a:ext>
+            <a:ext uri="{91240B29-F687-4F45-9708-019B960494DF}">
+              <a14:hiddenLine xmlns:a14="http://schemas.microsoft.com/office/drawing/2010/main" w="9525">
+                <a:solidFill>
+                  <a:schemeClr val="tx1"/>
+                </a:solidFill>
+                <a:miter lim="800000"/>
+                <a:headEnd/>
+                <a:tailEnd/>
+              </a14:hiddenLine>
+            </a:ext>
+            <a:ext uri="{AF507438-7753-43E0-B8FC-AC1667EBCBE1}">
+              <a14:hiddenEffects xmlns:a14="http://schemas.microsoft.com/office/drawing/2010/main">
+                <a:effectLst>
+                  <a:outerShdw dist="35921" dir="2700000" algn="ctr" rotWithShape="0">
+                    <a:schemeClr val="bg2"/>
+                  </a:outerShdw>
+                </a:effectLst>
+              </a14:hiddenEffects>
+            </a:ext>
+          </a:extLst>
+        </p:spPr>
         <p:txBody>
-          <a:bodyPr>
-            <a:normAutofit/>
+          <a:bodyPr vert="horz" wrap="none" lIns="91440" tIns="45720" rIns="91440" bIns="45720" numCol="1" anchor="ctr" anchorCtr="0" compatLnSpc="1">
+            <a:prstTxWarp prst="textNoShape">
+              <a:avLst/>
+            </a:prstTxWarp>
+            <a:spAutoFit/>
           </a:bodyPr>
-          <a:lstStyle/>
-          <a:p>
-            <a:endParaRPr lang="en-US" sz="4400" dirty="0">
-              <a:latin typeface="Rockwell" panose="02060603020205020403" pitchFamily="18" charset="0"/>
-            </a:endParaRPr>
-          </a:p>
-        </p:txBody>
-      </p:sp>
-      <p:sp>
-        <p:nvSpPr>
-          <p:cNvPr id="5" name="Content Placeholder 4">
-            <a:extLst>
-              <a:ext uri="{FF2B5EF4-FFF2-40B4-BE49-F238E27FC236}">
-                <a16:creationId xmlns:a16="http://schemas.microsoft.com/office/drawing/2014/main" id="{09198237-3D97-4C8C-A848-18F7BEE3B21B}"/>
-              </a:ext>
-            </a:extLst>
-          </p:cNvPr>
-          <p:cNvSpPr>
-            <a:spLocks noGrp="1"/>
-          </p:cNvSpPr>
-          <p:nvPr>
-            <p:ph sz="half" idx="1"/>
-          </p:nvPr>
-        </p:nvSpPr>
-        <p:spPr/>
-        <p:txBody>
-          <a:bodyPr/>
           <a:lstStyle/>
           <a:p>
             <a:endParaRPr lang="en-US"/>
           </a:p>
         </p:txBody>
       </p:sp>
+      <p:pic>
+        <p:nvPicPr>
+          <p:cNvPr id="1025" name="Picture 1" descr="Chart">
+            <a:extLst>
+              <a:ext uri="{FF2B5EF4-FFF2-40B4-BE49-F238E27FC236}">
+                <a16:creationId xmlns:a16="http://schemas.microsoft.com/office/drawing/2014/main" id="{370117DB-E1C7-1141-61D2-BAF074E7D21D}"/>
+              </a:ext>
+            </a:extLst>
+          </p:cNvPr>
+          <p:cNvPicPr>
+            <a:picLocks noChangeAspect="1" noChangeArrowheads="1"/>
+          </p:cNvPicPr>
+          <p:nvPr/>
+        </p:nvPicPr>
+        <p:blipFill>
+          <a:blip r:embed="rId2">
+            <a:extLst>
+              <a:ext uri="{28A0092B-C50C-407E-A947-70E740481C1C}">
+                <a14:useLocalDpi xmlns:a14="http://schemas.microsoft.com/office/drawing/2010/main" val="0"/>
+              </a:ext>
+            </a:extLst>
+          </a:blip>
+          <a:srcRect/>
+          <a:stretch>
+            <a:fillRect/>
+          </a:stretch>
+        </p:blipFill>
+        <p:spPr bwMode="auto">
+          <a:xfrm>
+            <a:off x="1040167" y="457200"/>
+            <a:ext cx="10111666" cy="5625952"/>
+          </a:xfrm>
+          <a:prstGeom prst="rect">
+            <a:avLst/>
+          </a:prstGeom>
+          <a:noFill/>
+          <a:extLst>
+            <a:ext uri="{909E8E84-426E-40DD-AFC4-6F175D3DCCD1}">
+              <a14:hiddenFill xmlns:a14="http://schemas.microsoft.com/office/drawing/2010/main">
+                <a:solidFill>
+                  <a:srgbClr val="FFFFFF"/>
+                </a:solidFill>
+              </a14:hiddenFill>
+            </a:ext>
+          </a:extLst>
+        </p:spPr>
+      </p:pic>
       <p:sp>
         <p:nvSpPr>
-          <p:cNvPr id="7" name="Content Placeholder 6">
+          <p:cNvPr id="4" name="Rectangle 3">
             <a:extLst>
               <a:ext uri="{FF2B5EF4-FFF2-40B4-BE49-F238E27FC236}">
-                <a16:creationId xmlns:a16="http://schemas.microsoft.com/office/drawing/2014/main" id="{A33720BD-0F2B-43E2-A442-868FFF19794D}"/>
+                <a16:creationId xmlns:a16="http://schemas.microsoft.com/office/drawing/2014/main" id="{D400471D-FF42-BF48-DA50-C0C995E112DB}"/>
               </a:ext>
             </a:extLst>
           </p:cNvPr>
           <p:cNvSpPr>
-            <a:spLocks noGrp="1"/>
+            <a:spLocks noChangeArrowheads="1"/>
           </p:cNvSpPr>
-          <p:nvPr>
-            <p:ph sz="half" idx="2"/>
-          </p:nvPr>
+          <p:nvPr/>
         </p:nvSpPr>
-        <p:spPr/>
-        <p:txBody>
-          <a:bodyPr/>
-          <a:lstStyle/>
-          <a:p>
-            <a:endParaRPr lang="en-US" dirty="0"/>
-          </a:p>
-        </p:txBody>
-      </p:sp>
-      <p:pic>
-        <p:nvPicPr>
-          <p:cNvPr id="8" name="Content Placeholder 3">
-            <a:extLst>
-              <a:ext uri="{FF2B5EF4-FFF2-40B4-BE49-F238E27FC236}">
-                <a16:creationId xmlns:a16="http://schemas.microsoft.com/office/drawing/2014/main" id="{8A0DBDC5-22C1-47F3-A976-CF1B9C5B6E48}"/>
-              </a:ext>
-            </a:extLst>
-          </p:cNvPr>
-          <p:cNvPicPr>
-            <a:picLocks noChangeAspect="1"/>
-          </p:cNvPicPr>
-          <p:nvPr/>
-        </p:nvPicPr>
-        <p:blipFill>
-          <a:blip r:embed="rId2"/>
-          <a:stretch>
-            <a:fillRect/>
-          </a:stretch>
-        </p:blipFill>
-        <p:spPr>
+        <p:spPr bwMode="auto">
           <a:xfrm>
-            <a:off x="1017790" y="521563"/>
-            <a:ext cx="10153244" cy="5814873"/>
+            <a:off x="2875342" y="6200745"/>
+            <a:ext cx="5109669" cy="400110"/>
           </a:xfrm>
           <a:prstGeom prst="rect">
             <a:avLst/>
           </a:prstGeom>
+          <a:noFill/>
+          <a:ln>
+            <a:noFill/>
+          </a:ln>
+          <a:effectLst/>
+          <a:extLst>
+            <a:ext uri="{909E8E84-426E-40DD-AFC4-6F175D3DCCD1}">
+              <a14:hiddenFill xmlns:a14="http://schemas.microsoft.com/office/drawing/2010/main">
+                <a:solidFill>
+                  <a:schemeClr val="accent1"/>
+                </a:solidFill>
+              </a14:hiddenFill>
+            </a:ext>
+            <a:ext uri="{91240B29-F687-4F45-9708-019B960494DF}">
+              <a14:hiddenLine xmlns:a14="http://schemas.microsoft.com/office/drawing/2010/main" w="9525">
+                <a:solidFill>
+                  <a:schemeClr val="tx1"/>
+                </a:solidFill>
+                <a:miter lim="800000"/>
+                <a:headEnd/>
+                <a:tailEnd/>
+              </a14:hiddenLine>
+            </a:ext>
+            <a:ext uri="{AF507438-7753-43E0-B8FC-AC1667EBCBE1}">
+              <a14:hiddenEffects xmlns:a14="http://schemas.microsoft.com/office/drawing/2010/main">
+                <a:effectLst>
+                  <a:outerShdw dist="35921" dir="2700000" algn="ctr" rotWithShape="0">
+                    <a:schemeClr val="bg2"/>
+                  </a:outerShdw>
+                </a:effectLst>
+              </a14:hiddenEffects>
+            </a:ext>
+          </a:extLst>
         </p:spPr>
-      </p:pic>
+        <p:txBody>
+          <a:bodyPr vert="horz" wrap="none" lIns="91440" tIns="45720" rIns="91440" bIns="45720" numCol="1" anchor="ctr" anchorCtr="0" compatLnSpc="1">
+            <a:prstTxWarp prst="textNoShape">
+              <a:avLst/>
+            </a:prstTxWarp>
+            <a:spAutoFit/>
+          </a:bodyPr>
+          <a:lstStyle/>
+          <a:p>
+            <a:pPr marL="0" marR="0" lvl="0" indent="0" algn="ctr" defTabSz="914400" rtl="0" eaLnBrk="0" fontAlgn="base" latinLnBrk="0" hangingPunct="0">
+              <a:lnSpc>
+                <a:spcPct val="100000"/>
+              </a:lnSpc>
+              <a:spcBef>
+                <a:spcPct val="0"/>
+              </a:spcBef>
+              <a:spcAft>
+                <a:spcPct val="0"/>
+              </a:spcAft>
+              <a:buClrTx/>
+              <a:buSzTx/>
+              <a:buFontTx/>
+              <a:buNone/>
+              <a:tabLst/>
+            </a:pPr>
+            <a:r>
+              <a:rPr kumimoji="0" lang="en-US" altLang="en-US" sz="2000" b="0" i="1" u="none" strike="noStrike" cap="none" normalizeH="0" baseline="0" dirty="0">
+                <a:ln>
+                  <a:noFill/>
+                </a:ln>
+                <a:effectLst/>
+                <a:latin typeface="Times New Roman" panose="02020603050405020304" pitchFamily="18" charset="0"/>
+                <a:ea typeface="Aptos" panose="020B0004020202020204" pitchFamily="34" charset="0"/>
+                <a:cs typeface="Times New Roman" panose="02020603050405020304" pitchFamily="18" charset="0"/>
+              </a:rPr>
+              <a:t>Figure 12: U-Net Model Architecture (U-shape)</a:t>
+            </a:r>
+            <a:endParaRPr kumimoji="0" lang="en-US" altLang="en-US" sz="2000" b="0" i="0" u="none" strike="noStrike" cap="none" normalizeH="0" baseline="0" dirty="0">
+              <a:ln>
+                <a:noFill/>
+              </a:ln>
+              <a:effectLst/>
+              <a:latin typeface="Times New Roman" panose="02020603050405020304" pitchFamily="18" charset="0"/>
+              <a:cs typeface="Times New Roman" panose="02020603050405020304" pitchFamily="18" charset="0"/>
+            </a:endParaRPr>
+          </a:p>
+        </p:txBody>
+      </p:sp>
     </p:spTree>
     <p:extLst>
       <p:ext uri="{BB962C8B-B14F-4D97-AF65-F5344CB8AC3E}">
@@ -22413,7 +22916,7 @@
 </p:sld>
 </file>
 
-<file path=ppt/slides/slide17.xml><?xml version="1.0" encoding="utf-8"?>
+<file path=ppt/slides/slide16.xml><?xml version="1.0" encoding="utf-8"?>
 <p:sld xmlns:a="http://schemas.openxmlformats.org/drawingml/2006/main" xmlns:r="http://schemas.openxmlformats.org/officeDocument/2006/relationships" xmlns:p="http://schemas.openxmlformats.org/presentationml/2006/main">
   <p:cSld>
     <p:spTree>
@@ -22568,7 +23071,7 @@
 </p:sld>
 </file>
 
-<file path=ppt/slides/slide18.xml><?xml version="1.0" encoding="utf-8"?>
+<file path=ppt/slides/slide17.xml><?xml version="1.0" encoding="utf-8"?>
 <p:sld xmlns:a="http://schemas.openxmlformats.org/drawingml/2006/main" xmlns:r="http://schemas.openxmlformats.org/officeDocument/2006/relationships" xmlns:p="http://schemas.openxmlformats.org/presentationml/2006/main">
   <p:cSld>
     <p:spTree>
@@ -22603,8 +23106,8 @@
         </p:nvSpPr>
         <p:spPr>
           <a:xfrm>
-            <a:off x="1682949" y="259950"/>
-            <a:ext cx="8588515" cy="869050"/>
+            <a:off x="3644916" y="324516"/>
+            <a:ext cx="3936616" cy="869050"/>
           </a:xfrm>
         </p:spPr>
         <p:txBody>
@@ -22615,7 +23118,7 @@
           <a:p>
             <a:r>
               <a:rPr lang="en-US" sz="4400" dirty="0"/>
-              <a:t>Suggestions For Future Work</a:t>
+              <a:t>Future Work</a:t>
             </a:r>
           </a:p>
         </p:txBody>
@@ -22971,7 +23474,7 @@
             <p:ph idx="1"/>
             <p:extLst>
               <p:ext uri="{D42A27DB-BD31-4B8C-83A1-F6EECF244321}">
-                <p14:modId xmlns:p14="http://schemas.microsoft.com/office/powerpoint/2010/main" val="555775108"/>
+                <p14:modId xmlns:p14="http://schemas.microsoft.com/office/powerpoint/2010/main" val="2914411040"/>
               </p:ext>
             </p:extLst>
           </p:nvPr>
@@ -23383,12 +23886,81 @@
           </a:p>
         </p:txBody>
       </p:sp>
+      <p:sp>
+        <p:nvSpPr>
+          <p:cNvPr id="3" name="Rectangle 2">
+            <a:extLst>
+              <a:ext uri="{FF2B5EF4-FFF2-40B4-BE49-F238E27FC236}">
+                <a16:creationId xmlns:a16="http://schemas.microsoft.com/office/drawing/2014/main" id="{29DCAF2B-45BC-33D8-D701-BE271B76971C}"/>
+              </a:ext>
+            </a:extLst>
+          </p:cNvPr>
+          <p:cNvSpPr>
+            <a:spLocks noChangeArrowheads="1"/>
+          </p:cNvSpPr>
+          <p:nvPr/>
+        </p:nvSpPr>
+        <p:spPr bwMode="auto">
+          <a:xfrm>
+            <a:off x="0" y="0"/>
+            <a:ext cx="12192000" cy="457200"/>
+          </a:xfrm>
+          <a:prstGeom prst="rect">
+            <a:avLst/>
+          </a:prstGeom>
+          <a:noFill/>
+          <a:ln>
+            <a:noFill/>
+          </a:ln>
+          <a:effectLst/>
+          <a:extLst>
+            <a:ext uri="{909E8E84-426E-40DD-AFC4-6F175D3DCCD1}">
+              <a14:hiddenFill xmlns:a14="http://schemas.microsoft.com/office/drawing/2010/main">
+                <a:solidFill>
+                  <a:schemeClr val="accent1"/>
+                </a:solidFill>
+              </a14:hiddenFill>
+            </a:ext>
+            <a:ext uri="{91240B29-F687-4F45-9708-019B960494DF}">
+              <a14:hiddenLine xmlns:a14="http://schemas.microsoft.com/office/drawing/2010/main" w="9525">
+                <a:solidFill>
+                  <a:schemeClr val="tx1"/>
+                </a:solidFill>
+                <a:miter lim="800000"/>
+                <a:headEnd/>
+                <a:tailEnd/>
+              </a14:hiddenLine>
+            </a:ext>
+            <a:ext uri="{AF507438-7753-43E0-B8FC-AC1667EBCBE1}">
+              <a14:hiddenEffects xmlns:a14="http://schemas.microsoft.com/office/drawing/2010/main">
+                <a:effectLst>
+                  <a:outerShdw dist="35921" dir="2700000" algn="ctr" rotWithShape="0">
+                    <a:schemeClr val="bg2"/>
+                  </a:outerShdw>
+                </a:effectLst>
+              </a14:hiddenEffects>
+            </a:ext>
+          </a:extLst>
+        </p:spPr>
+        <p:txBody>
+          <a:bodyPr vert="horz" wrap="none" lIns="91440" tIns="45720" rIns="91440" bIns="45720" numCol="1" anchor="ctr" anchorCtr="0" compatLnSpc="1">
+            <a:prstTxWarp prst="textNoShape">
+              <a:avLst/>
+            </a:prstTxWarp>
+            <a:spAutoFit/>
+          </a:bodyPr>
+          <a:lstStyle/>
+          <a:p>
+            <a:endParaRPr lang="en-US"/>
+          </a:p>
+        </p:txBody>
+      </p:sp>
       <p:pic>
         <p:nvPicPr>
-          <p:cNvPr id="1028" name="Picture 4" descr="Graphical user interface&#10;&#10;Description automatically generated">
+          <p:cNvPr id="2049" name="Picture 4" descr="Graphical user interface&#10;&#10;Description automatically generated">
             <a:extLst>
               <a:ext uri="{FF2B5EF4-FFF2-40B4-BE49-F238E27FC236}">
-                <a16:creationId xmlns:a16="http://schemas.microsoft.com/office/drawing/2014/main" id="{356F25F2-FE7A-AE1F-51EB-A96783B168A9}"/>
+                <a16:creationId xmlns:a16="http://schemas.microsoft.com/office/drawing/2014/main" id="{EE66AF51-A07A-5AEB-CA22-5AEEDD47A931}"/>
               </a:ext>
             </a:extLst>
           </p:cNvPr>
@@ -23412,8 +23984,8 @@
         </p:blipFill>
         <p:spPr bwMode="auto">
           <a:xfrm>
-            <a:off x="484909" y="1224422"/>
-            <a:ext cx="11222182" cy="5157594"/>
+            <a:off x="655781" y="1236487"/>
+            <a:ext cx="10741843" cy="4936836"/>
           </a:xfrm>
           <a:prstGeom prst="rect">
             <a:avLst/>
@@ -23432,10 +24004,10 @@
       </p:pic>
       <p:sp>
         <p:nvSpPr>
-          <p:cNvPr id="24" name="Rectangle 6">
+          <p:cNvPr id="4" name="Rectangle 3">
             <a:extLst>
               <a:ext uri="{FF2B5EF4-FFF2-40B4-BE49-F238E27FC236}">
-                <a16:creationId xmlns:a16="http://schemas.microsoft.com/office/drawing/2014/main" id="{2CC08ED7-5E89-1213-3008-077833F5A405}"/>
+                <a16:creationId xmlns:a16="http://schemas.microsoft.com/office/drawing/2014/main" id="{16752734-B715-9E72-2AE7-27FDEFEE66C2}"/>
               </a:ext>
             </a:extLst>
           </p:cNvPr>
@@ -23446,8 +24018,8 @@
         </p:nvSpPr>
         <p:spPr bwMode="auto">
           <a:xfrm>
-            <a:off x="2796310" y="6354972"/>
-            <a:ext cx="5611088" cy="369332"/>
+            <a:off x="2551938" y="6173323"/>
+            <a:ext cx="6029343" cy="400110"/>
           </a:xfrm>
           <a:prstGeom prst="rect">
             <a:avLst/>
@@ -23512,59 +24084,48 @@
               <a:tabLst/>
             </a:pPr>
             <a:r>
-              <a:rPr kumimoji="0" lang="en-US" altLang="en-US" b="0" i="1" u="none" strike="noStrike" cap="none" normalizeH="0" baseline="0" dirty="0">
+              <a:rPr kumimoji="0" lang="en-US" altLang="en-US" sz="2000" b="0" i="1" u="none" strike="noStrike" cap="none" normalizeH="0" baseline="0" dirty="0">
                 <a:ln>
                   <a:noFill/>
                 </a:ln>
-                <a:solidFill>
-                  <a:schemeClr val="tx2"/>
-                </a:solidFill>
                 <a:effectLst/>
-                <a:latin typeface="Aptos" panose="020B0004020202020204" pitchFamily="34" charset="0"/>
+                <a:latin typeface="Times New Roman" panose="02020603050405020304" pitchFamily="18" charset="0"/>
                 <a:ea typeface="Aptos" panose="020B0004020202020204" pitchFamily="34" charset="0"/>
                 <a:cs typeface="Times New Roman" panose="02020603050405020304" pitchFamily="18" charset="0"/>
               </a:rPr>
-              <a:t>Figure 3: </a:t>
+              <a:t>Figure 1: </a:t>
             </a:r>
             <a:r>
-              <a:rPr kumimoji="0" lang="en-US" altLang="en-US" b="0" i="1" u="none" strike="noStrike" cap="none" normalizeH="0" baseline="0" dirty="0" err="1">
+              <a:rPr kumimoji="0" lang="en-US" altLang="en-US" sz="2000" b="0" i="1" u="none" strike="noStrike" cap="none" normalizeH="0" baseline="0" dirty="0" err="1">
                 <a:ln>
                   <a:noFill/>
                 </a:ln>
-                <a:solidFill>
-                  <a:schemeClr val="tx2"/>
-                </a:solidFill>
                 <a:effectLst/>
-                <a:latin typeface="Aptos" panose="020B0004020202020204" pitchFamily="34" charset="0"/>
+                <a:latin typeface="Times New Roman" panose="02020603050405020304" pitchFamily="18" charset="0"/>
                 <a:ea typeface="Aptos" panose="020B0004020202020204" pitchFamily="34" charset="0"/>
                 <a:cs typeface="Times New Roman" panose="02020603050405020304" pitchFamily="18" charset="0"/>
               </a:rPr>
               <a:t>Softmax</a:t>
             </a:r>
             <a:r>
-              <a:rPr kumimoji="0" lang="en-US" altLang="en-US" b="0" i="1" u="none" strike="noStrike" cap="none" normalizeH="0" baseline="0" dirty="0">
+              <a:rPr kumimoji="0" lang="en-US" altLang="en-US" sz="2000" b="0" i="1" u="none" strike="noStrike" cap="none" normalizeH="0" baseline="0" dirty="0">
                 <a:ln>
                   <a:noFill/>
                 </a:ln>
-                <a:solidFill>
-                  <a:schemeClr val="tx2"/>
-                </a:solidFill>
                 <a:effectLst/>
-                <a:latin typeface="Aptos" panose="020B0004020202020204" pitchFamily="34" charset="0"/>
+                <a:latin typeface="Times New Roman" panose="02020603050405020304" pitchFamily="18" charset="0"/>
                 <a:ea typeface="Aptos" panose="020B0004020202020204" pitchFamily="34" charset="0"/>
                 <a:cs typeface="Times New Roman" panose="02020603050405020304" pitchFamily="18" charset="0"/>
               </a:rPr>
               <a:t> Metrics Plot for 10 Images and Masks</a:t>
             </a:r>
-            <a:endParaRPr kumimoji="0" lang="en-US" altLang="en-US" b="0" i="0" u="none" strike="noStrike" cap="none" normalizeH="0" baseline="0" dirty="0">
+            <a:endParaRPr kumimoji="0" lang="en-US" altLang="en-US" sz="2000" b="0" i="0" u="none" strike="noStrike" cap="none" normalizeH="0" baseline="0" dirty="0">
               <a:ln>
                 <a:noFill/>
               </a:ln>
-              <a:solidFill>
-                <a:schemeClr val="tx2"/>
-              </a:solidFill>
               <a:effectLst/>
-              <a:latin typeface="Arial" panose="020B0604020202020204" pitchFamily="34" charset="0"/>
+              <a:latin typeface="Times New Roman" panose="02020603050405020304" pitchFamily="18" charset="0"/>
+              <a:cs typeface="Times New Roman" panose="02020603050405020304" pitchFamily="18" charset="0"/>
             </a:endParaRPr>
           </a:p>
         </p:txBody>
@@ -23814,62 +24375,12 @@
           </a:p>
         </p:txBody>
       </p:sp>
-      <p:sp>
-        <p:nvSpPr>
-          <p:cNvPr id="5" name="Content Placeholder 4">
+      <p:pic>
+        <p:nvPicPr>
+          <p:cNvPr id="8" name="Picture 7">
             <a:extLst>
               <a:ext uri="{FF2B5EF4-FFF2-40B4-BE49-F238E27FC236}">
-                <a16:creationId xmlns:a16="http://schemas.microsoft.com/office/drawing/2014/main" id="{09198237-3D97-4C8C-A848-18F7BEE3B21B}"/>
-              </a:ext>
-            </a:extLst>
-          </p:cNvPr>
-          <p:cNvSpPr>
-            <a:spLocks noGrp="1"/>
-          </p:cNvSpPr>
-          <p:nvPr>
-            <p:ph sz="half" idx="1"/>
-          </p:nvPr>
-        </p:nvSpPr>
-        <p:spPr/>
-        <p:txBody>
-          <a:bodyPr/>
-          <a:lstStyle/>
-          <a:p>
-            <a:endParaRPr lang="en-US"/>
-          </a:p>
-        </p:txBody>
-      </p:sp>
-      <p:sp>
-        <p:nvSpPr>
-          <p:cNvPr id="7" name="Content Placeholder 6">
-            <a:extLst>
-              <a:ext uri="{FF2B5EF4-FFF2-40B4-BE49-F238E27FC236}">
-                <a16:creationId xmlns:a16="http://schemas.microsoft.com/office/drawing/2014/main" id="{A33720BD-0F2B-43E2-A442-868FFF19794D}"/>
-              </a:ext>
-            </a:extLst>
-          </p:cNvPr>
-          <p:cNvSpPr>
-            <a:spLocks noGrp="1"/>
-          </p:cNvSpPr>
-          <p:nvPr>
-            <p:ph sz="half" idx="2"/>
-          </p:nvPr>
-        </p:nvSpPr>
-        <p:spPr/>
-        <p:txBody>
-          <a:bodyPr/>
-          <a:lstStyle/>
-          <a:p>
-            <a:endParaRPr lang="en-US" dirty="0"/>
-          </a:p>
-        </p:txBody>
-      </p:sp>
-      <p:pic>
-        <p:nvPicPr>
-          <p:cNvPr id="6" name="Content Placeholder 3">
-            <a:extLst>
-              <a:ext uri="{FF2B5EF4-FFF2-40B4-BE49-F238E27FC236}">
-                <a16:creationId xmlns:a16="http://schemas.microsoft.com/office/drawing/2014/main" id="{38540C53-2DB5-4EA5-A140-722125C5DA3D}"/>
+                <a16:creationId xmlns:a16="http://schemas.microsoft.com/office/drawing/2014/main" id="{D5E9412A-185F-4873-A606-9CF8090183B3}"/>
               </a:ext>
             </a:extLst>
           </p:cNvPr>
@@ -23886,36 +24397,6 @@
         </p:blipFill>
         <p:spPr>
           <a:xfrm>
-            <a:off x="754603" y="1219701"/>
-            <a:ext cx="10292808" cy="5382277"/>
-          </a:xfrm>
-          <a:prstGeom prst="rect">
-            <a:avLst/>
-          </a:prstGeom>
-        </p:spPr>
-      </p:pic>
-      <p:pic>
-        <p:nvPicPr>
-          <p:cNvPr id="8" name="Picture 7">
-            <a:extLst>
-              <a:ext uri="{FF2B5EF4-FFF2-40B4-BE49-F238E27FC236}">
-                <a16:creationId xmlns:a16="http://schemas.microsoft.com/office/drawing/2014/main" id="{D5E9412A-185F-4873-A606-9CF8090183B3}"/>
-              </a:ext>
-            </a:extLst>
-          </p:cNvPr>
-          <p:cNvPicPr>
-            <a:picLocks noChangeAspect="1"/>
-          </p:cNvPicPr>
-          <p:nvPr/>
-        </p:nvPicPr>
-        <p:blipFill>
-          <a:blip r:embed="rId3"/>
-          <a:stretch>
-            <a:fillRect/>
-          </a:stretch>
-        </p:blipFill>
-        <p:spPr>
-          <a:xfrm>
             <a:off x="10667999" y="256022"/>
             <a:ext cx="1260713" cy="872978"/>
           </a:xfrm>
@@ -23924,6 +24405,226 @@
           </a:prstGeom>
         </p:spPr>
       </p:pic>
+      <p:sp>
+        <p:nvSpPr>
+          <p:cNvPr id="3" name="Rectangle 2">
+            <a:extLst>
+              <a:ext uri="{FF2B5EF4-FFF2-40B4-BE49-F238E27FC236}">
+                <a16:creationId xmlns:a16="http://schemas.microsoft.com/office/drawing/2014/main" id="{C44DD251-8D5D-FC86-262F-3EFBC2A1FFD7}"/>
+              </a:ext>
+            </a:extLst>
+          </p:cNvPr>
+          <p:cNvSpPr>
+            <a:spLocks noChangeArrowheads="1"/>
+          </p:cNvSpPr>
+          <p:nvPr/>
+        </p:nvSpPr>
+        <p:spPr bwMode="auto">
+          <a:xfrm>
+            <a:off x="-470517" y="506027"/>
+            <a:ext cx="12192000" cy="457200"/>
+          </a:xfrm>
+          <a:prstGeom prst="rect">
+            <a:avLst/>
+          </a:prstGeom>
+          <a:noFill/>
+          <a:ln>
+            <a:noFill/>
+          </a:ln>
+          <a:effectLst/>
+          <a:extLst>
+            <a:ext uri="{909E8E84-426E-40DD-AFC4-6F175D3DCCD1}">
+              <a14:hiddenFill xmlns:a14="http://schemas.microsoft.com/office/drawing/2010/main">
+                <a:solidFill>
+                  <a:schemeClr val="accent1"/>
+                </a:solidFill>
+              </a14:hiddenFill>
+            </a:ext>
+            <a:ext uri="{91240B29-F687-4F45-9708-019B960494DF}">
+              <a14:hiddenLine xmlns:a14="http://schemas.microsoft.com/office/drawing/2010/main" w="9525">
+                <a:solidFill>
+                  <a:schemeClr val="tx1"/>
+                </a:solidFill>
+                <a:miter lim="800000"/>
+                <a:headEnd/>
+                <a:tailEnd/>
+              </a14:hiddenLine>
+            </a:ext>
+            <a:ext uri="{AF507438-7753-43E0-B8FC-AC1667EBCBE1}">
+              <a14:hiddenEffects xmlns:a14="http://schemas.microsoft.com/office/drawing/2010/main">
+                <a:effectLst>
+                  <a:outerShdw dist="35921" dir="2700000" algn="ctr" rotWithShape="0">
+                    <a:schemeClr val="bg2"/>
+                  </a:outerShdw>
+                </a:effectLst>
+              </a14:hiddenEffects>
+            </a:ext>
+          </a:extLst>
+        </p:spPr>
+        <p:txBody>
+          <a:bodyPr vert="horz" wrap="none" lIns="91440" tIns="45720" rIns="91440" bIns="45720" numCol="1" anchor="ctr" anchorCtr="0" compatLnSpc="1">
+            <a:prstTxWarp prst="textNoShape">
+              <a:avLst/>
+            </a:prstTxWarp>
+            <a:spAutoFit/>
+          </a:bodyPr>
+          <a:lstStyle/>
+          <a:p>
+            <a:endParaRPr lang="en-US"/>
+          </a:p>
+        </p:txBody>
+      </p:sp>
+      <p:pic>
+        <p:nvPicPr>
+          <p:cNvPr id="3073" name="Picture 5" descr="Graphical user interface&#10;&#10;Description automatically generated">
+            <a:extLst>
+              <a:ext uri="{FF2B5EF4-FFF2-40B4-BE49-F238E27FC236}">
+                <a16:creationId xmlns:a16="http://schemas.microsoft.com/office/drawing/2014/main" id="{61FF02F5-76CC-4B1F-9A8A-A9B5D397FF03}"/>
+              </a:ext>
+            </a:extLst>
+          </p:cNvPr>
+          <p:cNvPicPr>
+            <a:picLocks noChangeAspect="1" noChangeArrowheads="1"/>
+          </p:cNvPicPr>
+          <p:nvPr/>
+        </p:nvPicPr>
+        <p:blipFill>
+          <a:blip r:embed="rId3">
+            <a:extLst>
+              <a:ext uri="{28A0092B-C50C-407E-A947-70E740481C1C}">
+                <a14:useLocalDpi xmlns:a14="http://schemas.microsoft.com/office/drawing/2010/main" val="0"/>
+              </a:ext>
+            </a:extLst>
+          </a:blip>
+          <a:srcRect/>
+          <a:stretch>
+            <a:fillRect/>
+          </a:stretch>
+        </p:blipFill>
+        <p:spPr bwMode="auto">
+          <a:xfrm>
+            <a:off x="1213281" y="1286047"/>
+            <a:ext cx="9765437" cy="4701684"/>
+          </a:xfrm>
+          <a:prstGeom prst="rect">
+            <a:avLst/>
+          </a:prstGeom>
+          <a:noFill/>
+          <a:extLst>
+            <a:ext uri="{909E8E84-426E-40DD-AFC4-6F175D3DCCD1}">
+              <a14:hiddenFill xmlns:a14="http://schemas.microsoft.com/office/drawing/2010/main">
+                <a:solidFill>
+                  <a:srgbClr val="FFFFFF"/>
+                </a:solidFill>
+              </a14:hiddenFill>
+            </a:ext>
+          </a:extLst>
+        </p:spPr>
+      </p:pic>
+      <p:sp>
+        <p:nvSpPr>
+          <p:cNvPr id="4" name="Rectangle 3">
+            <a:extLst>
+              <a:ext uri="{FF2B5EF4-FFF2-40B4-BE49-F238E27FC236}">
+                <a16:creationId xmlns:a16="http://schemas.microsoft.com/office/drawing/2014/main" id="{A6E0E3BE-E139-2BE8-04C4-3052F99F4DBA}"/>
+              </a:ext>
+            </a:extLst>
+          </p:cNvPr>
+          <p:cNvSpPr>
+            <a:spLocks noChangeArrowheads="1"/>
+          </p:cNvSpPr>
+          <p:nvPr/>
+        </p:nvSpPr>
+        <p:spPr bwMode="auto">
+          <a:xfrm>
+            <a:off x="1677880" y="6173323"/>
+            <a:ext cx="8513685" cy="400110"/>
+          </a:xfrm>
+          <a:prstGeom prst="rect">
+            <a:avLst/>
+          </a:prstGeom>
+          <a:noFill/>
+          <a:ln>
+            <a:noFill/>
+          </a:ln>
+          <a:effectLst/>
+          <a:extLst>
+            <a:ext uri="{909E8E84-426E-40DD-AFC4-6F175D3DCCD1}">
+              <a14:hiddenFill xmlns:a14="http://schemas.microsoft.com/office/drawing/2010/main">
+                <a:solidFill>
+                  <a:schemeClr val="accent1"/>
+                </a:solidFill>
+              </a14:hiddenFill>
+            </a:ext>
+            <a:ext uri="{91240B29-F687-4F45-9708-019B960494DF}">
+              <a14:hiddenLine xmlns:a14="http://schemas.microsoft.com/office/drawing/2010/main" w="9525">
+                <a:solidFill>
+                  <a:schemeClr val="tx1"/>
+                </a:solidFill>
+                <a:miter lim="800000"/>
+                <a:headEnd/>
+                <a:tailEnd/>
+              </a14:hiddenLine>
+            </a:ext>
+            <a:ext uri="{AF507438-7753-43E0-B8FC-AC1667EBCBE1}">
+              <a14:hiddenEffects xmlns:a14="http://schemas.microsoft.com/office/drawing/2010/main">
+                <a:effectLst>
+                  <a:outerShdw dist="35921" dir="2700000" algn="ctr" rotWithShape="0">
+                    <a:schemeClr val="bg2"/>
+                  </a:outerShdw>
+                </a:effectLst>
+              </a14:hiddenEffects>
+            </a:ext>
+          </a:extLst>
+        </p:spPr>
+        <p:txBody>
+          <a:bodyPr vert="horz" wrap="square" lIns="91440" tIns="45720" rIns="91440" bIns="45720" numCol="1" anchor="ctr" anchorCtr="0" compatLnSpc="1">
+            <a:prstTxWarp prst="textNoShape">
+              <a:avLst/>
+            </a:prstTxWarp>
+            <a:spAutoFit/>
+          </a:bodyPr>
+          <a:lstStyle/>
+          <a:p>
+            <a:pPr marL="0" marR="0" lvl="0" indent="0" algn="ctr" defTabSz="914400" rtl="0" eaLnBrk="0" fontAlgn="base" latinLnBrk="0" hangingPunct="0">
+              <a:lnSpc>
+                <a:spcPct val="100000"/>
+              </a:lnSpc>
+              <a:spcBef>
+                <a:spcPct val="0"/>
+              </a:spcBef>
+              <a:spcAft>
+                <a:spcPct val="0"/>
+              </a:spcAft>
+              <a:buClrTx/>
+              <a:buSzTx/>
+              <a:buFontTx/>
+              <a:buNone/>
+              <a:tabLst/>
+            </a:pPr>
+            <a:r>
+              <a:rPr kumimoji="0" lang="en-US" altLang="en-US" sz="2000" b="0" i="1" u="none" strike="noStrike" cap="none" normalizeH="0" baseline="0" dirty="0">
+                <a:ln>
+                  <a:noFill/>
+                </a:ln>
+                <a:effectLst/>
+                <a:latin typeface="Times New Roman" panose="02020603050405020304" pitchFamily="18" charset="0"/>
+                <a:ea typeface="Aptos" panose="020B0004020202020204" pitchFamily="34" charset="0"/>
+                <a:cs typeface="Times New Roman" panose="02020603050405020304" pitchFamily="18" charset="0"/>
+              </a:rPr>
+              <a:t>Figure 3: Sigmoid Metrics Plot for 100 Images and Masks</a:t>
+            </a:r>
+            <a:endParaRPr kumimoji="0" lang="en-US" altLang="en-US" sz="2000" b="0" i="0" u="none" strike="noStrike" cap="none" normalizeH="0" baseline="0" dirty="0">
+              <a:ln>
+                <a:noFill/>
+              </a:ln>
+              <a:effectLst/>
+              <a:latin typeface="Times New Roman" panose="02020603050405020304" pitchFamily="18" charset="0"/>
+              <a:cs typeface="Times New Roman" panose="02020603050405020304" pitchFamily="18" charset="0"/>
+            </a:endParaRPr>
+          </a:p>
+        </p:txBody>
+      </p:sp>
     </p:spTree>
     <p:extLst>
       <p:ext uri="{BB962C8B-B14F-4D97-AF65-F5344CB8AC3E}">
@@ -23991,62 +24692,12 @@
           </a:p>
         </p:txBody>
       </p:sp>
-      <p:sp>
-        <p:nvSpPr>
-          <p:cNvPr id="5" name="Content Placeholder 4">
+      <p:pic>
+        <p:nvPicPr>
+          <p:cNvPr id="8" name="Picture 7">
             <a:extLst>
               <a:ext uri="{FF2B5EF4-FFF2-40B4-BE49-F238E27FC236}">
-                <a16:creationId xmlns:a16="http://schemas.microsoft.com/office/drawing/2014/main" id="{09198237-3D97-4C8C-A848-18F7BEE3B21B}"/>
-              </a:ext>
-            </a:extLst>
-          </p:cNvPr>
-          <p:cNvSpPr>
-            <a:spLocks noGrp="1"/>
-          </p:cNvSpPr>
-          <p:nvPr>
-            <p:ph sz="half" idx="1"/>
-          </p:nvPr>
-        </p:nvSpPr>
-        <p:spPr/>
-        <p:txBody>
-          <a:bodyPr/>
-          <a:lstStyle/>
-          <a:p>
-            <a:endParaRPr lang="en-US"/>
-          </a:p>
-        </p:txBody>
-      </p:sp>
-      <p:sp>
-        <p:nvSpPr>
-          <p:cNvPr id="7" name="Content Placeholder 6">
-            <a:extLst>
-              <a:ext uri="{FF2B5EF4-FFF2-40B4-BE49-F238E27FC236}">
-                <a16:creationId xmlns:a16="http://schemas.microsoft.com/office/drawing/2014/main" id="{A33720BD-0F2B-43E2-A442-868FFF19794D}"/>
-              </a:ext>
-            </a:extLst>
-          </p:cNvPr>
-          <p:cNvSpPr>
-            <a:spLocks noGrp="1"/>
-          </p:cNvSpPr>
-          <p:nvPr>
-            <p:ph sz="half" idx="2"/>
-          </p:nvPr>
-        </p:nvSpPr>
-        <p:spPr/>
-        <p:txBody>
-          <a:bodyPr/>
-          <a:lstStyle/>
-          <a:p>
-            <a:endParaRPr lang="en-US" dirty="0"/>
-          </a:p>
-        </p:txBody>
-      </p:sp>
-      <p:pic>
-        <p:nvPicPr>
-          <p:cNvPr id="6" name="Content Placeholder 6">
-            <a:extLst>
-              <a:ext uri="{FF2B5EF4-FFF2-40B4-BE49-F238E27FC236}">
-                <a16:creationId xmlns:a16="http://schemas.microsoft.com/office/drawing/2014/main" id="{7DEC53D3-DB33-4AC3-AC91-39E32564A878}"/>
+                <a16:creationId xmlns:a16="http://schemas.microsoft.com/office/drawing/2014/main" id="{A0F59DDE-FEC5-4D65-80D8-14537F28EE4B}"/>
               </a:ext>
             </a:extLst>
           </p:cNvPr>
@@ -24063,36 +24714,6 @@
         </p:blipFill>
         <p:spPr>
           <a:xfrm>
-            <a:off x="1141409" y="1000109"/>
-            <a:ext cx="9905997" cy="5176853"/>
-          </a:xfrm>
-          <a:prstGeom prst="rect">
-            <a:avLst/>
-          </a:prstGeom>
-        </p:spPr>
-      </p:pic>
-      <p:pic>
-        <p:nvPicPr>
-          <p:cNvPr id="8" name="Picture 7">
-            <a:extLst>
-              <a:ext uri="{FF2B5EF4-FFF2-40B4-BE49-F238E27FC236}">
-                <a16:creationId xmlns:a16="http://schemas.microsoft.com/office/drawing/2014/main" id="{A0F59DDE-FEC5-4D65-80D8-14537F28EE4B}"/>
-              </a:ext>
-            </a:extLst>
-          </p:cNvPr>
-          <p:cNvPicPr>
-            <a:picLocks noChangeAspect="1"/>
-          </p:cNvPicPr>
-          <p:nvPr/>
-        </p:nvPicPr>
-        <p:blipFill>
-          <a:blip r:embed="rId3"/>
-          <a:stretch>
-            <a:fillRect/>
-          </a:stretch>
-        </p:blipFill>
-        <p:spPr>
-          <a:xfrm>
             <a:off x="10667999" y="256022"/>
             <a:ext cx="1260713" cy="872978"/>
           </a:xfrm>
@@ -24101,6 +24722,226 @@
           </a:prstGeom>
         </p:spPr>
       </p:pic>
+      <p:sp>
+        <p:nvSpPr>
+          <p:cNvPr id="3" name="Rectangle 2">
+            <a:extLst>
+              <a:ext uri="{FF2B5EF4-FFF2-40B4-BE49-F238E27FC236}">
+                <a16:creationId xmlns:a16="http://schemas.microsoft.com/office/drawing/2014/main" id="{29E2F0ED-3586-011A-A217-DD35D33C93CE}"/>
+              </a:ext>
+            </a:extLst>
+          </p:cNvPr>
+          <p:cNvSpPr>
+            <a:spLocks noChangeArrowheads="1"/>
+          </p:cNvSpPr>
+          <p:nvPr/>
+        </p:nvSpPr>
+        <p:spPr bwMode="auto">
+          <a:xfrm>
+            <a:off x="0" y="0"/>
+            <a:ext cx="12192000" cy="457200"/>
+          </a:xfrm>
+          <a:prstGeom prst="rect">
+            <a:avLst/>
+          </a:prstGeom>
+          <a:noFill/>
+          <a:ln>
+            <a:noFill/>
+          </a:ln>
+          <a:effectLst/>
+          <a:extLst>
+            <a:ext uri="{909E8E84-426E-40DD-AFC4-6F175D3DCCD1}">
+              <a14:hiddenFill xmlns:a14="http://schemas.microsoft.com/office/drawing/2010/main">
+                <a:solidFill>
+                  <a:schemeClr val="accent1"/>
+                </a:solidFill>
+              </a14:hiddenFill>
+            </a:ext>
+            <a:ext uri="{91240B29-F687-4F45-9708-019B960494DF}">
+              <a14:hiddenLine xmlns:a14="http://schemas.microsoft.com/office/drawing/2010/main" w="9525">
+                <a:solidFill>
+                  <a:schemeClr val="tx1"/>
+                </a:solidFill>
+                <a:miter lim="800000"/>
+                <a:headEnd/>
+                <a:tailEnd/>
+              </a14:hiddenLine>
+            </a:ext>
+            <a:ext uri="{AF507438-7753-43E0-B8FC-AC1667EBCBE1}">
+              <a14:hiddenEffects xmlns:a14="http://schemas.microsoft.com/office/drawing/2010/main">
+                <a:effectLst>
+                  <a:outerShdw dist="35921" dir="2700000" algn="ctr" rotWithShape="0">
+                    <a:schemeClr val="bg2"/>
+                  </a:outerShdw>
+                </a:effectLst>
+              </a14:hiddenEffects>
+            </a:ext>
+          </a:extLst>
+        </p:spPr>
+        <p:txBody>
+          <a:bodyPr vert="horz" wrap="none" lIns="91440" tIns="45720" rIns="91440" bIns="45720" numCol="1" anchor="ctr" anchorCtr="0" compatLnSpc="1">
+            <a:prstTxWarp prst="textNoShape">
+              <a:avLst/>
+            </a:prstTxWarp>
+            <a:spAutoFit/>
+          </a:bodyPr>
+          <a:lstStyle/>
+          <a:p>
+            <a:endParaRPr lang="en-US"/>
+          </a:p>
+        </p:txBody>
+      </p:sp>
+      <p:pic>
+        <p:nvPicPr>
+          <p:cNvPr id="4097" name="Picture 7" descr="Graphical user interface, chart&#10;&#10;Description automatically generated with medium confidence">
+            <a:extLst>
+              <a:ext uri="{FF2B5EF4-FFF2-40B4-BE49-F238E27FC236}">
+                <a16:creationId xmlns:a16="http://schemas.microsoft.com/office/drawing/2014/main" id="{9843A4A5-EFAC-D0B8-64A7-BDEB0E434D31}"/>
+              </a:ext>
+            </a:extLst>
+          </p:cNvPr>
+          <p:cNvPicPr>
+            <a:picLocks noChangeAspect="1" noChangeArrowheads="1"/>
+          </p:cNvPicPr>
+          <p:nvPr/>
+        </p:nvPicPr>
+        <p:blipFill>
+          <a:blip r:embed="rId3">
+            <a:extLst>
+              <a:ext uri="{28A0092B-C50C-407E-A947-70E740481C1C}">
+                <a14:useLocalDpi xmlns:a14="http://schemas.microsoft.com/office/drawing/2010/main" val="0"/>
+              </a:ext>
+            </a:extLst>
+          </a:blip>
+          <a:srcRect/>
+          <a:stretch>
+            <a:fillRect/>
+          </a:stretch>
+        </p:blipFill>
+        <p:spPr bwMode="auto">
+          <a:xfrm>
+            <a:off x="865466" y="1229288"/>
+            <a:ext cx="10178356" cy="4714312"/>
+          </a:xfrm>
+          <a:prstGeom prst="rect">
+            <a:avLst/>
+          </a:prstGeom>
+          <a:noFill/>
+          <a:extLst>
+            <a:ext uri="{909E8E84-426E-40DD-AFC4-6F175D3DCCD1}">
+              <a14:hiddenFill xmlns:a14="http://schemas.microsoft.com/office/drawing/2010/main">
+                <a:solidFill>
+                  <a:srgbClr val="FFFFFF"/>
+                </a:solidFill>
+              </a14:hiddenFill>
+            </a:ext>
+          </a:extLst>
+        </p:spPr>
+      </p:pic>
+      <p:sp>
+        <p:nvSpPr>
+          <p:cNvPr id="4" name="Rectangle 3">
+            <a:extLst>
+              <a:ext uri="{FF2B5EF4-FFF2-40B4-BE49-F238E27FC236}">
+                <a16:creationId xmlns:a16="http://schemas.microsoft.com/office/drawing/2014/main" id="{9B0CC967-45C3-6EC9-9AC4-D70AF2B67372}"/>
+              </a:ext>
+            </a:extLst>
+          </p:cNvPr>
+          <p:cNvSpPr>
+            <a:spLocks noChangeArrowheads="1"/>
+          </p:cNvSpPr>
+          <p:nvPr/>
+        </p:nvSpPr>
+        <p:spPr bwMode="auto">
+          <a:xfrm>
+            <a:off x="2448163" y="6067994"/>
+            <a:ext cx="6769097" cy="400110"/>
+          </a:xfrm>
+          <a:prstGeom prst="rect">
+            <a:avLst/>
+          </a:prstGeom>
+          <a:noFill/>
+          <a:ln>
+            <a:noFill/>
+          </a:ln>
+          <a:effectLst/>
+          <a:extLst>
+            <a:ext uri="{909E8E84-426E-40DD-AFC4-6F175D3DCCD1}">
+              <a14:hiddenFill xmlns:a14="http://schemas.microsoft.com/office/drawing/2010/main">
+                <a:solidFill>
+                  <a:schemeClr val="accent1"/>
+                </a:solidFill>
+              </a14:hiddenFill>
+            </a:ext>
+            <a:ext uri="{91240B29-F687-4F45-9708-019B960494DF}">
+              <a14:hiddenLine xmlns:a14="http://schemas.microsoft.com/office/drawing/2010/main" w="9525">
+                <a:solidFill>
+                  <a:schemeClr val="tx1"/>
+                </a:solidFill>
+                <a:miter lim="800000"/>
+                <a:headEnd/>
+                <a:tailEnd/>
+              </a14:hiddenLine>
+            </a:ext>
+            <a:ext uri="{AF507438-7753-43E0-B8FC-AC1667EBCBE1}">
+              <a14:hiddenEffects xmlns:a14="http://schemas.microsoft.com/office/drawing/2010/main">
+                <a:effectLst>
+                  <a:outerShdw dist="35921" dir="2700000" algn="ctr" rotWithShape="0">
+                    <a:schemeClr val="bg2"/>
+                  </a:outerShdw>
+                </a:effectLst>
+              </a14:hiddenEffects>
+            </a:ext>
+          </a:extLst>
+        </p:spPr>
+        <p:txBody>
+          <a:bodyPr vert="horz" wrap="none" lIns="91440" tIns="45720" rIns="91440" bIns="45720" numCol="1" anchor="ctr" anchorCtr="0" compatLnSpc="1">
+            <a:prstTxWarp prst="textNoShape">
+              <a:avLst/>
+            </a:prstTxWarp>
+            <a:spAutoFit/>
+          </a:bodyPr>
+          <a:lstStyle/>
+          <a:p>
+            <a:pPr marL="0" marR="0" lvl="0" indent="0" algn="ctr" defTabSz="914400" rtl="0" eaLnBrk="0" fontAlgn="base" latinLnBrk="0" hangingPunct="0">
+              <a:lnSpc>
+                <a:spcPct val="100000"/>
+              </a:lnSpc>
+              <a:spcBef>
+                <a:spcPct val="0"/>
+              </a:spcBef>
+              <a:spcAft>
+                <a:spcPct val="0"/>
+              </a:spcAft>
+              <a:buClrTx/>
+              <a:buSzTx/>
+              <a:buFontTx/>
+              <a:buNone/>
+              <a:tabLst/>
+            </a:pPr>
+            <a:r>
+              <a:rPr kumimoji="0" lang="en-US" altLang="en-US" sz="2000" b="0" i="1" u="none" strike="noStrike" cap="none" normalizeH="0" baseline="0" dirty="0">
+                <a:ln>
+                  <a:noFill/>
+                </a:ln>
+                <a:effectLst/>
+                <a:latin typeface="Times New Roman" panose="02020603050405020304" pitchFamily="18" charset="0"/>
+                <a:ea typeface="Aptos" panose="020B0004020202020204" pitchFamily="34" charset="0"/>
+                <a:cs typeface="Times New Roman" panose="02020603050405020304" pitchFamily="18" charset="0"/>
+              </a:rPr>
+              <a:t>Figure 4: Model’s Accuracy Plot for 500 Images and 500 Masks</a:t>
+            </a:r>
+            <a:endParaRPr kumimoji="0" lang="en-US" altLang="en-US" sz="2000" b="0" i="0" u="none" strike="noStrike" cap="none" normalizeH="0" baseline="0" dirty="0">
+              <a:ln>
+                <a:noFill/>
+              </a:ln>
+              <a:effectLst/>
+              <a:latin typeface="Times New Roman" panose="02020603050405020304" pitchFamily="18" charset="0"/>
+              <a:cs typeface="Times New Roman" panose="02020603050405020304" pitchFamily="18" charset="0"/>
+            </a:endParaRPr>
+          </a:p>
+        </p:txBody>
+      </p:sp>
     </p:spTree>
     <p:extLst>
       <p:ext uri="{BB962C8B-B14F-4D97-AF65-F5344CB8AC3E}">
@@ -24168,62 +25009,12 @@
           </a:p>
         </p:txBody>
       </p:sp>
-      <p:sp>
-        <p:nvSpPr>
-          <p:cNvPr id="5" name="Content Placeholder 4">
+      <p:pic>
+        <p:nvPicPr>
+          <p:cNvPr id="8" name="Picture 7">
             <a:extLst>
               <a:ext uri="{FF2B5EF4-FFF2-40B4-BE49-F238E27FC236}">
-                <a16:creationId xmlns:a16="http://schemas.microsoft.com/office/drawing/2014/main" id="{09198237-3D97-4C8C-A848-18F7BEE3B21B}"/>
-              </a:ext>
-            </a:extLst>
-          </p:cNvPr>
-          <p:cNvSpPr>
-            <a:spLocks noGrp="1"/>
-          </p:cNvSpPr>
-          <p:nvPr>
-            <p:ph sz="half" idx="1"/>
-          </p:nvPr>
-        </p:nvSpPr>
-        <p:spPr/>
-        <p:txBody>
-          <a:bodyPr/>
-          <a:lstStyle/>
-          <a:p>
-            <a:endParaRPr lang="en-US"/>
-          </a:p>
-        </p:txBody>
-      </p:sp>
-      <p:sp>
-        <p:nvSpPr>
-          <p:cNvPr id="7" name="Content Placeholder 6">
-            <a:extLst>
-              <a:ext uri="{FF2B5EF4-FFF2-40B4-BE49-F238E27FC236}">
-                <a16:creationId xmlns:a16="http://schemas.microsoft.com/office/drawing/2014/main" id="{A33720BD-0F2B-43E2-A442-868FFF19794D}"/>
-              </a:ext>
-            </a:extLst>
-          </p:cNvPr>
-          <p:cNvSpPr>
-            <a:spLocks noGrp="1"/>
-          </p:cNvSpPr>
-          <p:nvPr>
-            <p:ph sz="half" idx="2"/>
-          </p:nvPr>
-        </p:nvSpPr>
-        <p:spPr/>
-        <p:txBody>
-          <a:bodyPr/>
-          <a:lstStyle/>
-          <a:p>
-            <a:endParaRPr lang="en-US" dirty="0"/>
-          </a:p>
-        </p:txBody>
-      </p:sp>
-      <p:pic>
-        <p:nvPicPr>
-          <p:cNvPr id="6" name="Content Placeholder 6">
-            <a:extLst>
-              <a:ext uri="{FF2B5EF4-FFF2-40B4-BE49-F238E27FC236}">
-                <a16:creationId xmlns:a16="http://schemas.microsoft.com/office/drawing/2014/main" id="{949A3A02-CAE4-4ECE-AD34-CF391A623811}"/>
+                <a16:creationId xmlns:a16="http://schemas.microsoft.com/office/drawing/2014/main" id="{0CB56835-DCB5-43C6-AFBD-3C6D40CF4F18}"/>
               </a:ext>
             </a:extLst>
           </p:cNvPr>
@@ -24240,36 +25031,6 @@
         </p:blipFill>
         <p:spPr>
           <a:xfrm>
-            <a:off x="914400" y="1151558"/>
-            <a:ext cx="10262586" cy="5025405"/>
-          </a:xfrm>
-          <a:prstGeom prst="rect">
-            <a:avLst/>
-          </a:prstGeom>
-        </p:spPr>
-      </p:pic>
-      <p:pic>
-        <p:nvPicPr>
-          <p:cNvPr id="8" name="Picture 7">
-            <a:extLst>
-              <a:ext uri="{FF2B5EF4-FFF2-40B4-BE49-F238E27FC236}">
-                <a16:creationId xmlns:a16="http://schemas.microsoft.com/office/drawing/2014/main" id="{0CB56835-DCB5-43C6-AFBD-3C6D40CF4F18}"/>
-              </a:ext>
-            </a:extLst>
-          </p:cNvPr>
-          <p:cNvPicPr>
-            <a:picLocks noChangeAspect="1"/>
-          </p:cNvPicPr>
-          <p:nvPr/>
-        </p:nvPicPr>
-        <p:blipFill>
-          <a:blip r:embed="rId3"/>
-          <a:stretch>
-            <a:fillRect/>
-          </a:stretch>
-        </p:blipFill>
-        <p:spPr>
-          <a:xfrm>
             <a:off x="10667999" y="256022"/>
             <a:ext cx="1260713" cy="872978"/>
           </a:xfrm>
@@ -24278,6 +25039,226 @@
           </a:prstGeom>
         </p:spPr>
       </p:pic>
+      <p:sp>
+        <p:nvSpPr>
+          <p:cNvPr id="3" name="Rectangle 2">
+            <a:extLst>
+              <a:ext uri="{FF2B5EF4-FFF2-40B4-BE49-F238E27FC236}">
+                <a16:creationId xmlns:a16="http://schemas.microsoft.com/office/drawing/2014/main" id="{800BEDD7-9D42-6566-2271-92B6062FBAF9}"/>
+              </a:ext>
+            </a:extLst>
+          </p:cNvPr>
+          <p:cNvSpPr>
+            <a:spLocks noChangeArrowheads="1"/>
+          </p:cNvSpPr>
+          <p:nvPr/>
+        </p:nvSpPr>
+        <p:spPr bwMode="auto">
+          <a:xfrm>
+            <a:off x="0" y="0"/>
+            <a:ext cx="12192000" cy="457200"/>
+          </a:xfrm>
+          <a:prstGeom prst="rect">
+            <a:avLst/>
+          </a:prstGeom>
+          <a:noFill/>
+          <a:ln>
+            <a:noFill/>
+          </a:ln>
+          <a:effectLst/>
+          <a:extLst>
+            <a:ext uri="{909E8E84-426E-40DD-AFC4-6F175D3DCCD1}">
+              <a14:hiddenFill xmlns:a14="http://schemas.microsoft.com/office/drawing/2010/main">
+                <a:solidFill>
+                  <a:schemeClr val="accent1"/>
+                </a:solidFill>
+              </a14:hiddenFill>
+            </a:ext>
+            <a:ext uri="{91240B29-F687-4F45-9708-019B960494DF}">
+              <a14:hiddenLine xmlns:a14="http://schemas.microsoft.com/office/drawing/2010/main" w="9525">
+                <a:solidFill>
+                  <a:schemeClr val="tx1"/>
+                </a:solidFill>
+                <a:miter lim="800000"/>
+                <a:headEnd/>
+                <a:tailEnd/>
+              </a14:hiddenLine>
+            </a:ext>
+            <a:ext uri="{AF507438-7753-43E0-B8FC-AC1667EBCBE1}">
+              <a14:hiddenEffects xmlns:a14="http://schemas.microsoft.com/office/drawing/2010/main">
+                <a:effectLst>
+                  <a:outerShdw dist="35921" dir="2700000" algn="ctr" rotWithShape="0">
+                    <a:schemeClr val="bg2"/>
+                  </a:outerShdw>
+                </a:effectLst>
+              </a14:hiddenEffects>
+            </a:ext>
+          </a:extLst>
+        </p:spPr>
+        <p:txBody>
+          <a:bodyPr vert="horz" wrap="none" lIns="91440" tIns="45720" rIns="91440" bIns="45720" numCol="1" anchor="ctr" anchorCtr="0" compatLnSpc="1">
+            <a:prstTxWarp prst="textNoShape">
+              <a:avLst/>
+            </a:prstTxWarp>
+            <a:spAutoFit/>
+          </a:bodyPr>
+          <a:lstStyle/>
+          <a:p>
+            <a:endParaRPr lang="en-US"/>
+          </a:p>
+        </p:txBody>
+      </p:sp>
+      <p:pic>
+        <p:nvPicPr>
+          <p:cNvPr id="5121" name="Picture 8" descr="Chart, histogram&#10;&#10;Description automatically generated">
+            <a:extLst>
+              <a:ext uri="{FF2B5EF4-FFF2-40B4-BE49-F238E27FC236}">
+                <a16:creationId xmlns:a16="http://schemas.microsoft.com/office/drawing/2014/main" id="{2A05C837-2C2F-80CC-F296-23501B9133C4}"/>
+              </a:ext>
+            </a:extLst>
+          </p:cNvPr>
+          <p:cNvPicPr>
+            <a:picLocks noChangeAspect="1" noChangeArrowheads="1"/>
+          </p:cNvPicPr>
+          <p:nvPr/>
+        </p:nvPicPr>
+        <p:blipFill>
+          <a:blip r:embed="rId3">
+            <a:extLst>
+              <a:ext uri="{28A0092B-C50C-407E-A947-70E740481C1C}">
+                <a14:useLocalDpi xmlns:a14="http://schemas.microsoft.com/office/drawing/2010/main" val="0"/>
+              </a:ext>
+            </a:extLst>
+          </a:blip>
+          <a:srcRect/>
+          <a:stretch>
+            <a:fillRect/>
+          </a:stretch>
+        </p:blipFill>
+        <p:spPr bwMode="auto">
+          <a:xfrm>
+            <a:off x="1143001" y="1129000"/>
+            <a:ext cx="9905997" cy="5054012"/>
+          </a:xfrm>
+          <a:prstGeom prst="rect">
+            <a:avLst/>
+          </a:prstGeom>
+          <a:noFill/>
+          <a:extLst>
+            <a:ext uri="{909E8E84-426E-40DD-AFC4-6F175D3DCCD1}">
+              <a14:hiddenFill xmlns:a14="http://schemas.microsoft.com/office/drawing/2010/main">
+                <a:solidFill>
+                  <a:srgbClr val="FFFFFF"/>
+                </a:solidFill>
+              </a14:hiddenFill>
+            </a:ext>
+          </a:extLst>
+        </p:spPr>
+      </p:pic>
+      <p:sp>
+        <p:nvSpPr>
+          <p:cNvPr id="4" name="Rectangle 3">
+            <a:extLst>
+              <a:ext uri="{FF2B5EF4-FFF2-40B4-BE49-F238E27FC236}">
+                <a16:creationId xmlns:a16="http://schemas.microsoft.com/office/drawing/2014/main" id="{E4B87998-28A8-24A7-9000-45BEA77EA018}"/>
+              </a:ext>
+            </a:extLst>
+          </p:cNvPr>
+          <p:cNvSpPr>
+            <a:spLocks noChangeArrowheads="1"/>
+          </p:cNvSpPr>
+          <p:nvPr/>
+        </p:nvSpPr>
+        <p:spPr bwMode="auto">
+          <a:xfrm>
+            <a:off x="2094798" y="6211557"/>
+            <a:ext cx="7475829" cy="400110"/>
+          </a:xfrm>
+          <a:prstGeom prst="rect">
+            <a:avLst/>
+          </a:prstGeom>
+          <a:noFill/>
+          <a:ln>
+            <a:noFill/>
+          </a:ln>
+          <a:effectLst/>
+          <a:extLst>
+            <a:ext uri="{909E8E84-426E-40DD-AFC4-6F175D3DCCD1}">
+              <a14:hiddenFill xmlns:a14="http://schemas.microsoft.com/office/drawing/2010/main">
+                <a:solidFill>
+                  <a:schemeClr val="accent1"/>
+                </a:solidFill>
+              </a14:hiddenFill>
+            </a:ext>
+            <a:ext uri="{91240B29-F687-4F45-9708-019B960494DF}">
+              <a14:hiddenLine xmlns:a14="http://schemas.microsoft.com/office/drawing/2010/main" w="9525">
+                <a:solidFill>
+                  <a:schemeClr val="tx1"/>
+                </a:solidFill>
+                <a:miter lim="800000"/>
+                <a:headEnd/>
+                <a:tailEnd/>
+              </a14:hiddenLine>
+            </a:ext>
+            <a:ext uri="{AF507438-7753-43E0-B8FC-AC1667EBCBE1}">
+              <a14:hiddenEffects xmlns:a14="http://schemas.microsoft.com/office/drawing/2010/main">
+                <a:effectLst>
+                  <a:outerShdw dist="35921" dir="2700000" algn="ctr" rotWithShape="0">
+                    <a:schemeClr val="bg2"/>
+                  </a:outerShdw>
+                </a:effectLst>
+              </a14:hiddenEffects>
+            </a:ext>
+          </a:extLst>
+        </p:spPr>
+        <p:txBody>
+          <a:bodyPr vert="horz" wrap="none" lIns="91440" tIns="45720" rIns="91440" bIns="45720" numCol="1" anchor="ctr" anchorCtr="0" compatLnSpc="1">
+            <a:prstTxWarp prst="textNoShape">
+              <a:avLst/>
+            </a:prstTxWarp>
+            <a:spAutoFit/>
+          </a:bodyPr>
+          <a:lstStyle/>
+          <a:p>
+            <a:pPr marL="0" marR="0" lvl="0" indent="0" algn="ctr" defTabSz="914400" rtl="0" eaLnBrk="0" fontAlgn="base" latinLnBrk="0" hangingPunct="0">
+              <a:lnSpc>
+                <a:spcPct val="100000"/>
+              </a:lnSpc>
+              <a:spcBef>
+                <a:spcPct val="0"/>
+              </a:spcBef>
+              <a:spcAft>
+                <a:spcPct val="0"/>
+              </a:spcAft>
+              <a:buClrTx/>
+              <a:buSzTx/>
+              <a:buFontTx/>
+              <a:buNone/>
+              <a:tabLst/>
+            </a:pPr>
+            <a:r>
+              <a:rPr kumimoji="0" lang="en-US" altLang="en-US" sz="2000" b="0" i="1" u="none" strike="noStrike" cap="none" normalizeH="0" baseline="0" dirty="0">
+                <a:ln>
+                  <a:noFill/>
+                </a:ln>
+                <a:effectLst/>
+                <a:latin typeface="Times New Roman" panose="02020603050405020304" pitchFamily="18" charset="0"/>
+                <a:ea typeface="Aptos" panose="020B0004020202020204" pitchFamily="34" charset="0"/>
+                <a:cs typeface="Times New Roman" panose="02020603050405020304" pitchFamily="18" charset="0"/>
+              </a:rPr>
+              <a:t>Figure 5: Model’s Dice Coefficient Plot for 500 Images and 500 Masks</a:t>
+            </a:r>
+            <a:endParaRPr kumimoji="0" lang="en-US" altLang="en-US" sz="2000" b="0" i="0" u="none" strike="noStrike" cap="none" normalizeH="0" baseline="0" dirty="0">
+              <a:ln>
+                <a:noFill/>
+              </a:ln>
+              <a:effectLst/>
+              <a:latin typeface="Times New Roman" panose="02020603050405020304" pitchFamily="18" charset="0"/>
+              <a:cs typeface="Times New Roman" panose="02020603050405020304" pitchFamily="18" charset="0"/>
+            </a:endParaRPr>
+          </a:p>
+        </p:txBody>
+      </p:sp>
     </p:spTree>
     <p:extLst>
       <p:ext uri="{BB962C8B-B14F-4D97-AF65-F5344CB8AC3E}">
@@ -25133,23 +26114,6 @@
 </file>
 
 <file path=customXml/item1.xml><?xml version="1.0" encoding="utf-8"?>
-<p:properties xmlns:p="http://schemas.microsoft.com/office/2006/metadata/properties" xmlns:xsi="http://www.w3.org/2001/XMLSchema-instance" xmlns:pc="http://schemas.microsoft.com/office/infopath/2007/PartnerControls">
-  <documentManagement>
-    <MediaServiceKeyPoints xmlns="71af3243-3dd4-4a8d-8c0d-dd76da1f02a5" xsi:nil="true"/>
-  </documentManagement>
-</p:properties>
-</file>
-
-<file path=customXml/item2.xml><?xml version="1.0" encoding="utf-8"?>
-<?mso-contentType ?>
-<FormTemplates xmlns="http://schemas.microsoft.com/sharepoint/v3/contenttype/forms">
-  <Display>DocumentLibraryForm</Display>
-  <Edit>DocumentLibraryForm</Edit>
-  <New>DocumentLibraryForm</New>
-</FormTemplates>
-</file>
-
-<file path=customXml/item3.xml><?xml version="1.0" encoding="utf-8"?>
 <ct:contentTypeSchema xmlns:ct="http://schemas.microsoft.com/office/2006/metadata/contentType" xmlns:ma="http://schemas.microsoft.com/office/2006/metadata/properties/metaAttributes" ct:_="" ma:_="" ma:contentTypeName="Document" ma:contentTypeID="0x01010079F111ED35F8CC479449609E8A0923A6" ma:contentTypeVersion="11" ma:contentTypeDescription="Create a new document." ma:contentTypeScope="" ma:versionID="96291512c1ee715ab617f4c07df79fc1">
   <xsd:schema xmlns:xsd="http://www.w3.org/2001/XMLSchema" xmlns:xs="http://www.w3.org/2001/XMLSchema" xmlns:p="http://schemas.microsoft.com/office/2006/metadata/properties" xmlns:ns2="71af3243-3dd4-4a8d-8c0d-dd76da1f02a5" xmlns:ns3="16c05727-aa75-4e4a-9b5f-8a80a1165891" targetNamespace="http://schemas.microsoft.com/office/2006/metadata/properties" ma:root="true" ma:fieldsID="8256c27c40ca5c40ce1cf6c44f0205df" ns2:_="" ns3:_="">
     <xsd:import namespace="71af3243-3dd4-4a8d-8c0d-dd76da1f02a5"/>
@@ -25360,32 +26324,24 @@
 </ct:contentTypeSchema>
 </file>
 
-<file path=customXml/itemProps1.xml><?xml version="1.0" encoding="utf-8"?>
-<ds:datastoreItem xmlns:ds="http://schemas.openxmlformats.org/officeDocument/2006/customXml" ds:itemID="{E7866CFD-F94E-4AE5-ACEA-86FEC0F48A10}">
-  <ds:schemaRefs>
-    <ds:schemaRef ds:uri="http://purl.org/dc/elements/1.1/"/>
-    <ds:schemaRef ds:uri="http://schemas.microsoft.com/office/2006/documentManagement/types"/>
-    <ds:schemaRef ds:uri="16c05727-aa75-4e4a-9b5f-8a80a1165891"/>
-    <ds:schemaRef ds:uri="http://purl.org/dc/terms/"/>
-    <ds:schemaRef ds:uri="71af3243-3dd4-4a8d-8c0d-dd76da1f02a5"/>
-    <ds:schemaRef ds:uri="http://schemas.microsoft.com/office/infopath/2007/PartnerControls"/>
-    <ds:schemaRef ds:uri="http://www.w3.org/XML/1998/namespace"/>
-    <ds:schemaRef ds:uri="http://schemas.openxmlformats.org/package/2006/metadata/core-properties"/>
-    <ds:schemaRef ds:uri="http://schemas.microsoft.com/office/2006/metadata/properties"/>
-    <ds:schemaRef ds:uri="http://purl.org/dc/dcmitype/"/>
-  </ds:schemaRefs>
-</ds:datastoreItem>
+<file path=customXml/item2.xml><?xml version="1.0" encoding="utf-8"?>
+<?mso-contentType ?>
+<FormTemplates xmlns="http://schemas.microsoft.com/sharepoint/v3/contenttype/forms">
+  <Display>DocumentLibraryForm</Display>
+  <Edit>DocumentLibraryForm</Edit>
+  <New>DocumentLibraryForm</New>
+</FormTemplates>
 </file>
 
-<file path=customXml/itemProps2.xml><?xml version="1.0" encoding="utf-8"?>
-<ds:datastoreItem xmlns:ds="http://schemas.openxmlformats.org/officeDocument/2006/customXml" ds:itemID="{B579702B-25C7-40D7-9E29-7686B11A9660}">
-  <ds:schemaRefs>
-    <ds:schemaRef ds:uri="http://schemas.microsoft.com/sharepoint/v3/contenttype/forms"/>
-  </ds:schemaRefs>
-</ds:datastoreItem>
+<file path=customXml/item3.xml><?xml version="1.0" encoding="utf-8"?>
+<p:properties xmlns:p="http://schemas.microsoft.com/office/2006/metadata/properties" xmlns:xsi="http://www.w3.org/2001/XMLSchema-instance" xmlns:pc="http://schemas.microsoft.com/office/infopath/2007/PartnerControls">
+  <documentManagement>
+    <MediaServiceKeyPoints xmlns="71af3243-3dd4-4a8d-8c0d-dd76da1f02a5" xsi:nil="true"/>
+  </documentManagement>
+</p:properties>
 </file>
 
-<file path=customXml/itemProps3.xml><?xml version="1.0" encoding="utf-8"?>
+<file path=customXml/itemProps1.xml><?xml version="1.0" encoding="utf-8"?>
 <ds:datastoreItem xmlns:ds="http://schemas.openxmlformats.org/officeDocument/2006/customXml" ds:itemID="{A7C0B241-13E5-418D-8920-D23491E2D2C0}">
   <ds:schemaRefs>
     <ds:schemaRef ds:uri="http://schemas.microsoft.com/office/2006/metadata/contentType"/>
@@ -25402,4 +26358,29 @@
     <ds:schemaRef ds:uri="http://schemas.microsoft.com/internal/obd"/>
   </ds:schemaRefs>
 </ds:datastoreItem>
+</file>
+
+<file path=customXml/itemProps2.xml><?xml version="1.0" encoding="utf-8"?>
+<ds:datastoreItem xmlns:ds="http://schemas.openxmlformats.org/officeDocument/2006/customXml" ds:itemID="{B579702B-25C7-40D7-9E29-7686B11A9660}">
+  <ds:schemaRefs>
+    <ds:schemaRef ds:uri="http://schemas.microsoft.com/sharepoint/v3/contenttype/forms"/>
+  </ds:schemaRefs>
+</ds:datastoreItem>
+</file>
+
+<file path=customXml/itemProps3.xml><?xml version="1.0" encoding="utf-8"?>
+<ds:datastoreItem xmlns:ds="http://schemas.openxmlformats.org/officeDocument/2006/customXml" ds:itemID="{E7866CFD-F94E-4AE5-ACEA-86FEC0F48A10}">
+  <ds:schemaRefs>
+    <ds:schemaRef ds:uri="http://purl.org/dc/elements/1.1/"/>
+    <ds:schemaRef ds:uri="http://schemas.microsoft.com/office/2006/documentManagement/types"/>
+    <ds:schemaRef ds:uri="16c05727-aa75-4e4a-9b5f-8a80a1165891"/>
+    <ds:schemaRef ds:uri="http://purl.org/dc/terms/"/>
+    <ds:schemaRef ds:uri="71af3243-3dd4-4a8d-8c0d-dd76da1f02a5"/>
+    <ds:schemaRef ds:uri="http://schemas.microsoft.com/office/infopath/2007/PartnerControls"/>
+    <ds:schemaRef ds:uri="http://www.w3.org/XML/1998/namespace"/>
+    <ds:schemaRef ds:uri="http://schemas.openxmlformats.org/package/2006/metadata/core-properties"/>
+    <ds:schemaRef ds:uri="http://schemas.microsoft.com/office/2006/metadata/properties"/>
+    <ds:schemaRef ds:uri="http://purl.org/dc/dcmitype/"/>
+  </ds:schemaRefs>
+</ds:datastoreItem>
 </file>